--- a/figures/Schematic.pptx
+++ b/figures/Schematic.pptx
@@ -104,6 +104,11 @@
       </a:defRPr>
     </a:lvl9pPr>
   </p:defaultTextStyle>
+  <p:extLst>
+    <p:ext uri="{EFAFB233-063F-42B5-8137-9DF3F51BA10A}">
+      <p15:sldGuideLst xmlns:p15="http://schemas.microsoft.com/office/powerpoint/2012/main"/>
+    </p:ext>
+  </p:extLst>
 </p:presentation>
 </file>
 
@@ -254,7 +259,7 @@
           <a:p>
             <a:fld id="{52D9B48A-4DDE-4515-A7B7-36377E7345FC}" type="datetimeFigureOut">
               <a:rPr lang="en-US" smtClean="0"/>
-              <a:t>5/30/2024</a:t>
+              <a:t>6/5/2024</a:t>
             </a:fld>
             <a:endParaRPr lang="en-US"/>
           </a:p>
@@ -452,7 +457,7 @@
           <a:p>
             <a:fld id="{52D9B48A-4DDE-4515-A7B7-36377E7345FC}" type="datetimeFigureOut">
               <a:rPr lang="en-US" smtClean="0"/>
-              <a:t>5/30/2024</a:t>
+              <a:t>6/5/2024</a:t>
             </a:fld>
             <a:endParaRPr lang="en-US"/>
           </a:p>
@@ -660,7 +665,7 @@
           <a:p>
             <a:fld id="{52D9B48A-4DDE-4515-A7B7-36377E7345FC}" type="datetimeFigureOut">
               <a:rPr lang="en-US" smtClean="0"/>
-              <a:t>5/30/2024</a:t>
+              <a:t>6/5/2024</a:t>
             </a:fld>
             <a:endParaRPr lang="en-US"/>
           </a:p>
@@ -858,7 +863,7 @@
           <a:p>
             <a:fld id="{52D9B48A-4DDE-4515-A7B7-36377E7345FC}" type="datetimeFigureOut">
               <a:rPr lang="en-US" smtClean="0"/>
-              <a:t>5/30/2024</a:t>
+              <a:t>6/5/2024</a:t>
             </a:fld>
             <a:endParaRPr lang="en-US"/>
           </a:p>
@@ -1133,7 +1138,7 @@
           <a:p>
             <a:fld id="{52D9B48A-4DDE-4515-A7B7-36377E7345FC}" type="datetimeFigureOut">
               <a:rPr lang="en-US" smtClean="0"/>
-              <a:t>5/30/2024</a:t>
+              <a:t>6/5/2024</a:t>
             </a:fld>
             <a:endParaRPr lang="en-US"/>
           </a:p>
@@ -1398,7 +1403,7 @@
           <a:p>
             <a:fld id="{52D9B48A-4DDE-4515-A7B7-36377E7345FC}" type="datetimeFigureOut">
               <a:rPr lang="en-US" smtClean="0"/>
-              <a:t>5/30/2024</a:t>
+              <a:t>6/5/2024</a:t>
             </a:fld>
             <a:endParaRPr lang="en-US"/>
           </a:p>
@@ -1810,7 +1815,7 @@
           <a:p>
             <a:fld id="{52D9B48A-4DDE-4515-A7B7-36377E7345FC}" type="datetimeFigureOut">
               <a:rPr lang="en-US" smtClean="0"/>
-              <a:t>5/30/2024</a:t>
+              <a:t>6/5/2024</a:t>
             </a:fld>
             <a:endParaRPr lang="en-US"/>
           </a:p>
@@ -1951,7 +1956,7 @@
           <a:p>
             <a:fld id="{52D9B48A-4DDE-4515-A7B7-36377E7345FC}" type="datetimeFigureOut">
               <a:rPr lang="en-US" smtClean="0"/>
-              <a:t>5/30/2024</a:t>
+              <a:t>6/5/2024</a:t>
             </a:fld>
             <a:endParaRPr lang="en-US"/>
           </a:p>
@@ -2064,7 +2069,7 @@
           <a:p>
             <a:fld id="{52D9B48A-4DDE-4515-A7B7-36377E7345FC}" type="datetimeFigureOut">
               <a:rPr lang="en-US" smtClean="0"/>
-              <a:t>5/30/2024</a:t>
+              <a:t>6/5/2024</a:t>
             </a:fld>
             <a:endParaRPr lang="en-US"/>
           </a:p>
@@ -2375,7 +2380,7 @@
           <a:p>
             <a:fld id="{52D9B48A-4DDE-4515-A7B7-36377E7345FC}" type="datetimeFigureOut">
               <a:rPr lang="en-US" smtClean="0"/>
-              <a:t>5/30/2024</a:t>
+              <a:t>6/5/2024</a:t>
             </a:fld>
             <a:endParaRPr lang="en-US"/>
           </a:p>
@@ -2663,7 +2668,7 @@
           <a:p>
             <a:fld id="{52D9B48A-4DDE-4515-A7B7-36377E7345FC}" type="datetimeFigureOut">
               <a:rPr lang="en-US" smtClean="0"/>
-              <a:t>5/30/2024</a:t>
+              <a:t>6/5/2024</a:t>
             </a:fld>
             <a:endParaRPr lang="en-US"/>
           </a:p>
@@ -2904,7 +2909,7 @@
           <a:p>
             <a:fld id="{52D9B48A-4DDE-4515-A7B7-36377E7345FC}" type="datetimeFigureOut">
               <a:rPr lang="en-US" smtClean="0"/>
-              <a:t>5/30/2024</a:t>
+              <a:t>6/5/2024</a:t>
             </a:fld>
             <a:endParaRPr lang="en-US"/>
           </a:p>
@@ -3321,8 +3326,8 @@
           <a:chExt cx="0" cy="0"/>
         </a:xfrm>
       </p:grpSpPr>
-      <mc:AlternateContent xmlns:mc="http://schemas.openxmlformats.org/markup-compatibility/2006">
-        <mc:Choice xmlns:a14="http://schemas.microsoft.com/office/drawing/2010/main" Requires="a14">
+      <mc:AlternateContent xmlns:mc="http://schemas.openxmlformats.org/markup-compatibility/2006" xmlns:a14="http://schemas.microsoft.com/office/drawing/2010/main">
+        <mc:Choice Requires="a14">
           <p:graphicFrame>
             <p:nvGraphicFramePr>
               <p:cNvPr id="4" name="Table 3">
@@ -3338,13 +3343,13 @@
               <p:nvPr>
                 <p:extLst>
                   <p:ext uri="{D42A27DB-BD31-4B8C-83A1-F6EECF244321}">
-                    <p14:modId xmlns:p14="http://schemas.microsoft.com/office/powerpoint/2010/main" val="2405686218"/>
+                    <p14:modId xmlns:p14="http://schemas.microsoft.com/office/powerpoint/2010/main" val="3421815079"/>
                   </p:ext>
                 </p:extLst>
               </p:nvPr>
             </p:nvGraphicFramePr>
             <p:xfrm>
-              <a:off x="534896" y="477619"/>
+              <a:off x="1169898" y="1083937"/>
               <a:ext cx="5713503" cy="409888"/>
             </p:xfrm>
             <a:graphic>
@@ -3392,7 +3397,7 @@
                                 <m:sSub>
                                   <m:sSubPr>
                                     <m:ctrlPr>
-                                      <a:rPr lang="en-US" sz="1200" b="1" i="1" smtClean="0">
+                                      <a:rPr lang="en-US" sz="1200" b="0" i="1" smtClean="0">
                                         <a:solidFill>
                                           <a:schemeClr val="tx1"/>
                                         </a:solidFill>
@@ -3403,31 +3408,31 @@
                                   </m:sSubPr>
                                   <m:e>
                                     <m:r>
-                                      <a:rPr lang="en-US" sz="1200" b="1" i="1" smtClean="0">
+                                      <a:rPr lang="en-US" sz="1200" b="0" i="1" smtClean="0">
                                         <a:solidFill>
                                           <a:schemeClr val="tx1"/>
                                         </a:solidFill>
                                         <a:latin typeface="Cambria Math" panose="02040503050406030204" pitchFamily="18" charset="0"/>
                                         <a:cs typeface="Times New Roman" panose="02020603050405020304" pitchFamily="18" charset="0"/>
                                       </a:rPr>
-                                      <m:t>𝒙</m:t>
+                                      <m:t>𝑥</m:t>
                                     </m:r>
                                   </m:e>
                                   <m:sub>
                                     <m:r>
-                                      <a:rPr lang="en-US" sz="1200" b="1" i="1" smtClean="0">
+                                      <a:rPr lang="en-US" sz="1200" b="0" i="1" smtClean="0">
                                         <a:solidFill>
                                           <a:schemeClr val="tx1"/>
                                         </a:solidFill>
                                         <a:latin typeface="Cambria Math" panose="02040503050406030204" pitchFamily="18" charset="0"/>
                                         <a:cs typeface="Times New Roman" panose="02020603050405020304" pitchFamily="18" charset="0"/>
                                       </a:rPr>
-                                      <m:t>𝟏</m:t>
+                                      <m:t>1</m:t>
                                     </m:r>
                                   </m:sub>
                                 </m:sSub>
                                 <m:r>
-                                  <a:rPr lang="en-US" sz="1200" b="1" i="1" smtClean="0">
+                                  <a:rPr lang="en-US" sz="1200" b="0" i="1" smtClean="0">
                                     <a:solidFill>
                                       <a:schemeClr val="tx1"/>
                                     </a:solidFill>
@@ -3439,7 +3444,7 @@
                                 <m:sSub>
                                   <m:sSubPr>
                                     <m:ctrlPr>
-                                      <a:rPr lang="en-US" sz="1200" b="1" i="1" smtClean="0">
+                                      <a:rPr lang="en-US" sz="1200" b="0" i="1" smtClean="0">
                                         <a:solidFill>
                                           <a:schemeClr val="tx1"/>
                                         </a:solidFill>
@@ -3450,31 +3455,31 @@
                                   </m:sSubPr>
                                   <m:e>
                                     <m:r>
-                                      <a:rPr lang="en-US" sz="1200" b="1" i="1" smtClean="0">
+                                      <a:rPr lang="en-US" sz="1200" b="0" i="1" smtClean="0">
                                         <a:solidFill>
                                           <a:schemeClr val="tx1"/>
                                         </a:solidFill>
                                         <a:latin typeface="Cambria Math" panose="02040503050406030204" pitchFamily="18" charset="0"/>
                                         <a:cs typeface="Times New Roman" panose="02020603050405020304" pitchFamily="18" charset="0"/>
                                       </a:rPr>
-                                      <m:t>𝒙</m:t>
+                                      <m:t>𝑥</m:t>
                                     </m:r>
                                   </m:e>
                                   <m:sub>
                                     <m:r>
-                                      <a:rPr lang="en-US" sz="1200" b="1" i="1" smtClean="0">
+                                      <a:rPr lang="en-US" sz="1200" b="0" i="1" smtClean="0">
                                         <a:solidFill>
                                           <a:schemeClr val="tx1"/>
                                         </a:solidFill>
                                         <a:latin typeface="Cambria Math" panose="02040503050406030204" pitchFamily="18" charset="0"/>
                                         <a:cs typeface="Times New Roman" panose="02020603050405020304" pitchFamily="18" charset="0"/>
                                       </a:rPr>
-                                      <m:t>𝟐</m:t>
+                                      <m:t>2</m:t>
                                     </m:r>
                                   </m:sub>
                                 </m:sSub>
                                 <m:r>
-                                  <a:rPr lang="en-US" sz="1200" b="1" i="1" smtClean="0">
+                                  <a:rPr lang="en-US" sz="1200" b="0" i="1" smtClean="0">
                                     <a:solidFill>
                                       <a:schemeClr val="tx1"/>
                                     </a:solidFill>
@@ -3486,7 +3491,7 @@
                                 <m:sSub>
                                   <m:sSubPr>
                                     <m:ctrlPr>
-                                      <a:rPr lang="en-US" sz="1200" b="1" i="1" smtClean="0">
+                                      <a:rPr lang="en-US" sz="1200" b="0" i="1" smtClean="0">
                                         <a:solidFill>
                                           <a:schemeClr val="tx1"/>
                                         </a:solidFill>
@@ -3497,33 +3502,33 @@
                                   </m:sSubPr>
                                   <m:e>
                                     <m:r>
-                                      <a:rPr lang="en-US" sz="1200" b="1" i="1" smtClean="0">
+                                      <a:rPr lang="en-US" sz="1200" b="0" i="1" smtClean="0">
                                         <a:solidFill>
                                           <a:schemeClr val="tx1"/>
                                         </a:solidFill>
                                         <a:latin typeface="Cambria Math" panose="02040503050406030204" pitchFamily="18" charset="0"/>
                                         <a:cs typeface="Times New Roman" panose="02020603050405020304" pitchFamily="18" charset="0"/>
                                       </a:rPr>
-                                      <m:t>𝒙</m:t>
+                                      <m:t>𝑥</m:t>
                                     </m:r>
                                   </m:e>
                                   <m:sub>
                                     <m:r>
-                                      <a:rPr lang="en-US" sz="1200" b="1" i="1" smtClean="0">
+                                      <a:rPr lang="en-US" sz="1200" b="0" i="1" smtClean="0">
                                         <a:solidFill>
                                           <a:schemeClr val="tx1"/>
                                         </a:solidFill>
                                         <a:latin typeface="Cambria Math" panose="02040503050406030204" pitchFamily="18" charset="0"/>
                                         <a:cs typeface="Times New Roman" panose="02020603050405020304" pitchFamily="18" charset="0"/>
                                       </a:rPr>
-                                      <m:t>𝒏</m:t>
+                                      <m:t>𝑛</m:t>
                                     </m:r>
                                   </m:sub>
                                 </m:sSub>
                               </m:oMath>
                             </m:oMathPara>
                           </a14:m>
-                          <a:endParaRPr lang="en-US" sz="1200" dirty="0">
+                          <a:endParaRPr lang="en-US" sz="1200" b="0" dirty="0">
                             <a:solidFill>
                               <a:schemeClr val="tx1"/>
                             </a:solidFill>
@@ -3600,7 +3605,7 @@
                                 <m:sSub>
                                   <m:sSubPr>
                                     <m:ctrlPr>
-                                      <a:rPr lang="en-US" sz="1200" b="1" i="1" smtClean="0">
+                                      <a:rPr lang="en-US" sz="1200" b="0" i="1" smtClean="0">
                                         <a:solidFill>
                                           <a:schemeClr val="tx1"/>
                                         </a:solidFill>
@@ -3611,31 +3616,31 @@
                                   </m:sSubPr>
                                   <m:e>
                                     <m:r>
-                                      <a:rPr lang="en-US" sz="1200" b="1" i="1" smtClean="0">
+                                      <a:rPr lang="en-US" sz="1200" b="0" i="1" smtClean="0">
                                         <a:solidFill>
                                           <a:schemeClr val="tx1"/>
                                         </a:solidFill>
                                         <a:latin typeface="Cambria Math" panose="02040503050406030204" pitchFamily="18" charset="0"/>
                                         <a:cs typeface="Times New Roman" panose="02020603050405020304" pitchFamily="18" charset="0"/>
                                       </a:rPr>
-                                      <m:t>𝒗</m:t>
+                                      <m:t>𝑣</m:t>
                                     </m:r>
                                   </m:e>
                                   <m:sub>
                                     <m:r>
-                                      <a:rPr lang="en-US" sz="1200" b="1" i="1" smtClean="0">
+                                      <a:rPr lang="en-US" sz="1200" b="0" i="1" smtClean="0">
                                         <a:solidFill>
                                           <a:schemeClr val="tx1"/>
                                         </a:solidFill>
                                         <a:latin typeface="Cambria Math" panose="02040503050406030204" pitchFamily="18" charset="0"/>
                                         <a:cs typeface="Times New Roman" panose="02020603050405020304" pitchFamily="18" charset="0"/>
                                       </a:rPr>
-                                      <m:t>𝟏</m:t>
+                                      <m:t>1</m:t>
                                     </m:r>
                                   </m:sub>
                                 </m:sSub>
                                 <m:r>
-                                  <a:rPr lang="en-US" sz="1200" b="1" i="1" smtClean="0">
+                                  <a:rPr lang="en-US" sz="1200" b="0" i="1" smtClean="0">
                                     <a:solidFill>
                                       <a:schemeClr val="tx1"/>
                                     </a:solidFill>
@@ -3647,7 +3652,7 @@
                                 <m:sSub>
                                   <m:sSubPr>
                                     <m:ctrlPr>
-                                      <a:rPr lang="en-US" sz="1200" b="1" i="1" smtClean="0">
+                                      <a:rPr lang="en-US" sz="1200" b="0" i="1" smtClean="0">
                                         <a:solidFill>
                                           <a:schemeClr val="tx1"/>
                                         </a:solidFill>
@@ -3658,31 +3663,31 @@
                                   </m:sSubPr>
                                   <m:e>
                                     <m:r>
-                                      <a:rPr lang="en-US" sz="1200" b="1" i="1" smtClean="0">
+                                      <a:rPr lang="en-US" sz="1200" b="0" i="1" smtClean="0">
                                         <a:solidFill>
                                           <a:schemeClr val="tx1"/>
                                         </a:solidFill>
                                         <a:latin typeface="Cambria Math" panose="02040503050406030204" pitchFamily="18" charset="0"/>
                                         <a:cs typeface="Times New Roman" panose="02020603050405020304" pitchFamily="18" charset="0"/>
                                       </a:rPr>
-                                      <m:t>𝒗</m:t>
+                                      <m:t>𝑣</m:t>
                                     </m:r>
                                   </m:e>
                                   <m:sub>
                                     <m:r>
-                                      <a:rPr lang="en-US" sz="1200" b="1" i="1" smtClean="0">
+                                      <a:rPr lang="en-US" sz="1200" b="0" i="1" smtClean="0">
                                         <a:solidFill>
                                           <a:schemeClr val="tx1"/>
                                         </a:solidFill>
                                         <a:latin typeface="Cambria Math" panose="02040503050406030204" pitchFamily="18" charset="0"/>
                                         <a:cs typeface="Times New Roman" panose="02020603050405020304" pitchFamily="18" charset="0"/>
                                       </a:rPr>
-                                      <m:t>𝟐</m:t>
+                                      <m:t>2</m:t>
                                     </m:r>
                                   </m:sub>
                                 </m:sSub>
                                 <m:r>
-                                  <a:rPr lang="en-US" sz="1200" b="1" i="1" smtClean="0">
+                                  <a:rPr lang="en-US" sz="1200" b="0" i="1" smtClean="0">
                                     <a:solidFill>
                                       <a:schemeClr val="tx1"/>
                                     </a:solidFill>
@@ -3694,7 +3699,7 @@
                                 <m:sSub>
                                   <m:sSubPr>
                                     <m:ctrlPr>
-                                      <a:rPr lang="en-US" sz="1200" b="1" i="1" smtClean="0">
+                                      <a:rPr lang="en-US" sz="1200" b="0" i="1" smtClean="0">
                                         <a:solidFill>
                                           <a:schemeClr val="tx1"/>
                                         </a:solidFill>
@@ -3705,33 +3710,33 @@
                                   </m:sSubPr>
                                   <m:e>
                                     <m:r>
-                                      <a:rPr lang="en-US" sz="1200" b="1" i="1" smtClean="0">
+                                      <a:rPr lang="en-US" sz="1200" b="0" i="1" smtClean="0">
                                         <a:solidFill>
                                           <a:schemeClr val="tx1"/>
                                         </a:solidFill>
                                         <a:latin typeface="Cambria Math" panose="02040503050406030204" pitchFamily="18" charset="0"/>
                                         <a:cs typeface="Times New Roman" panose="02020603050405020304" pitchFamily="18" charset="0"/>
                                       </a:rPr>
-                                      <m:t>𝒗</m:t>
+                                      <m:t>𝑣</m:t>
                                     </m:r>
                                   </m:e>
                                   <m:sub>
                                     <m:r>
-                                      <a:rPr lang="en-US" sz="1200" b="1" i="1" smtClean="0">
+                                      <a:rPr lang="en-US" sz="1200" b="0" i="1" smtClean="0">
                                         <a:solidFill>
                                           <a:schemeClr val="tx1"/>
                                         </a:solidFill>
                                         <a:latin typeface="Cambria Math" panose="02040503050406030204" pitchFamily="18" charset="0"/>
                                         <a:cs typeface="Times New Roman" panose="02020603050405020304" pitchFamily="18" charset="0"/>
                                       </a:rPr>
-                                      <m:t>𝒏</m:t>
+                                      <m:t>𝑛</m:t>
                                     </m:r>
                                   </m:sub>
                                 </m:sSub>
                               </m:oMath>
                             </m:oMathPara>
                           </a14:m>
-                          <a:endParaRPr lang="en-US" sz="1200" dirty="0">
+                          <a:endParaRPr lang="en-US" sz="1200" b="0" dirty="0">
                             <a:solidFill>
                               <a:schemeClr val="tx1"/>
                             </a:solidFill>
@@ -3808,7 +3813,7 @@
                                 <m:sSub>
                                   <m:sSubPr>
                                     <m:ctrlPr>
-                                      <a:rPr lang="en-US" sz="1200" b="1" i="1" smtClean="0">
+                                      <a:rPr lang="en-US" sz="1200" b="0" i="1" smtClean="0">
                                         <a:solidFill>
                                           <a:schemeClr val="tx1"/>
                                         </a:solidFill>
@@ -3819,31 +3824,31 @@
                                   </m:sSubPr>
                                   <m:e>
                                     <m:r>
-                                      <a:rPr lang="en-US" sz="1200" b="1" i="1" smtClean="0">
+                                      <a:rPr lang="en-US" sz="1200" b="0" i="1" smtClean="0">
                                         <a:solidFill>
                                           <a:schemeClr val="tx1"/>
                                         </a:solidFill>
                                         <a:latin typeface="Cambria Math" panose="02040503050406030204" pitchFamily="18" charset="0"/>
                                         <a:cs typeface="Times New Roman" panose="02020603050405020304" pitchFamily="18" charset="0"/>
                                       </a:rPr>
-                                      <m:t>𝒎</m:t>
+                                      <m:t>𝑚</m:t>
                                     </m:r>
                                   </m:e>
                                   <m:sub>
                                     <m:r>
-                                      <a:rPr lang="en-US" sz="1200" b="1" i="1" smtClean="0">
+                                      <a:rPr lang="en-US" sz="1200" b="0" i="1" smtClean="0">
                                         <a:solidFill>
                                           <a:schemeClr val="tx1"/>
                                         </a:solidFill>
                                         <a:latin typeface="Cambria Math" panose="02040503050406030204" pitchFamily="18" charset="0"/>
                                         <a:cs typeface="Times New Roman" panose="02020603050405020304" pitchFamily="18" charset="0"/>
                                       </a:rPr>
-                                      <m:t>𝟏</m:t>
+                                      <m:t>1</m:t>
                                     </m:r>
                                   </m:sub>
                                 </m:sSub>
                                 <m:r>
-                                  <a:rPr lang="en-US" sz="1200" b="1" i="1" smtClean="0">
+                                  <a:rPr lang="en-US" sz="1200" b="0" i="1" smtClean="0">
                                     <a:solidFill>
                                       <a:schemeClr val="tx1"/>
                                     </a:solidFill>
@@ -3855,7 +3860,7 @@
                                 <m:sSub>
                                   <m:sSubPr>
                                     <m:ctrlPr>
-                                      <a:rPr lang="en-US" sz="1200" b="1" i="1" smtClean="0">
+                                      <a:rPr lang="en-US" sz="1200" b="0" i="1" smtClean="0">
                                         <a:solidFill>
                                           <a:schemeClr val="tx1"/>
                                         </a:solidFill>
@@ -3866,31 +3871,31 @@
                                   </m:sSubPr>
                                   <m:e>
                                     <m:r>
-                                      <a:rPr lang="en-US" sz="1200" b="1" i="1" smtClean="0">
+                                      <a:rPr lang="en-US" sz="1200" b="0" i="1" smtClean="0">
                                         <a:solidFill>
                                           <a:schemeClr val="tx1"/>
                                         </a:solidFill>
                                         <a:latin typeface="Cambria Math" panose="02040503050406030204" pitchFamily="18" charset="0"/>
                                         <a:cs typeface="Times New Roman" panose="02020603050405020304" pitchFamily="18" charset="0"/>
                                       </a:rPr>
-                                      <m:t>𝒎</m:t>
+                                      <m:t>𝑚</m:t>
                                     </m:r>
                                   </m:e>
                                   <m:sub>
                                     <m:r>
-                                      <a:rPr lang="en-US" sz="1200" b="1" i="1" smtClean="0">
+                                      <a:rPr lang="en-US" sz="1200" b="0" i="1" smtClean="0">
                                         <a:solidFill>
                                           <a:schemeClr val="tx1"/>
                                         </a:solidFill>
                                         <a:latin typeface="Cambria Math" panose="02040503050406030204" pitchFamily="18" charset="0"/>
                                         <a:cs typeface="Times New Roman" panose="02020603050405020304" pitchFamily="18" charset="0"/>
                                       </a:rPr>
-                                      <m:t>𝟐</m:t>
+                                      <m:t>2</m:t>
                                     </m:r>
                                   </m:sub>
                                 </m:sSub>
                                 <m:r>
-                                  <a:rPr lang="en-US" sz="1200" b="1" i="1" smtClean="0">
+                                  <a:rPr lang="en-US" sz="1200" b="0" i="1" smtClean="0">
                                     <a:solidFill>
                                       <a:schemeClr val="tx1"/>
                                     </a:solidFill>
@@ -3902,7 +3907,7 @@
                                 <m:sSub>
                                   <m:sSubPr>
                                     <m:ctrlPr>
-                                      <a:rPr lang="en-US" sz="1200" b="1" i="1" smtClean="0">
+                                      <a:rPr lang="en-US" sz="1200" b="0" i="1" smtClean="0">
                                         <a:solidFill>
                                           <a:schemeClr val="tx1"/>
                                         </a:solidFill>
@@ -3913,33 +3918,33 @@
                                   </m:sSubPr>
                                   <m:e>
                                     <m:r>
-                                      <a:rPr lang="en-US" sz="1200" b="1" i="1" smtClean="0">
+                                      <a:rPr lang="en-US" sz="1200" b="0" i="1" smtClean="0">
                                         <a:solidFill>
                                           <a:schemeClr val="tx1"/>
                                         </a:solidFill>
                                         <a:latin typeface="Cambria Math" panose="02040503050406030204" pitchFamily="18" charset="0"/>
                                         <a:cs typeface="Times New Roman" panose="02020603050405020304" pitchFamily="18" charset="0"/>
                                       </a:rPr>
-                                      <m:t>𝒎</m:t>
+                                      <m:t>𝑚</m:t>
                                     </m:r>
                                   </m:e>
                                   <m:sub>
                                     <m:r>
-                                      <a:rPr lang="en-US" sz="1200" b="1" i="1" smtClean="0">
+                                      <a:rPr lang="en-US" sz="1200" b="0" i="1" smtClean="0">
                                         <a:solidFill>
                                           <a:schemeClr val="tx1"/>
                                         </a:solidFill>
                                         <a:latin typeface="Cambria Math" panose="02040503050406030204" pitchFamily="18" charset="0"/>
                                         <a:cs typeface="Times New Roman" panose="02020603050405020304" pitchFamily="18" charset="0"/>
                                       </a:rPr>
-                                      <m:t>𝒏</m:t>
+                                      <m:t>𝑛</m:t>
                                     </m:r>
                                   </m:sub>
                                 </m:sSub>
                               </m:oMath>
                             </m:oMathPara>
                           </a14:m>
-                          <a:endParaRPr lang="en-US" sz="1200" dirty="0">
+                          <a:endParaRPr lang="en-US" sz="1200" b="0" dirty="0">
                             <a:solidFill>
                               <a:schemeClr val="tx1"/>
                             </a:solidFill>
@@ -4012,7 +4017,7 @@
             </a:graphic>
           </p:graphicFrame>
         </mc:Choice>
-        <mc:Fallback>
+        <mc:Fallback xmlns="">
           <p:graphicFrame>
             <p:nvGraphicFramePr>
               <p:cNvPr id="4" name="Table 3">
@@ -4028,13 +4033,13 @@
               <p:nvPr>
                 <p:extLst>
                   <p:ext uri="{D42A27DB-BD31-4B8C-83A1-F6EECF244321}">
-                    <p14:modId xmlns:p14="http://schemas.microsoft.com/office/powerpoint/2010/main" val="2405686218"/>
+                    <p14:modId xmlns:p14="http://schemas.microsoft.com/office/powerpoint/2010/main" val="3421815079"/>
                   </p:ext>
                 </p:extLst>
               </p:nvPr>
             </p:nvGraphicFramePr>
             <p:xfrm>
-              <a:off x="534896" y="477619"/>
+              <a:off x="1169898" y="1083937"/>
               <a:ext cx="5713503" cy="409888"/>
             </p:xfrm>
             <a:graphic>
@@ -4123,7 +4128,7 @@
                         <a:blipFill>
                           <a:blip r:embed="rId2"/>
                           <a:stretch>
-                            <a:fillRect l="-559" t="-1471" r="-425698" b="-2941"/>
+                            <a:fillRect l="-559" t="-1449" r="-425698" b="-2899"/>
                           </a:stretch>
                         </a:blipFill>
                       </a:tcPr>
@@ -4184,7 +4189,7 @@
                         <a:blipFill>
                           <a:blip r:embed="rId2"/>
                           <a:stretch>
-                            <a:fillRect l="-90909" t="-1471" r="-284848" b="-2941"/>
+                            <a:fillRect l="-90452" t="-1449" r="-282915" b="-2899"/>
                           </a:stretch>
                         </a:blipFill>
                       </a:tcPr>
@@ -4245,7 +4250,7 @@
                         <a:blipFill>
                           <a:blip r:embed="rId2"/>
                           <a:stretch>
-                            <a:fillRect l="-67380" t="-1471" r="-535" b="-2941"/>
+                            <a:fillRect l="-67558" t="-1449" r="-357" b="-2899"/>
                           </a:stretch>
                         </a:blipFill>
                       </a:tcPr>
@@ -4280,7 +4285,7 @@
         </p:nvCxnSpPr>
         <p:spPr>
           <a:xfrm rot="16200000" flipH="1">
-            <a:off x="6066863" y="477620"/>
+            <a:off x="6701865" y="1083938"/>
             <a:ext cx="181536" cy="181535"/>
           </a:xfrm>
           <a:prstGeom prst="curvedConnector4">
@@ -4289,7 +4294,10 @@
               <a:gd name="adj2" fmla="val 225926"/>
             </a:avLst>
           </a:prstGeom>
-          <a:ln>
+          <a:ln w="19050">
+            <a:solidFill>
+              <a:schemeClr val="tx1"/>
+            </a:solidFill>
             <a:tailEnd type="triangle"/>
           </a:ln>
         </p:spPr>
@@ -4322,7 +4330,7 @@
         </p:nvSpPr>
         <p:spPr>
           <a:xfrm>
-            <a:off x="5885328" y="477619"/>
+            <a:off x="6520330" y="1083937"/>
             <a:ext cx="363071" cy="363071"/>
           </a:xfrm>
           <a:prstGeom prst="ellipse">
@@ -4358,8 +4366,8 @@
           </a:p>
         </p:txBody>
       </p:sp>
-      <mc:AlternateContent xmlns:mc="http://schemas.openxmlformats.org/markup-compatibility/2006">
-        <mc:Choice xmlns:a14="http://schemas.microsoft.com/office/drawing/2010/main" Requires="a14">
+      <mc:AlternateContent xmlns:mc="http://schemas.openxmlformats.org/markup-compatibility/2006" xmlns:a14="http://schemas.microsoft.com/office/drawing/2010/main">
+        <mc:Choice Requires="a14">
           <p:graphicFrame>
             <p:nvGraphicFramePr>
               <p:cNvPr id="18" name="Table 17">
@@ -4375,13 +4383,13 @@
               <p:nvPr>
                 <p:extLst>
                   <p:ext uri="{D42A27DB-BD31-4B8C-83A1-F6EECF244321}">
-                    <p14:modId xmlns:p14="http://schemas.microsoft.com/office/powerpoint/2010/main" val="3268419715"/>
+                    <p14:modId xmlns:p14="http://schemas.microsoft.com/office/powerpoint/2010/main" val="216325143"/>
                   </p:ext>
                 </p:extLst>
               </p:nvPr>
             </p:nvGraphicFramePr>
             <p:xfrm>
-              <a:off x="534895" y="1625101"/>
+              <a:off x="1169897" y="2231419"/>
               <a:ext cx="9102163" cy="409888"/>
             </p:xfrm>
             <a:graphic>
@@ -4436,7 +4444,7 @@
                                 <m:sSub>
                                   <m:sSubPr>
                                     <m:ctrlPr>
-                                      <a:rPr lang="en-US" sz="1200" b="1" i="1" smtClean="0">
+                                      <a:rPr lang="en-US" sz="1200" b="0" i="1" smtClean="0">
                                         <a:solidFill>
                                           <a:schemeClr val="tx1"/>
                                         </a:solidFill>
@@ -4447,31 +4455,31 @@
                                   </m:sSubPr>
                                   <m:e>
                                     <m:r>
-                                      <a:rPr lang="en-US" sz="1200" b="1" i="1" smtClean="0">
+                                      <a:rPr lang="en-US" sz="1200" b="0" i="1" smtClean="0">
                                         <a:solidFill>
                                           <a:schemeClr val="tx1"/>
                                         </a:solidFill>
                                         <a:latin typeface="Cambria Math" panose="02040503050406030204" pitchFamily="18" charset="0"/>
                                         <a:cs typeface="Times New Roman" panose="02020603050405020304" pitchFamily="18" charset="0"/>
                                       </a:rPr>
-                                      <m:t>𝒙</m:t>
+                                      <m:t>𝑥</m:t>
                                     </m:r>
                                   </m:e>
                                   <m:sub>
                                     <m:r>
-                                      <a:rPr lang="en-US" sz="1200" b="1" i="1" smtClean="0">
+                                      <a:rPr lang="en-US" sz="1200" b="0" i="1" smtClean="0">
                                         <a:solidFill>
                                           <a:schemeClr val="tx1"/>
                                         </a:solidFill>
                                         <a:latin typeface="Cambria Math" panose="02040503050406030204" pitchFamily="18" charset="0"/>
                                         <a:cs typeface="Times New Roman" panose="02020603050405020304" pitchFamily="18" charset="0"/>
                                       </a:rPr>
-                                      <m:t>𝟏</m:t>
+                                      <m:t>1</m:t>
                                     </m:r>
                                   </m:sub>
                                 </m:sSub>
                                 <m:r>
-                                  <a:rPr lang="en-US" sz="1200" b="1" i="1" smtClean="0">
+                                  <a:rPr lang="en-US" sz="1200" b="0" i="1" smtClean="0">
                                     <a:solidFill>
                                       <a:schemeClr val="tx1"/>
                                     </a:solidFill>
@@ -4483,7 +4491,7 @@
                                 <m:sSub>
                                   <m:sSubPr>
                                     <m:ctrlPr>
-                                      <a:rPr lang="en-US" sz="1200" b="1" i="1" smtClean="0">
+                                      <a:rPr lang="en-US" sz="1200" b="0" i="1" smtClean="0">
                                         <a:solidFill>
                                           <a:schemeClr val="tx1"/>
                                         </a:solidFill>
@@ -4494,31 +4502,31 @@
                                   </m:sSubPr>
                                   <m:e>
                                     <m:r>
-                                      <a:rPr lang="en-US" sz="1200" b="1" i="1" smtClean="0">
+                                      <a:rPr lang="en-US" sz="1200" b="0" i="1" smtClean="0">
                                         <a:solidFill>
                                           <a:schemeClr val="tx1"/>
                                         </a:solidFill>
                                         <a:latin typeface="Cambria Math" panose="02040503050406030204" pitchFamily="18" charset="0"/>
                                         <a:cs typeface="Times New Roman" panose="02020603050405020304" pitchFamily="18" charset="0"/>
                                       </a:rPr>
-                                      <m:t>𝒙</m:t>
+                                      <m:t>𝑥</m:t>
                                     </m:r>
                                   </m:e>
                                   <m:sub>
                                     <m:r>
-                                      <a:rPr lang="en-US" sz="1200" b="1" i="1" smtClean="0">
+                                      <a:rPr lang="en-US" sz="1200" b="0" i="1" smtClean="0">
                                         <a:solidFill>
                                           <a:schemeClr val="tx1"/>
                                         </a:solidFill>
                                         <a:latin typeface="Cambria Math" panose="02040503050406030204" pitchFamily="18" charset="0"/>
                                         <a:cs typeface="Times New Roman" panose="02020603050405020304" pitchFamily="18" charset="0"/>
                                       </a:rPr>
-                                      <m:t>𝟐</m:t>
+                                      <m:t>2</m:t>
                                     </m:r>
                                   </m:sub>
                                 </m:sSub>
                                 <m:r>
-                                  <a:rPr lang="en-US" sz="1200" b="1" i="1" smtClean="0">
+                                  <a:rPr lang="en-US" sz="1200" b="0" i="1" smtClean="0">
                                     <a:solidFill>
                                       <a:schemeClr val="tx1"/>
                                     </a:solidFill>
@@ -4530,7 +4538,7 @@
                                 <m:sSub>
                                   <m:sSubPr>
                                     <m:ctrlPr>
-                                      <a:rPr lang="en-US" sz="1200" b="1" i="1" smtClean="0">
+                                      <a:rPr lang="en-US" sz="1200" b="0" i="1" smtClean="0">
                                         <a:solidFill>
                                           <a:schemeClr val="tx1"/>
                                         </a:solidFill>
@@ -4541,33 +4549,33 @@
                                   </m:sSubPr>
                                   <m:e>
                                     <m:r>
-                                      <a:rPr lang="en-US" sz="1200" b="1" i="1" smtClean="0">
+                                      <a:rPr lang="en-US" sz="1200" b="0" i="1" smtClean="0">
                                         <a:solidFill>
                                           <a:schemeClr val="tx1"/>
                                         </a:solidFill>
                                         <a:latin typeface="Cambria Math" panose="02040503050406030204" pitchFamily="18" charset="0"/>
                                         <a:cs typeface="Times New Roman" panose="02020603050405020304" pitchFamily="18" charset="0"/>
                                       </a:rPr>
-                                      <m:t>𝒙</m:t>
+                                      <m:t>𝑥</m:t>
                                     </m:r>
                                   </m:e>
                                   <m:sub>
                                     <m:r>
-                                      <a:rPr lang="en-US" sz="1200" b="1" i="1" smtClean="0">
+                                      <a:rPr lang="en-US" sz="1200" b="0" i="1" smtClean="0">
                                         <a:solidFill>
                                           <a:schemeClr val="tx1"/>
                                         </a:solidFill>
                                         <a:latin typeface="Cambria Math" panose="02040503050406030204" pitchFamily="18" charset="0"/>
                                         <a:cs typeface="Times New Roman" panose="02020603050405020304" pitchFamily="18" charset="0"/>
                                       </a:rPr>
-                                      <m:t>𝒏</m:t>
+                                      <m:t>𝑛</m:t>
                                     </m:r>
                                   </m:sub>
                                 </m:sSub>
                               </m:oMath>
                             </m:oMathPara>
                           </a14:m>
-                          <a:endParaRPr lang="en-US" sz="1200" dirty="0">
+                          <a:endParaRPr lang="en-US" sz="1200" b="0" dirty="0">
                             <a:solidFill>
                               <a:schemeClr val="tx1"/>
                             </a:solidFill>
@@ -4644,7 +4652,7 @@
                                 <m:sSub>
                                   <m:sSubPr>
                                     <m:ctrlPr>
-                                      <a:rPr lang="en-US" sz="1200" b="1" i="1" smtClean="0">
+                                      <a:rPr lang="en-US" sz="1200" b="0" i="1" smtClean="0">
                                         <a:solidFill>
                                           <a:schemeClr val="tx1"/>
                                         </a:solidFill>
@@ -4655,31 +4663,31 @@
                                   </m:sSubPr>
                                   <m:e>
                                     <m:r>
-                                      <a:rPr lang="en-US" sz="1200" b="1" i="1" smtClean="0">
+                                      <a:rPr lang="en-US" sz="1200" b="0" i="1" smtClean="0">
                                         <a:solidFill>
                                           <a:schemeClr val="tx1"/>
                                         </a:solidFill>
                                         <a:latin typeface="Cambria Math" panose="02040503050406030204" pitchFamily="18" charset="0"/>
                                         <a:cs typeface="Times New Roman" panose="02020603050405020304" pitchFamily="18" charset="0"/>
                                       </a:rPr>
-                                      <m:t>𝒗</m:t>
+                                      <m:t>𝑣</m:t>
                                     </m:r>
                                   </m:e>
                                   <m:sub>
                                     <m:r>
-                                      <a:rPr lang="en-US" sz="1200" b="1" i="1" smtClean="0">
+                                      <a:rPr lang="en-US" sz="1200" b="0" i="1" smtClean="0">
                                         <a:solidFill>
                                           <a:schemeClr val="tx1"/>
                                         </a:solidFill>
                                         <a:latin typeface="Cambria Math" panose="02040503050406030204" pitchFamily="18" charset="0"/>
                                         <a:cs typeface="Times New Roman" panose="02020603050405020304" pitchFamily="18" charset="0"/>
                                       </a:rPr>
-                                      <m:t>𝟏</m:t>
+                                      <m:t>1</m:t>
                                     </m:r>
                                   </m:sub>
                                 </m:sSub>
                                 <m:r>
-                                  <a:rPr lang="en-US" sz="1200" b="1" i="1" smtClean="0">
+                                  <a:rPr lang="en-US" sz="1200" b="0" i="1" smtClean="0">
                                     <a:solidFill>
                                       <a:schemeClr val="tx1"/>
                                     </a:solidFill>
@@ -4691,7 +4699,7 @@
                                 <m:sSub>
                                   <m:sSubPr>
                                     <m:ctrlPr>
-                                      <a:rPr lang="en-US" sz="1200" b="1" i="1" smtClean="0">
+                                      <a:rPr lang="en-US" sz="1200" b="0" i="1" smtClean="0">
                                         <a:solidFill>
                                           <a:schemeClr val="tx1"/>
                                         </a:solidFill>
@@ -4702,31 +4710,31 @@
                                   </m:sSubPr>
                                   <m:e>
                                     <m:r>
-                                      <a:rPr lang="en-US" sz="1200" b="1" i="1" smtClean="0">
+                                      <a:rPr lang="en-US" sz="1200" b="0" i="1" smtClean="0">
                                         <a:solidFill>
                                           <a:schemeClr val="tx1"/>
                                         </a:solidFill>
                                         <a:latin typeface="Cambria Math" panose="02040503050406030204" pitchFamily="18" charset="0"/>
                                         <a:cs typeface="Times New Roman" panose="02020603050405020304" pitchFamily="18" charset="0"/>
                                       </a:rPr>
-                                      <m:t>𝒗</m:t>
+                                      <m:t>𝑣</m:t>
                                     </m:r>
                                   </m:e>
                                   <m:sub>
                                     <m:r>
-                                      <a:rPr lang="en-US" sz="1200" b="1" i="1" smtClean="0">
+                                      <a:rPr lang="en-US" sz="1200" b="0" i="1" smtClean="0">
                                         <a:solidFill>
                                           <a:schemeClr val="tx1"/>
                                         </a:solidFill>
                                         <a:latin typeface="Cambria Math" panose="02040503050406030204" pitchFamily="18" charset="0"/>
                                         <a:cs typeface="Times New Roman" panose="02020603050405020304" pitchFamily="18" charset="0"/>
                                       </a:rPr>
-                                      <m:t>𝟐</m:t>
+                                      <m:t>2</m:t>
                                     </m:r>
                                   </m:sub>
                                 </m:sSub>
                                 <m:r>
-                                  <a:rPr lang="en-US" sz="1200" b="1" i="1" smtClean="0">
+                                  <a:rPr lang="en-US" sz="1200" b="0" i="1" smtClean="0">
                                     <a:solidFill>
                                       <a:schemeClr val="tx1"/>
                                     </a:solidFill>
@@ -4738,7 +4746,7 @@
                                 <m:sSub>
                                   <m:sSubPr>
                                     <m:ctrlPr>
-                                      <a:rPr lang="en-US" sz="1200" b="1" i="1" smtClean="0">
+                                      <a:rPr lang="en-US" sz="1200" b="0" i="1" smtClean="0">
                                         <a:solidFill>
                                           <a:schemeClr val="tx1"/>
                                         </a:solidFill>
@@ -4749,33 +4757,33 @@
                                   </m:sSubPr>
                                   <m:e>
                                     <m:r>
-                                      <a:rPr lang="en-US" sz="1200" b="1" i="1" smtClean="0">
+                                      <a:rPr lang="en-US" sz="1200" b="0" i="1" smtClean="0">
                                         <a:solidFill>
                                           <a:schemeClr val="tx1"/>
                                         </a:solidFill>
                                         <a:latin typeface="Cambria Math" panose="02040503050406030204" pitchFamily="18" charset="0"/>
                                         <a:cs typeface="Times New Roman" panose="02020603050405020304" pitchFamily="18" charset="0"/>
                                       </a:rPr>
-                                      <m:t>𝒗</m:t>
+                                      <m:t>𝑣</m:t>
                                     </m:r>
                                   </m:e>
                                   <m:sub>
                                     <m:r>
-                                      <a:rPr lang="en-US" sz="1200" b="1" i="1" smtClean="0">
+                                      <a:rPr lang="en-US" sz="1200" b="0" i="1" smtClean="0">
                                         <a:solidFill>
                                           <a:schemeClr val="tx1"/>
                                         </a:solidFill>
                                         <a:latin typeface="Cambria Math" panose="02040503050406030204" pitchFamily="18" charset="0"/>
                                         <a:cs typeface="Times New Roman" panose="02020603050405020304" pitchFamily="18" charset="0"/>
                                       </a:rPr>
-                                      <m:t>𝒏</m:t>
+                                      <m:t>𝑛</m:t>
                                     </m:r>
                                   </m:sub>
                                 </m:sSub>
                               </m:oMath>
                             </m:oMathPara>
                           </a14:m>
-                          <a:endParaRPr lang="en-US" sz="1200" dirty="0">
+                          <a:endParaRPr lang="en-US" sz="1200" b="0" dirty="0">
                             <a:solidFill>
                               <a:schemeClr val="tx1"/>
                             </a:solidFill>
@@ -4852,7 +4860,7 @@
                                 <m:sSub>
                                   <m:sSubPr>
                                     <m:ctrlPr>
-                                      <a:rPr lang="en-US" sz="1200" b="1" i="1" smtClean="0">
+                                      <a:rPr lang="en-US" sz="1200" b="0" i="1" smtClean="0">
                                         <a:solidFill>
                                           <a:schemeClr val="tx1"/>
                                         </a:solidFill>
@@ -4863,31 +4871,31 @@
                                   </m:sSubPr>
                                   <m:e>
                                     <m:r>
-                                      <a:rPr lang="en-US" sz="1200" b="1" i="1" smtClean="0">
+                                      <a:rPr lang="en-US" sz="1200" b="0" i="1" smtClean="0">
                                         <a:solidFill>
                                           <a:schemeClr val="tx1"/>
                                         </a:solidFill>
                                         <a:latin typeface="Cambria Math" panose="02040503050406030204" pitchFamily="18" charset="0"/>
                                         <a:cs typeface="Times New Roman" panose="02020603050405020304" pitchFamily="18" charset="0"/>
                                       </a:rPr>
-                                      <m:t>𝒎</m:t>
+                                      <m:t>𝑚</m:t>
                                     </m:r>
                                   </m:e>
                                   <m:sub>
                                     <m:r>
-                                      <a:rPr lang="en-US" sz="1200" b="1" i="1" smtClean="0">
+                                      <a:rPr lang="en-US" sz="1200" b="0" i="1" smtClean="0">
                                         <a:solidFill>
                                           <a:schemeClr val="tx1"/>
                                         </a:solidFill>
                                         <a:latin typeface="Cambria Math" panose="02040503050406030204" pitchFamily="18" charset="0"/>
                                         <a:cs typeface="Times New Roman" panose="02020603050405020304" pitchFamily="18" charset="0"/>
                                       </a:rPr>
-                                      <m:t>𝟏</m:t>
+                                      <m:t>1</m:t>
                                     </m:r>
                                   </m:sub>
                                 </m:sSub>
                                 <m:r>
-                                  <a:rPr lang="en-US" sz="1200" b="1" i="1" smtClean="0">
+                                  <a:rPr lang="en-US" sz="1200" b="0" i="1" smtClean="0">
                                     <a:solidFill>
                                       <a:schemeClr val="tx1"/>
                                     </a:solidFill>
@@ -4899,7 +4907,7 @@
                                 <m:sSub>
                                   <m:sSubPr>
                                     <m:ctrlPr>
-                                      <a:rPr lang="en-US" sz="1200" b="1" i="1" smtClean="0">
+                                      <a:rPr lang="en-US" sz="1200" b="0" i="1" smtClean="0">
                                         <a:solidFill>
                                           <a:schemeClr val="tx1"/>
                                         </a:solidFill>
@@ -4910,31 +4918,31 @@
                                   </m:sSubPr>
                                   <m:e>
                                     <m:r>
-                                      <a:rPr lang="en-US" sz="1200" b="1" i="1" smtClean="0">
+                                      <a:rPr lang="en-US" sz="1200" b="0" i="1" smtClean="0">
                                         <a:solidFill>
                                           <a:schemeClr val="tx1"/>
                                         </a:solidFill>
                                         <a:latin typeface="Cambria Math" panose="02040503050406030204" pitchFamily="18" charset="0"/>
                                         <a:cs typeface="Times New Roman" panose="02020603050405020304" pitchFamily="18" charset="0"/>
                                       </a:rPr>
-                                      <m:t>𝒎</m:t>
+                                      <m:t>𝑚</m:t>
                                     </m:r>
                                   </m:e>
                                   <m:sub>
                                     <m:r>
-                                      <a:rPr lang="en-US" sz="1200" b="1" i="1" smtClean="0">
+                                      <a:rPr lang="en-US" sz="1200" b="0" i="1" smtClean="0">
                                         <a:solidFill>
                                           <a:schemeClr val="tx1"/>
                                         </a:solidFill>
                                         <a:latin typeface="Cambria Math" panose="02040503050406030204" pitchFamily="18" charset="0"/>
                                         <a:cs typeface="Times New Roman" panose="02020603050405020304" pitchFamily="18" charset="0"/>
                                       </a:rPr>
-                                      <m:t>𝟐</m:t>
+                                      <m:t>2</m:t>
                                     </m:r>
                                   </m:sub>
                                 </m:sSub>
                                 <m:r>
-                                  <a:rPr lang="en-US" sz="1200" b="1" i="1" smtClean="0">
+                                  <a:rPr lang="en-US" sz="1200" b="0" i="1" smtClean="0">
                                     <a:solidFill>
                                       <a:schemeClr val="tx1"/>
                                     </a:solidFill>
@@ -4946,7 +4954,7 @@
                                 <m:sSub>
                                   <m:sSubPr>
                                     <m:ctrlPr>
-                                      <a:rPr lang="en-US" sz="1200" b="1" i="1" smtClean="0">
+                                      <a:rPr lang="en-US" sz="1200" b="0" i="1" smtClean="0">
                                         <a:solidFill>
                                           <a:schemeClr val="tx1"/>
                                         </a:solidFill>
@@ -4957,33 +4965,33 @@
                                   </m:sSubPr>
                                   <m:e>
                                     <m:r>
-                                      <a:rPr lang="en-US" sz="1200" b="1" i="1" smtClean="0">
+                                      <a:rPr lang="en-US" sz="1200" b="0" i="1" smtClean="0">
                                         <a:solidFill>
                                           <a:schemeClr val="tx1"/>
                                         </a:solidFill>
                                         <a:latin typeface="Cambria Math" panose="02040503050406030204" pitchFamily="18" charset="0"/>
                                         <a:cs typeface="Times New Roman" panose="02020603050405020304" pitchFamily="18" charset="0"/>
                                       </a:rPr>
-                                      <m:t>𝒎</m:t>
+                                      <m:t>𝑚</m:t>
                                     </m:r>
                                   </m:e>
                                   <m:sub>
                                     <m:r>
-                                      <a:rPr lang="en-US" sz="1200" b="1" i="1" smtClean="0">
+                                      <a:rPr lang="en-US" sz="1200" b="0" i="1" smtClean="0">
                                         <a:solidFill>
                                           <a:schemeClr val="tx1"/>
                                         </a:solidFill>
                                         <a:latin typeface="Cambria Math" panose="02040503050406030204" pitchFamily="18" charset="0"/>
                                         <a:cs typeface="Times New Roman" panose="02020603050405020304" pitchFamily="18" charset="0"/>
                                       </a:rPr>
-                                      <m:t>𝒏</m:t>
+                                      <m:t>𝑛</m:t>
                                     </m:r>
                                   </m:sub>
                                 </m:sSub>
                               </m:oMath>
                             </m:oMathPara>
                           </a14:m>
-                          <a:endParaRPr lang="en-US" sz="1200" dirty="0">
+                          <a:endParaRPr lang="en-US" sz="1200" b="0" dirty="0">
                             <a:solidFill>
                               <a:schemeClr val="tx1"/>
                             </a:solidFill>
@@ -5052,7 +5060,7 @@
                         <a:p>
                           <a:pPr algn="ctr"/>
                           <a:r>
-                            <a:rPr lang="en-US" sz="1200" dirty="0">
+                            <a:rPr lang="en-US" sz="1200" b="0" dirty="0">
                               <a:solidFill>
                                 <a:schemeClr val="tx1"/>
                               </a:solidFill>
@@ -5109,7 +5117,10 @@
                           <a:prstDash val="solid"/>
                         </a:lnBlToTr>
                         <a:solidFill>
-                          <a:schemeClr val="bg1"/>
+                          <a:schemeClr val="accent5">
+                            <a:lumMod val="20000"/>
+                            <a:lumOff val="80000"/>
+                          </a:schemeClr>
                         </a:solidFill>
                       </a:tcPr>
                     </a:tc>
@@ -5124,7 +5135,7 @@
             </a:graphic>
           </p:graphicFrame>
         </mc:Choice>
-        <mc:Fallback>
+        <mc:Fallback xmlns="">
           <p:graphicFrame>
             <p:nvGraphicFramePr>
               <p:cNvPr id="18" name="Table 17">
@@ -5140,13 +5151,13 @@
               <p:nvPr>
                 <p:extLst>
                   <p:ext uri="{D42A27DB-BD31-4B8C-83A1-F6EECF244321}">
-                    <p14:modId xmlns:p14="http://schemas.microsoft.com/office/powerpoint/2010/main" val="3268419715"/>
+                    <p14:modId xmlns:p14="http://schemas.microsoft.com/office/powerpoint/2010/main" val="216325143"/>
                   </p:ext>
                 </p:extLst>
               </p:nvPr>
             </p:nvGraphicFramePr>
             <p:xfrm>
-              <a:off x="534895" y="1625101"/>
+              <a:off x="1169897" y="2231419"/>
               <a:ext cx="9102163" cy="409888"/>
             </p:xfrm>
             <a:graphic>
@@ -5242,7 +5253,7 @@
                         <a:blipFill>
                           <a:blip r:embed="rId3"/>
                           <a:stretch>
-                            <a:fillRect l="-562" t="-1471" r="-740449" b="-2941"/>
+                            <a:fillRect l="-562" t="-1471" r="-741011" b="-2941"/>
                           </a:stretch>
                         </a:blipFill>
                       </a:tcPr>
@@ -5303,7 +5314,7 @@
                         <a:blipFill>
                           <a:blip r:embed="rId3"/>
                           <a:stretch>
-                            <a:fillRect l="-90404" t="-1471" r="-565657" b="-2941"/>
+                            <a:fillRect l="-90404" t="-1471" r="-566162" b="-2941"/>
                           </a:stretch>
                         </a:blipFill>
                       </a:tcPr>
@@ -5364,7 +5375,7 @@
                         <a:blipFill>
                           <a:blip r:embed="rId3"/>
                           <a:stretch>
-                            <a:fillRect l="-67442" t="-1471" r="-100358" b="-2941"/>
+                            <a:fillRect l="-67321" t="-1471" r="-100179" b="-2941"/>
                           </a:stretch>
                         </a:blipFill>
                       </a:tcPr>
@@ -5376,7 +5387,7 @@
                         <a:p>
                           <a:pPr algn="ctr"/>
                           <a:r>
-                            <a:rPr lang="en-US" sz="1200" dirty="0">
+                            <a:rPr lang="en-US" sz="1200" b="0" dirty="0">
                               <a:solidFill>
                                 <a:schemeClr val="tx1"/>
                               </a:solidFill>
@@ -5433,7 +5444,10 @@
                           <a:prstDash val="solid"/>
                         </a:lnBlToTr>
                         <a:solidFill>
-                          <a:schemeClr val="bg1"/>
+                          <a:schemeClr val="accent5">
+                            <a:lumMod val="20000"/>
+                            <a:lumOff val="80000"/>
+                          </a:schemeClr>
                         </a:solidFill>
                       </a:tcPr>
                     </a:tc>
@@ -5467,7 +5481,7 @@
         </p:nvCxnSpPr>
         <p:spPr>
           <a:xfrm rot="16200000" flipH="1">
-            <a:off x="6066863" y="1625102"/>
+            <a:off x="6701865" y="2231420"/>
             <a:ext cx="181536" cy="181535"/>
           </a:xfrm>
           <a:prstGeom prst="curvedConnector4">
@@ -5476,7 +5490,10 @@
               <a:gd name="adj2" fmla="val 225926"/>
             </a:avLst>
           </a:prstGeom>
-          <a:ln>
+          <a:ln w="19050">
+            <a:solidFill>
+              <a:schemeClr val="tx1"/>
+            </a:solidFill>
             <a:tailEnd type="triangle"/>
           </a:ln>
         </p:spPr>
@@ -5509,7 +5526,7 @@
         </p:nvSpPr>
         <p:spPr>
           <a:xfrm>
-            <a:off x="5885328" y="1625101"/>
+            <a:off x="6520330" y="2231419"/>
             <a:ext cx="363071" cy="363071"/>
           </a:xfrm>
           <a:prstGeom prst="ellipse">
@@ -5559,8 +5576,8 @@
         </p:nvSpPr>
         <p:spPr>
           <a:xfrm>
-            <a:off x="7761191" y="1626470"/>
-            <a:ext cx="363071" cy="363071"/>
+            <a:off x="8396193" y="2232788"/>
+            <a:ext cx="363071" cy="408517"/>
           </a:xfrm>
           <a:prstGeom prst="ellipse">
             <a:avLst/>
@@ -5613,7 +5630,7 @@
         </p:nvCxnSpPr>
         <p:spPr>
           <a:xfrm rot="16200000" flipH="1">
-            <a:off x="5297706" y="-1018552"/>
+            <a:off x="5932708" y="-412234"/>
             <a:ext cx="738963" cy="4551080"/>
           </a:xfrm>
           <a:prstGeom prst="curvedConnector3">
@@ -5621,7 +5638,10 @@
               <a:gd name="adj1" fmla="val 50000"/>
             </a:avLst>
           </a:prstGeom>
-          <a:ln>
+          <a:ln w="19050">
+            <a:solidFill>
+              <a:schemeClr val="tx1"/>
+            </a:solidFill>
             <a:tailEnd type="triangle"/>
           </a:ln>
         </p:spPr>
@@ -5655,14 +5675,14 @@
           <p:nvPr>
             <p:extLst>
               <p:ext uri="{D42A27DB-BD31-4B8C-83A1-F6EECF244321}">
-                <p14:modId xmlns:p14="http://schemas.microsoft.com/office/powerpoint/2010/main" val="3842955426"/>
+                <p14:modId xmlns:p14="http://schemas.microsoft.com/office/powerpoint/2010/main" val="3558680304"/>
               </p:ext>
             </p:extLst>
           </p:nvPr>
         </p:nvGraphicFramePr>
         <p:xfrm>
-          <a:off x="6248399" y="2790513"/>
-          <a:ext cx="3388658" cy="370840"/>
+          <a:off x="6883401" y="3600031"/>
+          <a:ext cx="3388658" cy="1483360"/>
         </p:xfrm>
         <a:graphic>
           <a:graphicData uri="http://schemas.openxmlformats.org/drawingml/2006/table">
@@ -5687,7 +5707,7 @@
                     <a:p>
                       <a:pPr algn="ctr"/>
                       <a:r>
-                        <a:rPr lang="en-US" sz="1200" dirty="0">
+                        <a:rPr lang="en-US" sz="1200" b="0" dirty="0">
                           <a:solidFill>
                             <a:schemeClr val="tx1"/>
                           </a:solidFill>
@@ -5735,12 +5755,243 @@
                       <a:headEnd type="none" w="med" len="med"/>
                       <a:tailEnd type="none" w="med" len="med"/>
                     </a:lnB>
-                    <a:noFill/>
+                    <a:solidFill>
+                      <a:schemeClr val="accent5">
+                        <a:lumMod val="40000"/>
+                        <a:lumOff val="60000"/>
+                      </a:schemeClr>
+                    </a:solidFill>
                   </a:tcPr>
                 </a:tc>
                 <a:extLst>
                   <a:ext uri="{0D108BD9-81ED-4DB2-BD59-A6C34878D82A}">
                     <a16:rowId xmlns:a16="http://schemas.microsoft.com/office/drawing/2014/main" val="974418207"/>
+                  </a:ext>
+                </a:extLst>
+              </a:tr>
+              <a:tr h="370840">
+                <a:tc>
+                  <a:txBody>
+                    <a:bodyPr/>
+                    <a:lstStyle/>
+                    <a:p>
+                      <a:pPr algn="ctr"/>
+                      <a:r>
+                        <a:rPr lang="en-US" sz="1200" b="0" dirty="0">
+                          <a:solidFill>
+                            <a:schemeClr val="tx1"/>
+                          </a:solidFill>
+                          <a:latin typeface="Times New Roman" panose="02020603050405020304" pitchFamily="18" charset="0"/>
+                          <a:cs typeface="Times New Roman" panose="02020603050405020304" pitchFamily="18" charset="0"/>
+                        </a:rPr>
+                        <a:t>Neighbor Embedding</a:t>
+                      </a:r>
+                    </a:p>
+                  </a:txBody>
+                  <a:tcPr anchor="ctr">
+                    <a:lnL w="12700" cap="flat" cmpd="sng" algn="ctr">
+                      <a:solidFill>
+                        <a:schemeClr val="tx1"/>
+                      </a:solidFill>
+                      <a:prstDash val="solid"/>
+                      <a:round/>
+                      <a:headEnd type="none" w="med" len="med"/>
+                      <a:tailEnd type="none" w="med" len="med"/>
+                    </a:lnL>
+                    <a:lnR w="12700" cap="flat" cmpd="sng" algn="ctr">
+                      <a:solidFill>
+                        <a:schemeClr val="tx1"/>
+                      </a:solidFill>
+                      <a:prstDash val="solid"/>
+                      <a:round/>
+                      <a:headEnd type="none" w="med" len="med"/>
+                      <a:tailEnd type="none" w="med" len="med"/>
+                    </a:lnR>
+                    <a:lnT w="12700" cap="flat" cmpd="sng" algn="ctr">
+                      <a:solidFill>
+                        <a:schemeClr val="tx1"/>
+                      </a:solidFill>
+                      <a:prstDash val="solid"/>
+                      <a:round/>
+                      <a:headEnd type="none" w="med" len="med"/>
+                      <a:tailEnd type="none" w="med" len="med"/>
+                    </a:lnT>
+                    <a:lnB w="12700" cap="flat" cmpd="sng" algn="ctr">
+                      <a:solidFill>
+                        <a:schemeClr val="tx1"/>
+                      </a:solidFill>
+                      <a:prstDash val="solid"/>
+                      <a:round/>
+                      <a:headEnd type="none" w="med" len="med"/>
+                      <a:tailEnd type="none" w="med" len="med"/>
+                    </a:lnB>
+                    <a:solidFill>
+                      <a:schemeClr val="accent5">
+                        <a:lumMod val="40000"/>
+                        <a:lumOff val="60000"/>
+                      </a:schemeClr>
+                    </a:solidFill>
+                  </a:tcPr>
+                </a:tc>
+                <a:extLst>
+                  <a:ext uri="{0D108BD9-81ED-4DB2-BD59-A6C34878D82A}">
+                    <a16:rowId xmlns:a16="http://schemas.microsoft.com/office/drawing/2014/main" val="1093032015"/>
+                  </a:ext>
+                </a:extLst>
+              </a:tr>
+              <a:tr h="370840">
+                <a:tc>
+                  <a:txBody>
+                    <a:bodyPr/>
+                    <a:lstStyle/>
+                    <a:p>
+                      <a:pPr algn="ctr"/>
+                      <a:r>
+                        <a:rPr lang="en-US" sz="1200" b="0" dirty="0">
+                          <a:solidFill>
+                            <a:schemeClr val="tx1"/>
+                          </a:solidFill>
+                          <a:latin typeface="Times New Roman" panose="02020603050405020304" pitchFamily="18" charset="0"/>
+                          <a:cs typeface="Times New Roman" panose="02020603050405020304" pitchFamily="18" charset="0"/>
+                        </a:rPr>
+                        <a:t>…</a:t>
+                      </a:r>
+                    </a:p>
+                  </a:txBody>
+                  <a:tcPr anchor="ctr">
+                    <a:lnL w="12700" cap="flat" cmpd="sng" algn="ctr">
+                      <a:solidFill>
+                        <a:schemeClr val="tx1"/>
+                      </a:solidFill>
+                      <a:prstDash val="solid"/>
+                      <a:round/>
+                      <a:headEnd type="none" w="med" len="med"/>
+                      <a:tailEnd type="none" w="med" len="med"/>
+                    </a:lnL>
+                    <a:lnR w="12700" cap="flat" cmpd="sng" algn="ctr">
+                      <a:solidFill>
+                        <a:schemeClr val="tx1"/>
+                      </a:solidFill>
+                      <a:prstDash val="solid"/>
+                      <a:round/>
+                      <a:headEnd type="none" w="med" len="med"/>
+                      <a:tailEnd type="none" w="med" len="med"/>
+                    </a:lnR>
+                    <a:lnT w="12700" cap="flat" cmpd="sng" algn="ctr">
+                      <a:solidFill>
+                        <a:schemeClr val="tx1"/>
+                      </a:solidFill>
+                      <a:prstDash val="solid"/>
+                      <a:round/>
+                      <a:headEnd type="none" w="med" len="med"/>
+                      <a:tailEnd type="none" w="med" len="med"/>
+                    </a:lnT>
+                    <a:lnB w="12700" cap="flat" cmpd="sng" algn="ctr">
+                      <a:solidFill>
+                        <a:schemeClr val="tx1"/>
+                      </a:solidFill>
+                      <a:prstDash val="solid"/>
+                      <a:round/>
+                      <a:headEnd type="none" w="med" len="med"/>
+                      <a:tailEnd type="none" w="med" len="med"/>
+                    </a:lnB>
+                    <a:solidFill>
+                      <a:schemeClr val="accent5">
+                        <a:lumMod val="40000"/>
+                        <a:lumOff val="60000"/>
+                      </a:schemeClr>
+                    </a:solidFill>
+                  </a:tcPr>
+                </a:tc>
+                <a:extLst>
+                  <a:ext uri="{0D108BD9-81ED-4DB2-BD59-A6C34878D82A}">
+                    <a16:rowId xmlns:a16="http://schemas.microsoft.com/office/drawing/2014/main" val="2871812453"/>
+                  </a:ext>
+                </a:extLst>
+              </a:tr>
+              <a:tr h="370840">
+                <a:tc>
+                  <a:txBody>
+                    <a:bodyPr/>
+                    <a:lstStyle/>
+                    <a:p>
+                      <a:pPr marL="0" marR="0" lvl="0" indent="0" algn="ctr" defTabSz="914400" rtl="0" eaLnBrk="1" fontAlgn="auto" latinLnBrk="0" hangingPunct="1">
+                        <a:lnSpc>
+                          <a:spcPct val="100000"/>
+                        </a:lnSpc>
+                        <a:spcBef>
+                          <a:spcPts val="0"/>
+                        </a:spcBef>
+                        <a:spcAft>
+                          <a:spcPts val="0"/>
+                        </a:spcAft>
+                        <a:buClrTx/>
+                        <a:buSzTx/>
+                        <a:buFontTx/>
+                        <a:buNone/>
+                        <a:tabLst/>
+                        <a:defRPr/>
+                      </a:pPr>
+                      <a:r>
+                        <a:rPr lang="en-US" sz="1200" b="0" dirty="0">
+                          <a:solidFill>
+                            <a:schemeClr val="tx1"/>
+                          </a:solidFill>
+                          <a:latin typeface="Times New Roman" panose="02020603050405020304" pitchFamily="18" charset="0"/>
+                          <a:cs typeface="Times New Roman" panose="02020603050405020304" pitchFamily="18" charset="0"/>
+                        </a:rPr>
+                        <a:t>Neighbor Embedding</a:t>
+                      </a:r>
+                    </a:p>
+                  </a:txBody>
+                  <a:tcPr anchor="ctr">
+                    <a:lnL w="12700" cap="flat" cmpd="sng" algn="ctr">
+                      <a:solidFill>
+                        <a:schemeClr val="tx1"/>
+                      </a:solidFill>
+                      <a:prstDash val="solid"/>
+                      <a:round/>
+                      <a:headEnd type="none" w="med" len="med"/>
+                      <a:tailEnd type="none" w="med" len="med"/>
+                    </a:lnL>
+                    <a:lnR w="12700" cap="flat" cmpd="sng" algn="ctr">
+                      <a:solidFill>
+                        <a:schemeClr val="tx1"/>
+                      </a:solidFill>
+                      <a:prstDash val="solid"/>
+                      <a:round/>
+                      <a:headEnd type="none" w="med" len="med"/>
+                      <a:tailEnd type="none" w="med" len="med"/>
+                    </a:lnR>
+                    <a:lnT w="12700" cap="flat" cmpd="sng" algn="ctr">
+                      <a:solidFill>
+                        <a:schemeClr val="tx1"/>
+                      </a:solidFill>
+                      <a:prstDash val="solid"/>
+                      <a:round/>
+                      <a:headEnd type="none" w="med" len="med"/>
+                      <a:tailEnd type="none" w="med" len="med"/>
+                    </a:lnT>
+                    <a:lnB w="12700" cap="flat" cmpd="sng" algn="ctr">
+                      <a:solidFill>
+                        <a:schemeClr val="tx1"/>
+                      </a:solidFill>
+                      <a:prstDash val="solid"/>
+                      <a:round/>
+                      <a:headEnd type="none" w="med" len="med"/>
+                      <a:tailEnd type="none" w="med" len="med"/>
+                    </a:lnB>
+                    <a:solidFill>
+                      <a:schemeClr val="accent5">
+                        <a:lumMod val="40000"/>
+                        <a:lumOff val="60000"/>
+                      </a:schemeClr>
+                    </a:solidFill>
+                  </a:tcPr>
+                </a:tc>
+                <a:extLst>
+                  <a:ext uri="{0D108BD9-81ED-4DB2-BD59-A6C34878D82A}">
+                    <a16:rowId xmlns:a16="http://schemas.microsoft.com/office/drawing/2014/main" val="1576848628"/>
                   </a:ext>
                 </a:extLst>
               </a:tr>
@@ -5766,8 +6017,3372 @@
         </p:nvCxnSpPr>
         <p:spPr>
           <a:xfrm rot="16200000" flipH="1">
-            <a:off x="6136590" y="984375"/>
-            <a:ext cx="755524" cy="2856752"/>
+            <a:off x="6669992" y="1692293"/>
+            <a:ext cx="958724" cy="2856752"/>
+          </a:xfrm>
+          <a:prstGeom prst="curvedConnector3">
+            <a:avLst>
+              <a:gd name="adj1" fmla="val 50000"/>
+            </a:avLst>
+          </a:prstGeom>
+          <a:ln w="19050">
+            <a:solidFill>
+              <a:schemeClr val="tx1"/>
+            </a:solidFill>
+            <a:tailEnd type="triangle"/>
+          </a:ln>
+        </p:spPr>
+        <p:style>
+          <a:lnRef idx="2">
+            <a:schemeClr val="accent1"/>
+          </a:lnRef>
+          <a:fillRef idx="0">
+            <a:schemeClr val="accent1"/>
+          </a:fillRef>
+          <a:effectRef idx="1">
+            <a:schemeClr val="accent1"/>
+          </a:effectRef>
+          <a:fontRef idx="minor">
+            <a:schemeClr val="tx1"/>
+          </a:fontRef>
+        </p:style>
+      </p:cxnSp>
+      <p:cxnSp>
+        <p:nvCxnSpPr>
+          <p:cNvPr id="6" name="Straight Arrow Connector 5">
+            <a:extLst>
+              <a:ext uri="{FF2B5EF4-FFF2-40B4-BE49-F238E27FC236}">
+                <a16:creationId xmlns:a16="http://schemas.microsoft.com/office/drawing/2014/main" id="{5B9E5DB7-D9B9-7729-860F-9E5BA7F43D2B}"/>
+              </a:ext>
+            </a:extLst>
+          </p:cNvPr>
+          <p:cNvCxnSpPr>
+            <a:cxnSpLocks/>
+          </p:cNvCxnSpPr>
+          <p:nvPr/>
+        </p:nvCxnSpPr>
+        <p:spPr>
+          <a:xfrm>
+            <a:off x="8779935" y="1075681"/>
+            <a:ext cx="1136525" cy="1083"/>
+          </a:xfrm>
+          <a:prstGeom prst="straightConnector1">
+            <a:avLst/>
+          </a:prstGeom>
+          <a:ln w="19050">
+            <a:solidFill>
+              <a:schemeClr val="tx1"/>
+            </a:solidFill>
+            <a:tailEnd type="triangle"/>
+          </a:ln>
+        </p:spPr>
+        <p:style>
+          <a:lnRef idx="2">
+            <a:schemeClr val="accent1"/>
+          </a:lnRef>
+          <a:fillRef idx="0">
+            <a:schemeClr val="accent1"/>
+          </a:fillRef>
+          <a:effectRef idx="1">
+            <a:schemeClr val="accent1"/>
+          </a:effectRef>
+          <a:fontRef idx="minor">
+            <a:schemeClr val="tx1"/>
+          </a:fontRef>
+        </p:style>
+      </p:cxnSp>
+      <p:sp>
+        <p:nvSpPr>
+          <p:cNvPr id="8" name="TextBox 7">
+            <a:extLst>
+              <a:ext uri="{FF2B5EF4-FFF2-40B4-BE49-F238E27FC236}">
+                <a16:creationId xmlns:a16="http://schemas.microsoft.com/office/drawing/2014/main" id="{B2C0DF63-72F9-E0D7-58DC-AFE6397B6CE8}"/>
+              </a:ext>
+            </a:extLst>
+          </p:cNvPr>
+          <p:cNvSpPr txBox="1"/>
+          <p:nvPr/>
+        </p:nvSpPr>
+        <p:spPr>
+          <a:xfrm>
+            <a:off x="8779935" y="794367"/>
+            <a:ext cx="1136525" cy="276999"/>
+          </a:xfrm>
+          <a:prstGeom prst="rect">
+            <a:avLst/>
+          </a:prstGeom>
+          <a:noFill/>
+        </p:spPr>
+        <p:txBody>
+          <a:bodyPr wrap="square" rtlCol="0" anchor="b">
+            <a:spAutoFit/>
+          </a:bodyPr>
+          <a:lstStyle/>
+          <a:p>
+            <a:pPr algn="ctr"/>
+            <a:r>
+              <a:rPr lang="en-US" sz="1200" dirty="0">
+                <a:latin typeface="Times New Roman" panose="02020603050405020304" pitchFamily="18" charset="0"/>
+                <a:cs typeface="Times New Roman" panose="02020603050405020304" pitchFamily="18" charset="0"/>
+              </a:rPr>
+              <a:t>FCL</a:t>
+            </a:r>
+          </a:p>
+        </p:txBody>
+      </p:sp>
+      <p:graphicFrame>
+        <p:nvGraphicFramePr>
+          <p:cNvPr id="9" name="Table 8">
+            <a:extLst>
+              <a:ext uri="{FF2B5EF4-FFF2-40B4-BE49-F238E27FC236}">
+                <a16:creationId xmlns:a16="http://schemas.microsoft.com/office/drawing/2014/main" id="{7715F917-2A93-6286-1638-4D0F32015AC0}"/>
+              </a:ext>
+            </a:extLst>
+          </p:cNvPr>
+          <p:cNvGraphicFramePr>
+            <a:graphicFrameLocks noGrp="1"/>
+          </p:cNvGraphicFramePr>
+          <p:nvPr>
+            <p:extLst>
+              <p:ext uri="{D42A27DB-BD31-4B8C-83A1-F6EECF244321}">
+                <p14:modId xmlns:p14="http://schemas.microsoft.com/office/powerpoint/2010/main" val="1388928794"/>
+              </p:ext>
+            </p:extLst>
+          </p:nvPr>
+        </p:nvGraphicFramePr>
+        <p:xfrm>
+          <a:off x="1169897" y="3582101"/>
+          <a:ext cx="4936074" cy="370840"/>
+        </p:xfrm>
+        <a:graphic>
+          <a:graphicData uri="http://schemas.openxmlformats.org/drawingml/2006/table">
+            <a:tbl>
+              <a:tblPr firstRow="1" bandRow="1">
+                <a:tableStyleId>{5C22544A-7EE6-4342-B048-85BDC9FD1C3A}</a:tableStyleId>
+              </a:tblPr>
+              <a:tblGrid>
+                <a:gridCol w="448734">
+                  <a:extLst>
+                    <a:ext uri="{9D8B030D-6E8A-4147-A177-3AD203B41FA5}">
+                      <a16:colId xmlns:a16="http://schemas.microsoft.com/office/drawing/2014/main" val="4279338487"/>
+                    </a:ext>
+                  </a:extLst>
+                </a:gridCol>
+                <a:gridCol w="448734">
+                  <a:extLst>
+                    <a:ext uri="{9D8B030D-6E8A-4147-A177-3AD203B41FA5}">
+                      <a16:colId xmlns:a16="http://schemas.microsoft.com/office/drawing/2014/main" val="1412738045"/>
+                    </a:ext>
+                  </a:extLst>
+                </a:gridCol>
+                <a:gridCol w="448734">
+                  <a:extLst>
+                    <a:ext uri="{9D8B030D-6E8A-4147-A177-3AD203B41FA5}">
+                      <a16:colId xmlns:a16="http://schemas.microsoft.com/office/drawing/2014/main" val="3367173774"/>
+                    </a:ext>
+                  </a:extLst>
+                </a:gridCol>
+                <a:gridCol w="448734">
+                  <a:extLst>
+                    <a:ext uri="{9D8B030D-6E8A-4147-A177-3AD203B41FA5}">
+                      <a16:colId xmlns:a16="http://schemas.microsoft.com/office/drawing/2014/main" val="2462418130"/>
+                    </a:ext>
+                  </a:extLst>
+                </a:gridCol>
+                <a:gridCol w="448734">
+                  <a:extLst>
+                    <a:ext uri="{9D8B030D-6E8A-4147-A177-3AD203B41FA5}">
+                      <a16:colId xmlns:a16="http://schemas.microsoft.com/office/drawing/2014/main" val="2591171797"/>
+                    </a:ext>
+                  </a:extLst>
+                </a:gridCol>
+                <a:gridCol w="448734">
+                  <a:extLst>
+                    <a:ext uri="{9D8B030D-6E8A-4147-A177-3AD203B41FA5}">
+                      <a16:colId xmlns:a16="http://schemas.microsoft.com/office/drawing/2014/main" val="1035391106"/>
+                    </a:ext>
+                  </a:extLst>
+                </a:gridCol>
+                <a:gridCol w="448734">
+                  <a:extLst>
+                    <a:ext uri="{9D8B030D-6E8A-4147-A177-3AD203B41FA5}">
+                      <a16:colId xmlns:a16="http://schemas.microsoft.com/office/drawing/2014/main" val="752991435"/>
+                    </a:ext>
+                  </a:extLst>
+                </a:gridCol>
+                <a:gridCol w="448734">
+                  <a:extLst>
+                    <a:ext uri="{9D8B030D-6E8A-4147-A177-3AD203B41FA5}">
+                      <a16:colId xmlns:a16="http://schemas.microsoft.com/office/drawing/2014/main" val="906982145"/>
+                    </a:ext>
+                  </a:extLst>
+                </a:gridCol>
+                <a:gridCol w="448734">
+                  <a:extLst>
+                    <a:ext uri="{9D8B030D-6E8A-4147-A177-3AD203B41FA5}">
+                      <a16:colId xmlns:a16="http://schemas.microsoft.com/office/drawing/2014/main" val="1766631555"/>
+                    </a:ext>
+                  </a:extLst>
+                </a:gridCol>
+                <a:gridCol w="448734">
+                  <a:extLst>
+                    <a:ext uri="{9D8B030D-6E8A-4147-A177-3AD203B41FA5}">
+                      <a16:colId xmlns:a16="http://schemas.microsoft.com/office/drawing/2014/main" val="3036449838"/>
+                    </a:ext>
+                  </a:extLst>
+                </a:gridCol>
+                <a:gridCol w="448734">
+                  <a:extLst>
+                    <a:ext uri="{9D8B030D-6E8A-4147-A177-3AD203B41FA5}">
+                      <a16:colId xmlns:a16="http://schemas.microsoft.com/office/drawing/2014/main" val="1903751817"/>
+                    </a:ext>
+                  </a:extLst>
+                </a:gridCol>
+              </a:tblGrid>
+              <a:tr h="370840">
+                <a:tc>
+                  <a:txBody>
+                    <a:bodyPr/>
+                    <a:lstStyle/>
+                    <a:p>
+                      <a:pPr algn="ctr"/>
+                      <a:r>
+                        <a:rPr lang="en-US" sz="1200" b="0" dirty="0">
+                          <a:solidFill>
+                            <a:schemeClr val="tx1"/>
+                          </a:solidFill>
+                          <a:latin typeface="Times New Roman" panose="02020603050405020304" pitchFamily="18" charset="0"/>
+                          <a:cs typeface="Times New Roman" panose="02020603050405020304" pitchFamily="18" charset="0"/>
+                        </a:rPr>
+                        <a:t>CE</a:t>
+                      </a:r>
+                    </a:p>
+                  </a:txBody>
+                  <a:tcPr anchor="ctr">
+                    <a:lnL w="12700" cap="flat" cmpd="sng" algn="ctr">
+                      <a:solidFill>
+                        <a:schemeClr val="tx1"/>
+                      </a:solidFill>
+                      <a:prstDash val="solid"/>
+                      <a:round/>
+                      <a:headEnd type="none" w="med" len="med"/>
+                      <a:tailEnd type="none" w="med" len="med"/>
+                    </a:lnL>
+                    <a:lnR w="12700" cap="flat" cmpd="sng" algn="ctr">
+                      <a:solidFill>
+                        <a:schemeClr val="tx1"/>
+                      </a:solidFill>
+                      <a:prstDash val="solid"/>
+                      <a:round/>
+                      <a:headEnd type="none" w="med" len="med"/>
+                      <a:tailEnd type="none" w="med" len="med"/>
+                    </a:lnR>
+                    <a:lnT w="12700" cap="flat" cmpd="sng" algn="ctr">
+                      <a:solidFill>
+                        <a:schemeClr val="tx1"/>
+                      </a:solidFill>
+                      <a:prstDash val="solid"/>
+                      <a:round/>
+                      <a:headEnd type="none" w="med" len="med"/>
+                      <a:tailEnd type="none" w="med" len="med"/>
+                    </a:lnT>
+                    <a:lnB w="12700" cap="flat" cmpd="sng" algn="ctr">
+                      <a:solidFill>
+                        <a:schemeClr val="tx1"/>
+                      </a:solidFill>
+                      <a:prstDash val="solid"/>
+                      <a:round/>
+                      <a:headEnd type="none" w="med" len="med"/>
+                      <a:tailEnd type="none" w="med" len="med"/>
+                    </a:lnB>
+                    <a:solidFill>
+                      <a:schemeClr val="accent5">
+                        <a:lumMod val="20000"/>
+                        <a:lumOff val="80000"/>
+                      </a:schemeClr>
+                    </a:solidFill>
+                  </a:tcPr>
+                </a:tc>
+                <a:tc>
+                  <a:txBody>
+                    <a:bodyPr/>
+                    <a:lstStyle/>
+                    <a:p>
+                      <a:pPr algn="ctr"/>
+                      <a:r>
+                        <a:rPr lang="en-US" sz="1200" b="0" dirty="0">
+                          <a:solidFill>
+                            <a:schemeClr val="tx1"/>
+                          </a:solidFill>
+                          <a:latin typeface="Times New Roman" panose="02020603050405020304" pitchFamily="18" charset="0"/>
+                          <a:cs typeface="Times New Roman" panose="02020603050405020304" pitchFamily="18" charset="0"/>
+                        </a:rPr>
+                        <a:t>NE</a:t>
+                      </a:r>
+                    </a:p>
+                  </a:txBody>
+                  <a:tcPr anchor="ctr">
+                    <a:lnL w="12700" cap="flat" cmpd="sng" algn="ctr">
+                      <a:solidFill>
+                        <a:schemeClr val="tx1"/>
+                      </a:solidFill>
+                      <a:prstDash val="solid"/>
+                      <a:round/>
+                      <a:headEnd type="none" w="med" len="med"/>
+                      <a:tailEnd type="none" w="med" len="med"/>
+                    </a:lnL>
+                    <a:lnR w="12700" cap="flat" cmpd="sng" algn="ctr">
+                      <a:solidFill>
+                        <a:schemeClr val="tx1"/>
+                      </a:solidFill>
+                      <a:prstDash val="solid"/>
+                      <a:round/>
+                      <a:headEnd type="none" w="med" len="med"/>
+                      <a:tailEnd type="none" w="med" len="med"/>
+                    </a:lnR>
+                    <a:lnT w="12700" cap="flat" cmpd="sng" algn="ctr">
+                      <a:solidFill>
+                        <a:schemeClr val="tx1"/>
+                      </a:solidFill>
+                      <a:prstDash val="solid"/>
+                      <a:round/>
+                      <a:headEnd type="none" w="med" len="med"/>
+                      <a:tailEnd type="none" w="med" len="med"/>
+                    </a:lnT>
+                    <a:lnB w="12700" cap="flat" cmpd="sng" algn="ctr">
+                      <a:solidFill>
+                        <a:schemeClr val="tx1"/>
+                      </a:solidFill>
+                      <a:prstDash val="solid"/>
+                      <a:round/>
+                      <a:headEnd type="none" w="med" len="med"/>
+                      <a:tailEnd type="none" w="med" len="med"/>
+                    </a:lnB>
+                    <a:solidFill>
+                      <a:schemeClr val="accent5">
+                        <a:lumMod val="40000"/>
+                        <a:lumOff val="60000"/>
+                      </a:schemeClr>
+                    </a:solidFill>
+                  </a:tcPr>
+                </a:tc>
+                <a:tc>
+                  <a:txBody>
+                    <a:bodyPr/>
+                    <a:lstStyle/>
+                    <a:p>
+                      <a:pPr algn="ctr"/>
+                      <a:r>
+                        <a:rPr lang="en-US" sz="1200" b="0" dirty="0">
+                          <a:solidFill>
+                            <a:schemeClr val="tx1"/>
+                          </a:solidFill>
+                          <a:latin typeface="Times New Roman" panose="02020603050405020304" pitchFamily="18" charset="0"/>
+                          <a:cs typeface="Times New Roman" panose="02020603050405020304" pitchFamily="18" charset="0"/>
+                        </a:rPr>
+                        <a:t>NE</a:t>
+                      </a:r>
+                    </a:p>
+                  </a:txBody>
+                  <a:tcPr anchor="ctr">
+                    <a:lnL w="12700" cap="flat" cmpd="sng" algn="ctr">
+                      <a:solidFill>
+                        <a:schemeClr val="tx1"/>
+                      </a:solidFill>
+                      <a:prstDash val="solid"/>
+                      <a:round/>
+                      <a:headEnd type="none" w="med" len="med"/>
+                      <a:tailEnd type="none" w="med" len="med"/>
+                    </a:lnL>
+                    <a:lnR w="12700" cap="flat" cmpd="sng" algn="ctr">
+                      <a:solidFill>
+                        <a:schemeClr val="tx1"/>
+                      </a:solidFill>
+                      <a:prstDash val="solid"/>
+                      <a:round/>
+                      <a:headEnd type="none" w="med" len="med"/>
+                      <a:tailEnd type="none" w="med" len="med"/>
+                    </a:lnR>
+                    <a:lnT w="12700" cap="flat" cmpd="sng" algn="ctr">
+                      <a:solidFill>
+                        <a:schemeClr val="tx1"/>
+                      </a:solidFill>
+                      <a:prstDash val="solid"/>
+                      <a:round/>
+                      <a:headEnd type="none" w="med" len="med"/>
+                      <a:tailEnd type="none" w="med" len="med"/>
+                    </a:lnT>
+                    <a:lnB w="12700" cap="flat" cmpd="sng" algn="ctr">
+                      <a:solidFill>
+                        <a:schemeClr val="tx1"/>
+                      </a:solidFill>
+                      <a:prstDash val="solid"/>
+                      <a:round/>
+                      <a:headEnd type="none" w="med" len="med"/>
+                      <a:tailEnd type="none" w="med" len="med"/>
+                    </a:lnB>
+                    <a:solidFill>
+                      <a:schemeClr val="accent5">
+                        <a:lumMod val="40000"/>
+                        <a:lumOff val="60000"/>
+                      </a:schemeClr>
+                    </a:solidFill>
+                  </a:tcPr>
+                </a:tc>
+                <a:tc>
+                  <a:txBody>
+                    <a:bodyPr/>
+                    <a:lstStyle/>
+                    <a:p>
+                      <a:pPr algn="ctr"/>
+                      <a:r>
+                        <a:rPr lang="en-US" sz="1200" b="0" dirty="0">
+                          <a:solidFill>
+                            <a:schemeClr val="tx1"/>
+                          </a:solidFill>
+                          <a:latin typeface="Times New Roman" panose="02020603050405020304" pitchFamily="18" charset="0"/>
+                          <a:cs typeface="Times New Roman" panose="02020603050405020304" pitchFamily="18" charset="0"/>
+                        </a:rPr>
+                        <a:t>NE</a:t>
+                      </a:r>
+                    </a:p>
+                  </a:txBody>
+                  <a:tcPr anchor="ctr">
+                    <a:lnL w="12700" cap="flat" cmpd="sng" algn="ctr">
+                      <a:solidFill>
+                        <a:schemeClr val="tx1"/>
+                      </a:solidFill>
+                      <a:prstDash val="solid"/>
+                      <a:round/>
+                      <a:headEnd type="none" w="med" len="med"/>
+                      <a:tailEnd type="none" w="med" len="med"/>
+                    </a:lnL>
+                    <a:lnR w="12700" cap="flat" cmpd="sng" algn="ctr">
+                      <a:solidFill>
+                        <a:schemeClr val="tx1"/>
+                      </a:solidFill>
+                      <a:prstDash val="solid"/>
+                      <a:round/>
+                      <a:headEnd type="none" w="med" len="med"/>
+                      <a:tailEnd type="none" w="med" len="med"/>
+                    </a:lnR>
+                    <a:lnT w="12700" cap="flat" cmpd="sng" algn="ctr">
+                      <a:solidFill>
+                        <a:schemeClr val="tx1"/>
+                      </a:solidFill>
+                      <a:prstDash val="solid"/>
+                      <a:round/>
+                      <a:headEnd type="none" w="med" len="med"/>
+                      <a:tailEnd type="none" w="med" len="med"/>
+                    </a:lnT>
+                    <a:lnB w="12700" cap="flat" cmpd="sng" algn="ctr">
+                      <a:solidFill>
+                        <a:schemeClr val="tx1"/>
+                      </a:solidFill>
+                      <a:prstDash val="solid"/>
+                      <a:round/>
+                      <a:headEnd type="none" w="med" len="med"/>
+                      <a:tailEnd type="none" w="med" len="med"/>
+                    </a:lnB>
+                    <a:solidFill>
+                      <a:schemeClr val="accent5">
+                        <a:lumMod val="40000"/>
+                        <a:lumOff val="60000"/>
+                      </a:schemeClr>
+                    </a:solidFill>
+                  </a:tcPr>
+                </a:tc>
+                <a:tc>
+                  <a:txBody>
+                    <a:bodyPr/>
+                    <a:lstStyle/>
+                    <a:p>
+                      <a:pPr algn="ctr"/>
+                      <a:r>
+                        <a:rPr lang="en-US" sz="1200" b="0" dirty="0">
+                          <a:solidFill>
+                            <a:schemeClr val="tx1"/>
+                          </a:solidFill>
+                          <a:latin typeface="Times New Roman" panose="02020603050405020304" pitchFamily="18" charset="0"/>
+                          <a:cs typeface="Times New Roman" panose="02020603050405020304" pitchFamily="18" charset="0"/>
+                        </a:rPr>
+                        <a:t>NE</a:t>
+                      </a:r>
+                    </a:p>
+                  </a:txBody>
+                  <a:tcPr anchor="ctr">
+                    <a:lnL w="12700" cap="flat" cmpd="sng" algn="ctr">
+                      <a:solidFill>
+                        <a:schemeClr val="tx1"/>
+                      </a:solidFill>
+                      <a:prstDash val="solid"/>
+                      <a:round/>
+                      <a:headEnd type="none" w="med" len="med"/>
+                      <a:tailEnd type="none" w="med" len="med"/>
+                    </a:lnL>
+                    <a:lnR w="12700" cap="flat" cmpd="sng" algn="ctr">
+                      <a:solidFill>
+                        <a:schemeClr val="tx1"/>
+                      </a:solidFill>
+                      <a:prstDash val="solid"/>
+                      <a:round/>
+                      <a:headEnd type="none" w="med" len="med"/>
+                      <a:tailEnd type="none" w="med" len="med"/>
+                    </a:lnR>
+                    <a:lnT w="12700" cap="flat" cmpd="sng" algn="ctr">
+                      <a:solidFill>
+                        <a:schemeClr val="tx1"/>
+                      </a:solidFill>
+                      <a:prstDash val="solid"/>
+                      <a:round/>
+                      <a:headEnd type="none" w="med" len="med"/>
+                      <a:tailEnd type="none" w="med" len="med"/>
+                    </a:lnT>
+                    <a:lnB w="12700" cap="flat" cmpd="sng" algn="ctr">
+                      <a:solidFill>
+                        <a:schemeClr val="tx1"/>
+                      </a:solidFill>
+                      <a:prstDash val="solid"/>
+                      <a:round/>
+                      <a:headEnd type="none" w="med" len="med"/>
+                      <a:tailEnd type="none" w="med" len="med"/>
+                    </a:lnB>
+                    <a:solidFill>
+                      <a:schemeClr val="accent5">
+                        <a:lumMod val="40000"/>
+                        <a:lumOff val="60000"/>
+                      </a:schemeClr>
+                    </a:solidFill>
+                  </a:tcPr>
+                </a:tc>
+                <a:tc>
+                  <a:txBody>
+                    <a:bodyPr/>
+                    <a:lstStyle/>
+                    <a:p>
+                      <a:pPr algn="ctr"/>
+                      <a:r>
+                        <a:rPr lang="en-US" sz="1200" b="0" dirty="0">
+                          <a:solidFill>
+                            <a:schemeClr val="tx1"/>
+                          </a:solidFill>
+                          <a:latin typeface="Times New Roman" panose="02020603050405020304" pitchFamily="18" charset="0"/>
+                          <a:cs typeface="Times New Roman" panose="02020603050405020304" pitchFamily="18" charset="0"/>
+                        </a:rPr>
+                        <a:t>NE</a:t>
+                      </a:r>
+                    </a:p>
+                  </a:txBody>
+                  <a:tcPr anchor="ctr">
+                    <a:lnL w="12700" cap="flat" cmpd="sng" algn="ctr">
+                      <a:solidFill>
+                        <a:schemeClr val="tx1"/>
+                      </a:solidFill>
+                      <a:prstDash val="solid"/>
+                      <a:round/>
+                      <a:headEnd type="none" w="med" len="med"/>
+                      <a:tailEnd type="none" w="med" len="med"/>
+                    </a:lnL>
+                    <a:lnR w="12700" cap="flat" cmpd="sng" algn="ctr">
+                      <a:solidFill>
+                        <a:schemeClr val="tx1"/>
+                      </a:solidFill>
+                      <a:prstDash val="solid"/>
+                      <a:round/>
+                      <a:headEnd type="none" w="med" len="med"/>
+                      <a:tailEnd type="none" w="med" len="med"/>
+                    </a:lnR>
+                    <a:lnT w="12700" cap="flat" cmpd="sng" algn="ctr">
+                      <a:solidFill>
+                        <a:schemeClr val="tx1"/>
+                      </a:solidFill>
+                      <a:prstDash val="solid"/>
+                      <a:round/>
+                      <a:headEnd type="none" w="med" len="med"/>
+                      <a:tailEnd type="none" w="med" len="med"/>
+                    </a:lnT>
+                    <a:lnB w="12700" cap="flat" cmpd="sng" algn="ctr">
+                      <a:solidFill>
+                        <a:schemeClr val="tx1"/>
+                      </a:solidFill>
+                      <a:prstDash val="solid"/>
+                      <a:round/>
+                      <a:headEnd type="none" w="med" len="med"/>
+                      <a:tailEnd type="none" w="med" len="med"/>
+                    </a:lnB>
+                    <a:solidFill>
+                      <a:schemeClr val="accent5">
+                        <a:lumMod val="40000"/>
+                        <a:lumOff val="60000"/>
+                      </a:schemeClr>
+                    </a:solidFill>
+                  </a:tcPr>
+                </a:tc>
+                <a:tc>
+                  <a:txBody>
+                    <a:bodyPr/>
+                    <a:lstStyle/>
+                    <a:p>
+                      <a:pPr algn="ctr"/>
+                      <a:r>
+                        <a:rPr lang="en-US" sz="1200" b="0" dirty="0">
+                          <a:solidFill>
+                            <a:schemeClr val="tx1"/>
+                          </a:solidFill>
+                          <a:latin typeface="Times New Roman" panose="02020603050405020304" pitchFamily="18" charset="0"/>
+                          <a:cs typeface="Times New Roman" panose="02020603050405020304" pitchFamily="18" charset="0"/>
+                        </a:rPr>
+                        <a:t>NE</a:t>
+                      </a:r>
+                    </a:p>
+                  </a:txBody>
+                  <a:tcPr anchor="ctr">
+                    <a:lnL w="12700" cap="flat" cmpd="sng" algn="ctr">
+                      <a:solidFill>
+                        <a:schemeClr val="tx1"/>
+                      </a:solidFill>
+                      <a:prstDash val="solid"/>
+                      <a:round/>
+                      <a:headEnd type="none" w="med" len="med"/>
+                      <a:tailEnd type="none" w="med" len="med"/>
+                    </a:lnL>
+                    <a:lnR w="12700" cap="flat" cmpd="sng" algn="ctr">
+                      <a:solidFill>
+                        <a:schemeClr val="tx1"/>
+                      </a:solidFill>
+                      <a:prstDash val="solid"/>
+                      <a:round/>
+                      <a:headEnd type="none" w="med" len="med"/>
+                      <a:tailEnd type="none" w="med" len="med"/>
+                    </a:lnR>
+                    <a:lnT w="12700" cap="flat" cmpd="sng" algn="ctr">
+                      <a:solidFill>
+                        <a:schemeClr val="tx1"/>
+                      </a:solidFill>
+                      <a:prstDash val="solid"/>
+                      <a:round/>
+                      <a:headEnd type="none" w="med" len="med"/>
+                      <a:tailEnd type="none" w="med" len="med"/>
+                    </a:lnT>
+                    <a:lnB w="12700" cap="flat" cmpd="sng" algn="ctr">
+                      <a:solidFill>
+                        <a:schemeClr val="tx1"/>
+                      </a:solidFill>
+                      <a:prstDash val="solid"/>
+                      <a:round/>
+                      <a:headEnd type="none" w="med" len="med"/>
+                      <a:tailEnd type="none" w="med" len="med"/>
+                    </a:lnB>
+                    <a:solidFill>
+                      <a:schemeClr val="accent5">
+                        <a:lumMod val="40000"/>
+                        <a:lumOff val="60000"/>
+                      </a:schemeClr>
+                    </a:solidFill>
+                  </a:tcPr>
+                </a:tc>
+                <a:tc>
+                  <a:txBody>
+                    <a:bodyPr/>
+                    <a:lstStyle/>
+                    <a:p>
+                      <a:pPr algn="ctr"/>
+                      <a:r>
+                        <a:rPr lang="en-US" sz="1200" b="0" dirty="0">
+                          <a:solidFill>
+                            <a:schemeClr val="tx1"/>
+                          </a:solidFill>
+                          <a:latin typeface="Times New Roman" panose="02020603050405020304" pitchFamily="18" charset="0"/>
+                          <a:cs typeface="Times New Roman" panose="02020603050405020304" pitchFamily="18" charset="0"/>
+                        </a:rPr>
+                        <a:t>NE</a:t>
+                      </a:r>
+                    </a:p>
+                  </a:txBody>
+                  <a:tcPr anchor="ctr">
+                    <a:lnL w="12700" cap="flat" cmpd="sng" algn="ctr">
+                      <a:solidFill>
+                        <a:schemeClr val="tx1"/>
+                      </a:solidFill>
+                      <a:prstDash val="solid"/>
+                      <a:round/>
+                      <a:headEnd type="none" w="med" len="med"/>
+                      <a:tailEnd type="none" w="med" len="med"/>
+                    </a:lnL>
+                    <a:lnR w="12700" cap="flat" cmpd="sng" algn="ctr">
+                      <a:solidFill>
+                        <a:schemeClr val="tx1"/>
+                      </a:solidFill>
+                      <a:prstDash val="solid"/>
+                      <a:round/>
+                      <a:headEnd type="none" w="med" len="med"/>
+                      <a:tailEnd type="none" w="med" len="med"/>
+                    </a:lnR>
+                    <a:lnT w="12700" cap="flat" cmpd="sng" algn="ctr">
+                      <a:solidFill>
+                        <a:schemeClr val="tx1"/>
+                      </a:solidFill>
+                      <a:prstDash val="solid"/>
+                      <a:round/>
+                      <a:headEnd type="none" w="med" len="med"/>
+                      <a:tailEnd type="none" w="med" len="med"/>
+                    </a:lnT>
+                    <a:lnB w="12700" cap="flat" cmpd="sng" algn="ctr">
+                      <a:solidFill>
+                        <a:schemeClr val="tx1"/>
+                      </a:solidFill>
+                      <a:prstDash val="solid"/>
+                      <a:round/>
+                      <a:headEnd type="none" w="med" len="med"/>
+                      <a:tailEnd type="none" w="med" len="med"/>
+                    </a:lnB>
+                    <a:solidFill>
+                      <a:schemeClr val="accent5">
+                        <a:lumMod val="40000"/>
+                        <a:lumOff val="60000"/>
+                      </a:schemeClr>
+                    </a:solidFill>
+                  </a:tcPr>
+                </a:tc>
+                <a:tc>
+                  <a:txBody>
+                    <a:bodyPr/>
+                    <a:lstStyle/>
+                    <a:p>
+                      <a:pPr algn="ctr"/>
+                      <a:r>
+                        <a:rPr lang="en-US" sz="1200" b="0" dirty="0">
+                          <a:solidFill>
+                            <a:schemeClr val="tx1"/>
+                          </a:solidFill>
+                          <a:latin typeface="Times New Roman" panose="02020603050405020304" pitchFamily="18" charset="0"/>
+                          <a:cs typeface="Times New Roman" panose="02020603050405020304" pitchFamily="18" charset="0"/>
+                        </a:rPr>
+                        <a:t>NE</a:t>
+                      </a:r>
+                    </a:p>
+                  </a:txBody>
+                  <a:tcPr anchor="ctr">
+                    <a:lnL w="12700" cap="flat" cmpd="sng" algn="ctr">
+                      <a:solidFill>
+                        <a:schemeClr val="tx1"/>
+                      </a:solidFill>
+                      <a:prstDash val="solid"/>
+                      <a:round/>
+                      <a:headEnd type="none" w="med" len="med"/>
+                      <a:tailEnd type="none" w="med" len="med"/>
+                    </a:lnL>
+                    <a:lnR w="12700" cap="flat" cmpd="sng" algn="ctr">
+                      <a:solidFill>
+                        <a:schemeClr val="tx1"/>
+                      </a:solidFill>
+                      <a:prstDash val="solid"/>
+                      <a:round/>
+                      <a:headEnd type="none" w="med" len="med"/>
+                      <a:tailEnd type="none" w="med" len="med"/>
+                    </a:lnR>
+                    <a:lnT w="12700" cap="flat" cmpd="sng" algn="ctr">
+                      <a:solidFill>
+                        <a:schemeClr val="tx1"/>
+                      </a:solidFill>
+                      <a:prstDash val="solid"/>
+                      <a:round/>
+                      <a:headEnd type="none" w="med" len="med"/>
+                      <a:tailEnd type="none" w="med" len="med"/>
+                    </a:lnT>
+                    <a:lnB w="12700" cap="flat" cmpd="sng" algn="ctr">
+                      <a:solidFill>
+                        <a:schemeClr val="tx1"/>
+                      </a:solidFill>
+                      <a:prstDash val="solid"/>
+                      <a:round/>
+                      <a:headEnd type="none" w="med" len="med"/>
+                      <a:tailEnd type="none" w="med" len="med"/>
+                    </a:lnB>
+                    <a:solidFill>
+                      <a:schemeClr val="accent5">
+                        <a:lumMod val="40000"/>
+                        <a:lumOff val="60000"/>
+                      </a:schemeClr>
+                    </a:solidFill>
+                  </a:tcPr>
+                </a:tc>
+                <a:tc>
+                  <a:txBody>
+                    <a:bodyPr/>
+                    <a:lstStyle/>
+                    <a:p>
+                      <a:pPr algn="ctr"/>
+                      <a:r>
+                        <a:rPr lang="en-US" sz="1200" b="0" dirty="0">
+                          <a:solidFill>
+                            <a:schemeClr val="tx1"/>
+                          </a:solidFill>
+                          <a:latin typeface="Times New Roman" panose="02020603050405020304" pitchFamily="18" charset="0"/>
+                          <a:cs typeface="Times New Roman" panose="02020603050405020304" pitchFamily="18" charset="0"/>
+                        </a:rPr>
+                        <a:t>NE</a:t>
+                      </a:r>
+                    </a:p>
+                  </a:txBody>
+                  <a:tcPr anchor="ctr">
+                    <a:lnL w="12700" cap="flat" cmpd="sng" algn="ctr">
+                      <a:solidFill>
+                        <a:schemeClr val="tx1"/>
+                      </a:solidFill>
+                      <a:prstDash val="solid"/>
+                      <a:round/>
+                      <a:headEnd type="none" w="med" len="med"/>
+                      <a:tailEnd type="none" w="med" len="med"/>
+                    </a:lnL>
+                    <a:lnR w="12700" cap="flat" cmpd="sng" algn="ctr">
+                      <a:solidFill>
+                        <a:schemeClr val="tx1"/>
+                      </a:solidFill>
+                      <a:prstDash val="solid"/>
+                      <a:round/>
+                      <a:headEnd type="none" w="med" len="med"/>
+                      <a:tailEnd type="none" w="med" len="med"/>
+                    </a:lnR>
+                    <a:lnT w="12700" cap="flat" cmpd="sng" algn="ctr">
+                      <a:solidFill>
+                        <a:schemeClr val="tx1"/>
+                      </a:solidFill>
+                      <a:prstDash val="solid"/>
+                      <a:round/>
+                      <a:headEnd type="none" w="med" len="med"/>
+                      <a:tailEnd type="none" w="med" len="med"/>
+                    </a:lnT>
+                    <a:lnB w="12700" cap="flat" cmpd="sng" algn="ctr">
+                      <a:solidFill>
+                        <a:schemeClr val="tx1"/>
+                      </a:solidFill>
+                      <a:prstDash val="solid"/>
+                      <a:round/>
+                      <a:headEnd type="none" w="med" len="med"/>
+                      <a:tailEnd type="none" w="med" len="med"/>
+                    </a:lnB>
+                    <a:solidFill>
+                      <a:schemeClr val="accent5">
+                        <a:lumMod val="40000"/>
+                        <a:lumOff val="60000"/>
+                      </a:schemeClr>
+                    </a:solidFill>
+                  </a:tcPr>
+                </a:tc>
+                <a:tc>
+                  <a:txBody>
+                    <a:bodyPr/>
+                    <a:lstStyle/>
+                    <a:p>
+                      <a:pPr algn="ctr"/>
+                      <a:r>
+                        <a:rPr lang="en-US" sz="1200" b="0" dirty="0">
+                          <a:solidFill>
+                            <a:schemeClr val="tx1"/>
+                          </a:solidFill>
+                          <a:latin typeface="Times New Roman" panose="02020603050405020304" pitchFamily="18" charset="0"/>
+                          <a:cs typeface="Times New Roman" panose="02020603050405020304" pitchFamily="18" charset="0"/>
+                        </a:rPr>
+                        <a:t>NE</a:t>
+                      </a:r>
+                    </a:p>
+                  </a:txBody>
+                  <a:tcPr anchor="ctr">
+                    <a:lnL w="12700" cap="flat" cmpd="sng" algn="ctr">
+                      <a:solidFill>
+                        <a:schemeClr val="tx1"/>
+                      </a:solidFill>
+                      <a:prstDash val="solid"/>
+                      <a:round/>
+                      <a:headEnd type="none" w="med" len="med"/>
+                      <a:tailEnd type="none" w="med" len="med"/>
+                    </a:lnL>
+                    <a:lnR w="12700" cap="flat" cmpd="sng" algn="ctr">
+                      <a:solidFill>
+                        <a:schemeClr val="tx1"/>
+                      </a:solidFill>
+                      <a:prstDash val="solid"/>
+                      <a:round/>
+                      <a:headEnd type="none" w="med" len="med"/>
+                      <a:tailEnd type="none" w="med" len="med"/>
+                    </a:lnR>
+                    <a:lnT w="12700" cap="flat" cmpd="sng" algn="ctr">
+                      <a:solidFill>
+                        <a:schemeClr val="tx1"/>
+                      </a:solidFill>
+                      <a:prstDash val="solid"/>
+                      <a:round/>
+                      <a:headEnd type="none" w="med" len="med"/>
+                      <a:tailEnd type="none" w="med" len="med"/>
+                    </a:lnT>
+                    <a:lnB w="12700" cap="flat" cmpd="sng" algn="ctr">
+                      <a:solidFill>
+                        <a:schemeClr val="tx1"/>
+                      </a:solidFill>
+                      <a:prstDash val="solid"/>
+                      <a:round/>
+                      <a:headEnd type="none" w="med" len="med"/>
+                      <a:tailEnd type="none" w="med" len="med"/>
+                    </a:lnB>
+                    <a:solidFill>
+                      <a:schemeClr val="accent5">
+                        <a:lumMod val="40000"/>
+                        <a:lumOff val="60000"/>
+                      </a:schemeClr>
+                    </a:solidFill>
+                  </a:tcPr>
+                </a:tc>
+                <a:extLst>
+                  <a:ext uri="{0D108BD9-81ED-4DB2-BD59-A6C34878D82A}">
+                    <a16:rowId xmlns:a16="http://schemas.microsoft.com/office/drawing/2014/main" val="1904163923"/>
+                  </a:ext>
+                </a:extLst>
+              </a:tr>
+            </a:tbl>
+          </a:graphicData>
+        </a:graphic>
+      </p:graphicFrame>
+      <p:cxnSp>
+        <p:nvCxnSpPr>
+          <p:cNvPr id="14" name="Straight Connector 13">
+            <a:extLst>
+              <a:ext uri="{FF2B5EF4-FFF2-40B4-BE49-F238E27FC236}">
+                <a16:creationId xmlns:a16="http://schemas.microsoft.com/office/drawing/2014/main" id="{AAE667BA-D48C-74DD-ABBB-5CF8E425F1C9}"/>
+              </a:ext>
+            </a:extLst>
+          </p:cNvPr>
+          <p:cNvCxnSpPr>
+            <a:cxnSpLocks/>
+            <a:stCxn id="26" idx="4"/>
+            <a:endCxn id="32" idx="0"/>
+          </p:cNvCxnSpPr>
+          <p:nvPr/>
+        </p:nvCxnSpPr>
+        <p:spPr>
+          <a:xfrm>
+            <a:off x="8577729" y="2641305"/>
+            <a:ext cx="1" cy="958726"/>
+          </a:xfrm>
+          <a:prstGeom prst="line">
+            <a:avLst/>
+          </a:prstGeom>
+          <a:ln>
+            <a:solidFill>
+              <a:schemeClr val="tx1"/>
+            </a:solidFill>
+            <a:prstDash val="dash"/>
+            <a:headEnd type="none" w="med" len="med"/>
+            <a:tailEnd type="none" w="med" len="med"/>
+          </a:ln>
+        </p:spPr>
+        <p:style>
+          <a:lnRef idx="2">
+            <a:schemeClr val="accent1"/>
+          </a:lnRef>
+          <a:fillRef idx="0">
+            <a:schemeClr val="accent1"/>
+          </a:fillRef>
+          <a:effectRef idx="1">
+            <a:schemeClr val="accent1"/>
+          </a:effectRef>
+          <a:fontRef idx="minor">
+            <a:schemeClr val="tx1"/>
+          </a:fontRef>
+        </p:style>
+      </p:cxnSp>
+      <p:cxnSp>
+        <p:nvCxnSpPr>
+          <p:cNvPr id="21" name="Straight Arrow Connector 20">
+            <a:extLst>
+              <a:ext uri="{FF2B5EF4-FFF2-40B4-BE49-F238E27FC236}">
+                <a16:creationId xmlns:a16="http://schemas.microsoft.com/office/drawing/2014/main" id="{2241FE90-66B0-C221-8AD8-DBE1BDF6CDE5}"/>
+              </a:ext>
+            </a:extLst>
+          </p:cNvPr>
+          <p:cNvCxnSpPr>
+            <a:cxnSpLocks/>
+          </p:cNvCxnSpPr>
+          <p:nvPr/>
+        </p:nvCxnSpPr>
+        <p:spPr>
+          <a:xfrm>
+            <a:off x="8779935" y="1352680"/>
+            <a:ext cx="1136525" cy="1083"/>
+          </a:xfrm>
+          <a:prstGeom prst="straightConnector1">
+            <a:avLst/>
+          </a:prstGeom>
+          <a:ln w="19050">
+            <a:solidFill>
+              <a:schemeClr val="tx1"/>
+            </a:solidFill>
+            <a:prstDash val="dash"/>
+            <a:headEnd type="none" w="med" len="med"/>
+            <a:tailEnd type="none" w="med" len="med"/>
+          </a:ln>
+        </p:spPr>
+        <p:style>
+          <a:lnRef idx="2">
+            <a:schemeClr val="accent1"/>
+          </a:lnRef>
+          <a:fillRef idx="0">
+            <a:schemeClr val="accent1"/>
+          </a:fillRef>
+          <a:effectRef idx="1">
+            <a:schemeClr val="accent1"/>
+          </a:effectRef>
+          <a:fontRef idx="minor">
+            <a:schemeClr val="tx1"/>
+          </a:fontRef>
+        </p:style>
+      </p:cxnSp>
+      <p:sp>
+        <p:nvSpPr>
+          <p:cNvPr id="22" name="TextBox 21">
+            <a:extLst>
+              <a:ext uri="{FF2B5EF4-FFF2-40B4-BE49-F238E27FC236}">
+                <a16:creationId xmlns:a16="http://schemas.microsoft.com/office/drawing/2014/main" id="{F56AFF69-DDDF-6134-8194-036A8BCF698D}"/>
+              </a:ext>
+            </a:extLst>
+          </p:cNvPr>
+          <p:cNvSpPr txBox="1"/>
+          <p:nvPr/>
+        </p:nvSpPr>
+        <p:spPr>
+          <a:xfrm>
+            <a:off x="8779935" y="1071366"/>
+            <a:ext cx="1136525" cy="276999"/>
+          </a:xfrm>
+          <a:prstGeom prst="rect">
+            <a:avLst/>
+          </a:prstGeom>
+          <a:noFill/>
+        </p:spPr>
+        <p:txBody>
+          <a:bodyPr wrap="square" rtlCol="0" anchor="b">
+            <a:spAutoFit/>
+          </a:bodyPr>
+          <a:lstStyle/>
+          <a:p>
+            <a:pPr algn="ctr"/>
+            <a:r>
+              <a:rPr lang="en-US" sz="1200" dirty="0">
+                <a:latin typeface="Times New Roman" panose="02020603050405020304" pitchFamily="18" charset="0"/>
+                <a:cs typeface="Times New Roman" panose="02020603050405020304" pitchFamily="18" charset="0"/>
+              </a:rPr>
+              <a:t>Concatenation</a:t>
+            </a:r>
+          </a:p>
+        </p:txBody>
+      </p:sp>
+      <p:cxnSp>
+        <p:nvCxnSpPr>
+          <p:cNvPr id="25" name="Straight Arrow Connector 24">
+            <a:extLst>
+              <a:ext uri="{FF2B5EF4-FFF2-40B4-BE49-F238E27FC236}">
+                <a16:creationId xmlns:a16="http://schemas.microsoft.com/office/drawing/2014/main" id="{0308811A-C9EA-3063-ACD1-8537A5AB9248}"/>
+              </a:ext>
+            </a:extLst>
+          </p:cNvPr>
+          <p:cNvCxnSpPr>
+            <a:cxnSpLocks/>
+          </p:cNvCxnSpPr>
+          <p:nvPr/>
+        </p:nvCxnSpPr>
+        <p:spPr>
+          <a:xfrm>
+            <a:off x="8779935" y="1632493"/>
+            <a:ext cx="1136525" cy="1083"/>
+          </a:xfrm>
+          <a:prstGeom prst="straightConnector1">
+            <a:avLst/>
+          </a:prstGeom>
+          <a:ln w="19050">
+            <a:solidFill>
+              <a:schemeClr val="tx1"/>
+            </a:solidFill>
+            <a:prstDash val="lgDashDotDot"/>
+            <a:tailEnd type="triangle"/>
+          </a:ln>
+        </p:spPr>
+        <p:style>
+          <a:lnRef idx="2">
+            <a:schemeClr val="accent1"/>
+          </a:lnRef>
+          <a:fillRef idx="0">
+            <a:schemeClr val="accent1"/>
+          </a:fillRef>
+          <a:effectRef idx="1">
+            <a:schemeClr val="accent1"/>
+          </a:effectRef>
+          <a:fontRef idx="minor">
+            <a:schemeClr val="tx1"/>
+          </a:fontRef>
+        </p:style>
+      </p:cxnSp>
+      <p:sp>
+        <p:nvSpPr>
+          <p:cNvPr id="27" name="TextBox 26">
+            <a:extLst>
+              <a:ext uri="{FF2B5EF4-FFF2-40B4-BE49-F238E27FC236}">
+                <a16:creationId xmlns:a16="http://schemas.microsoft.com/office/drawing/2014/main" id="{FB40D6F2-B468-9455-E9D5-24C428D71F21}"/>
+              </a:ext>
+            </a:extLst>
+          </p:cNvPr>
+          <p:cNvSpPr txBox="1"/>
+          <p:nvPr/>
+        </p:nvSpPr>
+        <p:spPr>
+          <a:xfrm>
+            <a:off x="8779935" y="1351179"/>
+            <a:ext cx="1136525" cy="276999"/>
+          </a:xfrm>
+          <a:prstGeom prst="rect">
+            <a:avLst/>
+          </a:prstGeom>
+          <a:noFill/>
+        </p:spPr>
+        <p:txBody>
+          <a:bodyPr wrap="square" rtlCol="0" anchor="b">
+            <a:spAutoFit/>
+          </a:bodyPr>
+          <a:lstStyle/>
+          <a:p>
+            <a:pPr algn="ctr"/>
+            <a:r>
+              <a:rPr lang="en-US" sz="1200" dirty="0">
+                <a:latin typeface="Times New Roman" panose="02020603050405020304" pitchFamily="18" charset="0"/>
+                <a:cs typeface="Times New Roman" panose="02020603050405020304" pitchFamily="18" charset="0"/>
+              </a:rPr>
+              <a:t>Input</a:t>
+            </a:r>
+          </a:p>
+        </p:txBody>
+      </p:sp>
+      <p:cxnSp>
+        <p:nvCxnSpPr>
+          <p:cNvPr id="29" name="Connector: Curved 28">
+            <a:extLst>
+              <a:ext uri="{FF2B5EF4-FFF2-40B4-BE49-F238E27FC236}">
+                <a16:creationId xmlns:a16="http://schemas.microsoft.com/office/drawing/2014/main" id="{DDEA59C5-CB8A-07BF-51E4-E6D8B73E8F17}"/>
+              </a:ext>
+            </a:extLst>
+          </p:cNvPr>
+          <p:cNvCxnSpPr>
+            <a:cxnSpLocks/>
+            <a:stCxn id="32" idx="1"/>
+            <a:endCxn id="9" idx="3"/>
+          </p:cNvCxnSpPr>
+          <p:nvPr/>
+        </p:nvCxnSpPr>
+        <p:spPr>
+          <a:xfrm rot="10800000">
+            <a:off x="6105971" y="3767521"/>
+            <a:ext cx="777430" cy="574190"/>
+          </a:xfrm>
+          <a:prstGeom prst="curvedConnector3">
+            <a:avLst>
+              <a:gd name="adj1" fmla="val 50000"/>
+            </a:avLst>
+          </a:prstGeom>
+          <a:ln w="19050">
+            <a:solidFill>
+              <a:schemeClr val="tx1"/>
+            </a:solidFill>
+            <a:prstDash val="lgDashDotDot"/>
+            <a:tailEnd type="triangle"/>
+          </a:ln>
+        </p:spPr>
+        <p:style>
+          <a:lnRef idx="2">
+            <a:schemeClr val="accent1"/>
+          </a:lnRef>
+          <a:fillRef idx="0">
+            <a:schemeClr val="accent1"/>
+          </a:fillRef>
+          <a:effectRef idx="1">
+            <a:schemeClr val="accent1"/>
+          </a:effectRef>
+          <a:fontRef idx="minor">
+            <a:schemeClr val="tx1"/>
+          </a:fontRef>
+        </p:style>
+      </p:cxnSp>
+      <p:sp>
+        <p:nvSpPr>
+          <p:cNvPr id="33" name="Left Brace 32">
+            <a:extLst>
+              <a:ext uri="{FF2B5EF4-FFF2-40B4-BE49-F238E27FC236}">
+                <a16:creationId xmlns:a16="http://schemas.microsoft.com/office/drawing/2014/main" id="{3153733B-43DA-3126-6340-FDA518171465}"/>
+              </a:ext>
+            </a:extLst>
+          </p:cNvPr>
+          <p:cNvSpPr/>
+          <p:nvPr/>
+        </p:nvSpPr>
+        <p:spPr>
+          <a:xfrm rot="5400000">
+            <a:off x="3533243" y="968710"/>
+            <a:ext cx="190454" cy="4936074"/>
+          </a:xfrm>
+          <a:prstGeom prst="leftBrace">
+            <a:avLst/>
+          </a:prstGeom>
+          <a:ln>
+            <a:solidFill>
+              <a:schemeClr val="tx1"/>
+            </a:solidFill>
+          </a:ln>
+        </p:spPr>
+        <p:style>
+          <a:lnRef idx="2">
+            <a:schemeClr val="accent1"/>
+          </a:lnRef>
+          <a:fillRef idx="0">
+            <a:schemeClr val="accent1"/>
+          </a:fillRef>
+          <a:effectRef idx="1">
+            <a:schemeClr val="accent1"/>
+          </a:effectRef>
+          <a:fontRef idx="minor">
+            <a:schemeClr val="tx1"/>
+          </a:fontRef>
+        </p:style>
+        <p:txBody>
+          <a:bodyPr rtlCol="0" anchor="ctr"/>
+          <a:lstStyle/>
+          <a:p>
+            <a:pPr algn="ctr"/>
+            <a:endParaRPr lang="en-US"/>
+          </a:p>
+        </p:txBody>
+      </p:sp>
+      <p:sp>
+        <p:nvSpPr>
+          <p:cNvPr id="36" name="Left Brace 35">
+            <a:extLst>
+              <a:ext uri="{FF2B5EF4-FFF2-40B4-BE49-F238E27FC236}">
+                <a16:creationId xmlns:a16="http://schemas.microsoft.com/office/drawing/2014/main" id="{86F52625-A82B-4AF6-0F73-19A70C25B658}"/>
+              </a:ext>
+            </a:extLst>
+          </p:cNvPr>
+          <p:cNvSpPr/>
+          <p:nvPr/>
+        </p:nvSpPr>
+        <p:spPr>
+          <a:xfrm rot="10800000">
+            <a:off x="10358073" y="3600031"/>
+            <a:ext cx="191043" cy="1483361"/>
+          </a:xfrm>
+          <a:prstGeom prst="leftBrace">
+            <a:avLst/>
+          </a:prstGeom>
+          <a:ln>
+            <a:solidFill>
+              <a:schemeClr val="tx1"/>
+            </a:solidFill>
+          </a:ln>
+        </p:spPr>
+        <p:style>
+          <a:lnRef idx="2">
+            <a:schemeClr val="accent1"/>
+          </a:lnRef>
+          <a:fillRef idx="0">
+            <a:schemeClr val="accent1"/>
+          </a:fillRef>
+          <a:effectRef idx="1">
+            <a:schemeClr val="accent1"/>
+          </a:effectRef>
+          <a:fontRef idx="minor">
+            <a:schemeClr val="tx1"/>
+          </a:fontRef>
+        </p:style>
+        <p:txBody>
+          <a:bodyPr rtlCol="0" anchor="ctr"/>
+          <a:lstStyle/>
+          <a:p>
+            <a:pPr algn="ctr"/>
+            <a:endParaRPr lang="en-US"/>
+          </a:p>
+        </p:txBody>
+      </p:sp>
+      <p:sp>
+        <p:nvSpPr>
+          <p:cNvPr id="37" name="TextBox 36">
+            <a:extLst>
+              <a:ext uri="{FF2B5EF4-FFF2-40B4-BE49-F238E27FC236}">
+                <a16:creationId xmlns:a16="http://schemas.microsoft.com/office/drawing/2014/main" id="{453BA689-28EB-C95D-C103-AF48F9ADF547}"/>
+              </a:ext>
+            </a:extLst>
+          </p:cNvPr>
+          <p:cNvSpPr txBox="1"/>
+          <p:nvPr/>
+        </p:nvSpPr>
+        <p:spPr>
+          <a:xfrm>
+            <a:off x="10549117" y="4203211"/>
+            <a:ext cx="821618" cy="276999"/>
+          </a:xfrm>
+          <a:prstGeom prst="rect">
+            <a:avLst/>
+          </a:prstGeom>
+          <a:noFill/>
+        </p:spPr>
+        <p:txBody>
+          <a:bodyPr wrap="square" rtlCol="0" anchor="b">
+            <a:spAutoFit/>
+          </a:bodyPr>
+          <a:lstStyle/>
+          <a:p>
+            <a:r>
+              <a:rPr lang="en-US" sz="1200" dirty="0">
+                <a:latin typeface="Times New Roman" panose="02020603050405020304" pitchFamily="18" charset="0"/>
+                <a:cs typeface="Times New Roman" panose="02020603050405020304" pitchFamily="18" charset="0"/>
+              </a:rPr>
+              <a:t>#Cells - 1</a:t>
+            </a:r>
+          </a:p>
+        </p:txBody>
+      </p:sp>
+      <p:sp>
+        <p:nvSpPr>
+          <p:cNvPr id="38" name="TextBox 37">
+            <a:extLst>
+              <a:ext uri="{FF2B5EF4-FFF2-40B4-BE49-F238E27FC236}">
+                <a16:creationId xmlns:a16="http://schemas.microsoft.com/office/drawing/2014/main" id="{364BAB8D-BDE6-949A-EAF0-892D9DE89922}"/>
+              </a:ext>
+            </a:extLst>
+          </p:cNvPr>
+          <p:cNvSpPr txBox="1"/>
+          <p:nvPr/>
+        </p:nvSpPr>
+        <p:spPr>
+          <a:xfrm>
+            <a:off x="3060207" y="3064521"/>
+            <a:ext cx="1136525" cy="276999"/>
+          </a:xfrm>
+          <a:prstGeom prst="rect">
+            <a:avLst/>
+          </a:prstGeom>
+          <a:noFill/>
+        </p:spPr>
+        <p:txBody>
+          <a:bodyPr wrap="square" rtlCol="0" anchor="b">
+            <a:spAutoFit/>
+          </a:bodyPr>
+          <a:lstStyle/>
+          <a:p>
+            <a:pPr algn="ctr"/>
+            <a:r>
+              <a:rPr lang="en-US" sz="1200" dirty="0">
+                <a:latin typeface="Times New Roman" panose="02020603050405020304" pitchFamily="18" charset="0"/>
+                <a:cs typeface="Times New Roman" panose="02020603050405020304" pitchFamily="18" charset="0"/>
+              </a:rPr>
+              <a:t>#Cells</a:t>
+            </a:r>
+          </a:p>
+        </p:txBody>
+      </p:sp>
+      <p:sp>
+        <p:nvSpPr>
+          <p:cNvPr id="40" name="Oval 39">
+            <a:extLst>
+              <a:ext uri="{FF2B5EF4-FFF2-40B4-BE49-F238E27FC236}">
+                <a16:creationId xmlns:a16="http://schemas.microsoft.com/office/drawing/2014/main" id="{235F4E3F-76EC-80DF-37E2-24FEBB8D347D}"/>
+              </a:ext>
+            </a:extLst>
+          </p:cNvPr>
+          <p:cNvSpPr/>
+          <p:nvPr/>
+        </p:nvSpPr>
+        <p:spPr>
+          <a:xfrm>
+            <a:off x="1183344" y="3582102"/>
+            <a:ext cx="425324" cy="370840"/>
+          </a:xfrm>
+          <a:prstGeom prst="ellipse">
+            <a:avLst/>
+          </a:prstGeom>
+          <a:noFill/>
+          <a:ln>
+            <a:noFill/>
+          </a:ln>
+        </p:spPr>
+        <p:style>
+          <a:lnRef idx="2">
+            <a:schemeClr val="accent1">
+              <a:shade val="15000"/>
+            </a:schemeClr>
+          </a:lnRef>
+          <a:fillRef idx="1">
+            <a:schemeClr val="accent1"/>
+          </a:fillRef>
+          <a:effectRef idx="0">
+            <a:schemeClr val="accent1"/>
+          </a:effectRef>
+          <a:fontRef idx="minor">
+            <a:schemeClr val="lt1"/>
+          </a:fontRef>
+        </p:style>
+        <p:txBody>
+          <a:bodyPr rtlCol="0" anchor="ctr"/>
+          <a:lstStyle/>
+          <a:p>
+            <a:pPr algn="ctr"/>
+            <a:endParaRPr lang="en-US"/>
+          </a:p>
+        </p:txBody>
+      </p:sp>
+      <p:sp>
+        <p:nvSpPr>
+          <p:cNvPr id="41" name="Oval 40">
+            <a:extLst>
+              <a:ext uri="{FF2B5EF4-FFF2-40B4-BE49-F238E27FC236}">
+                <a16:creationId xmlns:a16="http://schemas.microsoft.com/office/drawing/2014/main" id="{5E262D4B-CDB1-5444-710B-C6ADF204190E}"/>
+              </a:ext>
+            </a:extLst>
+          </p:cNvPr>
+          <p:cNvSpPr/>
+          <p:nvPr/>
+        </p:nvSpPr>
+        <p:spPr>
+          <a:xfrm>
+            <a:off x="2975926" y="3582101"/>
+            <a:ext cx="425324" cy="370840"/>
+          </a:xfrm>
+          <a:prstGeom prst="ellipse">
+            <a:avLst/>
+          </a:prstGeom>
+          <a:noFill/>
+          <a:ln>
+            <a:noFill/>
+          </a:ln>
+        </p:spPr>
+        <p:style>
+          <a:lnRef idx="2">
+            <a:schemeClr val="accent1">
+              <a:shade val="15000"/>
+            </a:schemeClr>
+          </a:lnRef>
+          <a:fillRef idx="1">
+            <a:schemeClr val="accent1"/>
+          </a:fillRef>
+          <a:effectRef idx="0">
+            <a:schemeClr val="accent1"/>
+          </a:effectRef>
+          <a:fontRef idx="minor">
+            <a:schemeClr val="lt1"/>
+          </a:fontRef>
+        </p:style>
+        <p:txBody>
+          <a:bodyPr rtlCol="0" anchor="ctr"/>
+          <a:lstStyle/>
+          <a:p>
+            <a:pPr algn="ctr"/>
+            <a:endParaRPr lang="en-US"/>
+          </a:p>
+        </p:txBody>
+      </p:sp>
+      <p:sp>
+        <p:nvSpPr>
+          <p:cNvPr id="42" name="Oval 41">
+            <a:extLst>
+              <a:ext uri="{FF2B5EF4-FFF2-40B4-BE49-F238E27FC236}">
+                <a16:creationId xmlns:a16="http://schemas.microsoft.com/office/drawing/2014/main" id="{D5DE7B9F-D76E-05BA-F0B8-1D7971661EBF}"/>
+              </a:ext>
+            </a:extLst>
+          </p:cNvPr>
+          <p:cNvSpPr/>
+          <p:nvPr/>
+        </p:nvSpPr>
+        <p:spPr>
+          <a:xfrm>
+            <a:off x="2074333" y="3582101"/>
+            <a:ext cx="425324" cy="370840"/>
+          </a:xfrm>
+          <a:prstGeom prst="ellipse">
+            <a:avLst/>
+          </a:prstGeom>
+          <a:noFill/>
+          <a:ln>
+            <a:noFill/>
+          </a:ln>
+        </p:spPr>
+        <p:style>
+          <a:lnRef idx="2">
+            <a:schemeClr val="accent1">
+              <a:shade val="15000"/>
+            </a:schemeClr>
+          </a:lnRef>
+          <a:fillRef idx="1">
+            <a:schemeClr val="accent1"/>
+          </a:fillRef>
+          <a:effectRef idx="0">
+            <a:schemeClr val="accent1"/>
+          </a:effectRef>
+          <a:fontRef idx="minor">
+            <a:schemeClr val="lt1"/>
+          </a:fontRef>
+        </p:style>
+        <p:txBody>
+          <a:bodyPr rtlCol="0" anchor="ctr"/>
+          <a:lstStyle/>
+          <a:p>
+            <a:pPr algn="ctr"/>
+            <a:endParaRPr lang="en-US"/>
+          </a:p>
+        </p:txBody>
+      </p:sp>
+      <p:sp>
+        <p:nvSpPr>
+          <p:cNvPr id="43" name="Oval 42">
+            <a:extLst>
+              <a:ext uri="{FF2B5EF4-FFF2-40B4-BE49-F238E27FC236}">
+                <a16:creationId xmlns:a16="http://schemas.microsoft.com/office/drawing/2014/main" id="{B3EDA720-D71E-34E9-671B-F3F80FBC7514}"/>
+              </a:ext>
+            </a:extLst>
+          </p:cNvPr>
+          <p:cNvSpPr/>
+          <p:nvPr/>
+        </p:nvSpPr>
+        <p:spPr>
+          <a:xfrm>
+            <a:off x="2526551" y="3582101"/>
+            <a:ext cx="425324" cy="370840"/>
+          </a:xfrm>
+          <a:prstGeom prst="ellipse">
+            <a:avLst/>
+          </a:prstGeom>
+          <a:noFill/>
+          <a:ln>
+            <a:noFill/>
+          </a:ln>
+        </p:spPr>
+        <p:style>
+          <a:lnRef idx="2">
+            <a:schemeClr val="accent1">
+              <a:shade val="15000"/>
+            </a:schemeClr>
+          </a:lnRef>
+          <a:fillRef idx="1">
+            <a:schemeClr val="accent1"/>
+          </a:fillRef>
+          <a:effectRef idx="0">
+            <a:schemeClr val="accent1"/>
+          </a:effectRef>
+          <a:fontRef idx="minor">
+            <a:schemeClr val="lt1"/>
+          </a:fontRef>
+        </p:style>
+        <p:txBody>
+          <a:bodyPr rtlCol="0" anchor="ctr"/>
+          <a:lstStyle/>
+          <a:p>
+            <a:pPr algn="ctr"/>
+            <a:endParaRPr lang="en-US"/>
+          </a:p>
+        </p:txBody>
+      </p:sp>
+      <p:sp>
+        <p:nvSpPr>
+          <p:cNvPr id="44" name="Oval 43">
+            <a:extLst>
+              <a:ext uri="{FF2B5EF4-FFF2-40B4-BE49-F238E27FC236}">
+                <a16:creationId xmlns:a16="http://schemas.microsoft.com/office/drawing/2014/main" id="{A8EF62DF-C654-1737-58C9-E5C8B2680511}"/>
+              </a:ext>
+            </a:extLst>
+          </p:cNvPr>
+          <p:cNvSpPr/>
+          <p:nvPr/>
+        </p:nvSpPr>
+        <p:spPr>
+          <a:xfrm>
+            <a:off x="1622115" y="3591066"/>
+            <a:ext cx="425324" cy="370840"/>
+          </a:xfrm>
+          <a:prstGeom prst="ellipse">
+            <a:avLst/>
+          </a:prstGeom>
+          <a:noFill/>
+          <a:ln>
+            <a:noFill/>
+          </a:ln>
+        </p:spPr>
+        <p:style>
+          <a:lnRef idx="2">
+            <a:schemeClr val="accent1">
+              <a:shade val="15000"/>
+            </a:schemeClr>
+          </a:lnRef>
+          <a:fillRef idx="1">
+            <a:schemeClr val="accent1"/>
+          </a:fillRef>
+          <a:effectRef idx="0">
+            <a:schemeClr val="accent1"/>
+          </a:effectRef>
+          <a:fontRef idx="minor">
+            <a:schemeClr val="lt1"/>
+          </a:fontRef>
+        </p:style>
+        <p:txBody>
+          <a:bodyPr rtlCol="0" anchor="ctr"/>
+          <a:lstStyle/>
+          <a:p>
+            <a:pPr algn="ctr"/>
+            <a:endParaRPr lang="en-US"/>
+          </a:p>
+        </p:txBody>
+      </p:sp>
+      <p:sp>
+        <p:nvSpPr>
+          <p:cNvPr id="45" name="Oval 44">
+            <a:extLst>
+              <a:ext uri="{FF2B5EF4-FFF2-40B4-BE49-F238E27FC236}">
+                <a16:creationId xmlns:a16="http://schemas.microsoft.com/office/drawing/2014/main" id="{29161EA6-5C32-F0AB-1970-D49AB6B10C0F}"/>
+              </a:ext>
+            </a:extLst>
+          </p:cNvPr>
+          <p:cNvSpPr/>
+          <p:nvPr/>
+        </p:nvSpPr>
+        <p:spPr>
+          <a:xfrm>
+            <a:off x="3425272" y="3573136"/>
+            <a:ext cx="425324" cy="370840"/>
+          </a:xfrm>
+          <a:prstGeom prst="ellipse">
+            <a:avLst/>
+          </a:prstGeom>
+          <a:noFill/>
+          <a:ln>
+            <a:noFill/>
+          </a:ln>
+        </p:spPr>
+        <p:style>
+          <a:lnRef idx="2">
+            <a:schemeClr val="accent1">
+              <a:shade val="15000"/>
+            </a:schemeClr>
+          </a:lnRef>
+          <a:fillRef idx="1">
+            <a:schemeClr val="accent1"/>
+          </a:fillRef>
+          <a:effectRef idx="0">
+            <a:schemeClr val="accent1"/>
+          </a:effectRef>
+          <a:fontRef idx="minor">
+            <a:schemeClr val="lt1"/>
+          </a:fontRef>
+        </p:style>
+        <p:txBody>
+          <a:bodyPr rtlCol="0" anchor="ctr"/>
+          <a:lstStyle/>
+          <a:p>
+            <a:pPr algn="ctr"/>
+            <a:endParaRPr lang="en-US"/>
+          </a:p>
+        </p:txBody>
+      </p:sp>
+      <p:sp>
+        <p:nvSpPr>
+          <p:cNvPr id="46" name="Oval 45">
+            <a:extLst>
+              <a:ext uri="{FF2B5EF4-FFF2-40B4-BE49-F238E27FC236}">
+                <a16:creationId xmlns:a16="http://schemas.microsoft.com/office/drawing/2014/main" id="{F013A0EA-C8F8-7B1E-4E50-4FC5D64C6089}"/>
+              </a:ext>
+            </a:extLst>
+          </p:cNvPr>
+          <p:cNvSpPr/>
+          <p:nvPr/>
+        </p:nvSpPr>
+        <p:spPr>
+          <a:xfrm>
+            <a:off x="3874618" y="3582101"/>
+            <a:ext cx="425324" cy="370840"/>
+          </a:xfrm>
+          <a:prstGeom prst="ellipse">
+            <a:avLst/>
+          </a:prstGeom>
+          <a:noFill/>
+          <a:ln>
+            <a:noFill/>
+          </a:ln>
+        </p:spPr>
+        <p:style>
+          <a:lnRef idx="2">
+            <a:schemeClr val="accent1">
+              <a:shade val="15000"/>
+            </a:schemeClr>
+          </a:lnRef>
+          <a:fillRef idx="1">
+            <a:schemeClr val="accent1"/>
+          </a:fillRef>
+          <a:effectRef idx="0">
+            <a:schemeClr val="accent1"/>
+          </a:effectRef>
+          <a:fontRef idx="minor">
+            <a:schemeClr val="lt1"/>
+          </a:fontRef>
+        </p:style>
+        <p:txBody>
+          <a:bodyPr rtlCol="0" anchor="ctr"/>
+          <a:lstStyle/>
+          <a:p>
+            <a:pPr algn="ctr"/>
+            <a:endParaRPr lang="en-US"/>
+          </a:p>
+        </p:txBody>
+      </p:sp>
+      <p:sp>
+        <p:nvSpPr>
+          <p:cNvPr id="47" name="Oval 46">
+            <a:extLst>
+              <a:ext uri="{FF2B5EF4-FFF2-40B4-BE49-F238E27FC236}">
+                <a16:creationId xmlns:a16="http://schemas.microsoft.com/office/drawing/2014/main" id="{84FCA167-6C7D-11F4-89BD-43313362850B}"/>
+              </a:ext>
+            </a:extLst>
+          </p:cNvPr>
+          <p:cNvSpPr/>
+          <p:nvPr/>
+        </p:nvSpPr>
+        <p:spPr>
+          <a:xfrm>
+            <a:off x="4322904" y="3582101"/>
+            <a:ext cx="425324" cy="370840"/>
+          </a:xfrm>
+          <a:prstGeom prst="ellipse">
+            <a:avLst/>
+          </a:prstGeom>
+          <a:noFill/>
+          <a:ln>
+            <a:noFill/>
+          </a:ln>
+        </p:spPr>
+        <p:style>
+          <a:lnRef idx="2">
+            <a:schemeClr val="accent1">
+              <a:shade val="15000"/>
+            </a:schemeClr>
+          </a:lnRef>
+          <a:fillRef idx="1">
+            <a:schemeClr val="accent1"/>
+          </a:fillRef>
+          <a:effectRef idx="0">
+            <a:schemeClr val="accent1"/>
+          </a:effectRef>
+          <a:fontRef idx="minor">
+            <a:schemeClr val="lt1"/>
+          </a:fontRef>
+        </p:style>
+        <p:txBody>
+          <a:bodyPr rtlCol="0" anchor="ctr"/>
+          <a:lstStyle/>
+          <a:p>
+            <a:pPr algn="ctr"/>
+            <a:endParaRPr lang="en-US"/>
+          </a:p>
+        </p:txBody>
+      </p:sp>
+      <p:sp>
+        <p:nvSpPr>
+          <p:cNvPr id="48" name="Oval 47">
+            <a:extLst>
+              <a:ext uri="{FF2B5EF4-FFF2-40B4-BE49-F238E27FC236}">
+                <a16:creationId xmlns:a16="http://schemas.microsoft.com/office/drawing/2014/main" id="{EC7CC9E8-33C6-1831-681D-1AF7D4118F4D}"/>
+              </a:ext>
+            </a:extLst>
+          </p:cNvPr>
+          <p:cNvSpPr/>
+          <p:nvPr/>
+        </p:nvSpPr>
+        <p:spPr>
+          <a:xfrm>
+            <a:off x="4762763" y="3582101"/>
+            <a:ext cx="425324" cy="370840"/>
+          </a:xfrm>
+          <a:prstGeom prst="ellipse">
+            <a:avLst/>
+          </a:prstGeom>
+          <a:noFill/>
+          <a:ln>
+            <a:noFill/>
+          </a:ln>
+        </p:spPr>
+        <p:style>
+          <a:lnRef idx="2">
+            <a:schemeClr val="accent1">
+              <a:shade val="15000"/>
+            </a:schemeClr>
+          </a:lnRef>
+          <a:fillRef idx="1">
+            <a:schemeClr val="accent1"/>
+          </a:fillRef>
+          <a:effectRef idx="0">
+            <a:schemeClr val="accent1"/>
+          </a:effectRef>
+          <a:fontRef idx="minor">
+            <a:schemeClr val="lt1"/>
+          </a:fontRef>
+        </p:style>
+        <p:txBody>
+          <a:bodyPr rtlCol="0" anchor="ctr"/>
+          <a:lstStyle/>
+          <a:p>
+            <a:pPr algn="ctr"/>
+            <a:endParaRPr lang="en-US"/>
+          </a:p>
+        </p:txBody>
+      </p:sp>
+      <p:sp>
+        <p:nvSpPr>
+          <p:cNvPr id="49" name="Oval 48">
+            <a:extLst>
+              <a:ext uri="{FF2B5EF4-FFF2-40B4-BE49-F238E27FC236}">
+                <a16:creationId xmlns:a16="http://schemas.microsoft.com/office/drawing/2014/main" id="{483F7ED3-7CE3-510F-29AE-DB79570FE327}"/>
+              </a:ext>
+            </a:extLst>
+          </p:cNvPr>
+          <p:cNvSpPr/>
+          <p:nvPr/>
+        </p:nvSpPr>
+        <p:spPr>
+          <a:xfrm>
+            <a:off x="5220435" y="3582101"/>
+            <a:ext cx="425324" cy="370840"/>
+          </a:xfrm>
+          <a:prstGeom prst="ellipse">
+            <a:avLst/>
+          </a:prstGeom>
+          <a:noFill/>
+          <a:ln>
+            <a:noFill/>
+          </a:ln>
+        </p:spPr>
+        <p:style>
+          <a:lnRef idx="2">
+            <a:schemeClr val="accent1">
+              <a:shade val="15000"/>
+            </a:schemeClr>
+          </a:lnRef>
+          <a:fillRef idx="1">
+            <a:schemeClr val="accent1"/>
+          </a:fillRef>
+          <a:effectRef idx="0">
+            <a:schemeClr val="accent1"/>
+          </a:effectRef>
+          <a:fontRef idx="minor">
+            <a:schemeClr val="lt1"/>
+          </a:fontRef>
+        </p:style>
+        <p:txBody>
+          <a:bodyPr rtlCol="0" anchor="ctr"/>
+          <a:lstStyle/>
+          <a:p>
+            <a:pPr algn="ctr"/>
+            <a:endParaRPr lang="en-US"/>
+          </a:p>
+        </p:txBody>
+      </p:sp>
+      <p:sp>
+        <p:nvSpPr>
+          <p:cNvPr id="50" name="Oval 49">
+            <a:extLst>
+              <a:ext uri="{FF2B5EF4-FFF2-40B4-BE49-F238E27FC236}">
+                <a16:creationId xmlns:a16="http://schemas.microsoft.com/office/drawing/2014/main" id="{F7959D8B-9C05-8AD5-2705-059CFE93E995}"/>
+              </a:ext>
+            </a:extLst>
+          </p:cNvPr>
+          <p:cNvSpPr/>
+          <p:nvPr/>
+        </p:nvSpPr>
+        <p:spPr>
+          <a:xfrm>
+            <a:off x="5669810" y="3582101"/>
+            <a:ext cx="425324" cy="370840"/>
+          </a:xfrm>
+          <a:prstGeom prst="ellipse">
+            <a:avLst/>
+          </a:prstGeom>
+          <a:noFill/>
+          <a:ln>
+            <a:noFill/>
+          </a:ln>
+        </p:spPr>
+        <p:style>
+          <a:lnRef idx="2">
+            <a:schemeClr val="accent1">
+              <a:shade val="15000"/>
+            </a:schemeClr>
+          </a:lnRef>
+          <a:fillRef idx="1">
+            <a:schemeClr val="accent1"/>
+          </a:fillRef>
+          <a:effectRef idx="0">
+            <a:schemeClr val="accent1"/>
+          </a:effectRef>
+          <a:fontRef idx="minor">
+            <a:schemeClr val="lt1"/>
+          </a:fontRef>
+        </p:style>
+        <p:txBody>
+          <a:bodyPr rtlCol="0" anchor="ctr"/>
+          <a:lstStyle/>
+          <a:p>
+            <a:pPr algn="ctr"/>
+            <a:endParaRPr lang="en-US"/>
+          </a:p>
+        </p:txBody>
+      </p:sp>
+      <p:graphicFrame>
+        <p:nvGraphicFramePr>
+          <p:cNvPr id="51" name="Table 50">
+            <a:extLst>
+              <a:ext uri="{FF2B5EF4-FFF2-40B4-BE49-F238E27FC236}">
+                <a16:creationId xmlns:a16="http://schemas.microsoft.com/office/drawing/2014/main" id="{F52721FC-B7FB-0F8A-B586-824B31323DD1}"/>
+              </a:ext>
+            </a:extLst>
+          </p:cNvPr>
+          <p:cNvGraphicFramePr>
+            <a:graphicFrameLocks noGrp="1"/>
+          </p:cNvGraphicFramePr>
+          <p:nvPr>
+            <p:extLst>
+              <p:ext uri="{D42A27DB-BD31-4B8C-83A1-F6EECF244321}">
+                <p14:modId xmlns:p14="http://schemas.microsoft.com/office/powerpoint/2010/main" val="291540893"/>
+              </p:ext>
+            </p:extLst>
+          </p:nvPr>
+        </p:nvGraphicFramePr>
+        <p:xfrm>
+          <a:off x="1169897" y="5106253"/>
+          <a:ext cx="4936074" cy="370840"/>
+        </p:xfrm>
+        <a:graphic>
+          <a:graphicData uri="http://schemas.openxmlformats.org/drawingml/2006/table">
+            <a:tbl>
+              <a:tblPr firstRow="1" bandRow="1">
+                <a:tableStyleId>{5C22544A-7EE6-4342-B048-85BDC9FD1C3A}</a:tableStyleId>
+              </a:tblPr>
+              <a:tblGrid>
+                <a:gridCol w="448734">
+                  <a:extLst>
+                    <a:ext uri="{9D8B030D-6E8A-4147-A177-3AD203B41FA5}">
+                      <a16:colId xmlns:a16="http://schemas.microsoft.com/office/drawing/2014/main" val="4279338487"/>
+                    </a:ext>
+                  </a:extLst>
+                </a:gridCol>
+                <a:gridCol w="448734">
+                  <a:extLst>
+                    <a:ext uri="{9D8B030D-6E8A-4147-A177-3AD203B41FA5}">
+                      <a16:colId xmlns:a16="http://schemas.microsoft.com/office/drawing/2014/main" val="1412738045"/>
+                    </a:ext>
+                  </a:extLst>
+                </a:gridCol>
+                <a:gridCol w="448734">
+                  <a:extLst>
+                    <a:ext uri="{9D8B030D-6E8A-4147-A177-3AD203B41FA5}">
+                      <a16:colId xmlns:a16="http://schemas.microsoft.com/office/drawing/2014/main" val="3367173774"/>
+                    </a:ext>
+                  </a:extLst>
+                </a:gridCol>
+                <a:gridCol w="448734">
+                  <a:extLst>
+                    <a:ext uri="{9D8B030D-6E8A-4147-A177-3AD203B41FA5}">
+                      <a16:colId xmlns:a16="http://schemas.microsoft.com/office/drawing/2014/main" val="2462418130"/>
+                    </a:ext>
+                  </a:extLst>
+                </a:gridCol>
+                <a:gridCol w="448734">
+                  <a:extLst>
+                    <a:ext uri="{9D8B030D-6E8A-4147-A177-3AD203B41FA5}">
+                      <a16:colId xmlns:a16="http://schemas.microsoft.com/office/drawing/2014/main" val="2591171797"/>
+                    </a:ext>
+                  </a:extLst>
+                </a:gridCol>
+                <a:gridCol w="448734">
+                  <a:extLst>
+                    <a:ext uri="{9D8B030D-6E8A-4147-A177-3AD203B41FA5}">
+                      <a16:colId xmlns:a16="http://schemas.microsoft.com/office/drawing/2014/main" val="1035391106"/>
+                    </a:ext>
+                  </a:extLst>
+                </a:gridCol>
+                <a:gridCol w="448734">
+                  <a:extLst>
+                    <a:ext uri="{9D8B030D-6E8A-4147-A177-3AD203B41FA5}">
+                      <a16:colId xmlns:a16="http://schemas.microsoft.com/office/drawing/2014/main" val="752991435"/>
+                    </a:ext>
+                  </a:extLst>
+                </a:gridCol>
+                <a:gridCol w="448734">
+                  <a:extLst>
+                    <a:ext uri="{9D8B030D-6E8A-4147-A177-3AD203B41FA5}">
+                      <a16:colId xmlns:a16="http://schemas.microsoft.com/office/drawing/2014/main" val="906982145"/>
+                    </a:ext>
+                  </a:extLst>
+                </a:gridCol>
+                <a:gridCol w="448734">
+                  <a:extLst>
+                    <a:ext uri="{9D8B030D-6E8A-4147-A177-3AD203B41FA5}">
+                      <a16:colId xmlns:a16="http://schemas.microsoft.com/office/drawing/2014/main" val="1766631555"/>
+                    </a:ext>
+                  </a:extLst>
+                </a:gridCol>
+                <a:gridCol w="448734">
+                  <a:extLst>
+                    <a:ext uri="{9D8B030D-6E8A-4147-A177-3AD203B41FA5}">
+                      <a16:colId xmlns:a16="http://schemas.microsoft.com/office/drawing/2014/main" val="3036449838"/>
+                    </a:ext>
+                  </a:extLst>
+                </a:gridCol>
+                <a:gridCol w="448734">
+                  <a:extLst>
+                    <a:ext uri="{9D8B030D-6E8A-4147-A177-3AD203B41FA5}">
+                      <a16:colId xmlns:a16="http://schemas.microsoft.com/office/drawing/2014/main" val="1903751817"/>
+                    </a:ext>
+                  </a:extLst>
+                </a:gridCol>
+              </a:tblGrid>
+              <a:tr h="370840">
+                <a:tc>
+                  <a:txBody>
+                    <a:bodyPr/>
+                    <a:lstStyle/>
+                    <a:p>
+                      <a:pPr algn="ctr"/>
+                      <a:endParaRPr lang="en-US" sz="1200" b="0" dirty="0">
+                        <a:solidFill>
+                          <a:schemeClr val="tx1"/>
+                        </a:solidFill>
+                        <a:latin typeface="Times New Roman" panose="02020603050405020304" pitchFamily="18" charset="0"/>
+                        <a:cs typeface="Times New Roman" panose="02020603050405020304" pitchFamily="18" charset="0"/>
+                      </a:endParaRPr>
+                    </a:p>
+                  </a:txBody>
+                  <a:tcPr anchor="ctr">
+                    <a:lnL w="12700" cap="flat" cmpd="sng" algn="ctr">
+                      <a:solidFill>
+                        <a:schemeClr val="tx1"/>
+                      </a:solidFill>
+                      <a:prstDash val="solid"/>
+                      <a:round/>
+                      <a:headEnd type="none" w="med" len="med"/>
+                      <a:tailEnd type="none" w="med" len="med"/>
+                    </a:lnL>
+                    <a:lnR w="12700" cap="flat" cmpd="sng" algn="ctr">
+                      <a:solidFill>
+                        <a:schemeClr val="tx1"/>
+                      </a:solidFill>
+                      <a:prstDash val="solid"/>
+                      <a:round/>
+                      <a:headEnd type="none" w="med" len="med"/>
+                      <a:tailEnd type="none" w="med" len="med"/>
+                    </a:lnR>
+                    <a:lnT w="12700" cap="flat" cmpd="sng" algn="ctr">
+                      <a:solidFill>
+                        <a:schemeClr val="tx1"/>
+                      </a:solidFill>
+                      <a:prstDash val="solid"/>
+                      <a:round/>
+                      <a:headEnd type="none" w="med" len="med"/>
+                      <a:tailEnd type="none" w="med" len="med"/>
+                    </a:lnT>
+                    <a:lnB w="12700" cap="flat" cmpd="sng" algn="ctr">
+                      <a:solidFill>
+                        <a:schemeClr val="tx1"/>
+                      </a:solidFill>
+                      <a:prstDash val="solid"/>
+                      <a:round/>
+                      <a:headEnd type="none" w="med" len="med"/>
+                      <a:tailEnd type="none" w="med" len="med"/>
+                    </a:lnB>
+                    <a:solidFill>
+                      <a:schemeClr val="accent5">
+                        <a:lumMod val="20000"/>
+                        <a:lumOff val="80000"/>
+                      </a:schemeClr>
+                    </a:solidFill>
+                  </a:tcPr>
+                </a:tc>
+                <a:tc>
+                  <a:txBody>
+                    <a:bodyPr/>
+                    <a:lstStyle/>
+                    <a:p>
+                      <a:pPr algn="ctr"/>
+                      <a:endParaRPr lang="en-US" sz="1200" b="0" dirty="0">
+                        <a:solidFill>
+                          <a:schemeClr val="tx1"/>
+                        </a:solidFill>
+                        <a:latin typeface="Times New Roman" panose="02020603050405020304" pitchFamily="18" charset="0"/>
+                        <a:cs typeface="Times New Roman" panose="02020603050405020304" pitchFamily="18" charset="0"/>
+                      </a:endParaRPr>
+                    </a:p>
+                  </a:txBody>
+                  <a:tcPr anchor="ctr">
+                    <a:lnL w="12700" cap="flat" cmpd="sng" algn="ctr">
+                      <a:solidFill>
+                        <a:schemeClr val="tx1"/>
+                      </a:solidFill>
+                      <a:prstDash val="solid"/>
+                      <a:round/>
+                      <a:headEnd type="none" w="med" len="med"/>
+                      <a:tailEnd type="none" w="med" len="med"/>
+                    </a:lnL>
+                    <a:lnR w="12700" cap="flat" cmpd="sng" algn="ctr">
+                      <a:solidFill>
+                        <a:schemeClr val="tx1"/>
+                      </a:solidFill>
+                      <a:prstDash val="solid"/>
+                      <a:round/>
+                      <a:headEnd type="none" w="med" len="med"/>
+                      <a:tailEnd type="none" w="med" len="med"/>
+                    </a:lnR>
+                    <a:lnT w="12700" cap="flat" cmpd="sng" algn="ctr">
+                      <a:solidFill>
+                        <a:schemeClr val="tx1"/>
+                      </a:solidFill>
+                      <a:prstDash val="solid"/>
+                      <a:round/>
+                      <a:headEnd type="none" w="med" len="med"/>
+                      <a:tailEnd type="none" w="med" len="med"/>
+                    </a:lnT>
+                    <a:lnB w="12700" cap="flat" cmpd="sng" algn="ctr">
+                      <a:solidFill>
+                        <a:schemeClr val="tx1"/>
+                      </a:solidFill>
+                      <a:prstDash val="solid"/>
+                      <a:round/>
+                      <a:headEnd type="none" w="med" len="med"/>
+                      <a:tailEnd type="none" w="med" len="med"/>
+                    </a:lnB>
+                    <a:solidFill>
+                      <a:schemeClr val="accent5">
+                        <a:lumMod val="40000"/>
+                        <a:lumOff val="60000"/>
+                      </a:schemeClr>
+                    </a:solidFill>
+                  </a:tcPr>
+                </a:tc>
+                <a:tc>
+                  <a:txBody>
+                    <a:bodyPr/>
+                    <a:lstStyle/>
+                    <a:p>
+                      <a:pPr algn="ctr"/>
+                      <a:endParaRPr lang="en-US" sz="1200" b="0" dirty="0">
+                        <a:solidFill>
+                          <a:schemeClr val="tx1"/>
+                        </a:solidFill>
+                        <a:latin typeface="Times New Roman" panose="02020603050405020304" pitchFamily="18" charset="0"/>
+                        <a:cs typeface="Times New Roman" panose="02020603050405020304" pitchFamily="18" charset="0"/>
+                      </a:endParaRPr>
+                    </a:p>
+                  </a:txBody>
+                  <a:tcPr anchor="ctr">
+                    <a:lnL w="12700" cap="flat" cmpd="sng" algn="ctr">
+                      <a:solidFill>
+                        <a:schemeClr val="tx1"/>
+                      </a:solidFill>
+                      <a:prstDash val="solid"/>
+                      <a:round/>
+                      <a:headEnd type="none" w="med" len="med"/>
+                      <a:tailEnd type="none" w="med" len="med"/>
+                    </a:lnL>
+                    <a:lnR w="12700" cap="flat" cmpd="sng" algn="ctr">
+                      <a:solidFill>
+                        <a:schemeClr val="tx1"/>
+                      </a:solidFill>
+                      <a:prstDash val="solid"/>
+                      <a:round/>
+                      <a:headEnd type="none" w="med" len="med"/>
+                      <a:tailEnd type="none" w="med" len="med"/>
+                    </a:lnR>
+                    <a:lnT w="12700" cap="flat" cmpd="sng" algn="ctr">
+                      <a:solidFill>
+                        <a:schemeClr val="tx1"/>
+                      </a:solidFill>
+                      <a:prstDash val="solid"/>
+                      <a:round/>
+                      <a:headEnd type="none" w="med" len="med"/>
+                      <a:tailEnd type="none" w="med" len="med"/>
+                    </a:lnT>
+                    <a:lnB w="12700" cap="flat" cmpd="sng" algn="ctr">
+                      <a:solidFill>
+                        <a:schemeClr val="tx1"/>
+                      </a:solidFill>
+                      <a:prstDash val="solid"/>
+                      <a:round/>
+                      <a:headEnd type="none" w="med" len="med"/>
+                      <a:tailEnd type="none" w="med" len="med"/>
+                    </a:lnB>
+                    <a:solidFill>
+                      <a:schemeClr val="accent5">
+                        <a:lumMod val="40000"/>
+                        <a:lumOff val="60000"/>
+                      </a:schemeClr>
+                    </a:solidFill>
+                  </a:tcPr>
+                </a:tc>
+                <a:tc>
+                  <a:txBody>
+                    <a:bodyPr/>
+                    <a:lstStyle/>
+                    <a:p>
+                      <a:pPr algn="ctr"/>
+                      <a:endParaRPr lang="en-US" sz="1200" b="0" dirty="0">
+                        <a:solidFill>
+                          <a:schemeClr val="tx1"/>
+                        </a:solidFill>
+                        <a:latin typeface="Times New Roman" panose="02020603050405020304" pitchFamily="18" charset="0"/>
+                        <a:cs typeface="Times New Roman" panose="02020603050405020304" pitchFamily="18" charset="0"/>
+                      </a:endParaRPr>
+                    </a:p>
+                  </a:txBody>
+                  <a:tcPr anchor="ctr">
+                    <a:lnL w="12700" cap="flat" cmpd="sng" algn="ctr">
+                      <a:solidFill>
+                        <a:schemeClr val="tx1"/>
+                      </a:solidFill>
+                      <a:prstDash val="solid"/>
+                      <a:round/>
+                      <a:headEnd type="none" w="med" len="med"/>
+                      <a:tailEnd type="none" w="med" len="med"/>
+                    </a:lnL>
+                    <a:lnR w="12700" cap="flat" cmpd="sng" algn="ctr">
+                      <a:solidFill>
+                        <a:schemeClr val="tx1"/>
+                      </a:solidFill>
+                      <a:prstDash val="solid"/>
+                      <a:round/>
+                      <a:headEnd type="none" w="med" len="med"/>
+                      <a:tailEnd type="none" w="med" len="med"/>
+                    </a:lnR>
+                    <a:lnT w="12700" cap="flat" cmpd="sng" algn="ctr">
+                      <a:solidFill>
+                        <a:schemeClr val="tx1"/>
+                      </a:solidFill>
+                      <a:prstDash val="solid"/>
+                      <a:round/>
+                      <a:headEnd type="none" w="med" len="med"/>
+                      <a:tailEnd type="none" w="med" len="med"/>
+                    </a:lnT>
+                    <a:lnB w="12700" cap="flat" cmpd="sng" algn="ctr">
+                      <a:solidFill>
+                        <a:schemeClr val="tx1"/>
+                      </a:solidFill>
+                      <a:prstDash val="solid"/>
+                      <a:round/>
+                      <a:headEnd type="none" w="med" len="med"/>
+                      <a:tailEnd type="none" w="med" len="med"/>
+                    </a:lnB>
+                    <a:solidFill>
+                      <a:schemeClr val="accent5">
+                        <a:lumMod val="40000"/>
+                        <a:lumOff val="60000"/>
+                      </a:schemeClr>
+                    </a:solidFill>
+                  </a:tcPr>
+                </a:tc>
+                <a:tc>
+                  <a:txBody>
+                    <a:bodyPr/>
+                    <a:lstStyle/>
+                    <a:p>
+                      <a:pPr algn="ctr"/>
+                      <a:endParaRPr lang="en-US" sz="1200" b="0" dirty="0">
+                        <a:solidFill>
+                          <a:schemeClr val="tx1"/>
+                        </a:solidFill>
+                        <a:latin typeface="Times New Roman" panose="02020603050405020304" pitchFamily="18" charset="0"/>
+                        <a:cs typeface="Times New Roman" panose="02020603050405020304" pitchFamily="18" charset="0"/>
+                      </a:endParaRPr>
+                    </a:p>
+                  </a:txBody>
+                  <a:tcPr anchor="ctr">
+                    <a:lnL w="12700" cap="flat" cmpd="sng" algn="ctr">
+                      <a:solidFill>
+                        <a:schemeClr val="tx1"/>
+                      </a:solidFill>
+                      <a:prstDash val="solid"/>
+                      <a:round/>
+                      <a:headEnd type="none" w="med" len="med"/>
+                      <a:tailEnd type="none" w="med" len="med"/>
+                    </a:lnL>
+                    <a:lnR w="12700" cap="flat" cmpd="sng" algn="ctr">
+                      <a:solidFill>
+                        <a:schemeClr val="tx1"/>
+                      </a:solidFill>
+                      <a:prstDash val="solid"/>
+                      <a:round/>
+                      <a:headEnd type="none" w="med" len="med"/>
+                      <a:tailEnd type="none" w="med" len="med"/>
+                    </a:lnR>
+                    <a:lnT w="12700" cap="flat" cmpd="sng" algn="ctr">
+                      <a:solidFill>
+                        <a:schemeClr val="tx1"/>
+                      </a:solidFill>
+                      <a:prstDash val="solid"/>
+                      <a:round/>
+                      <a:headEnd type="none" w="med" len="med"/>
+                      <a:tailEnd type="none" w="med" len="med"/>
+                    </a:lnT>
+                    <a:lnB w="12700" cap="flat" cmpd="sng" algn="ctr">
+                      <a:solidFill>
+                        <a:schemeClr val="tx1"/>
+                      </a:solidFill>
+                      <a:prstDash val="solid"/>
+                      <a:round/>
+                      <a:headEnd type="none" w="med" len="med"/>
+                      <a:tailEnd type="none" w="med" len="med"/>
+                    </a:lnB>
+                    <a:solidFill>
+                      <a:schemeClr val="accent5">
+                        <a:lumMod val="40000"/>
+                        <a:lumOff val="60000"/>
+                      </a:schemeClr>
+                    </a:solidFill>
+                  </a:tcPr>
+                </a:tc>
+                <a:tc>
+                  <a:txBody>
+                    <a:bodyPr/>
+                    <a:lstStyle/>
+                    <a:p>
+                      <a:pPr algn="ctr"/>
+                      <a:endParaRPr lang="en-US" sz="1200" b="0" dirty="0">
+                        <a:solidFill>
+                          <a:schemeClr val="tx1"/>
+                        </a:solidFill>
+                        <a:latin typeface="Times New Roman" panose="02020603050405020304" pitchFamily="18" charset="0"/>
+                        <a:cs typeface="Times New Roman" panose="02020603050405020304" pitchFamily="18" charset="0"/>
+                      </a:endParaRPr>
+                    </a:p>
+                  </a:txBody>
+                  <a:tcPr anchor="ctr">
+                    <a:lnL w="12700" cap="flat" cmpd="sng" algn="ctr">
+                      <a:solidFill>
+                        <a:schemeClr val="tx1"/>
+                      </a:solidFill>
+                      <a:prstDash val="solid"/>
+                      <a:round/>
+                      <a:headEnd type="none" w="med" len="med"/>
+                      <a:tailEnd type="none" w="med" len="med"/>
+                    </a:lnL>
+                    <a:lnR w="12700" cap="flat" cmpd="sng" algn="ctr">
+                      <a:solidFill>
+                        <a:schemeClr val="tx1"/>
+                      </a:solidFill>
+                      <a:prstDash val="solid"/>
+                      <a:round/>
+                      <a:headEnd type="none" w="med" len="med"/>
+                      <a:tailEnd type="none" w="med" len="med"/>
+                    </a:lnR>
+                    <a:lnT w="12700" cap="flat" cmpd="sng" algn="ctr">
+                      <a:solidFill>
+                        <a:schemeClr val="tx1"/>
+                      </a:solidFill>
+                      <a:prstDash val="solid"/>
+                      <a:round/>
+                      <a:headEnd type="none" w="med" len="med"/>
+                      <a:tailEnd type="none" w="med" len="med"/>
+                    </a:lnT>
+                    <a:lnB w="12700" cap="flat" cmpd="sng" algn="ctr">
+                      <a:solidFill>
+                        <a:schemeClr val="tx1"/>
+                      </a:solidFill>
+                      <a:prstDash val="solid"/>
+                      <a:round/>
+                      <a:headEnd type="none" w="med" len="med"/>
+                      <a:tailEnd type="none" w="med" len="med"/>
+                    </a:lnB>
+                    <a:solidFill>
+                      <a:schemeClr val="accent5">
+                        <a:lumMod val="40000"/>
+                        <a:lumOff val="60000"/>
+                      </a:schemeClr>
+                    </a:solidFill>
+                  </a:tcPr>
+                </a:tc>
+                <a:tc>
+                  <a:txBody>
+                    <a:bodyPr/>
+                    <a:lstStyle/>
+                    <a:p>
+                      <a:pPr algn="ctr"/>
+                      <a:endParaRPr lang="en-US" sz="1200" b="0" dirty="0">
+                        <a:solidFill>
+                          <a:schemeClr val="tx1"/>
+                        </a:solidFill>
+                        <a:latin typeface="Times New Roman" panose="02020603050405020304" pitchFamily="18" charset="0"/>
+                        <a:cs typeface="Times New Roman" panose="02020603050405020304" pitchFamily="18" charset="0"/>
+                      </a:endParaRPr>
+                    </a:p>
+                  </a:txBody>
+                  <a:tcPr anchor="ctr">
+                    <a:lnL w="12700" cap="flat" cmpd="sng" algn="ctr">
+                      <a:solidFill>
+                        <a:schemeClr val="tx1"/>
+                      </a:solidFill>
+                      <a:prstDash val="solid"/>
+                      <a:round/>
+                      <a:headEnd type="none" w="med" len="med"/>
+                      <a:tailEnd type="none" w="med" len="med"/>
+                    </a:lnL>
+                    <a:lnR w="12700" cap="flat" cmpd="sng" algn="ctr">
+                      <a:solidFill>
+                        <a:schemeClr val="tx1"/>
+                      </a:solidFill>
+                      <a:prstDash val="solid"/>
+                      <a:round/>
+                      <a:headEnd type="none" w="med" len="med"/>
+                      <a:tailEnd type="none" w="med" len="med"/>
+                    </a:lnR>
+                    <a:lnT w="12700" cap="flat" cmpd="sng" algn="ctr">
+                      <a:solidFill>
+                        <a:schemeClr val="tx1"/>
+                      </a:solidFill>
+                      <a:prstDash val="solid"/>
+                      <a:round/>
+                      <a:headEnd type="none" w="med" len="med"/>
+                      <a:tailEnd type="none" w="med" len="med"/>
+                    </a:lnT>
+                    <a:lnB w="12700" cap="flat" cmpd="sng" algn="ctr">
+                      <a:solidFill>
+                        <a:schemeClr val="tx1"/>
+                      </a:solidFill>
+                      <a:prstDash val="solid"/>
+                      <a:round/>
+                      <a:headEnd type="none" w="med" len="med"/>
+                      <a:tailEnd type="none" w="med" len="med"/>
+                    </a:lnB>
+                    <a:solidFill>
+                      <a:schemeClr val="accent5">
+                        <a:lumMod val="40000"/>
+                        <a:lumOff val="60000"/>
+                      </a:schemeClr>
+                    </a:solidFill>
+                  </a:tcPr>
+                </a:tc>
+                <a:tc>
+                  <a:txBody>
+                    <a:bodyPr/>
+                    <a:lstStyle/>
+                    <a:p>
+                      <a:pPr algn="ctr"/>
+                      <a:endParaRPr lang="en-US" sz="1200" b="0" dirty="0">
+                        <a:solidFill>
+                          <a:schemeClr val="tx1"/>
+                        </a:solidFill>
+                        <a:latin typeface="Times New Roman" panose="02020603050405020304" pitchFamily="18" charset="0"/>
+                        <a:cs typeface="Times New Roman" panose="02020603050405020304" pitchFamily="18" charset="0"/>
+                      </a:endParaRPr>
+                    </a:p>
+                  </a:txBody>
+                  <a:tcPr anchor="ctr">
+                    <a:lnL w="12700" cap="flat" cmpd="sng" algn="ctr">
+                      <a:solidFill>
+                        <a:schemeClr val="tx1"/>
+                      </a:solidFill>
+                      <a:prstDash val="solid"/>
+                      <a:round/>
+                      <a:headEnd type="none" w="med" len="med"/>
+                      <a:tailEnd type="none" w="med" len="med"/>
+                    </a:lnL>
+                    <a:lnR w="12700" cap="flat" cmpd="sng" algn="ctr">
+                      <a:solidFill>
+                        <a:schemeClr val="tx1"/>
+                      </a:solidFill>
+                      <a:prstDash val="solid"/>
+                      <a:round/>
+                      <a:headEnd type="none" w="med" len="med"/>
+                      <a:tailEnd type="none" w="med" len="med"/>
+                    </a:lnR>
+                    <a:lnT w="12700" cap="flat" cmpd="sng" algn="ctr">
+                      <a:solidFill>
+                        <a:schemeClr val="tx1"/>
+                      </a:solidFill>
+                      <a:prstDash val="solid"/>
+                      <a:round/>
+                      <a:headEnd type="none" w="med" len="med"/>
+                      <a:tailEnd type="none" w="med" len="med"/>
+                    </a:lnT>
+                    <a:lnB w="12700" cap="flat" cmpd="sng" algn="ctr">
+                      <a:solidFill>
+                        <a:schemeClr val="tx1"/>
+                      </a:solidFill>
+                      <a:prstDash val="solid"/>
+                      <a:round/>
+                      <a:headEnd type="none" w="med" len="med"/>
+                      <a:tailEnd type="none" w="med" len="med"/>
+                    </a:lnB>
+                    <a:solidFill>
+                      <a:schemeClr val="accent5">
+                        <a:lumMod val="40000"/>
+                        <a:lumOff val="60000"/>
+                      </a:schemeClr>
+                    </a:solidFill>
+                  </a:tcPr>
+                </a:tc>
+                <a:tc>
+                  <a:txBody>
+                    <a:bodyPr/>
+                    <a:lstStyle/>
+                    <a:p>
+                      <a:pPr algn="ctr"/>
+                      <a:endParaRPr lang="en-US" sz="1200" b="0" dirty="0">
+                        <a:solidFill>
+                          <a:schemeClr val="tx1"/>
+                        </a:solidFill>
+                        <a:latin typeface="Times New Roman" panose="02020603050405020304" pitchFamily="18" charset="0"/>
+                        <a:cs typeface="Times New Roman" panose="02020603050405020304" pitchFamily="18" charset="0"/>
+                      </a:endParaRPr>
+                    </a:p>
+                  </a:txBody>
+                  <a:tcPr anchor="ctr">
+                    <a:lnL w="12700" cap="flat" cmpd="sng" algn="ctr">
+                      <a:solidFill>
+                        <a:schemeClr val="tx1"/>
+                      </a:solidFill>
+                      <a:prstDash val="solid"/>
+                      <a:round/>
+                      <a:headEnd type="none" w="med" len="med"/>
+                      <a:tailEnd type="none" w="med" len="med"/>
+                    </a:lnL>
+                    <a:lnR w="12700" cap="flat" cmpd="sng" algn="ctr">
+                      <a:solidFill>
+                        <a:schemeClr val="tx1"/>
+                      </a:solidFill>
+                      <a:prstDash val="solid"/>
+                      <a:round/>
+                      <a:headEnd type="none" w="med" len="med"/>
+                      <a:tailEnd type="none" w="med" len="med"/>
+                    </a:lnR>
+                    <a:lnT w="12700" cap="flat" cmpd="sng" algn="ctr">
+                      <a:solidFill>
+                        <a:schemeClr val="tx1"/>
+                      </a:solidFill>
+                      <a:prstDash val="solid"/>
+                      <a:round/>
+                      <a:headEnd type="none" w="med" len="med"/>
+                      <a:tailEnd type="none" w="med" len="med"/>
+                    </a:lnT>
+                    <a:lnB w="12700" cap="flat" cmpd="sng" algn="ctr">
+                      <a:solidFill>
+                        <a:schemeClr val="tx1"/>
+                      </a:solidFill>
+                      <a:prstDash val="solid"/>
+                      <a:round/>
+                      <a:headEnd type="none" w="med" len="med"/>
+                      <a:tailEnd type="none" w="med" len="med"/>
+                    </a:lnB>
+                    <a:solidFill>
+                      <a:schemeClr val="accent5">
+                        <a:lumMod val="40000"/>
+                        <a:lumOff val="60000"/>
+                      </a:schemeClr>
+                    </a:solidFill>
+                  </a:tcPr>
+                </a:tc>
+                <a:tc>
+                  <a:txBody>
+                    <a:bodyPr/>
+                    <a:lstStyle/>
+                    <a:p>
+                      <a:pPr algn="ctr"/>
+                      <a:endParaRPr lang="en-US" sz="1200" b="0" dirty="0">
+                        <a:solidFill>
+                          <a:schemeClr val="tx1"/>
+                        </a:solidFill>
+                        <a:latin typeface="Times New Roman" panose="02020603050405020304" pitchFamily="18" charset="0"/>
+                        <a:cs typeface="Times New Roman" panose="02020603050405020304" pitchFamily="18" charset="0"/>
+                      </a:endParaRPr>
+                    </a:p>
+                  </a:txBody>
+                  <a:tcPr anchor="ctr">
+                    <a:lnL w="12700" cap="flat" cmpd="sng" algn="ctr">
+                      <a:solidFill>
+                        <a:schemeClr val="tx1"/>
+                      </a:solidFill>
+                      <a:prstDash val="solid"/>
+                      <a:round/>
+                      <a:headEnd type="none" w="med" len="med"/>
+                      <a:tailEnd type="none" w="med" len="med"/>
+                    </a:lnL>
+                    <a:lnR w="12700" cap="flat" cmpd="sng" algn="ctr">
+                      <a:solidFill>
+                        <a:schemeClr val="tx1"/>
+                      </a:solidFill>
+                      <a:prstDash val="solid"/>
+                      <a:round/>
+                      <a:headEnd type="none" w="med" len="med"/>
+                      <a:tailEnd type="none" w="med" len="med"/>
+                    </a:lnR>
+                    <a:lnT w="12700" cap="flat" cmpd="sng" algn="ctr">
+                      <a:solidFill>
+                        <a:schemeClr val="tx1"/>
+                      </a:solidFill>
+                      <a:prstDash val="solid"/>
+                      <a:round/>
+                      <a:headEnd type="none" w="med" len="med"/>
+                      <a:tailEnd type="none" w="med" len="med"/>
+                    </a:lnT>
+                    <a:lnB w="12700" cap="flat" cmpd="sng" algn="ctr">
+                      <a:solidFill>
+                        <a:schemeClr val="tx1"/>
+                      </a:solidFill>
+                      <a:prstDash val="solid"/>
+                      <a:round/>
+                      <a:headEnd type="none" w="med" len="med"/>
+                      <a:tailEnd type="none" w="med" len="med"/>
+                    </a:lnB>
+                    <a:solidFill>
+                      <a:schemeClr val="accent5">
+                        <a:lumMod val="40000"/>
+                        <a:lumOff val="60000"/>
+                      </a:schemeClr>
+                    </a:solidFill>
+                  </a:tcPr>
+                </a:tc>
+                <a:tc>
+                  <a:txBody>
+                    <a:bodyPr/>
+                    <a:lstStyle/>
+                    <a:p>
+                      <a:pPr algn="ctr"/>
+                      <a:endParaRPr lang="en-US" sz="1200" b="0" dirty="0">
+                        <a:solidFill>
+                          <a:schemeClr val="tx1"/>
+                        </a:solidFill>
+                        <a:latin typeface="Times New Roman" panose="02020603050405020304" pitchFamily="18" charset="0"/>
+                        <a:cs typeface="Times New Roman" panose="02020603050405020304" pitchFamily="18" charset="0"/>
+                      </a:endParaRPr>
+                    </a:p>
+                  </a:txBody>
+                  <a:tcPr anchor="ctr">
+                    <a:lnL w="12700" cap="flat" cmpd="sng" algn="ctr">
+                      <a:solidFill>
+                        <a:schemeClr val="tx1"/>
+                      </a:solidFill>
+                      <a:prstDash val="solid"/>
+                      <a:round/>
+                      <a:headEnd type="none" w="med" len="med"/>
+                      <a:tailEnd type="none" w="med" len="med"/>
+                    </a:lnL>
+                    <a:lnR w="12700" cap="flat" cmpd="sng" algn="ctr">
+                      <a:solidFill>
+                        <a:schemeClr val="tx1"/>
+                      </a:solidFill>
+                      <a:prstDash val="solid"/>
+                      <a:round/>
+                      <a:headEnd type="none" w="med" len="med"/>
+                      <a:tailEnd type="none" w="med" len="med"/>
+                    </a:lnR>
+                    <a:lnT w="12700" cap="flat" cmpd="sng" algn="ctr">
+                      <a:solidFill>
+                        <a:schemeClr val="tx1"/>
+                      </a:solidFill>
+                      <a:prstDash val="solid"/>
+                      <a:round/>
+                      <a:headEnd type="none" w="med" len="med"/>
+                      <a:tailEnd type="none" w="med" len="med"/>
+                    </a:lnT>
+                    <a:lnB w="12700" cap="flat" cmpd="sng" algn="ctr">
+                      <a:solidFill>
+                        <a:schemeClr val="tx1"/>
+                      </a:solidFill>
+                      <a:prstDash val="solid"/>
+                      <a:round/>
+                      <a:headEnd type="none" w="med" len="med"/>
+                      <a:tailEnd type="none" w="med" len="med"/>
+                    </a:lnB>
+                    <a:solidFill>
+                      <a:schemeClr val="accent5">
+                        <a:lumMod val="40000"/>
+                        <a:lumOff val="60000"/>
+                      </a:schemeClr>
+                    </a:solidFill>
+                  </a:tcPr>
+                </a:tc>
+                <a:extLst>
+                  <a:ext uri="{0D108BD9-81ED-4DB2-BD59-A6C34878D82A}">
+                    <a16:rowId xmlns:a16="http://schemas.microsoft.com/office/drawing/2014/main" val="1904163923"/>
+                  </a:ext>
+                </a:extLst>
+              </a:tr>
+            </a:tbl>
+          </a:graphicData>
+        </a:graphic>
+      </p:graphicFrame>
+      <p:sp>
+        <p:nvSpPr>
+          <p:cNvPr id="52" name="Oval 51">
+            <a:extLst>
+              <a:ext uri="{FF2B5EF4-FFF2-40B4-BE49-F238E27FC236}">
+                <a16:creationId xmlns:a16="http://schemas.microsoft.com/office/drawing/2014/main" id="{CA4A1457-D502-1FC5-FFC7-FE31CF691B6B}"/>
+              </a:ext>
+            </a:extLst>
+          </p:cNvPr>
+          <p:cNvSpPr/>
+          <p:nvPr/>
+        </p:nvSpPr>
+        <p:spPr>
+          <a:xfrm>
+            <a:off x="1183344" y="5106254"/>
+            <a:ext cx="425324" cy="370840"/>
+          </a:xfrm>
+          <a:prstGeom prst="ellipse">
+            <a:avLst/>
+          </a:prstGeom>
+          <a:noFill/>
+          <a:ln>
+            <a:noFill/>
+          </a:ln>
+        </p:spPr>
+        <p:style>
+          <a:lnRef idx="2">
+            <a:schemeClr val="accent1">
+              <a:shade val="15000"/>
+            </a:schemeClr>
+          </a:lnRef>
+          <a:fillRef idx="1">
+            <a:schemeClr val="accent1"/>
+          </a:fillRef>
+          <a:effectRef idx="0">
+            <a:schemeClr val="accent1"/>
+          </a:effectRef>
+          <a:fontRef idx="minor">
+            <a:schemeClr val="lt1"/>
+          </a:fontRef>
+        </p:style>
+        <p:txBody>
+          <a:bodyPr rtlCol="0" anchor="ctr"/>
+          <a:lstStyle/>
+          <a:p>
+            <a:pPr algn="ctr"/>
+            <a:endParaRPr lang="en-US"/>
+          </a:p>
+        </p:txBody>
+      </p:sp>
+      <p:sp>
+        <p:nvSpPr>
+          <p:cNvPr id="53" name="Oval 52">
+            <a:extLst>
+              <a:ext uri="{FF2B5EF4-FFF2-40B4-BE49-F238E27FC236}">
+                <a16:creationId xmlns:a16="http://schemas.microsoft.com/office/drawing/2014/main" id="{4214AE64-6AC3-5404-D204-A59CAF8A2BA2}"/>
+              </a:ext>
+            </a:extLst>
+          </p:cNvPr>
+          <p:cNvSpPr/>
+          <p:nvPr/>
+        </p:nvSpPr>
+        <p:spPr>
+          <a:xfrm>
+            <a:off x="2975926" y="5106253"/>
+            <a:ext cx="425324" cy="370840"/>
+          </a:xfrm>
+          <a:prstGeom prst="ellipse">
+            <a:avLst/>
+          </a:prstGeom>
+          <a:noFill/>
+          <a:ln>
+            <a:noFill/>
+          </a:ln>
+        </p:spPr>
+        <p:style>
+          <a:lnRef idx="2">
+            <a:schemeClr val="accent1">
+              <a:shade val="15000"/>
+            </a:schemeClr>
+          </a:lnRef>
+          <a:fillRef idx="1">
+            <a:schemeClr val="accent1"/>
+          </a:fillRef>
+          <a:effectRef idx="0">
+            <a:schemeClr val="accent1"/>
+          </a:effectRef>
+          <a:fontRef idx="minor">
+            <a:schemeClr val="lt1"/>
+          </a:fontRef>
+        </p:style>
+        <p:txBody>
+          <a:bodyPr rtlCol="0" anchor="ctr"/>
+          <a:lstStyle/>
+          <a:p>
+            <a:pPr algn="ctr"/>
+            <a:endParaRPr lang="en-US"/>
+          </a:p>
+        </p:txBody>
+      </p:sp>
+      <p:sp>
+        <p:nvSpPr>
+          <p:cNvPr id="54" name="Oval 53">
+            <a:extLst>
+              <a:ext uri="{FF2B5EF4-FFF2-40B4-BE49-F238E27FC236}">
+                <a16:creationId xmlns:a16="http://schemas.microsoft.com/office/drawing/2014/main" id="{1401D190-81C2-28E2-FEFC-D88E4AA98674}"/>
+              </a:ext>
+            </a:extLst>
+          </p:cNvPr>
+          <p:cNvSpPr/>
+          <p:nvPr/>
+        </p:nvSpPr>
+        <p:spPr>
+          <a:xfrm>
+            <a:off x="2074333" y="5106253"/>
+            <a:ext cx="425324" cy="370840"/>
+          </a:xfrm>
+          <a:prstGeom prst="ellipse">
+            <a:avLst/>
+          </a:prstGeom>
+          <a:noFill/>
+          <a:ln>
+            <a:noFill/>
+          </a:ln>
+        </p:spPr>
+        <p:style>
+          <a:lnRef idx="2">
+            <a:schemeClr val="accent1">
+              <a:shade val="15000"/>
+            </a:schemeClr>
+          </a:lnRef>
+          <a:fillRef idx="1">
+            <a:schemeClr val="accent1"/>
+          </a:fillRef>
+          <a:effectRef idx="0">
+            <a:schemeClr val="accent1"/>
+          </a:effectRef>
+          <a:fontRef idx="minor">
+            <a:schemeClr val="lt1"/>
+          </a:fontRef>
+        </p:style>
+        <p:txBody>
+          <a:bodyPr rtlCol="0" anchor="ctr"/>
+          <a:lstStyle/>
+          <a:p>
+            <a:pPr algn="ctr"/>
+            <a:endParaRPr lang="en-US"/>
+          </a:p>
+        </p:txBody>
+      </p:sp>
+      <p:sp>
+        <p:nvSpPr>
+          <p:cNvPr id="55" name="Oval 54">
+            <a:extLst>
+              <a:ext uri="{FF2B5EF4-FFF2-40B4-BE49-F238E27FC236}">
+                <a16:creationId xmlns:a16="http://schemas.microsoft.com/office/drawing/2014/main" id="{C979B878-3BE3-E7C8-4F2E-FCF07B5436D8}"/>
+              </a:ext>
+            </a:extLst>
+          </p:cNvPr>
+          <p:cNvSpPr/>
+          <p:nvPr/>
+        </p:nvSpPr>
+        <p:spPr>
+          <a:xfrm>
+            <a:off x="2526551" y="5106253"/>
+            <a:ext cx="425324" cy="370840"/>
+          </a:xfrm>
+          <a:prstGeom prst="ellipse">
+            <a:avLst/>
+          </a:prstGeom>
+          <a:noFill/>
+          <a:ln>
+            <a:noFill/>
+          </a:ln>
+        </p:spPr>
+        <p:style>
+          <a:lnRef idx="2">
+            <a:schemeClr val="accent1">
+              <a:shade val="15000"/>
+            </a:schemeClr>
+          </a:lnRef>
+          <a:fillRef idx="1">
+            <a:schemeClr val="accent1"/>
+          </a:fillRef>
+          <a:effectRef idx="0">
+            <a:schemeClr val="accent1"/>
+          </a:effectRef>
+          <a:fontRef idx="minor">
+            <a:schemeClr val="lt1"/>
+          </a:fontRef>
+        </p:style>
+        <p:txBody>
+          <a:bodyPr rtlCol="0" anchor="ctr"/>
+          <a:lstStyle/>
+          <a:p>
+            <a:pPr algn="ctr"/>
+            <a:endParaRPr lang="en-US"/>
+          </a:p>
+        </p:txBody>
+      </p:sp>
+      <p:sp>
+        <p:nvSpPr>
+          <p:cNvPr id="56" name="Oval 55">
+            <a:extLst>
+              <a:ext uri="{FF2B5EF4-FFF2-40B4-BE49-F238E27FC236}">
+                <a16:creationId xmlns:a16="http://schemas.microsoft.com/office/drawing/2014/main" id="{67153A65-A4DE-98AF-84E2-52EE8BF1D1F2}"/>
+              </a:ext>
+            </a:extLst>
+          </p:cNvPr>
+          <p:cNvSpPr/>
+          <p:nvPr/>
+        </p:nvSpPr>
+        <p:spPr>
+          <a:xfrm>
+            <a:off x="1622115" y="5115218"/>
+            <a:ext cx="425324" cy="370840"/>
+          </a:xfrm>
+          <a:prstGeom prst="ellipse">
+            <a:avLst/>
+          </a:prstGeom>
+          <a:noFill/>
+          <a:ln>
+            <a:noFill/>
+          </a:ln>
+        </p:spPr>
+        <p:style>
+          <a:lnRef idx="2">
+            <a:schemeClr val="accent1">
+              <a:shade val="15000"/>
+            </a:schemeClr>
+          </a:lnRef>
+          <a:fillRef idx="1">
+            <a:schemeClr val="accent1"/>
+          </a:fillRef>
+          <a:effectRef idx="0">
+            <a:schemeClr val="accent1"/>
+          </a:effectRef>
+          <a:fontRef idx="minor">
+            <a:schemeClr val="lt1"/>
+          </a:fontRef>
+        </p:style>
+        <p:txBody>
+          <a:bodyPr rtlCol="0" anchor="ctr"/>
+          <a:lstStyle/>
+          <a:p>
+            <a:pPr algn="ctr"/>
+            <a:endParaRPr lang="en-US"/>
+          </a:p>
+        </p:txBody>
+      </p:sp>
+      <p:sp>
+        <p:nvSpPr>
+          <p:cNvPr id="57" name="Oval 56">
+            <a:extLst>
+              <a:ext uri="{FF2B5EF4-FFF2-40B4-BE49-F238E27FC236}">
+                <a16:creationId xmlns:a16="http://schemas.microsoft.com/office/drawing/2014/main" id="{6E2123BB-EBD4-8925-1BC7-BC815DA5E207}"/>
+              </a:ext>
+            </a:extLst>
+          </p:cNvPr>
+          <p:cNvSpPr/>
+          <p:nvPr/>
+        </p:nvSpPr>
+        <p:spPr>
+          <a:xfrm>
+            <a:off x="3425272" y="5097288"/>
+            <a:ext cx="425324" cy="370840"/>
+          </a:xfrm>
+          <a:prstGeom prst="ellipse">
+            <a:avLst/>
+          </a:prstGeom>
+          <a:noFill/>
+          <a:ln>
+            <a:noFill/>
+          </a:ln>
+        </p:spPr>
+        <p:style>
+          <a:lnRef idx="2">
+            <a:schemeClr val="accent1">
+              <a:shade val="15000"/>
+            </a:schemeClr>
+          </a:lnRef>
+          <a:fillRef idx="1">
+            <a:schemeClr val="accent1"/>
+          </a:fillRef>
+          <a:effectRef idx="0">
+            <a:schemeClr val="accent1"/>
+          </a:effectRef>
+          <a:fontRef idx="minor">
+            <a:schemeClr val="lt1"/>
+          </a:fontRef>
+        </p:style>
+        <p:txBody>
+          <a:bodyPr rtlCol="0" anchor="ctr"/>
+          <a:lstStyle/>
+          <a:p>
+            <a:pPr algn="ctr"/>
+            <a:endParaRPr lang="en-US"/>
+          </a:p>
+        </p:txBody>
+      </p:sp>
+      <p:sp>
+        <p:nvSpPr>
+          <p:cNvPr id="58" name="Oval 57">
+            <a:extLst>
+              <a:ext uri="{FF2B5EF4-FFF2-40B4-BE49-F238E27FC236}">
+                <a16:creationId xmlns:a16="http://schemas.microsoft.com/office/drawing/2014/main" id="{6160903C-4896-B236-A367-F1385F9AE207}"/>
+              </a:ext>
+            </a:extLst>
+          </p:cNvPr>
+          <p:cNvSpPr/>
+          <p:nvPr/>
+        </p:nvSpPr>
+        <p:spPr>
+          <a:xfrm>
+            <a:off x="3874618" y="5106253"/>
+            <a:ext cx="425324" cy="370840"/>
+          </a:xfrm>
+          <a:prstGeom prst="ellipse">
+            <a:avLst/>
+          </a:prstGeom>
+          <a:noFill/>
+          <a:ln>
+            <a:noFill/>
+          </a:ln>
+        </p:spPr>
+        <p:style>
+          <a:lnRef idx="2">
+            <a:schemeClr val="accent1">
+              <a:shade val="15000"/>
+            </a:schemeClr>
+          </a:lnRef>
+          <a:fillRef idx="1">
+            <a:schemeClr val="accent1"/>
+          </a:fillRef>
+          <a:effectRef idx="0">
+            <a:schemeClr val="accent1"/>
+          </a:effectRef>
+          <a:fontRef idx="minor">
+            <a:schemeClr val="lt1"/>
+          </a:fontRef>
+        </p:style>
+        <p:txBody>
+          <a:bodyPr rtlCol="0" anchor="ctr"/>
+          <a:lstStyle/>
+          <a:p>
+            <a:pPr algn="ctr"/>
+            <a:endParaRPr lang="en-US"/>
+          </a:p>
+        </p:txBody>
+      </p:sp>
+      <p:sp>
+        <p:nvSpPr>
+          <p:cNvPr id="59" name="Oval 58">
+            <a:extLst>
+              <a:ext uri="{FF2B5EF4-FFF2-40B4-BE49-F238E27FC236}">
+                <a16:creationId xmlns:a16="http://schemas.microsoft.com/office/drawing/2014/main" id="{838EF353-D0E1-4C14-39AD-E45CAA0E0B6E}"/>
+              </a:ext>
+            </a:extLst>
+          </p:cNvPr>
+          <p:cNvSpPr/>
+          <p:nvPr/>
+        </p:nvSpPr>
+        <p:spPr>
+          <a:xfrm>
+            <a:off x="4322904" y="5106253"/>
+            <a:ext cx="425324" cy="370840"/>
+          </a:xfrm>
+          <a:prstGeom prst="ellipse">
+            <a:avLst/>
+          </a:prstGeom>
+          <a:noFill/>
+          <a:ln>
+            <a:noFill/>
+          </a:ln>
+        </p:spPr>
+        <p:style>
+          <a:lnRef idx="2">
+            <a:schemeClr val="accent1">
+              <a:shade val="15000"/>
+            </a:schemeClr>
+          </a:lnRef>
+          <a:fillRef idx="1">
+            <a:schemeClr val="accent1"/>
+          </a:fillRef>
+          <a:effectRef idx="0">
+            <a:schemeClr val="accent1"/>
+          </a:effectRef>
+          <a:fontRef idx="minor">
+            <a:schemeClr val="lt1"/>
+          </a:fontRef>
+        </p:style>
+        <p:txBody>
+          <a:bodyPr rtlCol="0" anchor="ctr"/>
+          <a:lstStyle/>
+          <a:p>
+            <a:pPr algn="ctr"/>
+            <a:endParaRPr lang="en-US"/>
+          </a:p>
+        </p:txBody>
+      </p:sp>
+      <p:sp>
+        <p:nvSpPr>
+          <p:cNvPr id="60" name="Oval 59">
+            <a:extLst>
+              <a:ext uri="{FF2B5EF4-FFF2-40B4-BE49-F238E27FC236}">
+                <a16:creationId xmlns:a16="http://schemas.microsoft.com/office/drawing/2014/main" id="{303C3907-E1EE-3092-2B87-26A4A30F6FB6}"/>
+              </a:ext>
+            </a:extLst>
+          </p:cNvPr>
+          <p:cNvSpPr/>
+          <p:nvPr/>
+        </p:nvSpPr>
+        <p:spPr>
+          <a:xfrm>
+            <a:off x="4762763" y="5106253"/>
+            <a:ext cx="425324" cy="370840"/>
+          </a:xfrm>
+          <a:prstGeom prst="ellipse">
+            <a:avLst/>
+          </a:prstGeom>
+          <a:noFill/>
+          <a:ln>
+            <a:noFill/>
+          </a:ln>
+        </p:spPr>
+        <p:style>
+          <a:lnRef idx="2">
+            <a:schemeClr val="accent1">
+              <a:shade val="15000"/>
+            </a:schemeClr>
+          </a:lnRef>
+          <a:fillRef idx="1">
+            <a:schemeClr val="accent1"/>
+          </a:fillRef>
+          <a:effectRef idx="0">
+            <a:schemeClr val="accent1"/>
+          </a:effectRef>
+          <a:fontRef idx="minor">
+            <a:schemeClr val="lt1"/>
+          </a:fontRef>
+        </p:style>
+        <p:txBody>
+          <a:bodyPr rtlCol="0" anchor="ctr"/>
+          <a:lstStyle/>
+          <a:p>
+            <a:pPr algn="ctr"/>
+            <a:endParaRPr lang="en-US"/>
+          </a:p>
+        </p:txBody>
+      </p:sp>
+      <p:sp>
+        <p:nvSpPr>
+          <p:cNvPr id="61" name="Oval 60">
+            <a:extLst>
+              <a:ext uri="{FF2B5EF4-FFF2-40B4-BE49-F238E27FC236}">
+                <a16:creationId xmlns:a16="http://schemas.microsoft.com/office/drawing/2014/main" id="{F6EC96DC-0E84-F5DF-1AD0-FF8FFBB7F929}"/>
+              </a:ext>
+            </a:extLst>
+          </p:cNvPr>
+          <p:cNvSpPr/>
+          <p:nvPr/>
+        </p:nvSpPr>
+        <p:spPr>
+          <a:xfrm>
+            <a:off x="5220435" y="5106253"/>
+            <a:ext cx="425324" cy="370840"/>
+          </a:xfrm>
+          <a:prstGeom prst="ellipse">
+            <a:avLst/>
+          </a:prstGeom>
+          <a:noFill/>
+          <a:ln>
+            <a:noFill/>
+          </a:ln>
+        </p:spPr>
+        <p:style>
+          <a:lnRef idx="2">
+            <a:schemeClr val="accent1">
+              <a:shade val="15000"/>
+            </a:schemeClr>
+          </a:lnRef>
+          <a:fillRef idx="1">
+            <a:schemeClr val="accent1"/>
+          </a:fillRef>
+          <a:effectRef idx="0">
+            <a:schemeClr val="accent1"/>
+          </a:effectRef>
+          <a:fontRef idx="minor">
+            <a:schemeClr val="lt1"/>
+          </a:fontRef>
+        </p:style>
+        <p:txBody>
+          <a:bodyPr rtlCol="0" anchor="ctr"/>
+          <a:lstStyle/>
+          <a:p>
+            <a:pPr algn="ctr"/>
+            <a:endParaRPr lang="en-US"/>
+          </a:p>
+        </p:txBody>
+      </p:sp>
+      <p:sp>
+        <p:nvSpPr>
+          <p:cNvPr id="62" name="Oval 61">
+            <a:extLst>
+              <a:ext uri="{FF2B5EF4-FFF2-40B4-BE49-F238E27FC236}">
+                <a16:creationId xmlns:a16="http://schemas.microsoft.com/office/drawing/2014/main" id="{FF43D99E-2840-0794-C054-8C72911519F8}"/>
+              </a:ext>
+            </a:extLst>
+          </p:cNvPr>
+          <p:cNvSpPr/>
+          <p:nvPr/>
+        </p:nvSpPr>
+        <p:spPr>
+          <a:xfrm>
+            <a:off x="5669810" y="5106253"/>
+            <a:ext cx="425324" cy="370840"/>
+          </a:xfrm>
+          <a:prstGeom prst="ellipse">
+            <a:avLst/>
+          </a:prstGeom>
+          <a:noFill/>
+          <a:ln>
+            <a:noFill/>
+          </a:ln>
+        </p:spPr>
+        <p:style>
+          <a:lnRef idx="2">
+            <a:schemeClr val="accent1">
+              <a:shade val="15000"/>
+            </a:schemeClr>
+          </a:lnRef>
+          <a:fillRef idx="1">
+            <a:schemeClr val="accent1"/>
+          </a:fillRef>
+          <a:effectRef idx="0">
+            <a:schemeClr val="accent1"/>
+          </a:effectRef>
+          <a:fontRef idx="minor">
+            <a:schemeClr val="lt1"/>
+          </a:fontRef>
+        </p:style>
+        <p:txBody>
+          <a:bodyPr rtlCol="0" anchor="ctr"/>
+          <a:lstStyle/>
+          <a:p>
+            <a:pPr algn="ctr"/>
+            <a:endParaRPr lang="en-US"/>
+          </a:p>
+        </p:txBody>
+      </p:sp>
+      <p:sp>
+        <p:nvSpPr>
+          <p:cNvPr id="63" name="Oval 62">
+            <a:extLst>
+              <a:ext uri="{FF2B5EF4-FFF2-40B4-BE49-F238E27FC236}">
+                <a16:creationId xmlns:a16="http://schemas.microsoft.com/office/drawing/2014/main" id="{11FBCEE0-2182-B694-9B24-E780A0699F77}"/>
+              </a:ext>
+            </a:extLst>
+          </p:cNvPr>
+          <p:cNvSpPr/>
+          <p:nvPr/>
+        </p:nvSpPr>
+        <p:spPr>
+          <a:xfrm>
+            <a:off x="3070571" y="4464410"/>
+            <a:ext cx="112418" cy="116675"/>
+          </a:xfrm>
+          <a:prstGeom prst="ellipse">
+            <a:avLst/>
+          </a:prstGeom>
+          <a:solidFill>
+            <a:schemeClr val="tx1"/>
+          </a:solidFill>
+          <a:ln>
+            <a:noFill/>
+          </a:ln>
+        </p:spPr>
+        <p:style>
+          <a:lnRef idx="2">
+            <a:schemeClr val="accent1">
+              <a:shade val="15000"/>
+            </a:schemeClr>
+          </a:lnRef>
+          <a:fillRef idx="1">
+            <a:schemeClr val="accent1"/>
+          </a:fillRef>
+          <a:effectRef idx="0">
+            <a:schemeClr val="accent1"/>
+          </a:effectRef>
+          <a:fontRef idx="minor">
+            <a:schemeClr val="lt1"/>
+          </a:fontRef>
+        </p:style>
+        <p:txBody>
+          <a:bodyPr rtlCol="0" anchor="ctr"/>
+          <a:lstStyle/>
+          <a:p>
+            <a:pPr algn="ctr"/>
+            <a:endParaRPr lang="en-US"/>
+          </a:p>
+        </p:txBody>
+      </p:sp>
+      <p:cxnSp>
+        <p:nvCxnSpPr>
+          <p:cNvPr id="65" name="Connector: Curved 64">
+            <a:extLst>
+              <a:ext uri="{FF2B5EF4-FFF2-40B4-BE49-F238E27FC236}">
+                <a16:creationId xmlns:a16="http://schemas.microsoft.com/office/drawing/2014/main" id="{45D599BB-D97A-E5FB-A1E7-88E5C4BEA207}"/>
+              </a:ext>
+            </a:extLst>
+          </p:cNvPr>
+          <p:cNvCxnSpPr>
+            <a:cxnSpLocks/>
+            <a:stCxn id="50" idx="4"/>
+            <a:endCxn id="63" idx="0"/>
+          </p:cNvCxnSpPr>
+          <p:nvPr/>
+        </p:nvCxnSpPr>
+        <p:spPr>
+          <a:xfrm rot="5400000">
+            <a:off x="4248892" y="2830829"/>
+            <a:ext cx="511469" cy="2755692"/>
+          </a:xfrm>
+          <a:prstGeom prst="curvedConnector3">
+            <a:avLst/>
+          </a:prstGeom>
+          <a:ln>
+            <a:solidFill>
+              <a:schemeClr val="tx1"/>
+            </a:solidFill>
+            <a:headEnd type="none" w="med" len="med"/>
+            <a:tailEnd type="none" w="med" len="med"/>
+          </a:ln>
+        </p:spPr>
+        <p:style>
+          <a:lnRef idx="2">
+            <a:schemeClr val="accent1"/>
+          </a:lnRef>
+          <a:fillRef idx="0">
+            <a:schemeClr val="accent1"/>
+          </a:fillRef>
+          <a:effectRef idx="1">
+            <a:schemeClr val="accent1"/>
+          </a:effectRef>
+          <a:fontRef idx="minor">
+            <a:schemeClr val="tx1"/>
+          </a:fontRef>
+        </p:style>
+      </p:cxnSp>
+      <p:cxnSp>
+        <p:nvCxnSpPr>
+          <p:cNvPr id="66" name="Connector: Curved 65">
+            <a:extLst>
+              <a:ext uri="{FF2B5EF4-FFF2-40B4-BE49-F238E27FC236}">
+                <a16:creationId xmlns:a16="http://schemas.microsoft.com/office/drawing/2014/main" id="{E873CC79-E241-B63A-190E-4F9247580E4D}"/>
+              </a:ext>
+            </a:extLst>
+          </p:cNvPr>
+          <p:cNvCxnSpPr>
+            <a:cxnSpLocks/>
+            <a:stCxn id="49" idx="4"/>
+            <a:endCxn id="63" idx="0"/>
+          </p:cNvCxnSpPr>
+          <p:nvPr/>
+        </p:nvCxnSpPr>
+        <p:spPr>
+          <a:xfrm rot="5400000">
+            <a:off x="4024205" y="3055517"/>
+            <a:ext cx="511469" cy="2306317"/>
           </a:xfrm>
           <a:prstGeom prst="curvedConnector3">
             <a:avLst>
@@ -5775,6 +9390,2343 @@
             </a:avLst>
           </a:prstGeom>
           <a:ln>
+            <a:solidFill>
+              <a:schemeClr val="tx1"/>
+            </a:solidFill>
+            <a:headEnd type="none" w="med" len="med"/>
+            <a:tailEnd type="none" w="med" len="med"/>
+          </a:ln>
+        </p:spPr>
+        <p:style>
+          <a:lnRef idx="2">
+            <a:schemeClr val="accent1"/>
+          </a:lnRef>
+          <a:fillRef idx="0">
+            <a:schemeClr val="accent1"/>
+          </a:fillRef>
+          <a:effectRef idx="1">
+            <a:schemeClr val="accent1"/>
+          </a:effectRef>
+          <a:fontRef idx="minor">
+            <a:schemeClr val="tx1"/>
+          </a:fontRef>
+        </p:style>
+      </p:cxnSp>
+      <p:cxnSp>
+        <p:nvCxnSpPr>
+          <p:cNvPr id="68" name="Connector: Curved 67">
+            <a:extLst>
+              <a:ext uri="{FF2B5EF4-FFF2-40B4-BE49-F238E27FC236}">
+                <a16:creationId xmlns:a16="http://schemas.microsoft.com/office/drawing/2014/main" id="{E5A81D0B-B600-92AB-F59D-1299F9B5AEEA}"/>
+              </a:ext>
+            </a:extLst>
+          </p:cNvPr>
+          <p:cNvCxnSpPr>
+            <a:cxnSpLocks/>
+            <a:stCxn id="48" idx="4"/>
+            <a:endCxn id="63" idx="0"/>
+          </p:cNvCxnSpPr>
+          <p:nvPr/>
+        </p:nvCxnSpPr>
+        <p:spPr>
+          <a:xfrm rot="5400000">
+            <a:off x="3795369" y="3284353"/>
+            <a:ext cx="511469" cy="1848645"/>
+          </a:xfrm>
+          <a:prstGeom prst="curvedConnector3">
+            <a:avLst>
+              <a:gd name="adj1" fmla="val 50000"/>
+            </a:avLst>
+          </a:prstGeom>
+          <a:ln>
+            <a:solidFill>
+              <a:schemeClr val="tx1"/>
+            </a:solidFill>
+            <a:headEnd type="none" w="med" len="med"/>
+            <a:tailEnd type="none" w="med" len="med"/>
+          </a:ln>
+        </p:spPr>
+        <p:style>
+          <a:lnRef idx="2">
+            <a:schemeClr val="accent1"/>
+          </a:lnRef>
+          <a:fillRef idx="0">
+            <a:schemeClr val="accent1"/>
+          </a:fillRef>
+          <a:effectRef idx="1">
+            <a:schemeClr val="accent1"/>
+          </a:effectRef>
+          <a:fontRef idx="minor">
+            <a:schemeClr val="tx1"/>
+          </a:fontRef>
+        </p:style>
+      </p:cxnSp>
+      <p:cxnSp>
+        <p:nvCxnSpPr>
+          <p:cNvPr id="70" name="Connector: Curved 69">
+            <a:extLst>
+              <a:ext uri="{FF2B5EF4-FFF2-40B4-BE49-F238E27FC236}">
+                <a16:creationId xmlns:a16="http://schemas.microsoft.com/office/drawing/2014/main" id="{BF20F6AC-929C-BB67-BB54-12418105FFD8}"/>
+              </a:ext>
+            </a:extLst>
+          </p:cNvPr>
+          <p:cNvCxnSpPr>
+            <a:cxnSpLocks/>
+            <a:stCxn id="47" idx="4"/>
+            <a:endCxn id="63" idx="0"/>
+          </p:cNvCxnSpPr>
+          <p:nvPr/>
+        </p:nvCxnSpPr>
+        <p:spPr>
+          <a:xfrm rot="5400000">
+            <a:off x="3575439" y="3504282"/>
+            <a:ext cx="511469" cy="1408786"/>
+          </a:xfrm>
+          <a:prstGeom prst="curvedConnector3">
+            <a:avLst>
+              <a:gd name="adj1" fmla="val 50000"/>
+            </a:avLst>
+          </a:prstGeom>
+          <a:ln>
+            <a:solidFill>
+              <a:schemeClr val="tx1"/>
+            </a:solidFill>
+            <a:headEnd type="none" w="med" len="med"/>
+            <a:tailEnd type="none" w="med" len="med"/>
+          </a:ln>
+        </p:spPr>
+        <p:style>
+          <a:lnRef idx="2">
+            <a:schemeClr val="accent1"/>
+          </a:lnRef>
+          <a:fillRef idx="0">
+            <a:schemeClr val="accent1"/>
+          </a:fillRef>
+          <a:effectRef idx="1">
+            <a:schemeClr val="accent1"/>
+          </a:effectRef>
+          <a:fontRef idx="minor">
+            <a:schemeClr val="tx1"/>
+          </a:fontRef>
+        </p:style>
+      </p:cxnSp>
+      <p:cxnSp>
+        <p:nvCxnSpPr>
+          <p:cNvPr id="72" name="Connector: Curved 71">
+            <a:extLst>
+              <a:ext uri="{FF2B5EF4-FFF2-40B4-BE49-F238E27FC236}">
+                <a16:creationId xmlns:a16="http://schemas.microsoft.com/office/drawing/2014/main" id="{E846C933-8D63-62DE-80CB-A909CC2BC61C}"/>
+              </a:ext>
+            </a:extLst>
+          </p:cNvPr>
+          <p:cNvCxnSpPr>
+            <a:cxnSpLocks/>
+            <a:stCxn id="46" idx="4"/>
+            <a:endCxn id="63" idx="0"/>
+          </p:cNvCxnSpPr>
+          <p:nvPr/>
+        </p:nvCxnSpPr>
+        <p:spPr>
+          <a:xfrm rot="5400000">
+            <a:off x="3351296" y="3728425"/>
+            <a:ext cx="511469" cy="960500"/>
+          </a:xfrm>
+          <a:prstGeom prst="curvedConnector3">
+            <a:avLst>
+              <a:gd name="adj1" fmla="val 50000"/>
+            </a:avLst>
+          </a:prstGeom>
+          <a:ln>
+            <a:solidFill>
+              <a:schemeClr val="tx1"/>
+            </a:solidFill>
+            <a:headEnd type="none" w="med" len="med"/>
+            <a:tailEnd type="none" w="med" len="med"/>
+          </a:ln>
+        </p:spPr>
+        <p:style>
+          <a:lnRef idx="2">
+            <a:schemeClr val="accent1"/>
+          </a:lnRef>
+          <a:fillRef idx="0">
+            <a:schemeClr val="accent1"/>
+          </a:fillRef>
+          <a:effectRef idx="1">
+            <a:schemeClr val="accent1"/>
+          </a:effectRef>
+          <a:fontRef idx="minor">
+            <a:schemeClr val="tx1"/>
+          </a:fontRef>
+        </p:style>
+      </p:cxnSp>
+      <p:cxnSp>
+        <p:nvCxnSpPr>
+          <p:cNvPr id="74" name="Connector: Curved 73">
+            <a:extLst>
+              <a:ext uri="{FF2B5EF4-FFF2-40B4-BE49-F238E27FC236}">
+                <a16:creationId xmlns:a16="http://schemas.microsoft.com/office/drawing/2014/main" id="{0F8A668E-D723-3311-B9AF-ECA2FB0568EB}"/>
+              </a:ext>
+            </a:extLst>
+          </p:cNvPr>
+          <p:cNvCxnSpPr>
+            <a:cxnSpLocks/>
+            <a:stCxn id="9" idx="2"/>
+            <a:endCxn id="63" idx="0"/>
+          </p:cNvCxnSpPr>
+          <p:nvPr/>
+        </p:nvCxnSpPr>
+        <p:spPr>
+          <a:xfrm rot="5400000">
+            <a:off x="3126623" y="3953098"/>
+            <a:ext cx="511469" cy="511154"/>
+          </a:xfrm>
+          <a:prstGeom prst="curvedConnector3">
+            <a:avLst>
+              <a:gd name="adj1" fmla="val 50000"/>
+            </a:avLst>
+          </a:prstGeom>
+          <a:ln>
+            <a:solidFill>
+              <a:schemeClr val="tx1"/>
+            </a:solidFill>
+            <a:headEnd type="none" w="med" len="med"/>
+            <a:tailEnd type="none" w="med" len="med"/>
+          </a:ln>
+        </p:spPr>
+        <p:style>
+          <a:lnRef idx="2">
+            <a:schemeClr val="accent1"/>
+          </a:lnRef>
+          <a:fillRef idx="0">
+            <a:schemeClr val="accent1"/>
+          </a:fillRef>
+          <a:effectRef idx="1">
+            <a:schemeClr val="accent1"/>
+          </a:effectRef>
+          <a:fontRef idx="minor">
+            <a:schemeClr val="tx1"/>
+          </a:fontRef>
+        </p:style>
+      </p:cxnSp>
+      <p:cxnSp>
+        <p:nvCxnSpPr>
+          <p:cNvPr id="76" name="Connector: Curved 75">
+            <a:extLst>
+              <a:ext uri="{FF2B5EF4-FFF2-40B4-BE49-F238E27FC236}">
+                <a16:creationId xmlns:a16="http://schemas.microsoft.com/office/drawing/2014/main" id="{51014805-FBFE-3D79-B147-7E10C6B60BBE}"/>
+              </a:ext>
+            </a:extLst>
+          </p:cNvPr>
+          <p:cNvCxnSpPr>
+            <a:cxnSpLocks/>
+            <a:stCxn id="41" idx="4"/>
+            <a:endCxn id="63" idx="0"/>
+          </p:cNvCxnSpPr>
+          <p:nvPr/>
+        </p:nvCxnSpPr>
+        <p:spPr>
+          <a:xfrm rot="5400000">
+            <a:off x="2901950" y="4177771"/>
+            <a:ext cx="511469" cy="61808"/>
+          </a:xfrm>
+          <a:prstGeom prst="curvedConnector3">
+            <a:avLst>
+              <a:gd name="adj1" fmla="val 50000"/>
+            </a:avLst>
+          </a:prstGeom>
+          <a:ln>
+            <a:solidFill>
+              <a:schemeClr val="tx1"/>
+            </a:solidFill>
+            <a:headEnd type="none" w="med" len="med"/>
+            <a:tailEnd type="none" w="med" len="med"/>
+          </a:ln>
+        </p:spPr>
+        <p:style>
+          <a:lnRef idx="2">
+            <a:schemeClr val="accent1"/>
+          </a:lnRef>
+          <a:fillRef idx="0">
+            <a:schemeClr val="accent1"/>
+          </a:fillRef>
+          <a:effectRef idx="1">
+            <a:schemeClr val="accent1"/>
+          </a:effectRef>
+          <a:fontRef idx="minor">
+            <a:schemeClr val="tx1"/>
+          </a:fontRef>
+        </p:style>
+      </p:cxnSp>
+      <p:cxnSp>
+        <p:nvCxnSpPr>
+          <p:cNvPr id="78" name="Connector: Curved 77">
+            <a:extLst>
+              <a:ext uri="{FF2B5EF4-FFF2-40B4-BE49-F238E27FC236}">
+                <a16:creationId xmlns:a16="http://schemas.microsoft.com/office/drawing/2014/main" id="{CFF55A32-B96A-C9BC-023E-AD88C3B734FD}"/>
+              </a:ext>
+            </a:extLst>
+          </p:cNvPr>
+          <p:cNvCxnSpPr>
+            <a:cxnSpLocks/>
+            <a:stCxn id="43" idx="4"/>
+            <a:endCxn id="63" idx="0"/>
+          </p:cNvCxnSpPr>
+          <p:nvPr/>
+        </p:nvCxnSpPr>
+        <p:spPr>
+          <a:xfrm rot="16200000" flipH="1">
+            <a:off x="2677262" y="4014891"/>
+            <a:ext cx="511469" cy="387567"/>
+          </a:xfrm>
+          <a:prstGeom prst="curvedConnector3">
+            <a:avLst>
+              <a:gd name="adj1" fmla="val 50000"/>
+            </a:avLst>
+          </a:prstGeom>
+          <a:ln>
+            <a:solidFill>
+              <a:schemeClr val="tx1"/>
+            </a:solidFill>
+            <a:headEnd type="none" w="med" len="med"/>
+            <a:tailEnd type="none" w="med" len="med"/>
+          </a:ln>
+        </p:spPr>
+        <p:style>
+          <a:lnRef idx="2">
+            <a:schemeClr val="accent1"/>
+          </a:lnRef>
+          <a:fillRef idx="0">
+            <a:schemeClr val="accent1"/>
+          </a:fillRef>
+          <a:effectRef idx="1">
+            <a:schemeClr val="accent1"/>
+          </a:effectRef>
+          <a:fontRef idx="minor">
+            <a:schemeClr val="tx1"/>
+          </a:fontRef>
+        </p:style>
+      </p:cxnSp>
+      <p:cxnSp>
+        <p:nvCxnSpPr>
+          <p:cNvPr id="80" name="Connector: Curved 79">
+            <a:extLst>
+              <a:ext uri="{FF2B5EF4-FFF2-40B4-BE49-F238E27FC236}">
+                <a16:creationId xmlns:a16="http://schemas.microsoft.com/office/drawing/2014/main" id="{94798143-FAC9-CC49-997C-321B35559B03}"/>
+              </a:ext>
+            </a:extLst>
+          </p:cNvPr>
+          <p:cNvCxnSpPr>
+            <a:cxnSpLocks/>
+            <a:stCxn id="42" idx="4"/>
+            <a:endCxn id="63" idx="0"/>
+          </p:cNvCxnSpPr>
+          <p:nvPr/>
+        </p:nvCxnSpPr>
+        <p:spPr>
+          <a:xfrm rot="16200000" flipH="1">
+            <a:off x="2451153" y="3788782"/>
+            <a:ext cx="511469" cy="839785"/>
+          </a:xfrm>
+          <a:prstGeom prst="curvedConnector3">
+            <a:avLst>
+              <a:gd name="adj1" fmla="val 50000"/>
+            </a:avLst>
+          </a:prstGeom>
+          <a:ln>
+            <a:solidFill>
+              <a:schemeClr val="tx1"/>
+            </a:solidFill>
+            <a:headEnd type="none" w="med" len="med"/>
+            <a:tailEnd type="none" w="med" len="med"/>
+          </a:ln>
+        </p:spPr>
+        <p:style>
+          <a:lnRef idx="2">
+            <a:schemeClr val="accent1"/>
+          </a:lnRef>
+          <a:fillRef idx="0">
+            <a:schemeClr val="accent1"/>
+          </a:fillRef>
+          <a:effectRef idx="1">
+            <a:schemeClr val="accent1"/>
+          </a:effectRef>
+          <a:fontRef idx="minor">
+            <a:schemeClr val="tx1"/>
+          </a:fontRef>
+        </p:style>
+      </p:cxnSp>
+      <p:cxnSp>
+        <p:nvCxnSpPr>
+          <p:cNvPr id="82" name="Connector: Curved 81">
+            <a:extLst>
+              <a:ext uri="{FF2B5EF4-FFF2-40B4-BE49-F238E27FC236}">
+                <a16:creationId xmlns:a16="http://schemas.microsoft.com/office/drawing/2014/main" id="{53903883-4F11-AA53-B03A-DB3372C77B6B}"/>
+              </a:ext>
+            </a:extLst>
+          </p:cNvPr>
+          <p:cNvCxnSpPr>
+            <a:cxnSpLocks/>
+            <a:stCxn id="44" idx="4"/>
+            <a:endCxn id="63" idx="0"/>
+          </p:cNvCxnSpPr>
+          <p:nvPr/>
+        </p:nvCxnSpPr>
+        <p:spPr>
+          <a:xfrm rot="16200000" flipH="1">
+            <a:off x="2229526" y="3567156"/>
+            <a:ext cx="502504" cy="1292003"/>
+          </a:xfrm>
+          <a:prstGeom prst="curvedConnector3">
+            <a:avLst>
+              <a:gd name="adj1" fmla="val 50000"/>
+            </a:avLst>
+          </a:prstGeom>
+          <a:ln>
+            <a:solidFill>
+              <a:schemeClr val="tx1"/>
+            </a:solidFill>
+            <a:headEnd type="none" w="med" len="med"/>
+            <a:tailEnd type="none" w="med" len="med"/>
+          </a:ln>
+        </p:spPr>
+        <p:style>
+          <a:lnRef idx="2">
+            <a:schemeClr val="accent1"/>
+          </a:lnRef>
+          <a:fillRef idx="0">
+            <a:schemeClr val="accent1"/>
+          </a:fillRef>
+          <a:effectRef idx="1">
+            <a:schemeClr val="accent1"/>
+          </a:effectRef>
+          <a:fontRef idx="minor">
+            <a:schemeClr val="tx1"/>
+          </a:fontRef>
+        </p:style>
+      </p:cxnSp>
+      <p:cxnSp>
+        <p:nvCxnSpPr>
+          <p:cNvPr id="84" name="Connector: Curved 83">
+            <a:extLst>
+              <a:ext uri="{FF2B5EF4-FFF2-40B4-BE49-F238E27FC236}">
+                <a16:creationId xmlns:a16="http://schemas.microsoft.com/office/drawing/2014/main" id="{2475C2BB-1F13-8562-C1F5-33C620CDEA27}"/>
+              </a:ext>
+            </a:extLst>
+          </p:cNvPr>
+          <p:cNvCxnSpPr>
+            <a:cxnSpLocks/>
+            <a:stCxn id="40" idx="4"/>
+            <a:endCxn id="63" idx="0"/>
+          </p:cNvCxnSpPr>
+          <p:nvPr/>
+        </p:nvCxnSpPr>
+        <p:spPr>
+          <a:xfrm rot="16200000" flipH="1">
+            <a:off x="2005659" y="3343289"/>
+            <a:ext cx="511468" cy="1730774"/>
+          </a:xfrm>
+          <a:prstGeom prst="curvedConnector3">
+            <a:avLst>
+              <a:gd name="adj1" fmla="val 50000"/>
+            </a:avLst>
+          </a:prstGeom>
+          <a:ln>
+            <a:solidFill>
+              <a:schemeClr val="tx1"/>
+            </a:solidFill>
+            <a:headEnd type="none" w="med" len="med"/>
+            <a:tailEnd type="none" w="med" len="med"/>
+          </a:ln>
+        </p:spPr>
+        <p:style>
+          <a:lnRef idx="2">
+            <a:schemeClr val="accent1"/>
+          </a:lnRef>
+          <a:fillRef idx="0">
+            <a:schemeClr val="accent1"/>
+          </a:fillRef>
+          <a:effectRef idx="1">
+            <a:schemeClr val="accent1"/>
+          </a:effectRef>
+          <a:fontRef idx="minor">
+            <a:schemeClr val="tx1"/>
+          </a:fontRef>
+        </p:style>
+      </p:cxnSp>
+      <p:cxnSp>
+        <p:nvCxnSpPr>
+          <p:cNvPr id="97" name="Connector: Curved 96">
+            <a:extLst>
+              <a:ext uri="{FF2B5EF4-FFF2-40B4-BE49-F238E27FC236}">
+                <a16:creationId xmlns:a16="http://schemas.microsoft.com/office/drawing/2014/main" id="{70C11023-F37F-0914-142C-2DFABAE4E23C}"/>
+              </a:ext>
+            </a:extLst>
+          </p:cNvPr>
+          <p:cNvCxnSpPr>
+            <a:cxnSpLocks/>
+            <a:stCxn id="63" idx="4"/>
+            <a:endCxn id="52" idx="0"/>
+          </p:cNvCxnSpPr>
+          <p:nvPr/>
+        </p:nvCxnSpPr>
+        <p:spPr>
+          <a:xfrm rot="5400000">
+            <a:off x="1998809" y="3978282"/>
+            <a:ext cx="525169" cy="1730774"/>
+          </a:xfrm>
+          <a:prstGeom prst="curvedConnector3">
+            <a:avLst>
+              <a:gd name="adj1" fmla="val 50000"/>
+            </a:avLst>
+          </a:prstGeom>
+          <a:ln>
+            <a:solidFill>
+              <a:schemeClr val="tx1"/>
+            </a:solidFill>
+            <a:headEnd type="none" w="med" len="med"/>
+            <a:tailEnd type="triangle" w="med" len="med"/>
+          </a:ln>
+        </p:spPr>
+        <p:style>
+          <a:lnRef idx="2">
+            <a:schemeClr val="accent1"/>
+          </a:lnRef>
+          <a:fillRef idx="0">
+            <a:schemeClr val="accent1"/>
+          </a:fillRef>
+          <a:effectRef idx="1">
+            <a:schemeClr val="accent1"/>
+          </a:effectRef>
+          <a:fontRef idx="minor">
+            <a:schemeClr val="tx1"/>
+          </a:fontRef>
+        </p:style>
+      </p:cxnSp>
+      <p:cxnSp>
+        <p:nvCxnSpPr>
+          <p:cNvPr id="99" name="Connector: Curved 98">
+            <a:extLst>
+              <a:ext uri="{FF2B5EF4-FFF2-40B4-BE49-F238E27FC236}">
+                <a16:creationId xmlns:a16="http://schemas.microsoft.com/office/drawing/2014/main" id="{E8917CAB-8830-3BF2-57C5-3606F222B20C}"/>
+              </a:ext>
+            </a:extLst>
+          </p:cNvPr>
+          <p:cNvCxnSpPr>
+            <a:cxnSpLocks/>
+            <a:stCxn id="63" idx="4"/>
+            <a:endCxn id="56" idx="0"/>
+          </p:cNvCxnSpPr>
+          <p:nvPr/>
+        </p:nvCxnSpPr>
+        <p:spPr>
+          <a:xfrm rot="5400000">
+            <a:off x="2213713" y="4202150"/>
+            <a:ext cx="534133" cy="1292003"/>
+          </a:xfrm>
+          <a:prstGeom prst="curvedConnector3">
+            <a:avLst>
+              <a:gd name="adj1" fmla="val 50000"/>
+            </a:avLst>
+          </a:prstGeom>
+          <a:ln>
+            <a:solidFill>
+              <a:schemeClr val="tx1"/>
+            </a:solidFill>
+            <a:headEnd type="none" w="med" len="med"/>
+            <a:tailEnd type="triangle" w="med" len="med"/>
+          </a:ln>
+        </p:spPr>
+        <p:style>
+          <a:lnRef idx="2">
+            <a:schemeClr val="accent1"/>
+          </a:lnRef>
+          <a:fillRef idx="0">
+            <a:schemeClr val="accent1"/>
+          </a:fillRef>
+          <a:effectRef idx="1">
+            <a:schemeClr val="accent1"/>
+          </a:effectRef>
+          <a:fontRef idx="minor">
+            <a:schemeClr val="tx1"/>
+          </a:fontRef>
+        </p:style>
+      </p:cxnSp>
+      <p:cxnSp>
+        <p:nvCxnSpPr>
+          <p:cNvPr id="101" name="Connector: Curved 100">
+            <a:extLst>
+              <a:ext uri="{FF2B5EF4-FFF2-40B4-BE49-F238E27FC236}">
+                <a16:creationId xmlns:a16="http://schemas.microsoft.com/office/drawing/2014/main" id="{BFDE8EA0-8206-A153-D798-156F33E82118}"/>
+              </a:ext>
+            </a:extLst>
+          </p:cNvPr>
+          <p:cNvCxnSpPr>
+            <a:cxnSpLocks/>
+            <a:stCxn id="63" idx="4"/>
+            <a:endCxn id="54" idx="0"/>
+          </p:cNvCxnSpPr>
+          <p:nvPr/>
+        </p:nvCxnSpPr>
+        <p:spPr>
+          <a:xfrm rot="5400000">
+            <a:off x="2444304" y="4423777"/>
+            <a:ext cx="525168" cy="839785"/>
+          </a:xfrm>
+          <a:prstGeom prst="curvedConnector3">
+            <a:avLst>
+              <a:gd name="adj1" fmla="val 50000"/>
+            </a:avLst>
+          </a:prstGeom>
+          <a:ln>
+            <a:solidFill>
+              <a:schemeClr val="tx1"/>
+            </a:solidFill>
+            <a:headEnd type="none" w="med" len="med"/>
+            <a:tailEnd type="triangle" w="med" len="med"/>
+          </a:ln>
+        </p:spPr>
+        <p:style>
+          <a:lnRef idx="2">
+            <a:schemeClr val="accent1"/>
+          </a:lnRef>
+          <a:fillRef idx="0">
+            <a:schemeClr val="accent1"/>
+          </a:fillRef>
+          <a:effectRef idx="1">
+            <a:schemeClr val="accent1"/>
+          </a:effectRef>
+          <a:fontRef idx="minor">
+            <a:schemeClr val="tx1"/>
+          </a:fontRef>
+        </p:style>
+      </p:cxnSp>
+      <p:cxnSp>
+        <p:nvCxnSpPr>
+          <p:cNvPr id="103" name="Connector: Curved 102">
+            <a:extLst>
+              <a:ext uri="{FF2B5EF4-FFF2-40B4-BE49-F238E27FC236}">
+                <a16:creationId xmlns:a16="http://schemas.microsoft.com/office/drawing/2014/main" id="{FDEE69DE-D69B-63DC-E9DD-2FA116FA0423}"/>
+              </a:ext>
+            </a:extLst>
+          </p:cNvPr>
+          <p:cNvCxnSpPr>
+            <a:cxnSpLocks/>
+            <a:stCxn id="63" idx="4"/>
+            <a:endCxn id="55" idx="0"/>
+          </p:cNvCxnSpPr>
+          <p:nvPr/>
+        </p:nvCxnSpPr>
+        <p:spPr>
+          <a:xfrm rot="5400000">
+            <a:off x="2670413" y="4649886"/>
+            <a:ext cx="525168" cy="387567"/>
+          </a:xfrm>
+          <a:prstGeom prst="curvedConnector3">
+            <a:avLst>
+              <a:gd name="adj1" fmla="val 50000"/>
+            </a:avLst>
+          </a:prstGeom>
+          <a:ln>
+            <a:solidFill>
+              <a:schemeClr val="tx1"/>
+            </a:solidFill>
+            <a:headEnd type="none" w="med" len="med"/>
+            <a:tailEnd type="triangle" w="med" len="med"/>
+          </a:ln>
+        </p:spPr>
+        <p:style>
+          <a:lnRef idx="2">
+            <a:schemeClr val="accent1"/>
+          </a:lnRef>
+          <a:fillRef idx="0">
+            <a:schemeClr val="accent1"/>
+          </a:fillRef>
+          <a:effectRef idx="1">
+            <a:schemeClr val="accent1"/>
+          </a:effectRef>
+          <a:fontRef idx="minor">
+            <a:schemeClr val="tx1"/>
+          </a:fontRef>
+        </p:style>
+      </p:cxnSp>
+      <p:cxnSp>
+        <p:nvCxnSpPr>
+          <p:cNvPr id="105" name="Connector: Curved 104">
+            <a:extLst>
+              <a:ext uri="{FF2B5EF4-FFF2-40B4-BE49-F238E27FC236}">
+                <a16:creationId xmlns:a16="http://schemas.microsoft.com/office/drawing/2014/main" id="{62F60BE9-52BE-EEA5-34EB-09D76998A976}"/>
+              </a:ext>
+            </a:extLst>
+          </p:cNvPr>
+          <p:cNvCxnSpPr>
+            <a:cxnSpLocks/>
+            <a:stCxn id="63" idx="4"/>
+            <a:endCxn id="53" idx="0"/>
+          </p:cNvCxnSpPr>
+          <p:nvPr/>
+        </p:nvCxnSpPr>
+        <p:spPr>
+          <a:xfrm rot="16200000" flipH="1">
+            <a:off x="2895100" y="4812765"/>
+            <a:ext cx="525168" cy="61808"/>
+          </a:xfrm>
+          <a:prstGeom prst="curvedConnector3">
+            <a:avLst>
+              <a:gd name="adj1" fmla="val 50000"/>
+            </a:avLst>
+          </a:prstGeom>
+          <a:ln>
+            <a:solidFill>
+              <a:schemeClr val="tx1"/>
+            </a:solidFill>
+            <a:headEnd type="none" w="med" len="med"/>
+            <a:tailEnd type="triangle" w="med" len="med"/>
+          </a:ln>
+        </p:spPr>
+        <p:style>
+          <a:lnRef idx="2">
+            <a:schemeClr val="accent1"/>
+          </a:lnRef>
+          <a:fillRef idx="0">
+            <a:schemeClr val="accent1"/>
+          </a:fillRef>
+          <a:effectRef idx="1">
+            <a:schemeClr val="accent1"/>
+          </a:effectRef>
+          <a:fontRef idx="minor">
+            <a:schemeClr val="tx1"/>
+          </a:fontRef>
+        </p:style>
+      </p:cxnSp>
+      <p:cxnSp>
+        <p:nvCxnSpPr>
+          <p:cNvPr id="107" name="Connector: Curved 106">
+            <a:extLst>
+              <a:ext uri="{FF2B5EF4-FFF2-40B4-BE49-F238E27FC236}">
+                <a16:creationId xmlns:a16="http://schemas.microsoft.com/office/drawing/2014/main" id="{2907BC38-6E8A-A13E-DFD9-6AE848972006}"/>
+              </a:ext>
+            </a:extLst>
+          </p:cNvPr>
+          <p:cNvCxnSpPr>
+            <a:cxnSpLocks/>
+            <a:stCxn id="63" idx="4"/>
+            <a:endCxn id="51" idx="0"/>
+          </p:cNvCxnSpPr>
+          <p:nvPr/>
+        </p:nvCxnSpPr>
+        <p:spPr>
+          <a:xfrm rot="16200000" flipH="1">
+            <a:off x="3119773" y="4588092"/>
+            <a:ext cx="525168" cy="511154"/>
+          </a:xfrm>
+          <a:prstGeom prst="curvedConnector3">
+            <a:avLst>
+              <a:gd name="adj1" fmla="val 50000"/>
+            </a:avLst>
+          </a:prstGeom>
+          <a:ln>
+            <a:solidFill>
+              <a:schemeClr val="tx1"/>
+            </a:solidFill>
+            <a:headEnd type="none" w="med" len="med"/>
+            <a:tailEnd type="triangle" w="med" len="med"/>
+          </a:ln>
+        </p:spPr>
+        <p:style>
+          <a:lnRef idx="2">
+            <a:schemeClr val="accent1"/>
+          </a:lnRef>
+          <a:fillRef idx="0">
+            <a:schemeClr val="accent1"/>
+          </a:fillRef>
+          <a:effectRef idx="1">
+            <a:schemeClr val="accent1"/>
+          </a:effectRef>
+          <a:fontRef idx="minor">
+            <a:schemeClr val="tx1"/>
+          </a:fontRef>
+        </p:style>
+      </p:cxnSp>
+      <p:cxnSp>
+        <p:nvCxnSpPr>
+          <p:cNvPr id="109" name="Connector: Curved 108">
+            <a:extLst>
+              <a:ext uri="{FF2B5EF4-FFF2-40B4-BE49-F238E27FC236}">
+                <a16:creationId xmlns:a16="http://schemas.microsoft.com/office/drawing/2014/main" id="{12F6FBAF-0F05-84E1-9576-1ED3D85DCF0F}"/>
+              </a:ext>
+            </a:extLst>
+          </p:cNvPr>
+          <p:cNvCxnSpPr>
+            <a:cxnSpLocks/>
+            <a:stCxn id="63" idx="4"/>
+            <a:endCxn id="58" idx="0"/>
+          </p:cNvCxnSpPr>
+          <p:nvPr/>
+        </p:nvCxnSpPr>
+        <p:spPr>
+          <a:xfrm rot="16200000" flipH="1">
+            <a:off x="3344446" y="4363419"/>
+            <a:ext cx="525168" cy="960500"/>
+          </a:xfrm>
+          <a:prstGeom prst="curvedConnector3">
+            <a:avLst>
+              <a:gd name="adj1" fmla="val 50000"/>
+            </a:avLst>
+          </a:prstGeom>
+          <a:ln>
+            <a:solidFill>
+              <a:schemeClr val="tx1"/>
+            </a:solidFill>
+            <a:headEnd type="none" w="med" len="med"/>
+            <a:tailEnd type="triangle" w="med" len="med"/>
+          </a:ln>
+        </p:spPr>
+        <p:style>
+          <a:lnRef idx="2">
+            <a:schemeClr val="accent1"/>
+          </a:lnRef>
+          <a:fillRef idx="0">
+            <a:schemeClr val="accent1"/>
+          </a:fillRef>
+          <a:effectRef idx="1">
+            <a:schemeClr val="accent1"/>
+          </a:effectRef>
+          <a:fontRef idx="minor">
+            <a:schemeClr val="tx1"/>
+          </a:fontRef>
+        </p:style>
+      </p:cxnSp>
+      <p:cxnSp>
+        <p:nvCxnSpPr>
+          <p:cNvPr id="111" name="Connector: Curved 110">
+            <a:extLst>
+              <a:ext uri="{FF2B5EF4-FFF2-40B4-BE49-F238E27FC236}">
+                <a16:creationId xmlns:a16="http://schemas.microsoft.com/office/drawing/2014/main" id="{CA95AC7B-167D-6DD6-420E-9816348EE0D8}"/>
+              </a:ext>
+            </a:extLst>
+          </p:cNvPr>
+          <p:cNvCxnSpPr>
+            <a:cxnSpLocks/>
+            <a:stCxn id="63" idx="4"/>
+            <a:endCxn id="59" idx="0"/>
+          </p:cNvCxnSpPr>
+          <p:nvPr/>
+        </p:nvCxnSpPr>
+        <p:spPr>
+          <a:xfrm rot="16200000" flipH="1">
+            <a:off x="3568589" y="4139276"/>
+            <a:ext cx="525168" cy="1408786"/>
+          </a:xfrm>
+          <a:prstGeom prst="curvedConnector3">
+            <a:avLst>
+              <a:gd name="adj1" fmla="val 50000"/>
+            </a:avLst>
+          </a:prstGeom>
+          <a:ln>
+            <a:solidFill>
+              <a:schemeClr val="tx1"/>
+            </a:solidFill>
+            <a:headEnd type="none" w="med" len="med"/>
+            <a:tailEnd type="triangle" w="med" len="med"/>
+          </a:ln>
+        </p:spPr>
+        <p:style>
+          <a:lnRef idx="2">
+            <a:schemeClr val="accent1"/>
+          </a:lnRef>
+          <a:fillRef idx="0">
+            <a:schemeClr val="accent1"/>
+          </a:fillRef>
+          <a:effectRef idx="1">
+            <a:schemeClr val="accent1"/>
+          </a:effectRef>
+          <a:fontRef idx="minor">
+            <a:schemeClr val="tx1"/>
+          </a:fontRef>
+        </p:style>
+      </p:cxnSp>
+      <p:cxnSp>
+        <p:nvCxnSpPr>
+          <p:cNvPr id="113" name="Connector: Curved 112">
+            <a:extLst>
+              <a:ext uri="{FF2B5EF4-FFF2-40B4-BE49-F238E27FC236}">
+                <a16:creationId xmlns:a16="http://schemas.microsoft.com/office/drawing/2014/main" id="{9CBBBE5B-2E13-1DD1-EA87-4B7A912ECD0A}"/>
+              </a:ext>
+            </a:extLst>
+          </p:cNvPr>
+          <p:cNvCxnSpPr>
+            <a:cxnSpLocks/>
+            <a:stCxn id="63" idx="4"/>
+            <a:endCxn id="60" idx="0"/>
+          </p:cNvCxnSpPr>
+          <p:nvPr/>
+        </p:nvCxnSpPr>
+        <p:spPr>
+          <a:xfrm rot="16200000" flipH="1">
+            <a:off x="3788518" y="3919346"/>
+            <a:ext cx="525168" cy="1848645"/>
+          </a:xfrm>
+          <a:prstGeom prst="curvedConnector3">
+            <a:avLst>
+              <a:gd name="adj1" fmla="val 50000"/>
+            </a:avLst>
+          </a:prstGeom>
+          <a:ln>
+            <a:solidFill>
+              <a:schemeClr val="tx1"/>
+            </a:solidFill>
+            <a:headEnd type="none" w="med" len="med"/>
+            <a:tailEnd type="triangle" w="med" len="med"/>
+          </a:ln>
+        </p:spPr>
+        <p:style>
+          <a:lnRef idx="2">
+            <a:schemeClr val="accent1"/>
+          </a:lnRef>
+          <a:fillRef idx="0">
+            <a:schemeClr val="accent1"/>
+          </a:fillRef>
+          <a:effectRef idx="1">
+            <a:schemeClr val="accent1"/>
+          </a:effectRef>
+          <a:fontRef idx="minor">
+            <a:schemeClr val="tx1"/>
+          </a:fontRef>
+        </p:style>
+      </p:cxnSp>
+      <p:cxnSp>
+        <p:nvCxnSpPr>
+          <p:cNvPr id="115" name="Connector: Curved 114">
+            <a:extLst>
+              <a:ext uri="{FF2B5EF4-FFF2-40B4-BE49-F238E27FC236}">
+                <a16:creationId xmlns:a16="http://schemas.microsoft.com/office/drawing/2014/main" id="{493571D8-7B98-CB41-64F3-3D42BB6DE200}"/>
+              </a:ext>
+            </a:extLst>
+          </p:cNvPr>
+          <p:cNvCxnSpPr>
+            <a:cxnSpLocks/>
+            <a:stCxn id="63" idx="4"/>
+            <a:endCxn id="61" idx="0"/>
+          </p:cNvCxnSpPr>
+          <p:nvPr/>
+        </p:nvCxnSpPr>
+        <p:spPr>
+          <a:xfrm rot="16200000" flipH="1">
+            <a:off x="4017354" y="3690510"/>
+            <a:ext cx="525168" cy="2306317"/>
+          </a:xfrm>
+          <a:prstGeom prst="curvedConnector3">
+            <a:avLst>
+              <a:gd name="adj1" fmla="val 50000"/>
+            </a:avLst>
+          </a:prstGeom>
+          <a:ln>
+            <a:solidFill>
+              <a:schemeClr val="tx1"/>
+            </a:solidFill>
+            <a:headEnd type="none" w="med" len="med"/>
+            <a:tailEnd type="triangle" w="med" len="med"/>
+          </a:ln>
+        </p:spPr>
+        <p:style>
+          <a:lnRef idx="2">
+            <a:schemeClr val="accent1"/>
+          </a:lnRef>
+          <a:fillRef idx="0">
+            <a:schemeClr val="accent1"/>
+          </a:fillRef>
+          <a:effectRef idx="1">
+            <a:schemeClr val="accent1"/>
+          </a:effectRef>
+          <a:fontRef idx="minor">
+            <a:schemeClr val="tx1"/>
+          </a:fontRef>
+        </p:style>
+      </p:cxnSp>
+      <p:cxnSp>
+        <p:nvCxnSpPr>
+          <p:cNvPr id="117" name="Connector: Curved 116">
+            <a:extLst>
+              <a:ext uri="{FF2B5EF4-FFF2-40B4-BE49-F238E27FC236}">
+                <a16:creationId xmlns:a16="http://schemas.microsoft.com/office/drawing/2014/main" id="{A5557160-605B-228C-2DF7-66C4E923266A}"/>
+              </a:ext>
+            </a:extLst>
+          </p:cNvPr>
+          <p:cNvCxnSpPr>
+            <a:cxnSpLocks/>
+            <a:stCxn id="63" idx="4"/>
+            <a:endCxn id="62" idx="0"/>
+          </p:cNvCxnSpPr>
+          <p:nvPr/>
+        </p:nvCxnSpPr>
+        <p:spPr>
+          <a:xfrm rot="16200000" flipH="1">
+            <a:off x="4242042" y="3465823"/>
+            <a:ext cx="525168" cy="2755692"/>
+          </a:xfrm>
+          <a:prstGeom prst="curvedConnector3">
+            <a:avLst>
+              <a:gd name="adj1" fmla="val 50000"/>
+            </a:avLst>
+          </a:prstGeom>
+          <a:ln>
+            <a:solidFill>
+              <a:schemeClr val="tx1"/>
+            </a:solidFill>
+            <a:headEnd type="none" w="med" len="med"/>
+            <a:tailEnd type="triangle" w="med" len="med"/>
+          </a:ln>
+        </p:spPr>
+        <p:style>
+          <a:lnRef idx="2">
+            <a:schemeClr val="accent1"/>
+          </a:lnRef>
+          <a:fillRef idx="0">
+            <a:schemeClr val="accent1"/>
+          </a:fillRef>
+          <a:effectRef idx="1">
+            <a:schemeClr val="accent1"/>
+          </a:effectRef>
+          <a:fontRef idx="minor">
+            <a:schemeClr val="tx1"/>
+          </a:fontRef>
+        </p:style>
+      </p:cxnSp>
+      <p:sp>
+        <p:nvSpPr>
+          <p:cNvPr id="130" name="TextBox 129">
+            <a:extLst>
+              <a:ext uri="{FF2B5EF4-FFF2-40B4-BE49-F238E27FC236}">
+                <a16:creationId xmlns:a16="http://schemas.microsoft.com/office/drawing/2014/main" id="{F8CF553E-D4A8-F2C4-2CFE-4046F682F714}"/>
+              </a:ext>
+            </a:extLst>
+          </p:cNvPr>
+          <p:cNvSpPr txBox="1"/>
+          <p:nvPr/>
+        </p:nvSpPr>
+        <p:spPr>
+          <a:xfrm>
+            <a:off x="3322674" y="4367436"/>
+            <a:ext cx="1634012" cy="276999"/>
+          </a:xfrm>
+          <a:prstGeom prst="rect">
+            <a:avLst/>
+          </a:prstGeom>
+          <a:noFill/>
+        </p:spPr>
+        <p:txBody>
+          <a:bodyPr wrap="square" rtlCol="0" anchor="b">
+            <a:spAutoFit/>
+          </a:bodyPr>
+          <a:lstStyle/>
+          <a:p>
+            <a:pPr algn="ctr"/>
+            <a:r>
+              <a:rPr lang="en-US" sz="1200" dirty="0">
+                <a:latin typeface="Times New Roman" panose="02020603050405020304" pitchFamily="18" charset="0"/>
+                <a:cs typeface="Times New Roman" panose="02020603050405020304" pitchFamily="18" charset="0"/>
+              </a:rPr>
+              <a:t>Residual Self-Attention</a:t>
+            </a:r>
+          </a:p>
+        </p:txBody>
+      </p:sp>
+      <p:cxnSp>
+        <p:nvCxnSpPr>
+          <p:cNvPr id="197" name="Connector: Curved 196">
+            <a:extLst>
+              <a:ext uri="{FF2B5EF4-FFF2-40B4-BE49-F238E27FC236}">
+                <a16:creationId xmlns:a16="http://schemas.microsoft.com/office/drawing/2014/main" id="{E0933CBF-22FC-737C-98D8-707C9797AEC5}"/>
+              </a:ext>
+            </a:extLst>
+          </p:cNvPr>
+          <p:cNvCxnSpPr>
+            <a:cxnSpLocks/>
+            <a:stCxn id="9" idx="1"/>
+            <a:endCxn id="51" idx="1"/>
+          </p:cNvCxnSpPr>
+          <p:nvPr/>
+        </p:nvCxnSpPr>
+        <p:spPr>
+          <a:xfrm rot="10800000" flipV="1">
+            <a:off x="1169897" y="3767521"/>
+            <a:ext cx="12700" cy="1524152"/>
+          </a:xfrm>
+          <a:prstGeom prst="curvedConnector3">
+            <a:avLst>
+              <a:gd name="adj1" fmla="val 1800000"/>
+            </a:avLst>
+          </a:prstGeom>
+          <a:ln>
+            <a:solidFill>
+              <a:schemeClr val="tx1"/>
+            </a:solidFill>
+            <a:headEnd type="none" w="med" len="med"/>
+            <a:tailEnd type="triangle" w="med" len="med"/>
+          </a:ln>
+        </p:spPr>
+        <p:style>
+          <a:lnRef idx="2">
+            <a:schemeClr val="accent1"/>
+          </a:lnRef>
+          <a:fillRef idx="0">
+            <a:schemeClr val="accent1"/>
+          </a:fillRef>
+          <a:effectRef idx="1">
+            <a:schemeClr val="accent1"/>
+          </a:effectRef>
+          <a:fontRef idx="minor">
+            <a:schemeClr val="tx1"/>
+          </a:fontRef>
+        </p:style>
+      </p:cxnSp>
+      <p:cxnSp>
+        <p:nvCxnSpPr>
+          <p:cNvPr id="205" name="Connector: Curved 204">
+            <a:extLst>
+              <a:ext uri="{FF2B5EF4-FFF2-40B4-BE49-F238E27FC236}">
+                <a16:creationId xmlns:a16="http://schemas.microsoft.com/office/drawing/2014/main" id="{89FE86B3-C805-3E19-8118-97A7600D86A7}"/>
+              </a:ext>
+            </a:extLst>
+          </p:cNvPr>
+          <p:cNvCxnSpPr>
+            <a:cxnSpLocks/>
+            <a:stCxn id="62" idx="4"/>
+            <a:endCxn id="227" idx="1"/>
+          </p:cNvCxnSpPr>
+          <p:nvPr/>
+        </p:nvCxnSpPr>
+        <p:spPr>
+          <a:xfrm rot="16200000" flipH="1">
+            <a:off x="6193136" y="5166429"/>
+            <a:ext cx="379602" cy="1000930"/>
+          </a:xfrm>
+          <a:prstGeom prst="curvedConnector2">
+            <a:avLst/>
+          </a:prstGeom>
+          <a:ln>
+            <a:solidFill>
+              <a:schemeClr val="tx1"/>
+            </a:solidFill>
+            <a:prstDash val="sysDot"/>
+            <a:headEnd type="none" w="med" len="med"/>
+            <a:tailEnd type="triangle" w="med" len="med"/>
+          </a:ln>
+        </p:spPr>
+        <p:style>
+          <a:lnRef idx="2">
+            <a:schemeClr val="accent1"/>
+          </a:lnRef>
+          <a:fillRef idx="0">
+            <a:schemeClr val="accent1"/>
+          </a:fillRef>
+          <a:effectRef idx="1">
+            <a:schemeClr val="accent1"/>
+          </a:effectRef>
+          <a:fontRef idx="minor">
+            <a:schemeClr val="tx1"/>
+          </a:fontRef>
+        </p:style>
+      </p:cxnSp>
+      <p:cxnSp>
+        <p:nvCxnSpPr>
+          <p:cNvPr id="206" name="Connector: Curved 205">
+            <a:extLst>
+              <a:ext uri="{FF2B5EF4-FFF2-40B4-BE49-F238E27FC236}">
+                <a16:creationId xmlns:a16="http://schemas.microsoft.com/office/drawing/2014/main" id="{F890EFF9-234A-D1E1-C427-7FB97DA2EA0E}"/>
+              </a:ext>
+            </a:extLst>
+          </p:cNvPr>
+          <p:cNvCxnSpPr>
+            <a:cxnSpLocks/>
+            <a:stCxn id="61" idx="4"/>
+            <a:endCxn id="227" idx="1"/>
+          </p:cNvCxnSpPr>
+          <p:nvPr/>
+        </p:nvCxnSpPr>
+        <p:spPr>
+          <a:xfrm rot="16200000" flipH="1">
+            <a:off x="5968448" y="4941741"/>
+            <a:ext cx="379602" cy="1450305"/>
+          </a:xfrm>
+          <a:prstGeom prst="curvedConnector2">
+            <a:avLst/>
+          </a:prstGeom>
+          <a:ln>
+            <a:solidFill>
+              <a:schemeClr val="tx1"/>
+            </a:solidFill>
+            <a:prstDash val="sysDot"/>
+            <a:headEnd type="none" w="med" len="med"/>
+            <a:tailEnd type="triangle" w="med" len="med"/>
+          </a:ln>
+        </p:spPr>
+        <p:style>
+          <a:lnRef idx="2">
+            <a:schemeClr val="accent1"/>
+          </a:lnRef>
+          <a:fillRef idx="0">
+            <a:schemeClr val="accent1"/>
+          </a:fillRef>
+          <a:effectRef idx="1">
+            <a:schemeClr val="accent1"/>
+          </a:effectRef>
+          <a:fontRef idx="minor">
+            <a:schemeClr val="tx1"/>
+          </a:fontRef>
+        </p:style>
+      </p:cxnSp>
+      <p:cxnSp>
+        <p:nvCxnSpPr>
+          <p:cNvPr id="207" name="Connector: Curved 206">
+            <a:extLst>
+              <a:ext uri="{FF2B5EF4-FFF2-40B4-BE49-F238E27FC236}">
+                <a16:creationId xmlns:a16="http://schemas.microsoft.com/office/drawing/2014/main" id="{0F6B3D55-BF33-0A58-5A9A-65F23F59D64F}"/>
+              </a:ext>
+            </a:extLst>
+          </p:cNvPr>
+          <p:cNvCxnSpPr>
+            <a:cxnSpLocks/>
+            <a:stCxn id="60" idx="4"/>
+            <a:endCxn id="227" idx="1"/>
+          </p:cNvCxnSpPr>
+          <p:nvPr/>
+        </p:nvCxnSpPr>
+        <p:spPr>
+          <a:xfrm rot="16200000" flipH="1">
+            <a:off x="5739612" y="4712905"/>
+            <a:ext cx="379602" cy="1907977"/>
+          </a:xfrm>
+          <a:prstGeom prst="curvedConnector2">
+            <a:avLst/>
+          </a:prstGeom>
+          <a:ln>
+            <a:solidFill>
+              <a:schemeClr val="tx1"/>
+            </a:solidFill>
+            <a:prstDash val="sysDot"/>
+            <a:headEnd type="none" w="med" len="med"/>
+            <a:tailEnd type="triangle" w="med" len="med"/>
+          </a:ln>
+        </p:spPr>
+        <p:style>
+          <a:lnRef idx="2">
+            <a:schemeClr val="accent1"/>
+          </a:lnRef>
+          <a:fillRef idx="0">
+            <a:schemeClr val="accent1"/>
+          </a:fillRef>
+          <a:effectRef idx="1">
+            <a:schemeClr val="accent1"/>
+          </a:effectRef>
+          <a:fontRef idx="minor">
+            <a:schemeClr val="tx1"/>
+          </a:fontRef>
+        </p:style>
+      </p:cxnSp>
+      <p:cxnSp>
+        <p:nvCxnSpPr>
+          <p:cNvPr id="208" name="Connector: Curved 207">
+            <a:extLst>
+              <a:ext uri="{FF2B5EF4-FFF2-40B4-BE49-F238E27FC236}">
+                <a16:creationId xmlns:a16="http://schemas.microsoft.com/office/drawing/2014/main" id="{52553D23-0BA1-646B-EF18-6944801F7982}"/>
+              </a:ext>
+            </a:extLst>
+          </p:cNvPr>
+          <p:cNvCxnSpPr>
+            <a:cxnSpLocks/>
+            <a:stCxn id="59" idx="4"/>
+            <a:endCxn id="227" idx="1"/>
+          </p:cNvCxnSpPr>
+          <p:nvPr/>
+        </p:nvCxnSpPr>
+        <p:spPr>
+          <a:xfrm rot="16200000" flipH="1">
+            <a:off x="5519683" y="4492976"/>
+            <a:ext cx="379602" cy="2347836"/>
+          </a:xfrm>
+          <a:prstGeom prst="curvedConnector2">
+            <a:avLst/>
+          </a:prstGeom>
+          <a:ln>
+            <a:solidFill>
+              <a:schemeClr val="tx1"/>
+            </a:solidFill>
+            <a:prstDash val="sysDot"/>
+            <a:headEnd type="none" w="med" len="med"/>
+            <a:tailEnd type="triangle" w="med" len="med"/>
+          </a:ln>
+        </p:spPr>
+        <p:style>
+          <a:lnRef idx="2">
+            <a:schemeClr val="accent1"/>
+          </a:lnRef>
+          <a:fillRef idx="0">
+            <a:schemeClr val="accent1"/>
+          </a:fillRef>
+          <a:effectRef idx="1">
+            <a:schemeClr val="accent1"/>
+          </a:effectRef>
+          <a:fontRef idx="minor">
+            <a:schemeClr val="tx1"/>
+          </a:fontRef>
+        </p:style>
+      </p:cxnSp>
+      <p:cxnSp>
+        <p:nvCxnSpPr>
+          <p:cNvPr id="209" name="Connector: Curved 208">
+            <a:extLst>
+              <a:ext uri="{FF2B5EF4-FFF2-40B4-BE49-F238E27FC236}">
+                <a16:creationId xmlns:a16="http://schemas.microsoft.com/office/drawing/2014/main" id="{71309728-2D3F-DB29-6BEB-FFA380C9902A}"/>
+              </a:ext>
+            </a:extLst>
+          </p:cNvPr>
+          <p:cNvCxnSpPr>
+            <a:cxnSpLocks/>
+            <a:stCxn id="58" idx="4"/>
+            <a:endCxn id="227" idx="1"/>
+          </p:cNvCxnSpPr>
+          <p:nvPr/>
+        </p:nvCxnSpPr>
+        <p:spPr>
+          <a:xfrm rot="16200000" flipH="1">
+            <a:off x="5295540" y="4268833"/>
+            <a:ext cx="379602" cy="2796122"/>
+          </a:xfrm>
+          <a:prstGeom prst="curvedConnector2">
+            <a:avLst/>
+          </a:prstGeom>
+          <a:ln>
+            <a:solidFill>
+              <a:schemeClr val="tx1"/>
+            </a:solidFill>
+            <a:prstDash val="sysDot"/>
+            <a:headEnd type="none" w="med" len="med"/>
+            <a:tailEnd type="triangle" w="med" len="med"/>
+          </a:ln>
+        </p:spPr>
+        <p:style>
+          <a:lnRef idx="2">
+            <a:schemeClr val="accent1"/>
+          </a:lnRef>
+          <a:fillRef idx="0">
+            <a:schemeClr val="accent1"/>
+          </a:fillRef>
+          <a:effectRef idx="1">
+            <a:schemeClr val="accent1"/>
+          </a:effectRef>
+          <a:fontRef idx="minor">
+            <a:schemeClr val="tx1"/>
+          </a:fontRef>
+        </p:style>
+      </p:cxnSp>
+      <p:cxnSp>
+        <p:nvCxnSpPr>
+          <p:cNvPr id="210" name="Connector: Curved 209">
+            <a:extLst>
+              <a:ext uri="{FF2B5EF4-FFF2-40B4-BE49-F238E27FC236}">
+                <a16:creationId xmlns:a16="http://schemas.microsoft.com/office/drawing/2014/main" id="{1ED2FBCA-292D-C719-364F-D8C5C42869E9}"/>
+              </a:ext>
+            </a:extLst>
+          </p:cNvPr>
+          <p:cNvCxnSpPr>
+            <a:cxnSpLocks/>
+            <a:stCxn id="57" idx="4"/>
+            <a:endCxn id="227" idx="1"/>
+          </p:cNvCxnSpPr>
+          <p:nvPr/>
+        </p:nvCxnSpPr>
+        <p:spPr>
+          <a:xfrm rot="16200000" flipH="1">
+            <a:off x="5066385" y="4039677"/>
+            <a:ext cx="388567" cy="3245468"/>
+          </a:xfrm>
+          <a:prstGeom prst="curvedConnector2">
+            <a:avLst/>
+          </a:prstGeom>
+          <a:ln>
+            <a:solidFill>
+              <a:schemeClr val="tx1"/>
+            </a:solidFill>
+            <a:prstDash val="sysDot"/>
+            <a:headEnd type="none" w="med" len="med"/>
+            <a:tailEnd type="triangle" w="med" len="med"/>
+          </a:ln>
+        </p:spPr>
+        <p:style>
+          <a:lnRef idx="2">
+            <a:schemeClr val="accent1"/>
+          </a:lnRef>
+          <a:fillRef idx="0">
+            <a:schemeClr val="accent1"/>
+          </a:fillRef>
+          <a:effectRef idx="1">
+            <a:schemeClr val="accent1"/>
+          </a:effectRef>
+          <a:fontRef idx="minor">
+            <a:schemeClr val="tx1"/>
+          </a:fontRef>
+        </p:style>
+      </p:cxnSp>
+      <p:cxnSp>
+        <p:nvCxnSpPr>
+          <p:cNvPr id="211" name="Connector: Curved 210">
+            <a:extLst>
+              <a:ext uri="{FF2B5EF4-FFF2-40B4-BE49-F238E27FC236}">
+                <a16:creationId xmlns:a16="http://schemas.microsoft.com/office/drawing/2014/main" id="{B978A975-C5FC-AB04-6572-897B6367579A}"/>
+              </a:ext>
+            </a:extLst>
+          </p:cNvPr>
+          <p:cNvCxnSpPr>
+            <a:cxnSpLocks/>
+            <a:stCxn id="53" idx="4"/>
+            <a:endCxn id="227" idx="1"/>
+          </p:cNvCxnSpPr>
+          <p:nvPr/>
+        </p:nvCxnSpPr>
+        <p:spPr>
+          <a:xfrm rot="16200000" flipH="1">
+            <a:off x="4846194" y="3819487"/>
+            <a:ext cx="379602" cy="3694814"/>
+          </a:xfrm>
+          <a:prstGeom prst="curvedConnector2">
+            <a:avLst/>
+          </a:prstGeom>
+          <a:ln>
+            <a:solidFill>
+              <a:schemeClr val="tx1"/>
+            </a:solidFill>
+            <a:prstDash val="sysDot"/>
+            <a:headEnd type="none" w="med" len="med"/>
+            <a:tailEnd type="triangle" w="med" len="med"/>
+          </a:ln>
+        </p:spPr>
+        <p:style>
+          <a:lnRef idx="2">
+            <a:schemeClr val="accent1"/>
+          </a:lnRef>
+          <a:fillRef idx="0">
+            <a:schemeClr val="accent1"/>
+          </a:fillRef>
+          <a:effectRef idx="1">
+            <a:schemeClr val="accent1"/>
+          </a:effectRef>
+          <a:fontRef idx="minor">
+            <a:schemeClr val="tx1"/>
+          </a:fontRef>
+        </p:style>
+      </p:cxnSp>
+      <p:cxnSp>
+        <p:nvCxnSpPr>
+          <p:cNvPr id="212" name="Connector: Curved 211">
+            <a:extLst>
+              <a:ext uri="{FF2B5EF4-FFF2-40B4-BE49-F238E27FC236}">
+                <a16:creationId xmlns:a16="http://schemas.microsoft.com/office/drawing/2014/main" id="{E0A39E5A-2105-CDB5-A60F-5187A6581B0F}"/>
+              </a:ext>
+            </a:extLst>
+          </p:cNvPr>
+          <p:cNvCxnSpPr>
+            <a:cxnSpLocks/>
+            <a:stCxn id="55" idx="4"/>
+            <a:endCxn id="227" idx="1"/>
+          </p:cNvCxnSpPr>
+          <p:nvPr/>
+        </p:nvCxnSpPr>
+        <p:spPr>
+          <a:xfrm rot="16200000" flipH="1">
+            <a:off x="4621506" y="3594799"/>
+            <a:ext cx="379602" cy="4144189"/>
+          </a:xfrm>
+          <a:prstGeom prst="curvedConnector2">
+            <a:avLst/>
+          </a:prstGeom>
+          <a:ln>
+            <a:solidFill>
+              <a:schemeClr val="tx1"/>
+            </a:solidFill>
+            <a:prstDash val="sysDot"/>
+            <a:headEnd type="none" w="med" len="med"/>
+            <a:tailEnd type="triangle" w="med" len="med"/>
+          </a:ln>
+        </p:spPr>
+        <p:style>
+          <a:lnRef idx="2">
+            <a:schemeClr val="accent1"/>
+          </a:lnRef>
+          <a:fillRef idx="0">
+            <a:schemeClr val="accent1"/>
+          </a:fillRef>
+          <a:effectRef idx="1">
+            <a:schemeClr val="accent1"/>
+          </a:effectRef>
+          <a:fontRef idx="minor">
+            <a:schemeClr val="tx1"/>
+          </a:fontRef>
+        </p:style>
+      </p:cxnSp>
+      <p:cxnSp>
+        <p:nvCxnSpPr>
+          <p:cNvPr id="213" name="Connector: Curved 212">
+            <a:extLst>
+              <a:ext uri="{FF2B5EF4-FFF2-40B4-BE49-F238E27FC236}">
+                <a16:creationId xmlns:a16="http://schemas.microsoft.com/office/drawing/2014/main" id="{4C6F5665-47BA-3BFD-A28C-C45ABFADD45D}"/>
+              </a:ext>
+            </a:extLst>
+          </p:cNvPr>
+          <p:cNvCxnSpPr>
+            <a:cxnSpLocks/>
+            <a:stCxn id="54" idx="4"/>
+            <a:endCxn id="227" idx="1"/>
+          </p:cNvCxnSpPr>
+          <p:nvPr/>
+        </p:nvCxnSpPr>
+        <p:spPr>
+          <a:xfrm rot="16200000" flipH="1">
+            <a:off x="4395397" y="3368690"/>
+            <a:ext cx="379602" cy="4596407"/>
+          </a:xfrm>
+          <a:prstGeom prst="curvedConnector2">
+            <a:avLst/>
+          </a:prstGeom>
+          <a:ln>
+            <a:solidFill>
+              <a:schemeClr val="tx1"/>
+            </a:solidFill>
+            <a:prstDash val="sysDot"/>
+            <a:headEnd type="none" w="med" len="med"/>
+            <a:tailEnd type="triangle" w="med" len="med"/>
+          </a:ln>
+        </p:spPr>
+        <p:style>
+          <a:lnRef idx="2">
+            <a:schemeClr val="accent1"/>
+          </a:lnRef>
+          <a:fillRef idx="0">
+            <a:schemeClr val="accent1"/>
+          </a:fillRef>
+          <a:effectRef idx="1">
+            <a:schemeClr val="accent1"/>
+          </a:effectRef>
+          <a:fontRef idx="minor">
+            <a:schemeClr val="tx1"/>
+          </a:fontRef>
+        </p:style>
+      </p:cxnSp>
+      <p:cxnSp>
+        <p:nvCxnSpPr>
+          <p:cNvPr id="214" name="Connector: Curved 213">
+            <a:extLst>
+              <a:ext uri="{FF2B5EF4-FFF2-40B4-BE49-F238E27FC236}">
+                <a16:creationId xmlns:a16="http://schemas.microsoft.com/office/drawing/2014/main" id="{21FD188E-E5EE-ED01-EEB0-CFBF2D0F711F}"/>
+              </a:ext>
+            </a:extLst>
+          </p:cNvPr>
+          <p:cNvCxnSpPr>
+            <a:cxnSpLocks/>
+            <a:stCxn id="56" idx="4"/>
+            <a:endCxn id="227" idx="1"/>
+          </p:cNvCxnSpPr>
+          <p:nvPr/>
+        </p:nvCxnSpPr>
+        <p:spPr>
+          <a:xfrm rot="16200000" flipH="1">
+            <a:off x="4173771" y="3147063"/>
+            <a:ext cx="370637" cy="5048625"/>
+          </a:xfrm>
+          <a:prstGeom prst="curvedConnector2">
+            <a:avLst/>
+          </a:prstGeom>
+          <a:ln>
+            <a:solidFill>
+              <a:schemeClr val="tx1"/>
+            </a:solidFill>
+            <a:prstDash val="sysDot"/>
+            <a:headEnd type="none" w="med" len="med"/>
+            <a:tailEnd type="triangle" w="med" len="med"/>
+          </a:ln>
+        </p:spPr>
+        <p:style>
+          <a:lnRef idx="2">
+            <a:schemeClr val="accent1"/>
+          </a:lnRef>
+          <a:fillRef idx="0">
+            <a:schemeClr val="accent1"/>
+          </a:fillRef>
+          <a:effectRef idx="1">
+            <a:schemeClr val="accent1"/>
+          </a:effectRef>
+          <a:fontRef idx="minor">
+            <a:schemeClr val="tx1"/>
+          </a:fontRef>
+        </p:style>
+      </p:cxnSp>
+      <p:cxnSp>
+        <p:nvCxnSpPr>
+          <p:cNvPr id="215" name="Connector: Curved 214">
+            <a:extLst>
+              <a:ext uri="{FF2B5EF4-FFF2-40B4-BE49-F238E27FC236}">
+                <a16:creationId xmlns:a16="http://schemas.microsoft.com/office/drawing/2014/main" id="{F000C73A-65D6-D373-8CC7-56AD6EFAF641}"/>
+              </a:ext>
+            </a:extLst>
+          </p:cNvPr>
+          <p:cNvCxnSpPr>
+            <a:cxnSpLocks/>
+            <a:stCxn id="52" idx="4"/>
+            <a:endCxn id="227" idx="1"/>
+          </p:cNvCxnSpPr>
+          <p:nvPr/>
+        </p:nvCxnSpPr>
+        <p:spPr>
+          <a:xfrm rot="16200000" flipH="1">
+            <a:off x="3949904" y="2923196"/>
+            <a:ext cx="379601" cy="5487396"/>
+          </a:xfrm>
+          <a:prstGeom prst="curvedConnector2">
+            <a:avLst/>
+          </a:prstGeom>
+          <a:ln>
+            <a:solidFill>
+              <a:schemeClr val="tx1"/>
+            </a:solidFill>
+            <a:prstDash val="sysDot"/>
+            <a:headEnd type="none" w="med" len="med"/>
+            <a:tailEnd type="triangle" w="med" len="med"/>
+          </a:ln>
+        </p:spPr>
+        <p:style>
+          <a:lnRef idx="2">
+            <a:schemeClr val="accent1"/>
+          </a:lnRef>
+          <a:fillRef idx="0">
+            <a:schemeClr val="accent1"/>
+          </a:fillRef>
+          <a:effectRef idx="1">
+            <a:schemeClr val="accent1"/>
+          </a:effectRef>
+          <a:fontRef idx="minor">
+            <a:schemeClr val="tx1"/>
+          </a:fontRef>
+        </p:style>
+      </p:cxnSp>
+      <p:graphicFrame>
+        <p:nvGraphicFramePr>
+          <p:cNvPr id="227" name="Table 226">
+            <a:extLst>
+              <a:ext uri="{FF2B5EF4-FFF2-40B4-BE49-F238E27FC236}">
+                <a16:creationId xmlns:a16="http://schemas.microsoft.com/office/drawing/2014/main" id="{C00E2EF0-1A13-DF49-6D26-3AF5D58A4ADE}"/>
+              </a:ext>
+            </a:extLst>
+          </p:cNvPr>
+          <p:cNvGraphicFramePr>
+            <a:graphicFrameLocks noGrp="1"/>
+          </p:cNvGraphicFramePr>
+          <p:nvPr>
+            <p:extLst>
+              <p:ext uri="{D42A27DB-BD31-4B8C-83A1-F6EECF244321}">
+                <p14:modId xmlns:p14="http://schemas.microsoft.com/office/powerpoint/2010/main" val="2929809417"/>
+              </p:ext>
+            </p:extLst>
+          </p:nvPr>
+        </p:nvGraphicFramePr>
+        <p:xfrm>
+          <a:off x="6883402" y="5671275"/>
+          <a:ext cx="1303115" cy="370840"/>
+        </p:xfrm>
+        <a:graphic>
+          <a:graphicData uri="http://schemas.openxmlformats.org/drawingml/2006/table">
+            <a:tbl>
+              <a:tblPr firstRow="1" bandRow="1">
+                <a:tableStyleId>{5C22544A-7EE6-4342-B048-85BDC9FD1C3A}</a:tableStyleId>
+              </a:tblPr>
+              <a:tblGrid>
+                <a:gridCol w="1303115">
+                  <a:extLst>
+                    <a:ext uri="{9D8B030D-6E8A-4147-A177-3AD203B41FA5}">
+                      <a16:colId xmlns:a16="http://schemas.microsoft.com/office/drawing/2014/main" val="4279338487"/>
+                    </a:ext>
+                  </a:extLst>
+                </a:gridCol>
+              </a:tblGrid>
+              <a:tr h="370840">
+                <a:tc>
+                  <a:txBody>
+                    <a:bodyPr/>
+                    <a:lstStyle/>
+                    <a:p>
+                      <a:pPr algn="ctr"/>
+                      <a:r>
+                        <a:rPr lang="en-US" sz="1200" b="0" dirty="0">
+                          <a:solidFill>
+                            <a:schemeClr val="tx1"/>
+                          </a:solidFill>
+                          <a:latin typeface="Times New Roman" panose="02020603050405020304" pitchFamily="18" charset="0"/>
+                          <a:cs typeface="Times New Roman" panose="02020603050405020304" pitchFamily="18" charset="0"/>
+                        </a:rPr>
+                        <a:t>State Vector</a:t>
+                      </a:r>
+                    </a:p>
+                  </a:txBody>
+                  <a:tcPr anchor="ctr">
+                    <a:lnL w="12700" cap="flat" cmpd="sng" algn="ctr">
+                      <a:solidFill>
+                        <a:schemeClr val="tx1"/>
+                      </a:solidFill>
+                      <a:prstDash val="solid"/>
+                      <a:round/>
+                      <a:headEnd type="none" w="med" len="med"/>
+                      <a:tailEnd type="none" w="med" len="med"/>
+                    </a:lnL>
+                    <a:lnR w="12700" cap="flat" cmpd="sng" algn="ctr">
+                      <a:solidFill>
+                        <a:schemeClr val="tx1"/>
+                      </a:solidFill>
+                      <a:prstDash val="solid"/>
+                      <a:round/>
+                      <a:headEnd type="none" w="med" len="med"/>
+                      <a:tailEnd type="none" w="med" len="med"/>
+                    </a:lnR>
+                    <a:lnT w="12700" cap="flat" cmpd="sng" algn="ctr">
+                      <a:solidFill>
+                        <a:schemeClr val="tx1"/>
+                      </a:solidFill>
+                      <a:prstDash val="solid"/>
+                      <a:round/>
+                      <a:headEnd type="none" w="med" len="med"/>
+                      <a:tailEnd type="none" w="med" len="med"/>
+                    </a:lnT>
+                    <a:lnB w="12700" cap="flat" cmpd="sng" algn="ctr">
+                      <a:solidFill>
+                        <a:schemeClr val="tx1"/>
+                      </a:solidFill>
+                      <a:prstDash val="solid"/>
+                      <a:round/>
+                      <a:headEnd type="none" w="med" len="med"/>
+                      <a:tailEnd type="none" w="med" len="med"/>
+                    </a:lnB>
+                    <a:solidFill>
+                      <a:srgbClr val="F0F3CF"/>
+                    </a:solidFill>
+                  </a:tcPr>
+                </a:tc>
+                <a:extLst>
+                  <a:ext uri="{0D108BD9-81ED-4DB2-BD59-A6C34878D82A}">
+                    <a16:rowId xmlns:a16="http://schemas.microsoft.com/office/drawing/2014/main" val="1904163923"/>
+                  </a:ext>
+                </a:extLst>
+              </a:tr>
+            </a:tbl>
+          </a:graphicData>
+        </a:graphic>
+      </p:graphicFrame>
+      <p:cxnSp>
+        <p:nvCxnSpPr>
+          <p:cNvPr id="228" name="Connector: Curved 227">
+            <a:extLst>
+              <a:ext uri="{FF2B5EF4-FFF2-40B4-BE49-F238E27FC236}">
+                <a16:creationId xmlns:a16="http://schemas.microsoft.com/office/drawing/2014/main" id="{3CD08243-790E-A307-94E9-4EEE3F49D84B}"/>
+              </a:ext>
+            </a:extLst>
+          </p:cNvPr>
+          <p:cNvCxnSpPr>
+            <a:cxnSpLocks/>
+            <a:stCxn id="229" idx="0"/>
+            <a:endCxn id="229" idx="6"/>
+          </p:cNvCxnSpPr>
+          <p:nvPr/>
+        </p:nvCxnSpPr>
+        <p:spPr>
+          <a:xfrm rot="16200000" flipH="1">
+            <a:off x="5924433" y="5097289"/>
+            <a:ext cx="181536" cy="181535"/>
+          </a:xfrm>
+          <a:prstGeom prst="curvedConnector4">
+            <a:avLst>
+              <a:gd name="adj1" fmla="val -125925"/>
+              <a:gd name="adj2" fmla="val 225926"/>
+            </a:avLst>
+          </a:prstGeom>
+          <a:ln w="19050">
+            <a:solidFill>
+              <a:schemeClr val="tx1"/>
+            </a:solidFill>
+            <a:tailEnd type="triangle"/>
+          </a:ln>
+        </p:spPr>
+        <p:style>
+          <a:lnRef idx="2">
+            <a:schemeClr val="accent1"/>
+          </a:lnRef>
+          <a:fillRef idx="0">
+            <a:schemeClr val="accent1"/>
+          </a:fillRef>
+          <a:effectRef idx="1">
+            <a:schemeClr val="accent1"/>
+          </a:effectRef>
+          <a:fontRef idx="minor">
+            <a:schemeClr val="tx1"/>
+          </a:fontRef>
+        </p:style>
+      </p:cxnSp>
+      <p:sp>
+        <p:nvSpPr>
+          <p:cNvPr id="229" name="Oval 228">
+            <a:extLst>
+              <a:ext uri="{FF2B5EF4-FFF2-40B4-BE49-F238E27FC236}">
+                <a16:creationId xmlns:a16="http://schemas.microsoft.com/office/drawing/2014/main" id="{8FEF2FE2-8E85-6DAC-8D1E-FB46368C1B1A}"/>
+              </a:ext>
+            </a:extLst>
+          </p:cNvPr>
+          <p:cNvSpPr/>
+          <p:nvPr/>
+        </p:nvSpPr>
+        <p:spPr>
+          <a:xfrm>
+            <a:off x="5742898" y="5097288"/>
+            <a:ext cx="363071" cy="363071"/>
+          </a:xfrm>
+          <a:prstGeom prst="ellipse">
+            <a:avLst/>
+          </a:prstGeom>
+          <a:noFill/>
+          <a:ln>
+            <a:noFill/>
+          </a:ln>
+        </p:spPr>
+        <p:style>
+          <a:lnRef idx="2">
+            <a:schemeClr val="accent1">
+              <a:shade val="15000"/>
+            </a:schemeClr>
+          </a:lnRef>
+          <a:fillRef idx="1">
+            <a:schemeClr val="accent1"/>
+          </a:fillRef>
+          <a:effectRef idx="0">
+            <a:schemeClr val="accent1"/>
+          </a:effectRef>
+          <a:fontRef idx="minor">
+            <a:schemeClr val="lt1"/>
+          </a:fontRef>
+        </p:style>
+        <p:txBody>
+          <a:bodyPr rtlCol="0" anchor="ctr"/>
+          <a:lstStyle/>
+          <a:p>
+            <a:pPr algn="ctr"/>
+            <a:endParaRPr lang="en-US"/>
+          </a:p>
+        </p:txBody>
+      </p:sp>
+      <mc:AlternateContent xmlns:mc="http://schemas.openxmlformats.org/markup-compatibility/2006" xmlns:a14="http://schemas.microsoft.com/office/drawing/2010/main">
+        <mc:Choice Requires="a14">
+          <p:graphicFrame>
+            <p:nvGraphicFramePr>
+              <p:cNvPr id="263" name="Table 262">
+                <a:extLst>
+                  <a:ext uri="{FF2B5EF4-FFF2-40B4-BE49-F238E27FC236}">
+                    <a16:creationId xmlns:a16="http://schemas.microsoft.com/office/drawing/2014/main" id="{60BB26FB-3370-E940-599C-E05514963B2C}"/>
+                  </a:ext>
+                </a:extLst>
+              </p:cNvPr>
+              <p:cNvGraphicFramePr>
+                <a:graphicFrameLocks noGrp="1"/>
+              </p:cNvGraphicFramePr>
+              <p:nvPr>
+                <p:extLst>
+                  <p:ext uri="{D42A27DB-BD31-4B8C-83A1-F6EECF244321}">
+                    <p14:modId xmlns:p14="http://schemas.microsoft.com/office/powerpoint/2010/main" val="1903493954"/>
+                  </p:ext>
+                </p:extLst>
+              </p:nvPr>
+            </p:nvGraphicFramePr>
+            <p:xfrm>
+              <a:off x="8968944" y="5672670"/>
+              <a:ext cx="1303115" cy="369445"/>
+            </p:xfrm>
+            <a:graphic>
+              <a:graphicData uri="http://schemas.openxmlformats.org/drawingml/2006/table">
+                <a:tbl>
+                  <a:tblPr firstRow="1" bandRow="1">
+                    <a:tableStyleId>{5C22544A-7EE6-4342-B048-85BDC9FD1C3A}</a:tableStyleId>
+                  </a:tblPr>
+                  <a:tblGrid>
+                    <a:gridCol w="1303115">
+                      <a:extLst>
+                        <a:ext uri="{9D8B030D-6E8A-4147-A177-3AD203B41FA5}">
+                          <a16:colId xmlns:a16="http://schemas.microsoft.com/office/drawing/2014/main" val="4279338487"/>
+                        </a:ext>
+                      </a:extLst>
+                    </a:gridCol>
+                  </a:tblGrid>
+                  <a:tr h="369445">
+                    <a:tc>
+                      <a:txBody>
+                        <a:bodyPr/>
+                        <a:lstStyle/>
+                        <a:p>
+                          <a:pPr algn="ctr"/>
+                          <a14:m>
+                            <m:oMathPara xmlns:m="http://schemas.openxmlformats.org/officeDocument/2006/math">
+                              <m:oMathParaPr>
+                                <m:jc m:val="centerGroup"/>
+                              </m:oMathParaPr>
+                              <m:oMath xmlns:m="http://schemas.openxmlformats.org/officeDocument/2006/math">
+                                <m:sSub>
+                                  <m:sSubPr>
+                                    <m:ctrlPr>
+                                      <a:rPr lang="en-US" sz="1200" b="0" i="1" smtClean="0">
+                                        <a:solidFill>
+                                          <a:schemeClr val="tx1"/>
+                                        </a:solidFill>
+                                        <a:latin typeface="Cambria Math" panose="02040503050406030204" pitchFamily="18" charset="0"/>
+                                        <a:cs typeface="Times New Roman" panose="02020603050405020304" pitchFamily="18" charset="0"/>
+                                      </a:rPr>
+                                    </m:ctrlPr>
+                                  </m:sSubPr>
+                                  <m:e>
+                                    <m:r>
+                                      <m:rPr>
+                                        <m:sty m:val="p"/>
+                                      </m:rPr>
+                                      <a:rPr lang="en-US" sz="1200" b="0" i="0" smtClean="0">
+                                        <a:solidFill>
+                                          <a:schemeClr val="tx1"/>
+                                        </a:solidFill>
+                                        <a:latin typeface="Cambria Math" panose="02040503050406030204" pitchFamily="18" charset="0"/>
+                                        <a:cs typeface="Times New Roman" panose="02020603050405020304" pitchFamily="18" charset="0"/>
+                                      </a:rPr>
+                                      <m:t>Δ</m:t>
+                                    </m:r>
+                                    <m:r>
+                                      <a:rPr lang="en-US" sz="1200" b="0" i="1" smtClean="0">
+                                        <a:solidFill>
+                                          <a:schemeClr val="tx1"/>
+                                        </a:solidFill>
+                                        <a:latin typeface="Cambria Math" panose="02040503050406030204" pitchFamily="18" charset="0"/>
+                                        <a:cs typeface="Times New Roman" panose="02020603050405020304" pitchFamily="18" charset="0"/>
+                                      </a:rPr>
+                                      <m:t>𝑣</m:t>
+                                    </m:r>
+                                  </m:e>
+                                  <m:sub>
+                                    <m:r>
+                                      <a:rPr lang="en-US" sz="1200" b="0" i="1" smtClean="0">
+                                        <a:solidFill>
+                                          <a:schemeClr val="tx1"/>
+                                        </a:solidFill>
+                                        <a:latin typeface="Cambria Math" panose="02040503050406030204" pitchFamily="18" charset="0"/>
+                                        <a:cs typeface="Times New Roman" panose="02020603050405020304" pitchFamily="18" charset="0"/>
+                                      </a:rPr>
+                                      <m:t>1</m:t>
+                                    </m:r>
+                                  </m:sub>
+                                </m:sSub>
+                                <m:r>
+                                  <a:rPr lang="en-US" sz="1200" b="0" i="1" smtClean="0">
+                                    <a:solidFill>
+                                      <a:schemeClr val="tx1"/>
+                                    </a:solidFill>
+                                    <a:latin typeface="Cambria Math" panose="02040503050406030204" pitchFamily="18" charset="0"/>
+                                    <a:cs typeface="Times New Roman" panose="02020603050405020304" pitchFamily="18" charset="0"/>
+                                  </a:rPr>
+                                  <m:t>,</m:t>
+                                </m:r>
+                                <m:sSub>
+                                  <m:sSubPr>
+                                    <m:ctrlPr>
+                                      <a:rPr lang="en-US" sz="1200" b="0" i="1" smtClean="0">
+                                        <a:solidFill>
+                                          <a:schemeClr val="tx1"/>
+                                        </a:solidFill>
+                                        <a:latin typeface="Cambria Math" panose="02040503050406030204" pitchFamily="18" charset="0"/>
+                                        <a:cs typeface="Times New Roman" panose="02020603050405020304" pitchFamily="18" charset="0"/>
+                                      </a:rPr>
+                                    </m:ctrlPr>
+                                  </m:sSubPr>
+                                  <m:e>
+                                    <m:r>
+                                      <m:rPr>
+                                        <m:sty m:val="p"/>
+                                      </m:rPr>
+                                      <a:rPr lang="en-US" sz="1200" b="0" i="0" smtClean="0">
+                                        <a:solidFill>
+                                          <a:schemeClr val="tx1"/>
+                                        </a:solidFill>
+                                        <a:latin typeface="Cambria Math" panose="02040503050406030204" pitchFamily="18" charset="0"/>
+                                        <a:cs typeface="Times New Roman" panose="02020603050405020304" pitchFamily="18" charset="0"/>
+                                      </a:rPr>
+                                      <m:t>Δ</m:t>
+                                    </m:r>
+                                    <m:r>
+                                      <a:rPr lang="en-US" sz="1200" b="0" i="1" smtClean="0">
+                                        <a:solidFill>
+                                          <a:schemeClr val="tx1"/>
+                                        </a:solidFill>
+                                        <a:latin typeface="Cambria Math" panose="02040503050406030204" pitchFamily="18" charset="0"/>
+                                        <a:cs typeface="Times New Roman" panose="02020603050405020304" pitchFamily="18" charset="0"/>
+                                      </a:rPr>
+                                      <m:t>𝑣</m:t>
+                                    </m:r>
+                                  </m:e>
+                                  <m:sub>
+                                    <m:r>
+                                      <a:rPr lang="en-US" sz="1200" b="0" i="1" smtClean="0">
+                                        <a:solidFill>
+                                          <a:schemeClr val="tx1"/>
+                                        </a:solidFill>
+                                        <a:latin typeface="Cambria Math" panose="02040503050406030204" pitchFamily="18" charset="0"/>
+                                        <a:cs typeface="Times New Roman" panose="02020603050405020304" pitchFamily="18" charset="0"/>
+                                      </a:rPr>
+                                      <m:t>2</m:t>
+                                    </m:r>
+                                  </m:sub>
+                                </m:sSub>
+                                <m:r>
+                                  <a:rPr lang="en-US" sz="1200" b="0" i="1" smtClean="0">
+                                    <a:solidFill>
+                                      <a:schemeClr val="tx1"/>
+                                    </a:solidFill>
+                                    <a:latin typeface="Cambria Math" panose="02040503050406030204" pitchFamily="18" charset="0"/>
+                                    <a:cs typeface="Times New Roman" panose="02020603050405020304" pitchFamily="18" charset="0"/>
+                                  </a:rPr>
+                                  <m:t>,…,</m:t>
+                                </m:r>
+                                <m:sSub>
+                                  <m:sSubPr>
+                                    <m:ctrlPr>
+                                      <a:rPr lang="en-US" sz="1200" b="0" i="1" smtClean="0">
+                                        <a:solidFill>
+                                          <a:schemeClr val="tx1"/>
+                                        </a:solidFill>
+                                        <a:latin typeface="Cambria Math" panose="02040503050406030204" pitchFamily="18" charset="0"/>
+                                        <a:cs typeface="Times New Roman" panose="02020603050405020304" pitchFamily="18" charset="0"/>
+                                      </a:rPr>
+                                    </m:ctrlPr>
+                                  </m:sSubPr>
+                                  <m:e>
+                                    <m:r>
+                                      <m:rPr>
+                                        <m:sty m:val="p"/>
+                                      </m:rPr>
+                                      <a:rPr lang="en-US" sz="1200" b="0" i="0" smtClean="0">
+                                        <a:solidFill>
+                                          <a:schemeClr val="tx1"/>
+                                        </a:solidFill>
+                                        <a:latin typeface="Cambria Math" panose="02040503050406030204" pitchFamily="18" charset="0"/>
+                                        <a:cs typeface="Times New Roman" panose="02020603050405020304" pitchFamily="18" charset="0"/>
+                                      </a:rPr>
+                                      <m:t>Δ</m:t>
+                                    </m:r>
+                                    <m:r>
+                                      <a:rPr lang="en-US" sz="1200" b="0" i="1" smtClean="0">
+                                        <a:solidFill>
+                                          <a:schemeClr val="tx1"/>
+                                        </a:solidFill>
+                                        <a:latin typeface="Cambria Math" panose="02040503050406030204" pitchFamily="18" charset="0"/>
+                                        <a:cs typeface="Times New Roman" panose="02020603050405020304" pitchFamily="18" charset="0"/>
+                                      </a:rPr>
+                                      <m:t>𝑣</m:t>
+                                    </m:r>
+                                  </m:e>
+                                  <m:sub>
+                                    <m:r>
+                                      <a:rPr lang="en-US" sz="1200" b="0" i="1" smtClean="0">
+                                        <a:solidFill>
+                                          <a:schemeClr val="tx1"/>
+                                        </a:solidFill>
+                                        <a:latin typeface="Cambria Math" panose="02040503050406030204" pitchFamily="18" charset="0"/>
+                                        <a:cs typeface="Times New Roman" panose="02020603050405020304" pitchFamily="18" charset="0"/>
+                                      </a:rPr>
+                                      <m:t>𝑛</m:t>
+                                    </m:r>
+                                  </m:sub>
+                                </m:sSub>
+                              </m:oMath>
+                            </m:oMathPara>
+                          </a14:m>
+                          <a:endParaRPr lang="en-US" sz="1200" b="0" dirty="0">
+                            <a:solidFill>
+                              <a:schemeClr val="tx1"/>
+                            </a:solidFill>
+                            <a:latin typeface="Times New Roman" panose="02020603050405020304" pitchFamily="18" charset="0"/>
+                            <a:cs typeface="Times New Roman" panose="02020603050405020304" pitchFamily="18" charset="0"/>
+                          </a:endParaRPr>
+                        </a:p>
+                      </a:txBody>
+                      <a:tcPr anchor="ctr">
+                        <a:lnL w="12700" cap="flat" cmpd="sng" algn="ctr">
+                          <a:solidFill>
+                            <a:schemeClr val="tx1"/>
+                          </a:solidFill>
+                          <a:prstDash val="solid"/>
+                          <a:round/>
+                          <a:headEnd type="none" w="med" len="med"/>
+                          <a:tailEnd type="none" w="med" len="med"/>
+                        </a:lnL>
+                        <a:lnR w="12700" cap="flat" cmpd="sng" algn="ctr">
+                          <a:solidFill>
+                            <a:schemeClr val="tx1"/>
+                          </a:solidFill>
+                          <a:prstDash val="solid"/>
+                          <a:round/>
+                          <a:headEnd type="none" w="med" len="med"/>
+                          <a:tailEnd type="none" w="med" len="med"/>
+                        </a:lnR>
+                        <a:lnT w="12700" cap="flat" cmpd="sng" algn="ctr">
+                          <a:solidFill>
+                            <a:schemeClr val="tx1"/>
+                          </a:solidFill>
+                          <a:prstDash val="solid"/>
+                          <a:round/>
+                          <a:headEnd type="none" w="med" len="med"/>
+                          <a:tailEnd type="none" w="med" len="med"/>
+                        </a:lnT>
+                        <a:lnB w="12700" cap="flat" cmpd="sng" algn="ctr">
+                          <a:solidFill>
+                            <a:schemeClr val="tx1"/>
+                          </a:solidFill>
+                          <a:prstDash val="solid"/>
+                          <a:round/>
+                          <a:headEnd type="none" w="med" len="med"/>
+                          <a:tailEnd type="none" w="med" len="med"/>
+                        </a:lnB>
+                        <a:solidFill>
+                          <a:schemeClr val="accent2">
+                            <a:lumMod val="20000"/>
+                            <a:lumOff val="80000"/>
+                          </a:schemeClr>
+                        </a:solidFill>
+                      </a:tcPr>
+                    </a:tc>
+                    <a:extLst>
+                      <a:ext uri="{0D108BD9-81ED-4DB2-BD59-A6C34878D82A}">
+                        <a16:rowId xmlns:a16="http://schemas.microsoft.com/office/drawing/2014/main" val="1904163923"/>
+                      </a:ext>
+                    </a:extLst>
+                  </a:tr>
+                </a:tbl>
+              </a:graphicData>
+            </a:graphic>
+          </p:graphicFrame>
+        </mc:Choice>
+        <mc:Fallback xmlns="">
+          <p:graphicFrame>
+            <p:nvGraphicFramePr>
+              <p:cNvPr id="263" name="Table 262">
+                <a:extLst>
+                  <a:ext uri="{FF2B5EF4-FFF2-40B4-BE49-F238E27FC236}">
+                    <a16:creationId xmlns:a16="http://schemas.microsoft.com/office/drawing/2014/main" id="{60BB26FB-3370-E940-599C-E05514963B2C}"/>
+                  </a:ext>
+                </a:extLst>
+              </p:cNvPr>
+              <p:cNvGraphicFramePr>
+                <a:graphicFrameLocks noGrp="1"/>
+              </p:cNvGraphicFramePr>
+              <p:nvPr>
+                <p:extLst>
+                  <p:ext uri="{D42A27DB-BD31-4B8C-83A1-F6EECF244321}">
+                    <p14:modId xmlns:p14="http://schemas.microsoft.com/office/powerpoint/2010/main" val="1903493954"/>
+                  </p:ext>
+                </p:extLst>
+              </p:nvPr>
+            </p:nvGraphicFramePr>
+            <p:xfrm>
+              <a:off x="8968944" y="5672670"/>
+              <a:ext cx="1303115" cy="369445"/>
+            </p:xfrm>
+            <a:graphic>
+              <a:graphicData uri="http://schemas.openxmlformats.org/drawingml/2006/table">
+                <a:tbl>
+                  <a:tblPr firstRow="1" bandRow="1">
+                    <a:tableStyleId>{5C22544A-7EE6-4342-B048-85BDC9FD1C3A}</a:tableStyleId>
+                  </a:tblPr>
+                  <a:tblGrid>
+                    <a:gridCol w="1303115">
+                      <a:extLst>
+                        <a:ext uri="{9D8B030D-6E8A-4147-A177-3AD203B41FA5}">
+                          <a16:colId xmlns:a16="http://schemas.microsoft.com/office/drawing/2014/main" val="4279338487"/>
+                        </a:ext>
+                      </a:extLst>
+                    </a:gridCol>
+                  </a:tblGrid>
+                  <a:tr h="369445">
+                    <a:tc>
+                      <a:txBody>
+                        <a:bodyPr/>
+                        <a:lstStyle/>
+                        <a:p>
+                          <a:endParaRPr lang="en-US"/>
+                        </a:p>
+                      </a:txBody>
+                      <a:tcPr anchor="ctr">
+                        <a:lnL w="12700" cap="flat" cmpd="sng" algn="ctr">
+                          <a:solidFill>
+                            <a:schemeClr val="tx1"/>
+                          </a:solidFill>
+                          <a:prstDash val="solid"/>
+                          <a:round/>
+                          <a:headEnd type="none" w="med" len="med"/>
+                          <a:tailEnd type="none" w="med" len="med"/>
+                        </a:lnL>
+                        <a:lnR w="12700" cap="flat" cmpd="sng" algn="ctr">
+                          <a:solidFill>
+                            <a:schemeClr val="tx1"/>
+                          </a:solidFill>
+                          <a:prstDash val="solid"/>
+                          <a:round/>
+                          <a:headEnd type="none" w="med" len="med"/>
+                          <a:tailEnd type="none" w="med" len="med"/>
+                        </a:lnR>
+                        <a:lnT w="12700" cap="flat" cmpd="sng" algn="ctr">
+                          <a:solidFill>
+                            <a:schemeClr val="tx1"/>
+                          </a:solidFill>
+                          <a:prstDash val="solid"/>
+                          <a:round/>
+                          <a:headEnd type="none" w="med" len="med"/>
+                          <a:tailEnd type="none" w="med" len="med"/>
+                        </a:lnT>
+                        <a:lnB w="12700" cap="flat" cmpd="sng" algn="ctr">
+                          <a:solidFill>
+                            <a:schemeClr val="tx1"/>
+                          </a:solidFill>
+                          <a:prstDash val="solid"/>
+                          <a:round/>
+                          <a:headEnd type="none" w="med" len="med"/>
+                          <a:tailEnd type="none" w="med" len="med"/>
+                        </a:lnB>
+                        <a:blipFill>
+                          <a:blip r:embed="rId4"/>
+                          <a:stretch>
+                            <a:fillRect l="-465" t="-1613" r="-930" b="-3226"/>
+                          </a:stretch>
+                        </a:blipFill>
+                      </a:tcPr>
+                    </a:tc>
+                    <a:extLst>
+                      <a:ext uri="{0D108BD9-81ED-4DB2-BD59-A6C34878D82A}">
+                        <a16:rowId xmlns:a16="http://schemas.microsoft.com/office/drawing/2014/main" val="1904163923"/>
+                      </a:ext>
+                    </a:extLst>
+                  </a:tr>
+                </a:tbl>
+              </a:graphicData>
+            </a:graphic>
+          </p:graphicFrame>
+        </mc:Fallback>
+      </mc:AlternateContent>
+      <p:cxnSp>
+        <p:nvCxnSpPr>
+          <p:cNvPr id="265" name="Straight Arrow Connector 264">
+            <a:extLst>
+              <a:ext uri="{FF2B5EF4-FFF2-40B4-BE49-F238E27FC236}">
+                <a16:creationId xmlns:a16="http://schemas.microsoft.com/office/drawing/2014/main" id="{FF525F54-8513-0C79-EA5E-E7F2E7FAF0D9}"/>
+              </a:ext>
+            </a:extLst>
+          </p:cNvPr>
+          <p:cNvCxnSpPr>
+            <a:cxnSpLocks/>
+          </p:cNvCxnSpPr>
+          <p:nvPr/>
+        </p:nvCxnSpPr>
+        <p:spPr>
+          <a:xfrm>
+            <a:off x="8759264" y="1905501"/>
+            <a:ext cx="1136525" cy="1083"/>
+          </a:xfrm>
+          <a:prstGeom prst="straightConnector1">
+            <a:avLst/>
+          </a:prstGeom>
+          <a:ln w="19050">
+            <a:solidFill>
+              <a:schemeClr val="tx1"/>
+            </a:solidFill>
+            <a:prstDash val="sysDot"/>
+            <a:tailEnd type="triangle"/>
+          </a:ln>
+        </p:spPr>
+        <p:style>
+          <a:lnRef idx="2">
+            <a:schemeClr val="accent1"/>
+          </a:lnRef>
+          <a:fillRef idx="0">
+            <a:schemeClr val="accent1"/>
+          </a:fillRef>
+          <a:effectRef idx="1">
+            <a:schemeClr val="accent1"/>
+          </a:effectRef>
+          <a:fontRef idx="minor">
+            <a:schemeClr val="tx1"/>
+          </a:fontRef>
+        </p:style>
+      </p:cxnSp>
+      <p:sp>
+        <p:nvSpPr>
+          <p:cNvPr id="266" name="TextBox 265">
+            <a:extLst>
+              <a:ext uri="{FF2B5EF4-FFF2-40B4-BE49-F238E27FC236}">
+                <a16:creationId xmlns:a16="http://schemas.microsoft.com/office/drawing/2014/main" id="{175396C4-3334-5CC1-C027-0F27F4F57291}"/>
+              </a:ext>
+            </a:extLst>
+          </p:cNvPr>
+          <p:cNvSpPr txBox="1"/>
+          <p:nvPr/>
+        </p:nvSpPr>
+        <p:spPr>
+          <a:xfrm>
+            <a:off x="8759264" y="1624187"/>
+            <a:ext cx="1136525" cy="276999"/>
+          </a:xfrm>
+          <a:prstGeom prst="rect">
+            <a:avLst/>
+          </a:prstGeom>
+          <a:noFill/>
+        </p:spPr>
+        <p:txBody>
+          <a:bodyPr wrap="square" rtlCol="0" anchor="b">
+            <a:spAutoFit/>
+          </a:bodyPr>
+          <a:lstStyle/>
+          <a:p>
+            <a:pPr algn="ctr"/>
+            <a:r>
+              <a:rPr lang="en-US" sz="1200" dirty="0">
+                <a:latin typeface="Times New Roman" panose="02020603050405020304" pitchFamily="18" charset="0"/>
+                <a:cs typeface="Times New Roman" panose="02020603050405020304" pitchFamily="18" charset="0"/>
+              </a:rPr>
+              <a:t>Mean</a:t>
+            </a:r>
+          </a:p>
+        </p:txBody>
+      </p:sp>
+      <p:cxnSp>
+        <p:nvCxnSpPr>
+          <p:cNvPr id="267" name="Straight Arrow Connector 266">
+            <a:extLst>
+              <a:ext uri="{FF2B5EF4-FFF2-40B4-BE49-F238E27FC236}">
+                <a16:creationId xmlns:a16="http://schemas.microsoft.com/office/drawing/2014/main" id="{419F947F-D702-E5AF-3C74-6673CCDB1EA3}"/>
+              </a:ext>
+            </a:extLst>
+          </p:cNvPr>
+          <p:cNvCxnSpPr>
+            <a:cxnSpLocks/>
+            <a:stCxn id="227" idx="3"/>
+            <a:endCxn id="263" idx="1"/>
+          </p:cNvCxnSpPr>
+          <p:nvPr/>
+        </p:nvCxnSpPr>
+        <p:spPr>
+          <a:xfrm>
+            <a:off x="8186517" y="5856695"/>
+            <a:ext cx="782427" cy="697"/>
+          </a:xfrm>
+          <a:prstGeom prst="straightConnector1">
+            <a:avLst/>
+          </a:prstGeom>
+          <a:ln w="19050">
+            <a:solidFill>
+              <a:schemeClr val="tx1"/>
+            </a:solidFill>
             <a:tailEnd type="triangle"/>
           </a:ln>
         </p:spPr>

--- a/figures/Schematic.pptx
+++ b/figures/Schematic.pptx
@@ -2,18 +2,18 @@
 <file path=ppt/presentation.xml><?xml version="1.0" encoding="utf-8"?>
 <p:presentation xmlns:a="http://schemas.openxmlformats.org/drawingml/2006/main" xmlns:r="http://schemas.openxmlformats.org/officeDocument/2006/relationships" xmlns:p="http://schemas.openxmlformats.org/presentationml/2006/main" saveSubsetFonts="1">
   <p:sldMasterIdLst>
-    <p:sldMasterId id="2147483648" r:id="rId1"/>
+    <p:sldMasterId id="2147483672" r:id="rId1"/>
   </p:sldMasterIdLst>
   <p:sldIdLst>
     <p:sldId id="257" r:id="rId2"/>
   </p:sldIdLst>
-  <p:sldSz cx="12192000" cy="6858000"/>
+  <p:sldSz cx="11887200" cy="6858000"/>
   <p:notesSz cx="6858000" cy="9144000"/>
   <p:defaultTextStyle>
     <a:defPPr>
       <a:defRPr lang="en-US"/>
     </a:defPPr>
-    <a:lvl1pPr marL="0" algn="l" defTabSz="914400" rtl="0" eaLnBrk="1" latinLnBrk="0" hangingPunct="1">
+    <a:lvl1pPr marL="0" algn="l" defTabSz="457200" rtl="0" eaLnBrk="1" latinLnBrk="0" hangingPunct="1">
       <a:defRPr sz="1800" kern="1200">
         <a:solidFill>
           <a:schemeClr val="tx1"/>
@@ -23,7 +23,7 @@
         <a:cs typeface="+mn-cs"/>
       </a:defRPr>
     </a:lvl1pPr>
-    <a:lvl2pPr marL="457200" algn="l" defTabSz="914400" rtl="0" eaLnBrk="1" latinLnBrk="0" hangingPunct="1">
+    <a:lvl2pPr marL="457200" algn="l" defTabSz="457200" rtl="0" eaLnBrk="1" latinLnBrk="0" hangingPunct="1">
       <a:defRPr sz="1800" kern="1200">
         <a:solidFill>
           <a:schemeClr val="tx1"/>
@@ -33,7 +33,7 @@
         <a:cs typeface="+mn-cs"/>
       </a:defRPr>
     </a:lvl2pPr>
-    <a:lvl3pPr marL="914400" algn="l" defTabSz="914400" rtl="0" eaLnBrk="1" latinLnBrk="0" hangingPunct="1">
+    <a:lvl3pPr marL="914400" algn="l" defTabSz="457200" rtl="0" eaLnBrk="1" latinLnBrk="0" hangingPunct="1">
       <a:defRPr sz="1800" kern="1200">
         <a:solidFill>
           <a:schemeClr val="tx1"/>
@@ -43,7 +43,7 @@
         <a:cs typeface="+mn-cs"/>
       </a:defRPr>
     </a:lvl3pPr>
-    <a:lvl4pPr marL="1371600" algn="l" defTabSz="914400" rtl="0" eaLnBrk="1" latinLnBrk="0" hangingPunct="1">
+    <a:lvl4pPr marL="1371600" algn="l" defTabSz="457200" rtl="0" eaLnBrk="1" latinLnBrk="0" hangingPunct="1">
       <a:defRPr sz="1800" kern="1200">
         <a:solidFill>
           <a:schemeClr val="tx1"/>
@@ -53,7 +53,7 @@
         <a:cs typeface="+mn-cs"/>
       </a:defRPr>
     </a:lvl4pPr>
-    <a:lvl5pPr marL="1828800" algn="l" defTabSz="914400" rtl="0" eaLnBrk="1" latinLnBrk="0" hangingPunct="1">
+    <a:lvl5pPr marL="1828800" algn="l" defTabSz="457200" rtl="0" eaLnBrk="1" latinLnBrk="0" hangingPunct="1">
       <a:defRPr sz="1800" kern="1200">
         <a:solidFill>
           <a:schemeClr val="tx1"/>
@@ -63,7 +63,7 @@
         <a:cs typeface="+mn-cs"/>
       </a:defRPr>
     </a:lvl5pPr>
-    <a:lvl6pPr marL="2286000" algn="l" defTabSz="914400" rtl="0" eaLnBrk="1" latinLnBrk="0" hangingPunct="1">
+    <a:lvl6pPr marL="2286000" algn="l" defTabSz="457200" rtl="0" eaLnBrk="1" latinLnBrk="0" hangingPunct="1">
       <a:defRPr sz="1800" kern="1200">
         <a:solidFill>
           <a:schemeClr val="tx1"/>
@@ -73,7 +73,7 @@
         <a:cs typeface="+mn-cs"/>
       </a:defRPr>
     </a:lvl6pPr>
-    <a:lvl7pPr marL="2743200" algn="l" defTabSz="914400" rtl="0" eaLnBrk="1" latinLnBrk="0" hangingPunct="1">
+    <a:lvl7pPr marL="2743200" algn="l" defTabSz="457200" rtl="0" eaLnBrk="1" latinLnBrk="0" hangingPunct="1">
       <a:defRPr sz="1800" kern="1200">
         <a:solidFill>
           <a:schemeClr val="tx1"/>
@@ -83,7 +83,7 @@
         <a:cs typeface="+mn-cs"/>
       </a:defRPr>
     </a:lvl7pPr>
-    <a:lvl8pPr marL="3200400" algn="l" defTabSz="914400" rtl="0" eaLnBrk="1" latinLnBrk="0" hangingPunct="1">
+    <a:lvl8pPr marL="3200400" algn="l" defTabSz="457200" rtl="0" eaLnBrk="1" latinLnBrk="0" hangingPunct="1">
       <a:defRPr sz="1800" kern="1200">
         <a:solidFill>
           <a:schemeClr val="tx1"/>
@@ -93,7 +93,7 @@
         <a:cs typeface="+mn-cs"/>
       </a:defRPr>
     </a:lvl8pPr>
-    <a:lvl9pPr marL="3657600" algn="l" defTabSz="914400" rtl="0" eaLnBrk="1" latinLnBrk="0" hangingPunct="1">
+    <a:lvl9pPr marL="3657600" algn="l" defTabSz="457200" rtl="0" eaLnBrk="1" latinLnBrk="0" hangingPunct="1">
       <a:defRPr sz="1800" kern="1200">
         <a:solidFill>
           <a:schemeClr val="tx1"/>
@@ -131,13 +131,7 @@
       </p:grpSpPr>
       <p:sp>
         <p:nvSpPr>
-          <p:cNvPr id="2" name="Title 1">
-            <a:extLst>
-              <a:ext uri="{FF2B5EF4-FFF2-40B4-BE49-F238E27FC236}">
-                <a16:creationId xmlns:a16="http://schemas.microsoft.com/office/drawing/2014/main" id="{8522B24A-5BEB-DDA0-8578-62BD95E5EF2F}"/>
-              </a:ext>
-            </a:extLst>
-          </p:cNvPr>
+          <p:cNvPr id="2" name="Title 1"/>
           <p:cNvSpPr>
             <a:spLocks noGrp="1"/>
           </p:cNvSpPr>
@@ -147,15 +141,15 @@
         </p:nvSpPr>
         <p:spPr>
           <a:xfrm>
-            <a:off x="1524000" y="1122363"/>
-            <a:ext cx="9144000" cy="2387600"/>
+            <a:off x="1485900" y="1122363"/>
+            <a:ext cx="8915400" cy="2387600"/>
           </a:xfrm>
         </p:spPr>
         <p:txBody>
           <a:bodyPr anchor="b"/>
           <a:lstStyle>
             <a:lvl1pPr algn="ctr">
-              <a:defRPr sz="6000"/>
+              <a:defRPr sz="5850"/>
             </a:lvl1pPr>
           </a:lstStyle>
           <a:p>
@@ -163,18 +157,13 @@
               <a:rPr lang="en-US"/>
               <a:t>Click to edit Master title style</a:t>
             </a:r>
+            <a:endParaRPr lang="en-US" dirty="0"/>
           </a:p>
         </p:txBody>
       </p:sp>
       <p:sp>
         <p:nvSpPr>
-          <p:cNvPr id="3" name="Subtitle 2">
-            <a:extLst>
-              <a:ext uri="{FF2B5EF4-FFF2-40B4-BE49-F238E27FC236}">
-                <a16:creationId xmlns:a16="http://schemas.microsoft.com/office/drawing/2014/main" id="{90C7E948-806E-3D92-31D0-3D22CDAED0BE}"/>
-              </a:ext>
-            </a:extLst>
-          </p:cNvPr>
+          <p:cNvPr id="3" name="Subtitle 2"/>
           <p:cNvSpPr>
             <a:spLocks noGrp="1"/>
           </p:cNvSpPr>
@@ -184,8 +173,8 @@
         </p:nvSpPr>
         <p:spPr>
           <a:xfrm>
-            <a:off x="1524000" y="3602038"/>
-            <a:ext cx="9144000" cy="1655762"/>
+            <a:off x="1485900" y="3602038"/>
+            <a:ext cx="8915400" cy="1655762"/>
           </a:xfrm>
         </p:spPr>
         <p:txBody>
@@ -193,39 +182,39 @@
           <a:lstStyle>
             <a:lvl1pPr marL="0" indent="0" algn="ctr">
               <a:buNone/>
-              <a:defRPr sz="2400"/>
+              <a:defRPr sz="2340"/>
             </a:lvl1pPr>
-            <a:lvl2pPr marL="457200" indent="0" algn="ctr">
+            <a:lvl2pPr marL="445770" indent="0" algn="ctr">
               <a:buNone/>
-              <a:defRPr sz="2000"/>
+              <a:defRPr sz="1950"/>
             </a:lvl2pPr>
-            <a:lvl3pPr marL="914400" indent="0" algn="ctr">
+            <a:lvl3pPr marL="891540" indent="0" algn="ctr">
               <a:buNone/>
-              <a:defRPr sz="1800"/>
+              <a:defRPr sz="1755"/>
             </a:lvl3pPr>
-            <a:lvl4pPr marL="1371600" indent="0" algn="ctr">
+            <a:lvl4pPr marL="1337310" indent="0" algn="ctr">
               <a:buNone/>
-              <a:defRPr sz="1600"/>
+              <a:defRPr sz="1560"/>
             </a:lvl4pPr>
-            <a:lvl5pPr marL="1828800" indent="0" algn="ctr">
+            <a:lvl5pPr marL="1783080" indent="0" algn="ctr">
               <a:buNone/>
-              <a:defRPr sz="1600"/>
+              <a:defRPr sz="1560"/>
             </a:lvl5pPr>
-            <a:lvl6pPr marL="2286000" indent="0" algn="ctr">
+            <a:lvl6pPr marL="2228850" indent="0" algn="ctr">
               <a:buNone/>
-              <a:defRPr sz="1600"/>
+              <a:defRPr sz="1560"/>
             </a:lvl6pPr>
-            <a:lvl7pPr marL="2743200" indent="0" algn="ctr">
+            <a:lvl7pPr marL="2674620" indent="0" algn="ctr">
               <a:buNone/>
-              <a:defRPr sz="1600"/>
+              <a:defRPr sz="1560"/>
             </a:lvl7pPr>
-            <a:lvl8pPr marL="3200400" indent="0" algn="ctr">
+            <a:lvl8pPr marL="3120390" indent="0" algn="ctr">
               <a:buNone/>
-              <a:defRPr sz="1600"/>
+              <a:defRPr sz="1560"/>
             </a:lvl8pPr>
-            <a:lvl9pPr marL="3657600" indent="0" algn="ctr">
+            <a:lvl9pPr marL="3566160" indent="0" algn="ctr">
               <a:buNone/>
-              <a:defRPr sz="1600"/>
+              <a:defRPr sz="1560"/>
             </a:lvl9pPr>
           </a:lstStyle>
           <a:p>
@@ -233,18 +222,13 @@
               <a:rPr lang="en-US"/>
               <a:t>Click to edit Master subtitle style</a:t>
             </a:r>
+            <a:endParaRPr lang="en-US" dirty="0"/>
           </a:p>
         </p:txBody>
       </p:sp>
       <p:sp>
         <p:nvSpPr>
-          <p:cNvPr id="4" name="Date Placeholder 3">
-            <a:extLst>
-              <a:ext uri="{FF2B5EF4-FFF2-40B4-BE49-F238E27FC236}">
-                <a16:creationId xmlns:a16="http://schemas.microsoft.com/office/drawing/2014/main" id="{DD66BEEF-0330-E22A-30FB-F959F1139B1A}"/>
-              </a:ext>
-            </a:extLst>
-          </p:cNvPr>
+          <p:cNvPr id="4" name="Date Placeholder 3"/>
           <p:cNvSpPr>
             <a:spLocks noGrp="1"/>
           </p:cNvSpPr>
@@ -259,7 +243,7 @@
           <a:p>
             <a:fld id="{52D9B48A-4DDE-4515-A7B7-36377E7345FC}" type="datetimeFigureOut">
               <a:rPr lang="en-US" smtClean="0"/>
-              <a:t>6/5/2024</a:t>
+              <a:t>6/12/2024</a:t>
             </a:fld>
             <a:endParaRPr lang="en-US"/>
           </a:p>
@@ -267,13 +251,7 @@
       </p:sp>
       <p:sp>
         <p:nvSpPr>
-          <p:cNvPr id="5" name="Footer Placeholder 4">
-            <a:extLst>
-              <a:ext uri="{FF2B5EF4-FFF2-40B4-BE49-F238E27FC236}">
-                <a16:creationId xmlns:a16="http://schemas.microsoft.com/office/drawing/2014/main" id="{23604DA9-86F2-352E-9E4C-56F093713123}"/>
-              </a:ext>
-            </a:extLst>
-          </p:cNvPr>
+          <p:cNvPr id="5" name="Footer Placeholder 4"/>
           <p:cNvSpPr>
             <a:spLocks noGrp="1"/>
           </p:cNvSpPr>
@@ -292,13 +270,7 @@
       </p:sp>
       <p:sp>
         <p:nvSpPr>
-          <p:cNvPr id="6" name="Slide Number Placeholder 5">
-            <a:extLst>
-              <a:ext uri="{FF2B5EF4-FFF2-40B4-BE49-F238E27FC236}">
-                <a16:creationId xmlns:a16="http://schemas.microsoft.com/office/drawing/2014/main" id="{502017F6-9767-1D7D-ABA5-1B79BC330724}"/>
-              </a:ext>
-            </a:extLst>
-          </p:cNvPr>
+          <p:cNvPr id="6" name="Slide Number Placeholder 5"/>
           <p:cNvSpPr>
             <a:spLocks noGrp="1"/>
           </p:cNvSpPr>
@@ -322,7 +294,7 @@
     </p:spTree>
     <p:extLst>
       <p:ext uri="{BB962C8B-B14F-4D97-AF65-F5344CB8AC3E}">
-        <p14:creationId xmlns:p14="http://schemas.microsoft.com/office/powerpoint/2010/main" val="1162483734"/>
+        <p14:creationId xmlns:p14="http://schemas.microsoft.com/office/powerpoint/2010/main" val="2576929548"/>
       </p:ext>
     </p:extLst>
   </p:cSld>
@@ -351,13 +323,7 @@
       </p:grpSpPr>
       <p:sp>
         <p:nvSpPr>
-          <p:cNvPr id="2" name="Title 1">
-            <a:extLst>
-              <a:ext uri="{FF2B5EF4-FFF2-40B4-BE49-F238E27FC236}">
-                <a16:creationId xmlns:a16="http://schemas.microsoft.com/office/drawing/2014/main" id="{01B02743-AD94-D3A4-4A7A-683A9F3E17B4}"/>
-              </a:ext>
-            </a:extLst>
-          </p:cNvPr>
+          <p:cNvPr id="2" name="Title 1"/>
           <p:cNvSpPr>
             <a:spLocks noGrp="1"/>
           </p:cNvSpPr>
@@ -374,18 +340,13 @@
               <a:rPr lang="en-US"/>
               <a:t>Click to edit Master title style</a:t>
             </a:r>
+            <a:endParaRPr lang="en-US" dirty="0"/>
           </a:p>
         </p:txBody>
       </p:sp>
       <p:sp>
         <p:nvSpPr>
-          <p:cNvPr id="3" name="Vertical Text Placeholder 2">
-            <a:extLst>
-              <a:ext uri="{FF2B5EF4-FFF2-40B4-BE49-F238E27FC236}">
-                <a16:creationId xmlns:a16="http://schemas.microsoft.com/office/drawing/2014/main" id="{00F6E6D3-E95A-FA79-0898-F71CF35663D4}"/>
-              </a:ext>
-            </a:extLst>
-          </p:cNvPr>
+          <p:cNvPr id="3" name="Vertical Text Placeholder 2"/>
           <p:cNvSpPr>
             <a:spLocks noGrp="1"/>
           </p:cNvSpPr>
@@ -431,18 +392,13 @@
               <a:rPr lang="en-US"/>
               <a:t>Fifth level</a:t>
             </a:r>
+            <a:endParaRPr lang="en-US" dirty="0"/>
           </a:p>
         </p:txBody>
       </p:sp>
       <p:sp>
         <p:nvSpPr>
-          <p:cNvPr id="4" name="Date Placeholder 3">
-            <a:extLst>
-              <a:ext uri="{FF2B5EF4-FFF2-40B4-BE49-F238E27FC236}">
-                <a16:creationId xmlns:a16="http://schemas.microsoft.com/office/drawing/2014/main" id="{EB896ADA-0E9A-174B-177D-7F2C506893BB}"/>
-              </a:ext>
-            </a:extLst>
-          </p:cNvPr>
+          <p:cNvPr id="4" name="Date Placeholder 3"/>
           <p:cNvSpPr>
             <a:spLocks noGrp="1"/>
           </p:cNvSpPr>
@@ -457,7 +413,7 @@
           <a:p>
             <a:fld id="{52D9B48A-4DDE-4515-A7B7-36377E7345FC}" type="datetimeFigureOut">
               <a:rPr lang="en-US" smtClean="0"/>
-              <a:t>6/5/2024</a:t>
+              <a:t>6/12/2024</a:t>
             </a:fld>
             <a:endParaRPr lang="en-US"/>
           </a:p>
@@ -465,13 +421,7 @@
       </p:sp>
       <p:sp>
         <p:nvSpPr>
-          <p:cNvPr id="5" name="Footer Placeholder 4">
-            <a:extLst>
-              <a:ext uri="{FF2B5EF4-FFF2-40B4-BE49-F238E27FC236}">
-                <a16:creationId xmlns:a16="http://schemas.microsoft.com/office/drawing/2014/main" id="{47CC4D60-1277-66E4-1959-29462278CBFA}"/>
-              </a:ext>
-            </a:extLst>
-          </p:cNvPr>
+          <p:cNvPr id="5" name="Footer Placeholder 4"/>
           <p:cNvSpPr>
             <a:spLocks noGrp="1"/>
           </p:cNvSpPr>
@@ -490,13 +440,7 @@
       </p:sp>
       <p:sp>
         <p:nvSpPr>
-          <p:cNvPr id="6" name="Slide Number Placeholder 5">
-            <a:extLst>
-              <a:ext uri="{FF2B5EF4-FFF2-40B4-BE49-F238E27FC236}">
-                <a16:creationId xmlns:a16="http://schemas.microsoft.com/office/drawing/2014/main" id="{60D7252D-EDB3-E873-A546-0BAA894EA3C3}"/>
-              </a:ext>
-            </a:extLst>
-          </p:cNvPr>
+          <p:cNvPr id="6" name="Slide Number Placeholder 5"/>
           <p:cNvSpPr>
             <a:spLocks noGrp="1"/>
           </p:cNvSpPr>
@@ -520,7 +464,7 @@
     </p:spTree>
     <p:extLst>
       <p:ext uri="{BB962C8B-B14F-4D97-AF65-F5344CB8AC3E}">
-        <p14:creationId xmlns:p14="http://schemas.microsoft.com/office/powerpoint/2010/main" val="275112966"/>
+        <p14:creationId xmlns:p14="http://schemas.microsoft.com/office/powerpoint/2010/main" val="1669328394"/>
       </p:ext>
     </p:extLst>
   </p:cSld>
@@ -549,13 +493,7 @@
       </p:grpSpPr>
       <p:sp>
         <p:nvSpPr>
-          <p:cNvPr id="2" name="Vertical Title 1">
-            <a:extLst>
-              <a:ext uri="{FF2B5EF4-FFF2-40B4-BE49-F238E27FC236}">
-                <a16:creationId xmlns:a16="http://schemas.microsoft.com/office/drawing/2014/main" id="{F0E08CCB-4999-AECB-3ACD-E579303D56C0}"/>
-              </a:ext>
-            </a:extLst>
-          </p:cNvPr>
+          <p:cNvPr id="2" name="Vertical Title 1"/>
           <p:cNvSpPr>
             <a:spLocks noGrp="1"/>
           </p:cNvSpPr>
@@ -565,8 +503,8 @@
         </p:nvSpPr>
         <p:spPr>
           <a:xfrm>
-            <a:off x="8724900" y="365125"/>
-            <a:ext cx="2628900" cy="5811838"/>
+            <a:off x="8506777" y="365125"/>
+            <a:ext cx="2563178" cy="5811838"/>
           </a:xfrm>
         </p:spPr>
         <p:txBody>
@@ -577,18 +515,13 @@
               <a:rPr lang="en-US"/>
               <a:t>Click to edit Master title style</a:t>
             </a:r>
+            <a:endParaRPr lang="en-US" dirty="0"/>
           </a:p>
         </p:txBody>
       </p:sp>
       <p:sp>
         <p:nvSpPr>
-          <p:cNvPr id="3" name="Vertical Text Placeholder 2">
-            <a:extLst>
-              <a:ext uri="{FF2B5EF4-FFF2-40B4-BE49-F238E27FC236}">
-                <a16:creationId xmlns:a16="http://schemas.microsoft.com/office/drawing/2014/main" id="{4AA22801-4AF1-5B68-E53C-10762D034D67}"/>
-              </a:ext>
-            </a:extLst>
-          </p:cNvPr>
+          <p:cNvPr id="3" name="Vertical Text Placeholder 2"/>
           <p:cNvSpPr>
             <a:spLocks noGrp="1"/>
           </p:cNvSpPr>
@@ -598,8 +531,8 @@
         </p:nvSpPr>
         <p:spPr>
           <a:xfrm>
-            <a:off x="838200" y="365125"/>
-            <a:ext cx="7734300" cy="5811838"/>
+            <a:off x="817245" y="365125"/>
+            <a:ext cx="7540943" cy="5811838"/>
           </a:xfrm>
         </p:spPr>
         <p:txBody>
@@ -639,18 +572,13 @@
               <a:rPr lang="en-US"/>
               <a:t>Fifth level</a:t>
             </a:r>
+            <a:endParaRPr lang="en-US" dirty="0"/>
           </a:p>
         </p:txBody>
       </p:sp>
       <p:sp>
         <p:nvSpPr>
-          <p:cNvPr id="4" name="Date Placeholder 3">
-            <a:extLst>
-              <a:ext uri="{FF2B5EF4-FFF2-40B4-BE49-F238E27FC236}">
-                <a16:creationId xmlns:a16="http://schemas.microsoft.com/office/drawing/2014/main" id="{BBC07581-0AB6-B1C1-8E19-E3334AACCCF7}"/>
-              </a:ext>
-            </a:extLst>
-          </p:cNvPr>
+          <p:cNvPr id="4" name="Date Placeholder 3"/>
           <p:cNvSpPr>
             <a:spLocks noGrp="1"/>
           </p:cNvSpPr>
@@ -665,7 +593,7 @@
           <a:p>
             <a:fld id="{52D9B48A-4DDE-4515-A7B7-36377E7345FC}" type="datetimeFigureOut">
               <a:rPr lang="en-US" smtClean="0"/>
-              <a:t>6/5/2024</a:t>
+              <a:t>6/12/2024</a:t>
             </a:fld>
             <a:endParaRPr lang="en-US"/>
           </a:p>
@@ -673,13 +601,7 @@
       </p:sp>
       <p:sp>
         <p:nvSpPr>
-          <p:cNvPr id="5" name="Footer Placeholder 4">
-            <a:extLst>
-              <a:ext uri="{FF2B5EF4-FFF2-40B4-BE49-F238E27FC236}">
-                <a16:creationId xmlns:a16="http://schemas.microsoft.com/office/drawing/2014/main" id="{A5F724D5-D50D-AEE7-DBBA-87725629F6BE}"/>
-              </a:ext>
-            </a:extLst>
-          </p:cNvPr>
+          <p:cNvPr id="5" name="Footer Placeholder 4"/>
           <p:cNvSpPr>
             <a:spLocks noGrp="1"/>
           </p:cNvSpPr>
@@ -698,13 +620,7 @@
       </p:sp>
       <p:sp>
         <p:nvSpPr>
-          <p:cNvPr id="6" name="Slide Number Placeholder 5">
-            <a:extLst>
-              <a:ext uri="{FF2B5EF4-FFF2-40B4-BE49-F238E27FC236}">
-                <a16:creationId xmlns:a16="http://schemas.microsoft.com/office/drawing/2014/main" id="{2EDC8407-F0D7-CAA8-ECC6-6B61C72EF86D}"/>
-              </a:ext>
-            </a:extLst>
-          </p:cNvPr>
+          <p:cNvPr id="6" name="Slide Number Placeholder 5"/>
           <p:cNvSpPr>
             <a:spLocks noGrp="1"/>
           </p:cNvSpPr>
@@ -728,7 +644,7 @@
     </p:spTree>
     <p:extLst>
       <p:ext uri="{BB962C8B-B14F-4D97-AF65-F5344CB8AC3E}">
-        <p14:creationId xmlns:p14="http://schemas.microsoft.com/office/powerpoint/2010/main" val="4250151896"/>
+        <p14:creationId xmlns:p14="http://schemas.microsoft.com/office/powerpoint/2010/main" val="2476729617"/>
       </p:ext>
     </p:extLst>
   </p:cSld>
@@ -757,13 +673,7 @@
       </p:grpSpPr>
       <p:sp>
         <p:nvSpPr>
-          <p:cNvPr id="2" name="Title 1">
-            <a:extLst>
-              <a:ext uri="{FF2B5EF4-FFF2-40B4-BE49-F238E27FC236}">
-                <a16:creationId xmlns:a16="http://schemas.microsoft.com/office/drawing/2014/main" id="{260E0B88-D720-6014-FBD5-9E6923B63DFA}"/>
-              </a:ext>
-            </a:extLst>
-          </p:cNvPr>
+          <p:cNvPr id="2" name="Title 1"/>
           <p:cNvSpPr>
             <a:spLocks noGrp="1"/>
           </p:cNvSpPr>
@@ -780,18 +690,13 @@
               <a:rPr lang="en-US"/>
               <a:t>Click to edit Master title style</a:t>
             </a:r>
+            <a:endParaRPr lang="en-US" dirty="0"/>
           </a:p>
         </p:txBody>
       </p:sp>
       <p:sp>
         <p:nvSpPr>
-          <p:cNvPr id="3" name="Content Placeholder 2">
-            <a:extLst>
-              <a:ext uri="{FF2B5EF4-FFF2-40B4-BE49-F238E27FC236}">
-                <a16:creationId xmlns:a16="http://schemas.microsoft.com/office/drawing/2014/main" id="{9982AF82-DBBA-4EB2-4D87-918101F95417}"/>
-              </a:ext>
-            </a:extLst>
-          </p:cNvPr>
+          <p:cNvPr id="3" name="Content Placeholder 2"/>
           <p:cNvSpPr>
             <a:spLocks noGrp="1"/>
           </p:cNvSpPr>
@@ -837,18 +742,13 @@
               <a:rPr lang="en-US"/>
               <a:t>Fifth level</a:t>
             </a:r>
+            <a:endParaRPr lang="en-US" dirty="0"/>
           </a:p>
         </p:txBody>
       </p:sp>
       <p:sp>
         <p:nvSpPr>
-          <p:cNvPr id="4" name="Date Placeholder 3">
-            <a:extLst>
-              <a:ext uri="{FF2B5EF4-FFF2-40B4-BE49-F238E27FC236}">
-                <a16:creationId xmlns:a16="http://schemas.microsoft.com/office/drawing/2014/main" id="{8A50C6D3-1227-30F2-1D6C-F92B3FCCD05D}"/>
-              </a:ext>
-            </a:extLst>
-          </p:cNvPr>
+          <p:cNvPr id="4" name="Date Placeholder 3"/>
           <p:cNvSpPr>
             <a:spLocks noGrp="1"/>
           </p:cNvSpPr>
@@ -863,7 +763,7 @@
           <a:p>
             <a:fld id="{52D9B48A-4DDE-4515-A7B7-36377E7345FC}" type="datetimeFigureOut">
               <a:rPr lang="en-US" smtClean="0"/>
-              <a:t>6/5/2024</a:t>
+              <a:t>6/12/2024</a:t>
             </a:fld>
             <a:endParaRPr lang="en-US"/>
           </a:p>
@@ -871,13 +771,7 @@
       </p:sp>
       <p:sp>
         <p:nvSpPr>
-          <p:cNvPr id="5" name="Footer Placeholder 4">
-            <a:extLst>
-              <a:ext uri="{FF2B5EF4-FFF2-40B4-BE49-F238E27FC236}">
-                <a16:creationId xmlns:a16="http://schemas.microsoft.com/office/drawing/2014/main" id="{B4C8C061-3E8B-842D-5F13-94341BB940A2}"/>
-              </a:ext>
-            </a:extLst>
-          </p:cNvPr>
+          <p:cNvPr id="5" name="Footer Placeholder 4"/>
           <p:cNvSpPr>
             <a:spLocks noGrp="1"/>
           </p:cNvSpPr>
@@ -896,13 +790,7 @@
       </p:sp>
       <p:sp>
         <p:nvSpPr>
-          <p:cNvPr id="6" name="Slide Number Placeholder 5">
-            <a:extLst>
-              <a:ext uri="{FF2B5EF4-FFF2-40B4-BE49-F238E27FC236}">
-                <a16:creationId xmlns:a16="http://schemas.microsoft.com/office/drawing/2014/main" id="{C593885B-9745-3830-F301-CF5A6C35F61D}"/>
-              </a:ext>
-            </a:extLst>
-          </p:cNvPr>
+          <p:cNvPr id="6" name="Slide Number Placeholder 5"/>
           <p:cNvSpPr>
             <a:spLocks noGrp="1"/>
           </p:cNvSpPr>
@@ -926,7 +814,7 @@
     </p:spTree>
     <p:extLst>
       <p:ext uri="{BB962C8B-B14F-4D97-AF65-F5344CB8AC3E}">
-        <p14:creationId xmlns:p14="http://schemas.microsoft.com/office/powerpoint/2010/main" val="2314652056"/>
+        <p14:creationId xmlns:p14="http://schemas.microsoft.com/office/powerpoint/2010/main" val="920707261"/>
       </p:ext>
     </p:extLst>
   </p:cSld>
@@ -955,13 +843,7 @@
       </p:grpSpPr>
       <p:sp>
         <p:nvSpPr>
-          <p:cNvPr id="2" name="Title 1">
-            <a:extLst>
-              <a:ext uri="{FF2B5EF4-FFF2-40B4-BE49-F238E27FC236}">
-                <a16:creationId xmlns:a16="http://schemas.microsoft.com/office/drawing/2014/main" id="{A54A99CE-592E-EC36-991D-BBDAC9900109}"/>
-              </a:ext>
-            </a:extLst>
-          </p:cNvPr>
+          <p:cNvPr id="2" name="Title 1"/>
           <p:cNvSpPr>
             <a:spLocks noGrp="1"/>
           </p:cNvSpPr>
@@ -971,15 +853,15 @@
         </p:nvSpPr>
         <p:spPr>
           <a:xfrm>
-            <a:off x="831850" y="1709738"/>
-            <a:ext cx="10515600" cy="2852737"/>
+            <a:off x="811054" y="1709739"/>
+            <a:ext cx="10252710" cy="2852737"/>
           </a:xfrm>
         </p:spPr>
         <p:txBody>
           <a:bodyPr anchor="b"/>
           <a:lstStyle>
             <a:lvl1pPr>
-              <a:defRPr sz="6000"/>
+              <a:defRPr sz="5850"/>
             </a:lvl1pPr>
           </a:lstStyle>
           <a:p>
@@ -987,18 +869,13 @@
               <a:rPr lang="en-US"/>
               <a:t>Click to edit Master title style</a:t>
             </a:r>
+            <a:endParaRPr lang="en-US" dirty="0"/>
           </a:p>
         </p:txBody>
       </p:sp>
       <p:sp>
         <p:nvSpPr>
-          <p:cNvPr id="3" name="Text Placeholder 2">
-            <a:extLst>
-              <a:ext uri="{FF2B5EF4-FFF2-40B4-BE49-F238E27FC236}">
-                <a16:creationId xmlns:a16="http://schemas.microsoft.com/office/drawing/2014/main" id="{85C7412E-7B8F-D062-7A15-35429D2B668E}"/>
-              </a:ext>
-            </a:extLst>
-          </p:cNvPr>
+          <p:cNvPr id="3" name="Text Placeholder 2"/>
           <p:cNvSpPr>
             <a:spLocks noGrp="1"/>
           </p:cNvSpPr>
@@ -1008,8 +885,8 @@
         </p:nvSpPr>
         <p:spPr>
           <a:xfrm>
-            <a:off x="831850" y="4589463"/>
-            <a:ext cx="10515600" cy="1500187"/>
+            <a:off x="811054" y="4589464"/>
+            <a:ext cx="10252710" cy="1500187"/>
           </a:xfrm>
         </p:spPr>
         <p:txBody>
@@ -1017,7 +894,7 @@
           <a:lstStyle>
             <a:lvl1pPr marL="0" indent="0">
               <a:buNone/>
-              <a:defRPr sz="2400">
+              <a:defRPr sz="2340">
                 <a:solidFill>
                   <a:schemeClr val="tx1">
                     <a:tint val="82000"/>
@@ -1025,9 +902,9 @@
                 </a:solidFill>
               </a:defRPr>
             </a:lvl1pPr>
-            <a:lvl2pPr marL="457200" indent="0">
+            <a:lvl2pPr marL="445770" indent="0">
               <a:buNone/>
-              <a:defRPr sz="2000">
+              <a:defRPr sz="1950">
                 <a:solidFill>
                   <a:schemeClr val="tx1">
                     <a:tint val="82000"/>
@@ -1035,9 +912,9 @@
                 </a:solidFill>
               </a:defRPr>
             </a:lvl2pPr>
-            <a:lvl3pPr marL="914400" indent="0">
+            <a:lvl3pPr marL="891540" indent="0">
               <a:buNone/>
-              <a:defRPr sz="1800">
+              <a:defRPr sz="1755">
                 <a:solidFill>
                   <a:schemeClr val="tx1">
                     <a:tint val="82000"/>
@@ -1045,9 +922,9 @@
                 </a:solidFill>
               </a:defRPr>
             </a:lvl3pPr>
-            <a:lvl4pPr marL="1371600" indent="0">
+            <a:lvl4pPr marL="1337310" indent="0">
               <a:buNone/>
-              <a:defRPr sz="1600">
+              <a:defRPr sz="1560">
                 <a:solidFill>
                   <a:schemeClr val="tx1">
                     <a:tint val="82000"/>
@@ -1055,9 +932,9 @@
                 </a:solidFill>
               </a:defRPr>
             </a:lvl4pPr>
-            <a:lvl5pPr marL="1828800" indent="0">
+            <a:lvl5pPr marL="1783080" indent="0">
               <a:buNone/>
-              <a:defRPr sz="1600">
+              <a:defRPr sz="1560">
                 <a:solidFill>
                   <a:schemeClr val="tx1">
                     <a:tint val="82000"/>
@@ -1065,9 +942,9 @@
                 </a:solidFill>
               </a:defRPr>
             </a:lvl5pPr>
-            <a:lvl6pPr marL="2286000" indent="0">
+            <a:lvl6pPr marL="2228850" indent="0">
               <a:buNone/>
-              <a:defRPr sz="1600">
+              <a:defRPr sz="1560">
                 <a:solidFill>
                   <a:schemeClr val="tx1">
                     <a:tint val="82000"/>
@@ -1075,9 +952,9 @@
                 </a:solidFill>
               </a:defRPr>
             </a:lvl6pPr>
-            <a:lvl7pPr marL="2743200" indent="0">
+            <a:lvl7pPr marL="2674620" indent="0">
               <a:buNone/>
-              <a:defRPr sz="1600">
+              <a:defRPr sz="1560">
                 <a:solidFill>
                   <a:schemeClr val="tx1">
                     <a:tint val="82000"/>
@@ -1085,9 +962,9 @@
                 </a:solidFill>
               </a:defRPr>
             </a:lvl7pPr>
-            <a:lvl8pPr marL="3200400" indent="0">
+            <a:lvl8pPr marL="3120390" indent="0">
               <a:buNone/>
-              <a:defRPr sz="1600">
+              <a:defRPr sz="1560">
                 <a:solidFill>
                   <a:schemeClr val="tx1">
                     <a:tint val="82000"/>
@@ -1095,9 +972,9 @@
                 </a:solidFill>
               </a:defRPr>
             </a:lvl8pPr>
-            <a:lvl9pPr marL="3657600" indent="0">
+            <a:lvl9pPr marL="3566160" indent="0">
               <a:buNone/>
-              <a:defRPr sz="1600">
+              <a:defRPr sz="1560">
                 <a:solidFill>
                   <a:schemeClr val="tx1">
                     <a:tint val="82000"/>
@@ -1117,13 +994,7 @@
       </p:sp>
       <p:sp>
         <p:nvSpPr>
-          <p:cNvPr id="4" name="Date Placeholder 3">
-            <a:extLst>
-              <a:ext uri="{FF2B5EF4-FFF2-40B4-BE49-F238E27FC236}">
-                <a16:creationId xmlns:a16="http://schemas.microsoft.com/office/drawing/2014/main" id="{DE5A9695-37CA-4DF0-7B81-5C6EC8F4E2DD}"/>
-              </a:ext>
-            </a:extLst>
-          </p:cNvPr>
+          <p:cNvPr id="4" name="Date Placeholder 3"/>
           <p:cNvSpPr>
             <a:spLocks noGrp="1"/>
           </p:cNvSpPr>
@@ -1138,7 +1009,7 @@
           <a:p>
             <a:fld id="{52D9B48A-4DDE-4515-A7B7-36377E7345FC}" type="datetimeFigureOut">
               <a:rPr lang="en-US" smtClean="0"/>
-              <a:t>6/5/2024</a:t>
+              <a:t>6/12/2024</a:t>
             </a:fld>
             <a:endParaRPr lang="en-US"/>
           </a:p>
@@ -1146,13 +1017,7 @@
       </p:sp>
       <p:sp>
         <p:nvSpPr>
-          <p:cNvPr id="5" name="Footer Placeholder 4">
-            <a:extLst>
-              <a:ext uri="{FF2B5EF4-FFF2-40B4-BE49-F238E27FC236}">
-                <a16:creationId xmlns:a16="http://schemas.microsoft.com/office/drawing/2014/main" id="{A4335C4F-C388-4D9A-35CD-408501F86112}"/>
-              </a:ext>
-            </a:extLst>
-          </p:cNvPr>
+          <p:cNvPr id="5" name="Footer Placeholder 4"/>
           <p:cNvSpPr>
             <a:spLocks noGrp="1"/>
           </p:cNvSpPr>
@@ -1171,13 +1036,7 @@
       </p:sp>
       <p:sp>
         <p:nvSpPr>
-          <p:cNvPr id="6" name="Slide Number Placeholder 5">
-            <a:extLst>
-              <a:ext uri="{FF2B5EF4-FFF2-40B4-BE49-F238E27FC236}">
-                <a16:creationId xmlns:a16="http://schemas.microsoft.com/office/drawing/2014/main" id="{957FB228-608F-47BF-7DE0-35EEA9750B92}"/>
-              </a:ext>
-            </a:extLst>
-          </p:cNvPr>
+          <p:cNvPr id="6" name="Slide Number Placeholder 5"/>
           <p:cNvSpPr>
             <a:spLocks noGrp="1"/>
           </p:cNvSpPr>
@@ -1201,7 +1060,7 @@
     </p:spTree>
     <p:extLst>
       <p:ext uri="{BB962C8B-B14F-4D97-AF65-F5344CB8AC3E}">
-        <p14:creationId xmlns:p14="http://schemas.microsoft.com/office/powerpoint/2010/main" val="3942155459"/>
+        <p14:creationId xmlns:p14="http://schemas.microsoft.com/office/powerpoint/2010/main" val="2915745032"/>
       </p:ext>
     </p:extLst>
   </p:cSld>
@@ -1230,13 +1089,7 @@
       </p:grpSpPr>
       <p:sp>
         <p:nvSpPr>
-          <p:cNvPr id="2" name="Title 1">
-            <a:extLst>
-              <a:ext uri="{FF2B5EF4-FFF2-40B4-BE49-F238E27FC236}">
-                <a16:creationId xmlns:a16="http://schemas.microsoft.com/office/drawing/2014/main" id="{693BE042-E5D7-8948-253E-CBEF7B3C8F48}"/>
-              </a:ext>
-            </a:extLst>
-          </p:cNvPr>
+          <p:cNvPr id="2" name="Title 1"/>
           <p:cNvSpPr>
             <a:spLocks noGrp="1"/>
           </p:cNvSpPr>
@@ -1253,18 +1106,13 @@
               <a:rPr lang="en-US"/>
               <a:t>Click to edit Master title style</a:t>
             </a:r>
+            <a:endParaRPr lang="en-US" dirty="0"/>
           </a:p>
         </p:txBody>
       </p:sp>
       <p:sp>
         <p:nvSpPr>
-          <p:cNvPr id="3" name="Content Placeholder 2">
-            <a:extLst>
-              <a:ext uri="{FF2B5EF4-FFF2-40B4-BE49-F238E27FC236}">
-                <a16:creationId xmlns:a16="http://schemas.microsoft.com/office/drawing/2014/main" id="{BBB8918C-C73D-5CAA-20B6-52E18BAF9B39}"/>
-              </a:ext>
-            </a:extLst>
-          </p:cNvPr>
+          <p:cNvPr id="3" name="Content Placeholder 2"/>
           <p:cNvSpPr>
             <a:spLocks noGrp="1"/>
           </p:cNvSpPr>
@@ -1274,8 +1122,8 @@
         </p:nvSpPr>
         <p:spPr>
           <a:xfrm>
-            <a:off x="838200" y="1825625"/>
-            <a:ext cx="5181600" cy="4351338"/>
+            <a:off x="817245" y="1825625"/>
+            <a:ext cx="5052060" cy="4351338"/>
           </a:xfrm>
         </p:spPr>
         <p:txBody>
@@ -1315,18 +1163,13 @@
               <a:rPr lang="en-US"/>
               <a:t>Fifth level</a:t>
             </a:r>
+            <a:endParaRPr lang="en-US" dirty="0"/>
           </a:p>
         </p:txBody>
       </p:sp>
       <p:sp>
         <p:nvSpPr>
-          <p:cNvPr id="4" name="Content Placeholder 3">
-            <a:extLst>
-              <a:ext uri="{FF2B5EF4-FFF2-40B4-BE49-F238E27FC236}">
-                <a16:creationId xmlns:a16="http://schemas.microsoft.com/office/drawing/2014/main" id="{B710AECA-D488-062B-0742-16B3D8666141}"/>
-              </a:ext>
-            </a:extLst>
-          </p:cNvPr>
+          <p:cNvPr id="4" name="Content Placeholder 3"/>
           <p:cNvSpPr>
             <a:spLocks noGrp="1"/>
           </p:cNvSpPr>
@@ -1336,8 +1179,8 @@
         </p:nvSpPr>
         <p:spPr>
           <a:xfrm>
-            <a:off x="6172200" y="1825625"/>
-            <a:ext cx="5181600" cy="4351338"/>
+            <a:off x="6017895" y="1825625"/>
+            <a:ext cx="5052060" cy="4351338"/>
           </a:xfrm>
         </p:spPr>
         <p:txBody>
@@ -1377,18 +1220,13 @@
               <a:rPr lang="en-US"/>
               <a:t>Fifth level</a:t>
             </a:r>
+            <a:endParaRPr lang="en-US" dirty="0"/>
           </a:p>
         </p:txBody>
       </p:sp>
       <p:sp>
         <p:nvSpPr>
-          <p:cNvPr id="5" name="Date Placeholder 4">
-            <a:extLst>
-              <a:ext uri="{FF2B5EF4-FFF2-40B4-BE49-F238E27FC236}">
-                <a16:creationId xmlns:a16="http://schemas.microsoft.com/office/drawing/2014/main" id="{9C92849F-786E-B162-9EE8-D65252175F7E}"/>
-              </a:ext>
-            </a:extLst>
-          </p:cNvPr>
+          <p:cNvPr id="5" name="Date Placeholder 4"/>
           <p:cNvSpPr>
             <a:spLocks noGrp="1"/>
           </p:cNvSpPr>
@@ -1403,7 +1241,7 @@
           <a:p>
             <a:fld id="{52D9B48A-4DDE-4515-A7B7-36377E7345FC}" type="datetimeFigureOut">
               <a:rPr lang="en-US" smtClean="0"/>
-              <a:t>6/5/2024</a:t>
+              <a:t>6/12/2024</a:t>
             </a:fld>
             <a:endParaRPr lang="en-US"/>
           </a:p>
@@ -1411,13 +1249,7 @@
       </p:sp>
       <p:sp>
         <p:nvSpPr>
-          <p:cNvPr id="6" name="Footer Placeholder 5">
-            <a:extLst>
-              <a:ext uri="{FF2B5EF4-FFF2-40B4-BE49-F238E27FC236}">
-                <a16:creationId xmlns:a16="http://schemas.microsoft.com/office/drawing/2014/main" id="{D0C58BBB-A6CD-1536-A663-3D6CB036F4DE}"/>
-              </a:ext>
-            </a:extLst>
-          </p:cNvPr>
+          <p:cNvPr id="6" name="Footer Placeholder 5"/>
           <p:cNvSpPr>
             <a:spLocks noGrp="1"/>
           </p:cNvSpPr>
@@ -1436,13 +1268,7 @@
       </p:sp>
       <p:sp>
         <p:nvSpPr>
-          <p:cNvPr id="7" name="Slide Number Placeholder 6">
-            <a:extLst>
-              <a:ext uri="{FF2B5EF4-FFF2-40B4-BE49-F238E27FC236}">
-                <a16:creationId xmlns:a16="http://schemas.microsoft.com/office/drawing/2014/main" id="{36FC9628-98E4-E7BF-A32A-5F75254D7323}"/>
-              </a:ext>
-            </a:extLst>
-          </p:cNvPr>
+          <p:cNvPr id="7" name="Slide Number Placeholder 6"/>
           <p:cNvSpPr>
             <a:spLocks noGrp="1"/>
           </p:cNvSpPr>
@@ -1466,7 +1292,7 @@
     </p:spTree>
     <p:extLst>
       <p:ext uri="{BB962C8B-B14F-4D97-AF65-F5344CB8AC3E}">
-        <p14:creationId xmlns:p14="http://schemas.microsoft.com/office/powerpoint/2010/main" val="3866422536"/>
+        <p14:creationId xmlns:p14="http://schemas.microsoft.com/office/powerpoint/2010/main" val="2765597166"/>
       </p:ext>
     </p:extLst>
   </p:cSld>
@@ -1495,13 +1321,7 @@
       </p:grpSpPr>
       <p:sp>
         <p:nvSpPr>
-          <p:cNvPr id="2" name="Title 1">
-            <a:extLst>
-              <a:ext uri="{FF2B5EF4-FFF2-40B4-BE49-F238E27FC236}">
-                <a16:creationId xmlns:a16="http://schemas.microsoft.com/office/drawing/2014/main" id="{DF17EE67-EBD4-2BB5-D7A8-72F43EF1BBB2}"/>
-              </a:ext>
-            </a:extLst>
-          </p:cNvPr>
+          <p:cNvPr id="2" name="Title 1"/>
           <p:cNvSpPr>
             <a:spLocks noGrp="1"/>
           </p:cNvSpPr>
@@ -1511,8 +1331,8 @@
         </p:nvSpPr>
         <p:spPr>
           <a:xfrm>
-            <a:off x="839788" y="365125"/>
-            <a:ext cx="10515600" cy="1325563"/>
+            <a:off x="818793" y="365126"/>
+            <a:ext cx="10252710" cy="1325563"/>
           </a:xfrm>
         </p:spPr>
         <p:txBody>
@@ -1523,18 +1343,13 @@
               <a:rPr lang="en-US"/>
               <a:t>Click to edit Master title style</a:t>
             </a:r>
+            <a:endParaRPr lang="en-US" dirty="0"/>
           </a:p>
         </p:txBody>
       </p:sp>
       <p:sp>
         <p:nvSpPr>
-          <p:cNvPr id="3" name="Text Placeholder 2">
-            <a:extLst>
-              <a:ext uri="{FF2B5EF4-FFF2-40B4-BE49-F238E27FC236}">
-                <a16:creationId xmlns:a16="http://schemas.microsoft.com/office/drawing/2014/main" id="{E728E328-1ACC-8D87-D66B-23A5751C48E0}"/>
-              </a:ext>
-            </a:extLst>
-          </p:cNvPr>
+          <p:cNvPr id="3" name="Text Placeholder 2"/>
           <p:cNvSpPr>
             <a:spLocks noGrp="1"/>
           </p:cNvSpPr>
@@ -1544,8 +1359,8 @@
         </p:nvSpPr>
         <p:spPr>
           <a:xfrm>
-            <a:off x="839788" y="1681163"/>
-            <a:ext cx="5157787" cy="823912"/>
+            <a:off x="818794" y="1681163"/>
+            <a:ext cx="5028842" cy="823912"/>
           </a:xfrm>
         </p:spPr>
         <p:txBody>
@@ -1553,39 +1368,39 @@
           <a:lstStyle>
             <a:lvl1pPr marL="0" indent="0">
               <a:buNone/>
-              <a:defRPr sz="2400" b="1"/>
+              <a:defRPr sz="2340" b="1"/>
             </a:lvl1pPr>
-            <a:lvl2pPr marL="457200" indent="0">
+            <a:lvl2pPr marL="445770" indent="0">
               <a:buNone/>
-              <a:defRPr sz="2000" b="1"/>
+              <a:defRPr sz="1950" b="1"/>
             </a:lvl2pPr>
-            <a:lvl3pPr marL="914400" indent="0">
+            <a:lvl3pPr marL="891540" indent="0">
               <a:buNone/>
-              <a:defRPr sz="1800" b="1"/>
+              <a:defRPr sz="1755" b="1"/>
             </a:lvl3pPr>
-            <a:lvl4pPr marL="1371600" indent="0">
+            <a:lvl4pPr marL="1337310" indent="0">
               <a:buNone/>
-              <a:defRPr sz="1600" b="1"/>
+              <a:defRPr sz="1560" b="1"/>
             </a:lvl4pPr>
-            <a:lvl5pPr marL="1828800" indent="0">
+            <a:lvl5pPr marL="1783080" indent="0">
               <a:buNone/>
-              <a:defRPr sz="1600" b="1"/>
+              <a:defRPr sz="1560" b="1"/>
             </a:lvl5pPr>
-            <a:lvl6pPr marL="2286000" indent="0">
+            <a:lvl6pPr marL="2228850" indent="0">
               <a:buNone/>
-              <a:defRPr sz="1600" b="1"/>
+              <a:defRPr sz="1560" b="1"/>
             </a:lvl6pPr>
-            <a:lvl7pPr marL="2743200" indent="0">
+            <a:lvl7pPr marL="2674620" indent="0">
               <a:buNone/>
-              <a:defRPr sz="1600" b="1"/>
+              <a:defRPr sz="1560" b="1"/>
             </a:lvl7pPr>
-            <a:lvl8pPr marL="3200400" indent="0">
+            <a:lvl8pPr marL="3120390" indent="0">
               <a:buNone/>
-              <a:defRPr sz="1600" b="1"/>
+              <a:defRPr sz="1560" b="1"/>
             </a:lvl8pPr>
-            <a:lvl9pPr marL="3657600" indent="0">
+            <a:lvl9pPr marL="3566160" indent="0">
               <a:buNone/>
-              <a:defRPr sz="1600" b="1"/>
+              <a:defRPr sz="1560" b="1"/>
             </a:lvl9pPr>
           </a:lstStyle>
           <a:p>
@@ -1599,13 +1414,7 @@
       </p:sp>
       <p:sp>
         <p:nvSpPr>
-          <p:cNvPr id="4" name="Content Placeholder 3">
-            <a:extLst>
-              <a:ext uri="{FF2B5EF4-FFF2-40B4-BE49-F238E27FC236}">
-                <a16:creationId xmlns:a16="http://schemas.microsoft.com/office/drawing/2014/main" id="{D69FA60E-1A19-4214-0063-4300DF5AC85B}"/>
-              </a:ext>
-            </a:extLst>
-          </p:cNvPr>
+          <p:cNvPr id="4" name="Content Placeholder 3"/>
           <p:cNvSpPr>
             <a:spLocks noGrp="1"/>
           </p:cNvSpPr>
@@ -1615,8 +1424,8 @@
         </p:nvSpPr>
         <p:spPr>
           <a:xfrm>
-            <a:off x="839788" y="2505075"/>
-            <a:ext cx="5157787" cy="3684588"/>
+            <a:off x="818794" y="2505075"/>
+            <a:ext cx="5028842" cy="3684588"/>
           </a:xfrm>
         </p:spPr>
         <p:txBody>
@@ -1656,18 +1465,13 @@
               <a:rPr lang="en-US"/>
               <a:t>Fifth level</a:t>
             </a:r>
+            <a:endParaRPr lang="en-US" dirty="0"/>
           </a:p>
         </p:txBody>
       </p:sp>
       <p:sp>
         <p:nvSpPr>
-          <p:cNvPr id="5" name="Text Placeholder 4">
-            <a:extLst>
-              <a:ext uri="{FF2B5EF4-FFF2-40B4-BE49-F238E27FC236}">
-                <a16:creationId xmlns:a16="http://schemas.microsoft.com/office/drawing/2014/main" id="{0B618C9E-DEA4-72C6-1863-CDE2255CFEAF}"/>
-              </a:ext>
-            </a:extLst>
-          </p:cNvPr>
+          <p:cNvPr id="5" name="Text Placeholder 4"/>
           <p:cNvSpPr>
             <a:spLocks noGrp="1"/>
           </p:cNvSpPr>
@@ -1677,8 +1481,8 @@
         </p:nvSpPr>
         <p:spPr>
           <a:xfrm>
-            <a:off x="6172200" y="1681163"/>
-            <a:ext cx="5183188" cy="823912"/>
+            <a:off x="6017895" y="1681163"/>
+            <a:ext cx="5053608" cy="823912"/>
           </a:xfrm>
         </p:spPr>
         <p:txBody>
@@ -1686,39 +1490,39 @@
           <a:lstStyle>
             <a:lvl1pPr marL="0" indent="0">
               <a:buNone/>
-              <a:defRPr sz="2400" b="1"/>
+              <a:defRPr sz="2340" b="1"/>
             </a:lvl1pPr>
-            <a:lvl2pPr marL="457200" indent="0">
+            <a:lvl2pPr marL="445770" indent="0">
               <a:buNone/>
-              <a:defRPr sz="2000" b="1"/>
+              <a:defRPr sz="1950" b="1"/>
             </a:lvl2pPr>
-            <a:lvl3pPr marL="914400" indent="0">
+            <a:lvl3pPr marL="891540" indent="0">
               <a:buNone/>
-              <a:defRPr sz="1800" b="1"/>
+              <a:defRPr sz="1755" b="1"/>
             </a:lvl3pPr>
-            <a:lvl4pPr marL="1371600" indent="0">
+            <a:lvl4pPr marL="1337310" indent="0">
               <a:buNone/>
-              <a:defRPr sz="1600" b="1"/>
+              <a:defRPr sz="1560" b="1"/>
             </a:lvl4pPr>
-            <a:lvl5pPr marL="1828800" indent="0">
+            <a:lvl5pPr marL="1783080" indent="0">
               <a:buNone/>
-              <a:defRPr sz="1600" b="1"/>
+              <a:defRPr sz="1560" b="1"/>
             </a:lvl5pPr>
-            <a:lvl6pPr marL="2286000" indent="0">
+            <a:lvl6pPr marL="2228850" indent="0">
               <a:buNone/>
-              <a:defRPr sz="1600" b="1"/>
+              <a:defRPr sz="1560" b="1"/>
             </a:lvl6pPr>
-            <a:lvl7pPr marL="2743200" indent="0">
+            <a:lvl7pPr marL="2674620" indent="0">
               <a:buNone/>
-              <a:defRPr sz="1600" b="1"/>
+              <a:defRPr sz="1560" b="1"/>
             </a:lvl7pPr>
-            <a:lvl8pPr marL="3200400" indent="0">
+            <a:lvl8pPr marL="3120390" indent="0">
               <a:buNone/>
-              <a:defRPr sz="1600" b="1"/>
+              <a:defRPr sz="1560" b="1"/>
             </a:lvl8pPr>
-            <a:lvl9pPr marL="3657600" indent="0">
+            <a:lvl9pPr marL="3566160" indent="0">
               <a:buNone/>
-              <a:defRPr sz="1600" b="1"/>
+              <a:defRPr sz="1560" b="1"/>
             </a:lvl9pPr>
           </a:lstStyle>
           <a:p>
@@ -1732,13 +1536,7 @@
       </p:sp>
       <p:sp>
         <p:nvSpPr>
-          <p:cNvPr id="6" name="Content Placeholder 5">
-            <a:extLst>
-              <a:ext uri="{FF2B5EF4-FFF2-40B4-BE49-F238E27FC236}">
-                <a16:creationId xmlns:a16="http://schemas.microsoft.com/office/drawing/2014/main" id="{549D2E90-8D01-8110-5E86-BCEB8B0E334E}"/>
-              </a:ext>
-            </a:extLst>
-          </p:cNvPr>
+          <p:cNvPr id="6" name="Content Placeholder 5"/>
           <p:cNvSpPr>
             <a:spLocks noGrp="1"/>
           </p:cNvSpPr>
@@ -1748,8 +1546,8 @@
         </p:nvSpPr>
         <p:spPr>
           <a:xfrm>
-            <a:off x="6172200" y="2505075"/>
-            <a:ext cx="5183188" cy="3684588"/>
+            <a:off x="6017895" y="2505075"/>
+            <a:ext cx="5053608" cy="3684588"/>
           </a:xfrm>
         </p:spPr>
         <p:txBody>
@@ -1789,18 +1587,13 @@
               <a:rPr lang="en-US"/>
               <a:t>Fifth level</a:t>
             </a:r>
+            <a:endParaRPr lang="en-US" dirty="0"/>
           </a:p>
         </p:txBody>
       </p:sp>
       <p:sp>
         <p:nvSpPr>
-          <p:cNvPr id="7" name="Date Placeholder 6">
-            <a:extLst>
-              <a:ext uri="{FF2B5EF4-FFF2-40B4-BE49-F238E27FC236}">
-                <a16:creationId xmlns:a16="http://schemas.microsoft.com/office/drawing/2014/main" id="{C785BB88-2BD5-FABD-829B-22C05AA516D3}"/>
-              </a:ext>
-            </a:extLst>
-          </p:cNvPr>
+          <p:cNvPr id="7" name="Date Placeholder 6"/>
           <p:cNvSpPr>
             <a:spLocks noGrp="1"/>
           </p:cNvSpPr>
@@ -1815,7 +1608,7 @@
           <a:p>
             <a:fld id="{52D9B48A-4DDE-4515-A7B7-36377E7345FC}" type="datetimeFigureOut">
               <a:rPr lang="en-US" smtClean="0"/>
-              <a:t>6/5/2024</a:t>
+              <a:t>6/12/2024</a:t>
             </a:fld>
             <a:endParaRPr lang="en-US"/>
           </a:p>
@@ -1823,13 +1616,7 @@
       </p:sp>
       <p:sp>
         <p:nvSpPr>
-          <p:cNvPr id="8" name="Footer Placeholder 7">
-            <a:extLst>
-              <a:ext uri="{FF2B5EF4-FFF2-40B4-BE49-F238E27FC236}">
-                <a16:creationId xmlns:a16="http://schemas.microsoft.com/office/drawing/2014/main" id="{B5CB0142-BADF-61B7-DD0C-09AE2AC79190}"/>
-              </a:ext>
-            </a:extLst>
-          </p:cNvPr>
+          <p:cNvPr id="8" name="Footer Placeholder 7"/>
           <p:cNvSpPr>
             <a:spLocks noGrp="1"/>
           </p:cNvSpPr>
@@ -1848,13 +1635,7 @@
       </p:sp>
       <p:sp>
         <p:nvSpPr>
-          <p:cNvPr id="9" name="Slide Number Placeholder 8">
-            <a:extLst>
-              <a:ext uri="{FF2B5EF4-FFF2-40B4-BE49-F238E27FC236}">
-                <a16:creationId xmlns:a16="http://schemas.microsoft.com/office/drawing/2014/main" id="{80F03D5A-59C9-6211-13A4-2C3533A08046}"/>
-              </a:ext>
-            </a:extLst>
-          </p:cNvPr>
+          <p:cNvPr id="9" name="Slide Number Placeholder 8"/>
           <p:cNvSpPr>
             <a:spLocks noGrp="1"/>
           </p:cNvSpPr>
@@ -1878,7 +1659,7 @@
     </p:spTree>
     <p:extLst>
       <p:ext uri="{BB962C8B-B14F-4D97-AF65-F5344CB8AC3E}">
-        <p14:creationId xmlns:p14="http://schemas.microsoft.com/office/powerpoint/2010/main" val="2778675585"/>
+        <p14:creationId xmlns:p14="http://schemas.microsoft.com/office/powerpoint/2010/main" val="536835691"/>
       </p:ext>
     </p:extLst>
   </p:cSld>
@@ -1907,13 +1688,7 @@
       </p:grpSpPr>
       <p:sp>
         <p:nvSpPr>
-          <p:cNvPr id="2" name="Title 1">
-            <a:extLst>
-              <a:ext uri="{FF2B5EF4-FFF2-40B4-BE49-F238E27FC236}">
-                <a16:creationId xmlns:a16="http://schemas.microsoft.com/office/drawing/2014/main" id="{B992EE24-6389-BD29-7330-121DF0996844}"/>
-              </a:ext>
-            </a:extLst>
-          </p:cNvPr>
+          <p:cNvPr id="2" name="Title 1"/>
           <p:cNvSpPr>
             <a:spLocks noGrp="1"/>
           </p:cNvSpPr>
@@ -1930,18 +1705,13 @@
               <a:rPr lang="en-US"/>
               <a:t>Click to edit Master title style</a:t>
             </a:r>
+            <a:endParaRPr lang="en-US" dirty="0"/>
           </a:p>
         </p:txBody>
       </p:sp>
       <p:sp>
         <p:nvSpPr>
-          <p:cNvPr id="3" name="Date Placeholder 2">
-            <a:extLst>
-              <a:ext uri="{FF2B5EF4-FFF2-40B4-BE49-F238E27FC236}">
-                <a16:creationId xmlns:a16="http://schemas.microsoft.com/office/drawing/2014/main" id="{D401E71A-D51D-50B7-B0B8-3061D8C7C482}"/>
-              </a:ext>
-            </a:extLst>
-          </p:cNvPr>
+          <p:cNvPr id="3" name="Date Placeholder 2"/>
           <p:cNvSpPr>
             <a:spLocks noGrp="1"/>
           </p:cNvSpPr>
@@ -1956,7 +1726,7 @@
           <a:p>
             <a:fld id="{52D9B48A-4DDE-4515-A7B7-36377E7345FC}" type="datetimeFigureOut">
               <a:rPr lang="en-US" smtClean="0"/>
-              <a:t>6/5/2024</a:t>
+              <a:t>6/12/2024</a:t>
             </a:fld>
             <a:endParaRPr lang="en-US"/>
           </a:p>
@@ -1964,13 +1734,7 @@
       </p:sp>
       <p:sp>
         <p:nvSpPr>
-          <p:cNvPr id="4" name="Footer Placeholder 3">
-            <a:extLst>
-              <a:ext uri="{FF2B5EF4-FFF2-40B4-BE49-F238E27FC236}">
-                <a16:creationId xmlns:a16="http://schemas.microsoft.com/office/drawing/2014/main" id="{C0B8E15C-5F05-003C-AE88-20E5F1380309}"/>
-              </a:ext>
-            </a:extLst>
-          </p:cNvPr>
+          <p:cNvPr id="4" name="Footer Placeholder 3"/>
           <p:cNvSpPr>
             <a:spLocks noGrp="1"/>
           </p:cNvSpPr>
@@ -1989,13 +1753,7 @@
       </p:sp>
       <p:sp>
         <p:nvSpPr>
-          <p:cNvPr id="5" name="Slide Number Placeholder 4">
-            <a:extLst>
-              <a:ext uri="{FF2B5EF4-FFF2-40B4-BE49-F238E27FC236}">
-                <a16:creationId xmlns:a16="http://schemas.microsoft.com/office/drawing/2014/main" id="{3FFF67BC-4715-2A2B-8D53-0C3EB9490F6F}"/>
-              </a:ext>
-            </a:extLst>
-          </p:cNvPr>
+          <p:cNvPr id="5" name="Slide Number Placeholder 4"/>
           <p:cNvSpPr>
             <a:spLocks noGrp="1"/>
           </p:cNvSpPr>
@@ -2019,7 +1777,7 @@
     </p:spTree>
     <p:extLst>
       <p:ext uri="{BB962C8B-B14F-4D97-AF65-F5344CB8AC3E}">
-        <p14:creationId xmlns:p14="http://schemas.microsoft.com/office/powerpoint/2010/main" val="555293009"/>
+        <p14:creationId xmlns:p14="http://schemas.microsoft.com/office/powerpoint/2010/main" val="2165458408"/>
       </p:ext>
     </p:extLst>
   </p:cSld>
@@ -2048,13 +1806,7 @@
       </p:grpSpPr>
       <p:sp>
         <p:nvSpPr>
-          <p:cNvPr id="2" name="Date Placeholder 1">
-            <a:extLst>
-              <a:ext uri="{FF2B5EF4-FFF2-40B4-BE49-F238E27FC236}">
-                <a16:creationId xmlns:a16="http://schemas.microsoft.com/office/drawing/2014/main" id="{937AD1FC-BE66-A099-7BC5-696304A07172}"/>
-              </a:ext>
-            </a:extLst>
-          </p:cNvPr>
+          <p:cNvPr id="2" name="Date Placeholder 1"/>
           <p:cNvSpPr>
             <a:spLocks noGrp="1"/>
           </p:cNvSpPr>
@@ -2069,7 +1821,7 @@
           <a:p>
             <a:fld id="{52D9B48A-4DDE-4515-A7B7-36377E7345FC}" type="datetimeFigureOut">
               <a:rPr lang="en-US" smtClean="0"/>
-              <a:t>6/5/2024</a:t>
+              <a:t>6/12/2024</a:t>
             </a:fld>
             <a:endParaRPr lang="en-US"/>
           </a:p>
@@ -2077,13 +1829,7 @@
       </p:sp>
       <p:sp>
         <p:nvSpPr>
-          <p:cNvPr id="3" name="Footer Placeholder 2">
-            <a:extLst>
-              <a:ext uri="{FF2B5EF4-FFF2-40B4-BE49-F238E27FC236}">
-                <a16:creationId xmlns:a16="http://schemas.microsoft.com/office/drawing/2014/main" id="{AAD3481A-BFED-F2B9-5F32-F480C87E5736}"/>
-              </a:ext>
-            </a:extLst>
-          </p:cNvPr>
+          <p:cNvPr id="3" name="Footer Placeholder 2"/>
           <p:cNvSpPr>
             <a:spLocks noGrp="1"/>
           </p:cNvSpPr>
@@ -2102,13 +1848,7 @@
       </p:sp>
       <p:sp>
         <p:nvSpPr>
-          <p:cNvPr id="4" name="Slide Number Placeholder 3">
-            <a:extLst>
-              <a:ext uri="{FF2B5EF4-FFF2-40B4-BE49-F238E27FC236}">
-                <a16:creationId xmlns:a16="http://schemas.microsoft.com/office/drawing/2014/main" id="{7742E958-7737-4CA5-8326-E4CA1B224FFA}"/>
-              </a:ext>
-            </a:extLst>
-          </p:cNvPr>
+          <p:cNvPr id="4" name="Slide Number Placeholder 3"/>
           <p:cNvSpPr>
             <a:spLocks noGrp="1"/>
           </p:cNvSpPr>
@@ -2132,7 +1872,7 @@
     </p:spTree>
     <p:extLst>
       <p:ext uri="{BB962C8B-B14F-4D97-AF65-F5344CB8AC3E}">
-        <p14:creationId xmlns:p14="http://schemas.microsoft.com/office/powerpoint/2010/main" val="2558919633"/>
+        <p14:creationId xmlns:p14="http://schemas.microsoft.com/office/powerpoint/2010/main" val="1616714827"/>
       </p:ext>
     </p:extLst>
   </p:cSld>
@@ -2161,13 +1901,7 @@
       </p:grpSpPr>
       <p:sp>
         <p:nvSpPr>
-          <p:cNvPr id="2" name="Title 1">
-            <a:extLst>
-              <a:ext uri="{FF2B5EF4-FFF2-40B4-BE49-F238E27FC236}">
-                <a16:creationId xmlns:a16="http://schemas.microsoft.com/office/drawing/2014/main" id="{F65DE118-5AA3-0585-7484-1B26A78DCAD5}"/>
-              </a:ext>
-            </a:extLst>
-          </p:cNvPr>
+          <p:cNvPr id="2" name="Title 1"/>
           <p:cNvSpPr>
             <a:spLocks noGrp="1"/>
           </p:cNvSpPr>
@@ -2177,15 +1911,15 @@
         </p:nvSpPr>
         <p:spPr>
           <a:xfrm>
-            <a:off x="839788" y="457200"/>
-            <a:ext cx="3932237" cy="1600200"/>
+            <a:off x="818794" y="457200"/>
+            <a:ext cx="3833931" cy="1600200"/>
           </a:xfrm>
         </p:spPr>
         <p:txBody>
           <a:bodyPr anchor="b"/>
           <a:lstStyle>
             <a:lvl1pPr>
-              <a:defRPr sz="3200"/>
+              <a:defRPr sz="3120"/>
             </a:lvl1pPr>
           </a:lstStyle>
           <a:p>
@@ -2193,18 +1927,13 @@
               <a:rPr lang="en-US"/>
               <a:t>Click to edit Master title style</a:t>
             </a:r>
+            <a:endParaRPr lang="en-US" dirty="0"/>
           </a:p>
         </p:txBody>
       </p:sp>
       <p:sp>
         <p:nvSpPr>
-          <p:cNvPr id="3" name="Content Placeholder 2">
-            <a:extLst>
-              <a:ext uri="{FF2B5EF4-FFF2-40B4-BE49-F238E27FC236}">
-                <a16:creationId xmlns:a16="http://schemas.microsoft.com/office/drawing/2014/main" id="{EF03542D-42B9-99D5-B783-A773151E0CE6}"/>
-              </a:ext>
-            </a:extLst>
-          </p:cNvPr>
+          <p:cNvPr id="3" name="Content Placeholder 2"/>
           <p:cNvSpPr>
             <a:spLocks noGrp="1"/>
           </p:cNvSpPr>
@@ -2214,39 +1943,39 @@
         </p:nvSpPr>
         <p:spPr>
           <a:xfrm>
-            <a:off x="5183188" y="987425"/>
-            <a:ext cx="6172200" cy="4873625"/>
+            <a:off x="5053608" y="987426"/>
+            <a:ext cx="6017895" cy="4873625"/>
           </a:xfrm>
         </p:spPr>
         <p:txBody>
           <a:bodyPr/>
           <a:lstStyle>
             <a:lvl1pPr>
-              <a:defRPr sz="3200"/>
+              <a:defRPr sz="3120"/>
             </a:lvl1pPr>
             <a:lvl2pPr>
-              <a:defRPr sz="2800"/>
+              <a:defRPr sz="2730"/>
             </a:lvl2pPr>
             <a:lvl3pPr>
-              <a:defRPr sz="2400"/>
+              <a:defRPr sz="2340"/>
             </a:lvl3pPr>
             <a:lvl4pPr>
-              <a:defRPr sz="2000"/>
+              <a:defRPr sz="1950"/>
             </a:lvl4pPr>
             <a:lvl5pPr>
-              <a:defRPr sz="2000"/>
+              <a:defRPr sz="1950"/>
             </a:lvl5pPr>
             <a:lvl6pPr>
-              <a:defRPr sz="2000"/>
+              <a:defRPr sz="1950"/>
             </a:lvl6pPr>
             <a:lvl7pPr>
-              <a:defRPr sz="2000"/>
+              <a:defRPr sz="1950"/>
             </a:lvl7pPr>
             <a:lvl8pPr>
-              <a:defRPr sz="2000"/>
+              <a:defRPr sz="1950"/>
             </a:lvl8pPr>
             <a:lvl9pPr>
-              <a:defRPr sz="2000"/>
+              <a:defRPr sz="1950"/>
             </a:lvl9pPr>
           </a:lstStyle>
           <a:p>
@@ -2283,18 +2012,13 @@
               <a:rPr lang="en-US"/>
               <a:t>Fifth level</a:t>
             </a:r>
+            <a:endParaRPr lang="en-US" dirty="0"/>
           </a:p>
         </p:txBody>
       </p:sp>
       <p:sp>
         <p:nvSpPr>
-          <p:cNvPr id="4" name="Text Placeholder 3">
-            <a:extLst>
-              <a:ext uri="{FF2B5EF4-FFF2-40B4-BE49-F238E27FC236}">
-                <a16:creationId xmlns:a16="http://schemas.microsoft.com/office/drawing/2014/main" id="{2CF6E035-02C7-5676-7720-A2757C24F1B8}"/>
-              </a:ext>
-            </a:extLst>
-          </p:cNvPr>
+          <p:cNvPr id="4" name="Text Placeholder 3"/>
           <p:cNvSpPr>
             <a:spLocks noGrp="1"/>
           </p:cNvSpPr>
@@ -2304,8 +2028,8 @@
         </p:nvSpPr>
         <p:spPr>
           <a:xfrm>
-            <a:off x="839788" y="2057400"/>
-            <a:ext cx="3932237" cy="3811588"/>
+            <a:off x="818794" y="2057400"/>
+            <a:ext cx="3833931" cy="3811588"/>
           </a:xfrm>
         </p:spPr>
         <p:txBody>
@@ -2313,39 +2037,39 @@
           <a:lstStyle>
             <a:lvl1pPr marL="0" indent="0">
               <a:buNone/>
-              <a:defRPr sz="1600"/>
+              <a:defRPr sz="1560"/>
             </a:lvl1pPr>
-            <a:lvl2pPr marL="457200" indent="0">
+            <a:lvl2pPr marL="445770" indent="0">
               <a:buNone/>
-              <a:defRPr sz="1400"/>
+              <a:defRPr sz="1365"/>
             </a:lvl2pPr>
-            <a:lvl3pPr marL="914400" indent="0">
+            <a:lvl3pPr marL="891540" indent="0">
               <a:buNone/>
-              <a:defRPr sz="1200"/>
+              <a:defRPr sz="1170"/>
             </a:lvl3pPr>
-            <a:lvl4pPr marL="1371600" indent="0">
+            <a:lvl4pPr marL="1337310" indent="0">
               <a:buNone/>
-              <a:defRPr sz="1000"/>
+              <a:defRPr sz="975"/>
             </a:lvl4pPr>
-            <a:lvl5pPr marL="1828800" indent="0">
+            <a:lvl5pPr marL="1783080" indent="0">
               <a:buNone/>
-              <a:defRPr sz="1000"/>
+              <a:defRPr sz="975"/>
             </a:lvl5pPr>
-            <a:lvl6pPr marL="2286000" indent="0">
+            <a:lvl6pPr marL="2228850" indent="0">
               <a:buNone/>
-              <a:defRPr sz="1000"/>
+              <a:defRPr sz="975"/>
             </a:lvl6pPr>
-            <a:lvl7pPr marL="2743200" indent="0">
+            <a:lvl7pPr marL="2674620" indent="0">
               <a:buNone/>
-              <a:defRPr sz="1000"/>
+              <a:defRPr sz="975"/>
             </a:lvl7pPr>
-            <a:lvl8pPr marL="3200400" indent="0">
+            <a:lvl8pPr marL="3120390" indent="0">
               <a:buNone/>
-              <a:defRPr sz="1000"/>
+              <a:defRPr sz="975"/>
             </a:lvl8pPr>
-            <a:lvl9pPr marL="3657600" indent="0">
+            <a:lvl9pPr marL="3566160" indent="0">
               <a:buNone/>
-              <a:defRPr sz="1000"/>
+              <a:defRPr sz="975"/>
             </a:lvl9pPr>
           </a:lstStyle>
           <a:p>
@@ -2359,13 +2083,7 @@
       </p:sp>
       <p:sp>
         <p:nvSpPr>
-          <p:cNvPr id="5" name="Date Placeholder 4">
-            <a:extLst>
-              <a:ext uri="{FF2B5EF4-FFF2-40B4-BE49-F238E27FC236}">
-                <a16:creationId xmlns:a16="http://schemas.microsoft.com/office/drawing/2014/main" id="{976C076B-29A5-AE52-AF07-C6D6D7C4D399}"/>
-              </a:ext>
-            </a:extLst>
-          </p:cNvPr>
+          <p:cNvPr id="5" name="Date Placeholder 4"/>
           <p:cNvSpPr>
             <a:spLocks noGrp="1"/>
           </p:cNvSpPr>
@@ -2380,7 +2098,7 @@
           <a:p>
             <a:fld id="{52D9B48A-4DDE-4515-A7B7-36377E7345FC}" type="datetimeFigureOut">
               <a:rPr lang="en-US" smtClean="0"/>
-              <a:t>6/5/2024</a:t>
+              <a:t>6/12/2024</a:t>
             </a:fld>
             <a:endParaRPr lang="en-US"/>
           </a:p>
@@ -2388,13 +2106,7 @@
       </p:sp>
       <p:sp>
         <p:nvSpPr>
-          <p:cNvPr id="6" name="Footer Placeholder 5">
-            <a:extLst>
-              <a:ext uri="{FF2B5EF4-FFF2-40B4-BE49-F238E27FC236}">
-                <a16:creationId xmlns:a16="http://schemas.microsoft.com/office/drawing/2014/main" id="{3DC863D1-BAC1-B520-0C7A-07A03F513188}"/>
-              </a:ext>
-            </a:extLst>
-          </p:cNvPr>
+          <p:cNvPr id="6" name="Footer Placeholder 5"/>
           <p:cNvSpPr>
             <a:spLocks noGrp="1"/>
           </p:cNvSpPr>
@@ -2413,13 +2125,7 @@
       </p:sp>
       <p:sp>
         <p:nvSpPr>
-          <p:cNvPr id="7" name="Slide Number Placeholder 6">
-            <a:extLst>
-              <a:ext uri="{FF2B5EF4-FFF2-40B4-BE49-F238E27FC236}">
-                <a16:creationId xmlns:a16="http://schemas.microsoft.com/office/drawing/2014/main" id="{EB5D0EE1-F6F0-D6FE-0020-19CACFF0AB26}"/>
-              </a:ext>
-            </a:extLst>
-          </p:cNvPr>
+          <p:cNvPr id="7" name="Slide Number Placeholder 6"/>
           <p:cNvSpPr>
             <a:spLocks noGrp="1"/>
           </p:cNvSpPr>
@@ -2443,7 +2149,7 @@
     </p:spTree>
     <p:extLst>
       <p:ext uri="{BB962C8B-B14F-4D97-AF65-F5344CB8AC3E}">
-        <p14:creationId xmlns:p14="http://schemas.microsoft.com/office/powerpoint/2010/main" val="4254778922"/>
+        <p14:creationId xmlns:p14="http://schemas.microsoft.com/office/powerpoint/2010/main" val="4030913385"/>
       </p:ext>
     </p:extLst>
   </p:cSld>
@@ -2472,13 +2178,7 @@
       </p:grpSpPr>
       <p:sp>
         <p:nvSpPr>
-          <p:cNvPr id="2" name="Title 1">
-            <a:extLst>
-              <a:ext uri="{FF2B5EF4-FFF2-40B4-BE49-F238E27FC236}">
-                <a16:creationId xmlns:a16="http://schemas.microsoft.com/office/drawing/2014/main" id="{8612B505-A0DE-7D63-F9D2-E87C7EA22C4C}"/>
-              </a:ext>
-            </a:extLst>
-          </p:cNvPr>
+          <p:cNvPr id="2" name="Title 1"/>
           <p:cNvSpPr>
             <a:spLocks noGrp="1"/>
           </p:cNvSpPr>
@@ -2488,15 +2188,15 @@
         </p:nvSpPr>
         <p:spPr>
           <a:xfrm>
-            <a:off x="839788" y="457200"/>
-            <a:ext cx="3932237" cy="1600200"/>
+            <a:off x="818794" y="457200"/>
+            <a:ext cx="3833931" cy="1600200"/>
           </a:xfrm>
         </p:spPr>
         <p:txBody>
           <a:bodyPr anchor="b"/>
           <a:lstStyle>
             <a:lvl1pPr>
-              <a:defRPr sz="3200"/>
+              <a:defRPr sz="3120"/>
             </a:lvl1pPr>
           </a:lstStyle>
           <a:p>
@@ -2504,20 +2204,15 @@
               <a:rPr lang="en-US"/>
               <a:t>Click to edit Master title style</a:t>
             </a:r>
+            <a:endParaRPr lang="en-US" dirty="0"/>
           </a:p>
         </p:txBody>
       </p:sp>
       <p:sp>
         <p:nvSpPr>
-          <p:cNvPr id="3" name="Picture Placeholder 2">
-            <a:extLst>
-              <a:ext uri="{FF2B5EF4-FFF2-40B4-BE49-F238E27FC236}">
-                <a16:creationId xmlns:a16="http://schemas.microsoft.com/office/drawing/2014/main" id="{F60235C1-1A48-CE30-2BB1-4442D7C9627C}"/>
-              </a:ext>
-            </a:extLst>
-          </p:cNvPr>
+          <p:cNvPr id="3" name="Picture Placeholder 2"/>
           <p:cNvSpPr>
-            <a:spLocks noGrp="1"/>
+            <a:spLocks noGrp="1" noChangeAspect="1"/>
           </p:cNvSpPr>
           <p:nvPr>
             <p:ph type="pic" idx="1"/>
@@ -2525,64 +2220,62 @@
         </p:nvSpPr>
         <p:spPr>
           <a:xfrm>
-            <a:off x="5183188" y="987425"/>
-            <a:ext cx="6172200" cy="4873625"/>
+            <a:off x="5053608" y="987426"/>
+            <a:ext cx="6017895" cy="4873625"/>
           </a:xfrm>
         </p:spPr>
         <p:txBody>
-          <a:bodyPr/>
+          <a:bodyPr anchor="t"/>
           <a:lstStyle>
             <a:lvl1pPr marL="0" indent="0">
               <a:buNone/>
-              <a:defRPr sz="3200"/>
+              <a:defRPr sz="3120"/>
             </a:lvl1pPr>
-            <a:lvl2pPr marL="457200" indent="0">
+            <a:lvl2pPr marL="445770" indent="0">
               <a:buNone/>
-              <a:defRPr sz="2800"/>
+              <a:defRPr sz="2730"/>
             </a:lvl2pPr>
-            <a:lvl3pPr marL="914400" indent="0">
+            <a:lvl3pPr marL="891540" indent="0">
               <a:buNone/>
-              <a:defRPr sz="2400"/>
+              <a:defRPr sz="2340"/>
             </a:lvl3pPr>
-            <a:lvl4pPr marL="1371600" indent="0">
+            <a:lvl4pPr marL="1337310" indent="0">
               <a:buNone/>
-              <a:defRPr sz="2000"/>
+              <a:defRPr sz="1950"/>
             </a:lvl4pPr>
-            <a:lvl5pPr marL="1828800" indent="0">
+            <a:lvl5pPr marL="1783080" indent="0">
               <a:buNone/>
-              <a:defRPr sz="2000"/>
+              <a:defRPr sz="1950"/>
             </a:lvl5pPr>
-            <a:lvl6pPr marL="2286000" indent="0">
+            <a:lvl6pPr marL="2228850" indent="0">
               <a:buNone/>
-              <a:defRPr sz="2000"/>
+              <a:defRPr sz="1950"/>
             </a:lvl6pPr>
-            <a:lvl7pPr marL="2743200" indent="0">
+            <a:lvl7pPr marL="2674620" indent="0">
               <a:buNone/>
-              <a:defRPr sz="2000"/>
+              <a:defRPr sz="1950"/>
             </a:lvl7pPr>
-            <a:lvl8pPr marL="3200400" indent="0">
+            <a:lvl8pPr marL="3120390" indent="0">
               <a:buNone/>
-              <a:defRPr sz="2000"/>
+              <a:defRPr sz="1950"/>
             </a:lvl8pPr>
-            <a:lvl9pPr marL="3657600" indent="0">
+            <a:lvl9pPr marL="3566160" indent="0">
               <a:buNone/>
-              <a:defRPr sz="2000"/>
+              <a:defRPr sz="1950"/>
             </a:lvl9pPr>
           </a:lstStyle>
           <a:p>
-            <a:endParaRPr lang="en-US"/>
+            <a:r>
+              <a:rPr lang="en-US"/>
+              <a:t>Click icon to add picture</a:t>
+            </a:r>
+            <a:endParaRPr lang="en-US" dirty="0"/>
           </a:p>
         </p:txBody>
       </p:sp>
       <p:sp>
         <p:nvSpPr>
-          <p:cNvPr id="4" name="Text Placeholder 3">
-            <a:extLst>
-              <a:ext uri="{FF2B5EF4-FFF2-40B4-BE49-F238E27FC236}">
-                <a16:creationId xmlns:a16="http://schemas.microsoft.com/office/drawing/2014/main" id="{09F1F0E3-0DA7-463C-2F82-75235B8F001F}"/>
-              </a:ext>
-            </a:extLst>
-          </p:cNvPr>
+          <p:cNvPr id="4" name="Text Placeholder 3"/>
           <p:cNvSpPr>
             <a:spLocks noGrp="1"/>
           </p:cNvSpPr>
@@ -2592,8 +2285,8 @@
         </p:nvSpPr>
         <p:spPr>
           <a:xfrm>
-            <a:off x="839788" y="2057400"/>
-            <a:ext cx="3932237" cy="3811588"/>
+            <a:off x="818794" y="2057400"/>
+            <a:ext cx="3833931" cy="3811588"/>
           </a:xfrm>
         </p:spPr>
         <p:txBody>
@@ -2601,39 +2294,39 @@
           <a:lstStyle>
             <a:lvl1pPr marL="0" indent="0">
               <a:buNone/>
-              <a:defRPr sz="1600"/>
+              <a:defRPr sz="1560"/>
             </a:lvl1pPr>
-            <a:lvl2pPr marL="457200" indent="0">
+            <a:lvl2pPr marL="445770" indent="0">
               <a:buNone/>
-              <a:defRPr sz="1400"/>
+              <a:defRPr sz="1365"/>
             </a:lvl2pPr>
-            <a:lvl3pPr marL="914400" indent="0">
+            <a:lvl3pPr marL="891540" indent="0">
               <a:buNone/>
-              <a:defRPr sz="1200"/>
+              <a:defRPr sz="1170"/>
             </a:lvl3pPr>
-            <a:lvl4pPr marL="1371600" indent="0">
+            <a:lvl4pPr marL="1337310" indent="0">
               <a:buNone/>
-              <a:defRPr sz="1000"/>
+              <a:defRPr sz="975"/>
             </a:lvl4pPr>
-            <a:lvl5pPr marL="1828800" indent="0">
+            <a:lvl5pPr marL="1783080" indent="0">
               <a:buNone/>
-              <a:defRPr sz="1000"/>
+              <a:defRPr sz="975"/>
             </a:lvl5pPr>
-            <a:lvl6pPr marL="2286000" indent="0">
+            <a:lvl6pPr marL="2228850" indent="0">
               <a:buNone/>
-              <a:defRPr sz="1000"/>
+              <a:defRPr sz="975"/>
             </a:lvl6pPr>
-            <a:lvl7pPr marL="2743200" indent="0">
+            <a:lvl7pPr marL="2674620" indent="0">
               <a:buNone/>
-              <a:defRPr sz="1000"/>
+              <a:defRPr sz="975"/>
             </a:lvl7pPr>
-            <a:lvl8pPr marL="3200400" indent="0">
+            <a:lvl8pPr marL="3120390" indent="0">
               <a:buNone/>
-              <a:defRPr sz="1000"/>
+              <a:defRPr sz="975"/>
             </a:lvl8pPr>
-            <a:lvl9pPr marL="3657600" indent="0">
+            <a:lvl9pPr marL="3566160" indent="0">
               <a:buNone/>
-              <a:defRPr sz="1000"/>
+              <a:defRPr sz="975"/>
             </a:lvl9pPr>
           </a:lstStyle>
           <a:p>
@@ -2647,13 +2340,7 @@
       </p:sp>
       <p:sp>
         <p:nvSpPr>
-          <p:cNvPr id="5" name="Date Placeholder 4">
-            <a:extLst>
-              <a:ext uri="{FF2B5EF4-FFF2-40B4-BE49-F238E27FC236}">
-                <a16:creationId xmlns:a16="http://schemas.microsoft.com/office/drawing/2014/main" id="{DAFAD28F-B9E4-5DC5-19D7-1240A369B16F}"/>
-              </a:ext>
-            </a:extLst>
-          </p:cNvPr>
+          <p:cNvPr id="5" name="Date Placeholder 4"/>
           <p:cNvSpPr>
             <a:spLocks noGrp="1"/>
           </p:cNvSpPr>
@@ -2668,7 +2355,7 @@
           <a:p>
             <a:fld id="{52D9B48A-4DDE-4515-A7B7-36377E7345FC}" type="datetimeFigureOut">
               <a:rPr lang="en-US" smtClean="0"/>
-              <a:t>6/5/2024</a:t>
+              <a:t>6/12/2024</a:t>
             </a:fld>
             <a:endParaRPr lang="en-US"/>
           </a:p>
@@ -2676,13 +2363,7 @@
       </p:sp>
       <p:sp>
         <p:nvSpPr>
-          <p:cNvPr id="6" name="Footer Placeholder 5">
-            <a:extLst>
-              <a:ext uri="{FF2B5EF4-FFF2-40B4-BE49-F238E27FC236}">
-                <a16:creationId xmlns:a16="http://schemas.microsoft.com/office/drawing/2014/main" id="{77C01CE1-CD6A-02BA-0A10-A5BEE48483C1}"/>
-              </a:ext>
-            </a:extLst>
-          </p:cNvPr>
+          <p:cNvPr id="6" name="Footer Placeholder 5"/>
           <p:cNvSpPr>
             <a:spLocks noGrp="1"/>
           </p:cNvSpPr>
@@ -2701,13 +2382,7 @@
       </p:sp>
       <p:sp>
         <p:nvSpPr>
-          <p:cNvPr id="7" name="Slide Number Placeholder 6">
-            <a:extLst>
-              <a:ext uri="{FF2B5EF4-FFF2-40B4-BE49-F238E27FC236}">
-                <a16:creationId xmlns:a16="http://schemas.microsoft.com/office/drawing/2014/main" id="{B3E6DF7B-9883-F12C-D7BB-431D2EF9F1B8}"/>
-              </a:ext>
-            </a:extLst>
-          </p:cNvPr>
+          <p:cNvPr id="7" name="Slide Number Placeholder 6"/>
           <p:cNvSpPr>
             <a:spLocks noGrp="1"/>
           </p:cNvSpPr>
@@ -2731,7 +2406,7 @@
     </p:spTree>
     <p:extLst>
       <p:ext uri="{BB962C8B-B14F-4D97-AF65-F5344CB8AC3E}">
-        <p14:creationId xmlns:p14="http://schemas.microsoft.com/office/powerpoint/2010/main" val="3176898017"/>
+        <p14:creationId xmlns:p14="http://schemas.microsoft.com/office/powerpoint/2010/main" val="2532847540"/>
       </p:ext>
     </p:extLst>
   </p:cSld>
@@ -2765,13 +2440,7 @@
       </p:grpSpPr>
       <p:sp>
         <p:nvSpPr>
-          <p:cNvPr id="2" name="Title Placeholder 1">
-            <a:extLst>
-              <a:ext uri="{FF2B5EF4-FFF2-40B4-BE49-F238E27FC236}">
-                <a16:creationId xmlns:a16="http://schemas.microsoft.com/office/drawing/2014/main" id="{DBB2B337-0047-04E1-C293-F3894B15D092}"/>
-              </a:ext>
-            </a:extLst>
-          </p:cNvPr>
+          <p:cNvPr id="2" name="Title Placeholder 1"/>
           <p:cNvSpPr>
             <a:spLocks noGrp="1"/>
           </p:cNvSpPr>
@@ -2781,8 +2450,8 @@
         </p:nvSpPr>
         <p:spPr>
           <a:xfrm>
-            <a:off x="838200" y="365125"/>
-            <a:ext cx="10515600" cy="1325563"/>
+            <a:off x="817245" y="365126"/>
+            <a:ext cx="10252710" cy="1325563"/>
           </a:xfrm>
           <a:prstGeom prst="rect">
             <a:avLst/>
@@ -2798,18 +2467,13 @@
               <a:rPr lang="en-US"/>
               <a:t>Click to edit Master title style</a:t>
             </a:r>
+            <a:endParaRPr lang="en-US" dirty="0"/>
           </a:p>
         </p:txBody>
       </p:sp>
       <p:sp>
         <p:nvSpPr>
-          <p:cNvPr id="3" name="Text Placeholder 2">
-            <a:extLst>
-              <a:ext uri="{FF2B5EF4-FFF2-40B4-BE49-F238E27FC236}">
-                <a16:creationId xmlns:a16="http://schemas.microsoft.com/office/drawing/2014/main" id="{2C81DD99-A15A-D473-03C2-9567E6C9BA49}"/>
-              </a:ext>
-            </a:extLst>
-          </p:cNvPr>
+          <p:cNvPr id="3" name="Text Placeholder 2"/>
           <p:cNvSpPr>
             <a:spLocks noGrp="1"/>
           </p:cNvSpPr>
@@ -2819,8 +2483,8 @@
         </p:nvSpPr>
         <p:spPr>
           <a:xfrm>
-            <a:off x="838200" y="1825625"/>
-            <a:ext cx="10515600" cy="4351338"/>
+            <a:off x="817245" y="1825625"/>
+            <a:ext cx="10252710" cy="4351338"/>
           </a:xfrm>
           <a:prstGeom prst="rect">
             <a:avLst/>
@@ -2865,18 +2529,13 @@
               <a:rPr lang="en-US"/>
               <a:t>Fifth level</a:t>
             </a:r>
+            <a:endParaRPr lang="en-US" dirty="0"/>
           </a:p>
         </p:txBody>
       </p:sp>
       <p:sp>
         <p:nvSpPr>
-          <p:cNvPr id="4" name="Date Placeholder 3">
-            <a:extLst>
-              <a:ext uri="{FF2B5EF4-FFF2-40B4-BE49-F238E27FC236}">
-                <a16:creationId xmlns:a16="http://schemas.microsoft.com/office/drawing/2014/main" id="{99B08FE6-8481-C733-A33F-BDD40F1AC89A}"/>
-              </a:ext>
-            </a:extLst>
-          </p:cNvPr>
+          <p:cNvPr id="4" name="Date Placeholder 3"/>
           <p:cNvSpPr>
             <a:spLocks noGrp="1"/>
           </p:cNvSpPr>
@@ -2886,8 +2545,8 @@
         </p:nvSpPr>
         <p:spPr>
           <a:xfrm>
-            <a:off x="838200" y="6356350"/>
-            <a:ext cx="2743200" cy="365125"/>
+            <a:off x="817245" y="6356351"/>
+            <a:ext cx="2674620" cy="365125"/>
           </a:xfrm>
           <a:prstGeom prst="rect">
             <a:avLst/>
@@ -2897,7 +2556,7 @@
           <a:bodyPr vert="horz" lIns="91440" tIns="45720" rIns="91440" bIns="45720" rtlCol="0" anchor="ctr"/>
           <a:lstStyle>
             <a:lvl1pPr algn="l">
-              <a:defRPr sz="1200">
+              <a:defRPr sz="1170">
                 <a:solidFill>
                   <a:schemeClr val="tx1">
                     <a:tint val="82000"/>
@@ -2909,7 +2568,7 @@
           <a:p>
             <a:fld id="{52D9B48A-4DDE-4515-A7B7-36377E7345FC}" type="datetimeFigureOut">
               <a:rPr lang="en-US" smtClean="0"/>
-              <a:t>6/5/2024</a:t>
+              <a:t>6/12/2024</a:t>
             </a:fld>
             <a:endParaRPr lang="en-US"/>
           </a:p>
@@ -2917,13 +2576,7 @@
       </p:sp>
       <p:sp>
         <p:nvSpPr>
-          <p:cNvPr id="5" name="Footer Placeholder 4">
-            <a:extLst>
-              <a:ext uri="{FF2B5EF4-FFF2-40B4-BE49-F238E27FC236}">
-                <a16:creationId xmlns:a16="http://schemas.microsoft.com/office/drawing/2014/main" id="{0B987179-7F80-DCBF-8C12-D81AEB742AEE}"/>
-              </a:ext>
-            </a:extLst>
-          </p:cNvPr>
+          <p:cNvPr id="5" name="Footer Placeholder 4"/>
           <p:cNvSpPr>
             <a:spLocks noGrp="1"/>
           </p:cNvSpPr>
@@ -2933,8 +2586,8 @@
         </p:nvSpPr>
         <p:spPr>
           <a:xfrm>
-            <a:off x="4038600" y="6356350"/>
-            <a:ext cx="4114800" cy="365125"/>
+            <a:off x="3937635" y="6356351"/>
+            <a:ext cx="4011930" cy="365125"/>
           </a:xfrm>
           <a:prstGeom prst="rect">
             <a:avLst/>
@@ -2944,7 +2597,7 @@
           <a:bodyPr vert="horz" lIns="91440" tIns="45720" rIns="91440" bIns="45720" rtlCol="0" anchor="ctr"/>
           <a:lstStyle>
             <a:lvl1pPr algn="ctr">
-              <a:defRPr sz="1200">
+              <a:defRPr sz="1170">
                 <a:solidFill>
                   <a:schemeClr val="tx1">
                     <a:tint val="82000"/>
@@ -2960,13 +2613,7 @@
       </p:sp>
       <p:sp>
         <p:nvSpPr>
-          <p:cNvPr id="6" name="Slide Number Placeholder 5">
-            <a:extLst>
-              <a:ext uri="{FF2B5EF4-FFF2-40B4-BE49-F238E27FC236}">
-                <a16:creationId xmlns:a16="http://schemas.microsoft.com/office/drawing/2014/main" id="{91F5A65D-77AF-5A29-AC95-34B463658D86}"/>
-              </a:ext>
-            </a:extLst>
-          </p:cNvPr>
+          <p:cNvPr id="6" name="Slide Number Placeholder 5"/>
           <p:cNvSpPr>
             <a:spLocks noGrp="1"/>
           </p:cNvSpPr>
@@ -2976,8 +2623,8 @@
         </p:nvSpPr>
         <p:spPr>
           <a:xfrm>
-            <a:off x="8610600" y="6356350"/>
-            <a:ext cx="2743200" cy="365125"/>
+            <a:off x="8395335" y="6356351"/>
+            <a:ext cx="2674620" cy="365125"/>
           </a:xfrm>
           <a:prstGeom prst="rect">
             <a:avLst/>
@@ -2987,7 +2634,7 @@
           <a:bodyPr vert="horz" lIns="91440" tIns="45720" rIns="91440" bIns="45720" rtlCol="0" anchor="ctr"/>
           <a:lstStyle>
             <a:lvl1pPr algn="r">
-              <a:defRPr sz="1200">
+              <a:defRPr sz="1170">
                 <a:solidFill>
                   <a:schemeClr val="tx1">
                     <a:tint val="82000"/>
@@ -3008,27 +2655,27 @@
     </p:spTree>
     <p:extLst>
       <p:ext uri="{BB962C8B-B14F-4D97-AF65-F5344CB8AC3E}">
-        <p14:creationId xmlns:p14="http://schemas.microsoft.com/office/powerpoint/2010/main" val="2174019403"/>
+        <p14:creationId xmlns:p14="http://schemas.microsoft.com/office/powerpoint/2010/main" val="2276800844"/>
       </p:ext>
     </p:extLst>
   </p:cSld>
   <p:clrMap bg1="lt1" tx1="dk1" bg2="lt2" tx2="dk2" accent1="accent1" accent2="accent2" accent3="accent3" accent4="accent4" accent5="accent5" accent6="accent6" hlink="hlink" folHlink="folHlink"/>
   <p:sldLayoutIdLst>
-    <p:sldLayoutId id="2147483649" r:id="rId1"/>
-    <p:sldLayoutId id="2147483650" r:id="rId2"/>
-    <p:sldLayoutId id="2147483651" r:id="rId3"/>
-    <p:sldLayoutId id="2147483652" r:id="rId4"/>
-    <p:sldLayoutId id="2147483653" r:id="rId5"/>
-    <p:sldLayoutId id="2147483654" r:id="rId6"/>
-    <p:sldLayoutId id="2147483655" r:id="rId7"/>
-    <p:sldLayoutId id="2147483656" r:id="rId8"/>
-    <p:sldLayoutId id="2147483657" r:id="rId9"/>
-    <p:sldLayoutId id="2147483658" r:id="rId10"/>
-    <p:sldLayoutId id="2147483659" r:id="rId11"/>
+    <p:sldLayoutId id="2147483673" r:id="rId1"/>
+    <p:sldLayoutId id="2147483674" r:id="rId2"/>
+    <p:sldLayoutId id="2147483675" r:id="rId3"/>
+    <p:sldLayoutId id="2147483676" r:id="rId4"/>
+    <p:sldLayoutId id="2147483677" r:id="rId5"/>
+    <p:sldLayoutId id="2147483678" r:id="rId6"/>
+    <p:sldLayoutId id="2147483679" r:id="rId7"/>
+    <p:sldLayoutId id="2147483680" r:id="rId8"/>
+    <p:sldLayoutId id="2147483681" r:id="rId9"/>
+    <p:sldLayoutId id="2147483682" r:id="rId10"/>
+    <p:sldLayoutId id="2147483683" r:id="rId11"/>
   </p:sldLayoutIdLst>
   <p:txStyles>
     <p:titleStyle>
-      <a:lvl1pPr algn="l" defTabSz="914400" rtl="0" eaLnBrk="1" latinLnBrk="0" hangingPunct="1">
+      <a:lvl1pPr algn="l" defTabSz="891540" rtl="0" eaLnBrk="1" latinLnBrk="0" hangingPunct="1">
         <a:lnSpc>
           <a:spcPct val="90000"/>
         </a:lnSpc>
@@ -3036,7 +2683,7 @@
           <a:spcPct val="0"/>
         </a:spcBef>
         <a:buNone/>
-        <a:defRPr sz="4400" kern="1200">
+        <a:defRPr sz="4290" kern="1200">
           <a:solidFill>
             <a:schemeClr val="tx1"/>
           </a:solidFill>
@@ -3047,16 +2694,16 @@
       </a:lvl1pPr>
     </p:titleStyle>
     <p:bodyStyle>
-      <a:lvl1pPr marL="228600" indent="-228600" algn="l" defTabSz="914400" rtl="0" eaLnBrk="1" latinLnBrk="0" hangingPunct="1">
+      <a:lvl1pPr marL="222885" indent="-222885" algn="l" defTabSz="891540" rtl="0" eaLnBrk="1" latinLnBrk="0" hangingPunct="1">
         <a:lnSpc>
           <a:spcPct val="90000"/>
         </a:lnSpc>
         <a:spcBef>
-          <a:spcPts val="1000"/>
+          <a:spcPts val="975"/>
         </a:spcBef>
         <a:buFont typeface="Arial" panose="020B0604020202020204" pitchFamily="34" charset="0"/>
         <a:buChar char="•"/>
-        <a:defRPr sz="2800" kern="1200">
+        <a:defRPr sz="2730" kern="1200">
           <a:solidFill>
             <a:schemeClr val="tx1"/>
           </a:solidFill>
@@ -3065,16 +2712,16 @@
           <a:cs typeface="+mn-cs"/>
         </a:defRPr>
       </a:lvl1pPr>
-      <a:lvl2pPr marL="685800" indent="-228600" algn="l" defTabSz="914400" rtl="0" eaLnBrk="1" latinLnBrk="0" hangingPunct="1">
+      <a:lvl2pPr marL="668655" indent="-222885" algn="l" defTabSz="891540" rtl="0" eaLnBrk="1" latinLnBrk="0" hangingPunct="1">
         <a:lnSpc>
           <a:spcPct val="90000"/>
         </a:lnSpc>
         <a:spcBef>
-          <a:spcPts val="500"/>
+          <a:spcPts val="488"/>
         </a:spcBef>
         <a:buFont typeface="Arial" panose="020B0604020202020204" pitchFamily="34" charset="0"/>
         <a:buChar char="•"/>
-        <a:defRPr sz="2400" kern="1200">
+        <a:defRPr sz="2340" kern="1200">
           <a:solidFill>
             <a:schemeClr val="tx1"/>
           </a:solidFill>
@@ -3083,16 +2730,16 @@
           <a:cs typeface="+mn-cs"/>
         </a:defRPr>
       </a:lvl2pPr>
-      <a:lvl3pPr marL="1143000" indent="-228600" algn="l" defTabSz="914400" rtl="0" eaLnBrk="1" latinLnBrk="0" hangingPunct="1">
+      <a:lvl3pPr marL="1114425" indent="-222885" algn="l" defTabSz="891540" rtl="0" eaLnBrk="1" latinLnBrk="0" hangingPunct="1">
         <a:lnSpc>
           <a:spcPct val="90000"/>
         </a:lnSpc>
         <a:spcBef>
-          <a:spcPts val="500"/>
+          <a:spcPts val="488"/>
         </a:spcBef>
         <a:buFont typeface="Arial" panose="020B0604020202020204" pitchFamily="34" charset="0"/>
         <a:buChar char="•"/>
-        <a:defRPr sz="2000" kern="1200">
+        <a:defRPr sz="1950" kern="1200">
           <a:solidFill>
             <a:schemeClr val="tx1"/>
           </a:solidFill>
@@ -3101,16 +2748,16 @@
           <a:cs typeface="+mn-cs"/>
         </a:defRPr>
       </a:lvl3pPr>
-      <a:lvl4pPr marL="1600200" indent="-228600" algn="l" defTabSz="914400" rtl="0" eaLnBrk="1" latinLnBrk="0" hangingPunct="1">
+      <a:lvl4pPr marL="1560195" indent="-222885" algn="l" defTabSz="891540" rtl="0" eaLnBrk="1" latinLnBrk="0" hangingPunct="1">
         <a:lnSpc>
           <a:spcPct val="90000"/>
         </a:lnSpc>
         <a:spcBef>
-          <a:spcPts val="500"/>
+          <a:spcPts val="488"/>
         </a:spcBef>
         <a:buFont typeface="Arial" panose="020B0604020202020204" pitchFamily="34" charset="0"/>
         <a:buChar char="•"/>
-        <a:defRPr sz="1800" kern="1200">
+        <a:defRPr sz="1755" kern="1200">
           <a:solidFill>
             <a:schemeClr val="tx1"/>
           </a:solidFill>
@@ -3119,16 +2766,16 @@
           <a:cs typeface="+mn-cs"/>
         </a:defRPr>
       </a:lvl4pPr>
-      <a:lvl5pPr marL="2057400" indent="-228600" algn="l" defTabSz="914400" rtl="0" eaLnBrk="1" latinLnBrk="0" hangingPunct="1">
+      <a:lvl5pPr marL="2005965" indent="-222885" algn="l" defTabSz="891540" rtl="0" eaLnBrk="1" latinLnBrk="0" hangingPunct="1">
         <a:lnSpc>
           <a:spcPct val="90000"/>
         </a:lnSpc>
         <a:spcBef>
-          <a:spcPts val="500"/>
+          <a:spcPts val="488"/>
         </a:spcBef>
         <a:buFont typeface="Arial" panose="020B0604020202020204" pitchFamily="34" charset="0"/>
         <a:buChar char="•"/>
-        <a:defRPr sz="1800" kern="1200">
+        <a:defRPr sz="1755" kern="1200">
           <a:solidFill>
             <a:schemeClr val="tx1"/>
           </a:solidFill>
@@ -3137,16 +2784,16 @@
           <a:cs typeface="+mn-cs"/>
         </a:defRPr>
       </a:lvl5pPr>
-      <a:lvl6pPr marL="2514600" indent="-228600" algn="l" defTabSz="914400" rtl="0" eaLnBrk="1" latinLnBrk="0" hangingPunct="1">
+      <a:lvl6pPr marL="2451735" indent="-222885" algn="l" defTabSz="891540" rtl="0" eaLnBrk="1" latinLnBrk="0" hangingPunct="1">
         <a:lnSpc>
           <a:spcPct val="90000"/>
         </a:lnSpc>
         <a:spcBef>
-          <a:spcPts val="500"/>
+          <a:spcPts val="488"/>
         </a:spcBef>
         <a:buFont typeface="Arial" panose="020B0604020202020204" pitchFamily="34" charset="0"/>
         <a:buChar char="•"/>
-        <a:defRPr sz="1800" kern="1200">
+        <a:defRPr sz="1755" kern="1200">
           <a:solidFill>
             <a:schemeClr val="tx1"/>
           </a:solidFill>
@@ -3155,16 +2802,16 @@
           <a:cs typeface="+mn-cs"/>
         </a:defRPr>
       </a:lvl6pPr>
-      <a:lvl7pPr marL="2971800" indent="-228600" algn="l" defTabSz="914400" rtl="0" eaLnBrk="1" latinLnBrk="0" hangingPunct="1">
+      <a:lvl7pPr marL="2897505" indent="-222885" algn="l" defTabSz="891540" rtl="0" eaLnBrk="1" latinLnBrk="0" hangingPunct="1">
         <a:lnSpc>
           <a:spcPct val="90000"/>
         </a:lnSpc>
         <a:spcBef>
-          <a:spcPts val="500"/>
+          <a:spcPts val="488"/>
         </a:spcBef>
         <a:buFont typeface="Arial" panose="020B0604020202020204" pitchFamily="34" charset="0"/>
         <a:buChar char="•"/>
-        <a:defRPr sz="1800" kern="1200">
+        <a:defRPr sz="1755" kern="1200">
           <a:solidFill>
             <a:schemeClr val="tx1"/>
           </a:solidFill>
@@ -3173,16 +2820,16 @@
           <a:cs typeface="+mn-cs"/>
         </a:defRPr>
       </a:lvl7pPr>
-      <a:lvl8pPr marL="3429000" indent="-228600" algn="l" defTabSz="914400" rtl="0" eaLnBrk="1" latinLnBrk="0" hangingPunct="1">
+      <a:lvl8pPr marL="3343275" indent="-222885" algn="l" defTabSz="891540" rtl="0" eaLnBrk="1" latinLnBrk="0" hangingPunct="1">
         <a:lnSpc>
           <a:spcPct val="90000"/>
         </a:lnSpc>
         <a:spcBef>
-          <a:spcPts val="500"/>
+          <a:spcPts val="488"/>
         </a:spcBef>
         <a:buFont typeface="Arial" panose="020B0604020202020204" pitchFamily="34" charset="0"/>
         <a:buChar char="•"/>
-        <a:defRPr sz="1800" kern="1200">
+        <a:defRPr sz="1755" kern="1200">
           <a:solidFill>
             <a:schemeClr val="tx1"/>
           </a:solidFill>
@@ -3191,16 +2838,16 @@
           <a:cs typeface="+mn-cs"/>
         </a:defRPr>
       </a:lvl8pPr>
-      <a:lvl9pPr marL="3886200" indent="-228600" algn="l" defTabSz="914400" rtl="0" eaLnBrk="1" latinLnBrk="0" hangingPunct="1">
+      <a:lvl9pPr marL="3789045" indent="-222885" algn="l" defTabSz="891540" rtl="0" eaLnBrk="1" latinLnBrk="0" hangingPunct="1">
         <a:lnSpc>
           <a:spcPct val="90000"/>
         </a:lnSpc>
         <a:spcBef>
-          <a:spcPts val="500"/>
+          <a:spcPts val="488"/>
         </a:spcBef>
         <a:buFont typeface="Arial" panose="020B0604020202020204" pitchFamily="34" charset="0"/>
         <a:buChar char="•"/>
-        <a:defRPr sz="1800" kern="1200">
+        <a:defRPr sz="1755" kern="1200">
           <a:solidFill>
             <a:schemeClr val="tx1"/>
           </a:solidFill>
@@ -3214,8 +2861,8 @@
       <a:defPPr>
         <a:defRPr lang="en-US"/>
       </a:defPPr>
-      <a:lvl1pPr marL="0" algn="l" defTabSz="914400" rtl="0" eaLnBrk="1" latinLnBrk="0" hangingPunct="1">
-        <a:defRPr sz="1800" kern="1200">
+      <a:lvl1pPr marL="0" algn="l" defTabSz="891540" rtl="0" eaLnBrk="1" latinLnBrk="0" hangingPunct="1">
+        <a:defRPr sz="1755" kern="1200">
           <a:solidFill>
             <a:schemeClr val="tx1"/>
           </a:solidFill>
@@ -3224,8 +2871,8 @@
           <a:cs typeface="+mn-cs"/>
         </a:defRPr>
       </a:lvl1pPr>
-      <a:lvl2pPr marL="457200" algn="l" defTabSz="914400" rtl="0" eaLnBrk="1" latinLnBrk="0" hangingPunct="1">
-        <a:defRPr sz="1800" kern="1200">
+      <a:lvl2pPr marL="445770" algn="l" defTabSz="891540" rtl="0" eaLnBrk="1" latinLnBrk="0" hangingPunct="1">
+        <a:defRPr sz="1755" kern="1200">
           <a:solidFill>
             <a:schemeClr val="tx1"/>
           </a:solidFill>
@@ -3234,8 +2881,8 @@
           <a:cs typeface="+mn-cs"/>
         </a:defRPr>
       </a:lvl2pPr>
-      <a:lvl3pPr marL="914400" algn="l" defTabSz="914400" rtl="0" eaLnBrk="1" latinLnBrk="0" hangingPunct="1">
-        <a:defRPr sz="1800" kern="1200">
+      <a:lvl3pPr marL="891540" algn="l" defTabSz="891540" rtl="0" eaLnBrk="1" latinLnBrk="0" hangingPunct="1">
+        <a:defRPr sz="1755" kern="1200">
           <a:solidFill>
             <a:schemeClr val="tx1"/>
           </a:solidFill>
@@ -3244,8 +2891,8 @@
           <a:cs typeface="+mn-cs"/>
         </a:defRPr>
       </a:lvl3pPr>
-      <a:lvl4pPr marL="1371600" algn="l" defTabSz="914400" rtl="0" eaLnBrk="1" latinLnBrk="0" hangingPunct="1">
-        <a:defRPr sz="1800" kern="1200">
+      <a:lvl4pPr marL="1337310" algn="l" defTabSz="891540" rtl="0" eaLnBrk="1" latinLnBrk="0" hangingPunct="1">
+        <a:defRPr sz="1755" kern="1200">
           <a:solidFill>
             <a:schemeClr val="tx1"/>
           </a:solidFill>
@@ -3254,8 +2901,8 @@
           <a:cs typeface="+mn-cs"/>
         </a:defRPr>
       </a:lvl4pPr>
-      <a:lvl5pPr marL="1828800" algn="l" defTabSz="914400" rtl="0" eaLnBrk="1" latinLnBrk="0" hangingPunct="1">
-        <a:defRPr sz="1800" kern="1200">
+      <a:lvl5pPr marL="1783080" algn="l" defTabSz="891540" rtl="0" eaLnBrk="1" latinLnBrk="0" hangingPunct="1">
+        <a:defRPr sz="1755" kern="1200">
           <a:solidFill>
             <a:schemeClr val="tx1"/>
           </a:solidFill>
@@ -3264,8 +2911,8 @@
           <a:cs typeface="+mn-cs"/>
         </a:defRPr>
       </a:lvl5pPr>
-      <a:lvl6pPr marL="2286000" algn="l" defTabSz="914400" rtl="0" eaLnBrk="1" latinLnBrk="0" hangingPunct="1">
-        <a:defRPr sz="1800" kern="1200">
+      <a:lvl6pPr marL="2228850" algn="l" defTabSz="891540" rtl="0" eaLnBrk="1" latinLnBrk="0" hangingPunct="1">
+        <a:defRPr sz="1755" kern="1200">
           <a:solidFill>
             <a:schemeClr val="tx1"/>
           </a:solidFill>
@@ -3274,8 +2921,8 @@
           <a:cs typeface="+mn-cs"/>
         </a:defRPr>
       </a:lvl6pPr>
-      <a:lvl7pPr marL="2743200" algn="l" defTabSz="914400" rtl="0" eaLnBrk="1" latinLnBrk="0" hangingPunct="1">
-        <a:defRPr sz="1800" kern="1200">
+      <a:lvl7pPr marL="2674620" algn="l" defTabSz="891540" rtl="0" eaLnBrk="1" latinLnBrk="0" hangingPunct="1">
+        <a:defRPr sz="1755" kern="1200">
           <a:solidFill>
             <a:schemeClr val="tx1"/>
           </a:solidFill>
@@ -3284,8 +2931,8 @@
           <a:cs typeface="+mn-cs"/>
         </a:defRPr>
       </a:lvl7pPr>
-      <a:lvl8pPr marL="3200400" algn="l" defTabSz="914400" rtl="0" eaLnBrk="1" latinLnBrk="0" hangingPunct="1">
-        <a:defRPr sz="1800" kern="1200">
+      <a:lvl8pPr marL="3120390" algn="l" defTabSz="891540" rtl="0" eaLnBrk="1" latinLnBrk="0" hangingPunct="1">
+        <a:defRPr sz="1755" kern="1200">
           <a:solidFill>
             <a:schemeClr val="tx1"/>
           </a:solidFill>
@@ -3294,8 +2941,8 @@
           <a:cs typeface="+mn-cs"/>
         </a:defRPr>
       </a:lvl8pPr>
-      <a:lvl9pPr marL="3657600" algn="l" defTabSz="914400" rtl="0" eaLnBrk="1" latinLnBrk="0" hangingPunct="1">
-        <a:defRPr sz="1800" kern="1200">
+      <a:lvl9pPr marL="3566160" algn="l" defTabSz="891540" rtl="0" eaLnBrk="1" latinLnBrk="0" hangingPunct="1">
+        <a:defRPr sz="1755" kern="1200">
           <a:solidFill>
             <a:schemeClr val="tx1"/>
           </a:solidFill>
@@ -3343,13 +2990,13 @@
               <p:nvPr>
                 <p:extLst>
                   <p:ext uri="{D42A27DB-BD31-4B8C-83A1-F6EECF244321}">
-                    <p14:modId xmlns:p14="http://schemas.microsoft.com/office/powerpoint/2010/main" val="3421815079"/>
+                    <p14:modId xmlns:p14="http://schemas.microsoft.com/office/powerpoint/2010/main" val="447893488"/>
                   </p:ext>
                 </p:extLst>
               </p:nvPr>
             </p:nvGraphicFramePr>
             <p:xfrm>
-              <a:off x="1169898" y="1083937"/>
+              <a:off x="990518" y="1118442"/>
               <a:ext cx="5713503" cy="409888"/>
             </p:xfrm>
             <a:graphic>
@@ -3397,7 +3044,7 @@
                                 <m:sSub>
                                   <m:sSubPr>
                                     <m:ctrlPr>
-                                      <a:rPr lang="en-US" sz="1200" b="0" i="1" smtClean="0">
+                                      <a:rPr lang="en-US" sz="1400" b="0" i="1" smtClean="0">
                                         <a:solidFill>
                                           <a:schemeClr val="tx1"/>
                                         </a:solidFill>
@@ -3408,7 +3055,7 @@
                                   </m:sSubPr>
                                   <m:e>
                                     <m:r>
-                                      <a:rPr lang="en-US" sz="1200" b="0" i="1" smtClean="0">
+                                      <a:rPr lang="en-US" sz="1400" b="0" i="1" smtClean="0">
                                         <a:solidFill>
                                           <a:schemeClr val="tx1"/>
                                         </a:solidFill>
@@ -3420,7 +3067,7 @@
                                   </m:e>
                                   <m:sub>
                                     <m:r>
-                                      <a:rPr lang="en-US" sz="1200" b="0" i="1" smtClean="0">
+                                      <a:rPr lang="en-US" sz="1400" b="0" i="1" smtClean="0">
                                         <a:solidFill>
                                           <a:schemeClr val="tx1"/>
                                         </a:solidFill>
@@ -3432,7 +3079,7 @@
                                   </m:sub>
                                 </m:sSub>
                                 <m:r>
-                                  <a:rPr lang="en-US" sz="1200" b="0" i="1" smtClean="0">
+                                  <a:rPr lang="en-US" sz="1400" b="0" i="1" smtClean="0">
                                     <a:solidFill>
                                       <a:schemeClr val="tx1"/>
                                     </a:solidFill>
@@ -3444,7 +3091,7 @@
                                 <m:sSub>
                                   <m:sSubPr>
                                     <m:ctrlPr>
-                                      <a:rPr lang="en-US" sz="1200" b="0" i="1" smtClean="0">
+                                      <a:rPr lang="en-US" sz="1400" b="0" i="1" smtClean="0">
                                         <a:solidFill>
                                           <a:schemeClr val="tx1"/>
                                         </a:solidFill>
@@ -3455,7 +3102,7 @@
                                   </m:sSubPr>
                                   <m:e>
                                     <m:r>
-                                      <a:rPr lang="en-US" sz="1200" b="0" i="1" smtClean="0">
+                                      <a:rPr lang="en-US" sz="1400" b="0" i="1" smtClean="0">
                                         <a:solidFill>
                                           <a:schemeClr val="tx1"/>
                                         </a:solidFill>
@@ -3467,7 +3114,7 @@
                                   </m:e>
                                   <m:sub>
                                     <m:r>
-                                      <a:rPr lang="en-US" sz="1200" b="0" i="1" smtClean="0">
+                                      <a:rPr lang="en-US" sz="1400" b="0" i="1" smtClean="0">
                                         <a:solidFill>
                                           <a:schemeClr val="tx1"/>
                                         </a:solidFill>
@@ -3479,7 +3126,7 @@
                                   </m:sub>
                                 </m:sSub>
                                 <m:r>
-                                  <a:rPr lang="en-US" sz="1200" b="0" i="1" smtClean="0">
+                                  <a:rPr lang="en-US" sz="1400" b="0" i="1" smtClean="0">
                                     <a:solidFill>
                                       <a:schemeClr val="tx1"/>
                                     </a:solidFill>
@@ -3491,7 +3138,7 @@
                                 <m:sSub>
                                   <m:sSubPr>
                                     <m:ctrlPr>
-                                      <a:rPr lang="en-US" sz="1200" b="0" i="1" smtClean="0">
+                                      <a:rPr lang="en-US" sz="1400" b="0" i="1" smtClean="0">
                                         <a:solidFill>
                                           <a:schemeClr val="tx1"/>
                                         </a:solidFill>
@@ -3502,7 +3149,7 @@
                                   </m:sSubPr>
                                   <m:e>
                                     <m:r>
-                                      <a:rPr lang="en-US" sz="1200" b="0" i="1" smtClean="0">
+                                      <a:rPr lang="en-US" sz="1400" b="0" i="1" smtClean="0">
                                         <a:solidFill>
                                           <a:schemeClr val="tx1"/>
                                         </a:solidFill>
@@ -3514,7 +3161,7 @@
                                   </m:e>
                                   <m:sub>
                                     <m:r>
-                                      <a:rPr lang="en-US" sz="1200" b="0" i="1" smtClean="0">
+                                      <a:rPr lang="en-US" sz="1400" b="0" i="1" smtClean="0">
                                         <a:solidFill>
                                           <a:schemeClr val="tx1"/>
                                         </a:solidFill>
@@ -3528,7 +3175,7 @@
                               </m:oMath>
                             </m:oMathPara>
                           </a14:m>
-                          <a:endParaRPr lang="en-US" sz="1200" b="0" dirty="0">
+                          <a:endParaRPr lang="en-US" sz="1400" b="0" dirty="0">
                             <a:solidFill>
                               <a:schemeClr val="tx1"/>
                             </a:solidFill>
@@ -3538,7 +3185,7 @@
                         </a:p>
                       </a:txBody>
                       <a:tcPr anchor="ctr">
-                        <a:lnL w="12700" cap="flat" cmpd="sng" algn="ctr">
+                        <a:lnL w="28575" cap="flat" cmpd="sng" algn="ctr">
                           <a:solidFill>
                             <a:schemeClr val="tx1"/>
                           </a:solidFill>
@@ -3547,16 +3194,14 @@
                           <a:headEnd type="none" w="med" len="med"/>
                           <a:tailEnd type="none" w="med" len="med"/>
                         </a:lnL>
-                        <a:lnR w="12700" cap="flat" cmpd="sng" algn="ctr">
-                          <a:solidFill>
-                            <a:schemeClr val="tx1"/>
-                          </a:solidFill>
+                        <a:lnR w="28575" cap="flat" cmpd="sng" algn="ctr">
+                          <a:noFill/>
                           <a:prstDash val="solid"/>
                           <a:round/>
                           <a:headEnd type="none" w="med" len="med"/>
                           <a:tailEnd type="none" w="med" len="med"/>
                         </a:lnR>
-                        <a:lnT w="12700" cap="flat" cmpd="sng" algn="ctr">
+                        <a:lnT w="28575" cap="flat" cmpd="sng" algn="ctr">
                           <a:solidFill>
                             <a:schemeClr val="tx1"/>
                           </a:solidFill>
@@ -3565,7 +3210,7 @@
                           <a:headEnd type="none" w="med" len="med"/>
                           <a:tailEnd type="none" w="med" len="med"/>
                         </a:lnT>
-                        <a:lnB w="12700" cap="flat" cmpd="sng" algn="ctr">
+                        <a:lnB w="28575" cap="flat" cmpd="sng" algn="ctr">
                           <a:solidFill>
                             <a:schemeClr val="tx1"/>
                           </a:solidFill>
@@ -3605,7 +3250,7 @@
                                 <m:sSub>
                                   <m:sSubPr>
                                     <m:ctrlPr>
-                                      <a:rPr lang="en-US" sz="1200" b="0" i="1" smtClean="0">
+                                      <a:rPr lang="en-US" sz="1400" b="0" i="1" smtClean="0">
                                         <a:solidFill>
                                           <a:schemeClr val="tx1"/>
                                         </a:solidFill>
@@ -3616,7 +3261,7 @@
                                   </m:sSubPr>
                                   <m:e>
                                     <m:r>
-                                      <a:rPr lang="en-US" sz="1200" b="0" i="1" smtClean="0">
+                                      <a:rPr lang="en-US" sz="1400" b="0" i="1" smtClean="0">
                                         <a:solidFill>
                                           <a:schemeClr val="tx1"/>
                                         </a:solidFill>
@@ -3628,7 +3273,7 @@
                                   </m:e>
                                   <m:sub>
                                     <m:r>
-                                      <a:rPr lang="en-US" sz="1200" b="0" i="1" smtClean="0">
+                                      <a:rPr lang="en-US" sz="1400" b="0" i="1" smtClean="0">
                                         <a:solidFill>
                                           <a:schemeClr val="tx1"/>
                                         </a:solidFill>
@@ -3640,7 +3285,7 @@
                                   </m:sub>
                                 </m:sSub>
                                 <m:r>
-                                  <a:rPr lang="en-US" sz="1200" b="0" i="1" smtClean="0">
+                                  <a:rPr lang="en-US" sz="1400" b="0" i="1" smtClean="0">
                                     <a:solidFill>
                                       <a:schemeClr val="tx1"/>
                                     </a:solidFill>
@@ -3652,7 +3297,7 @@
                                 <m:sSub>
                                   <m:sSubPr>
                                     <m:ctrlPr>
-                                      <a:rPr lang="en-US" sz="1200" b="0" i="1" smtClean="0">
+                                      <a:rPr lang="en-US" sz="1400" b="0" i="1" smtClean="0">
                                         <a:solidFill>
                                           <a:schemeClr val="tx1"/>
                                         </a:solidFill>
@@ -3663,7 +3308,7 @@
                                   </m:sSubPr>
                                   <m:e>
                                     <m:r>
-                                      <a:rPr lang="en-US" sz="1200" b="0" i="1" smtClean="0">
+                                      <a:rPr lang="en-US" sz="1400" b="0" i="1" smtClean="0">
                                         <a:solidFill>
                                           <a:schemeClr val="tx1"/>
                                         </a:solidFill>
@@ -3675,7 +3320,7 @@
                                   </m:e>
                                   <m:sub>
                                     <m:r>
-                                      <a:rPr lang="en-US" sz="1200" b="0" i="1" smtClean="0">
+                                      <a:rPr lang="en-US" sz="1400" b="0" i="1" smtClean="0">
                                         <a:solidFill>
                                           <a:schemeClr val="tx1"/>
                                         </a:solidFill>
@@ -3687,7 +3332,7 @@
                                   </m:sub>
                                 </m:sSub>
                                 <m:r>
-                                  <a:rPr lang="en-US" sz="1200" b="0" i="1" smtClean="0">
+                                  <a:rPr lang="en-US" sz="1400" b="0" i="1" smtClean="0">
                                     <a:solidFill>
                                       <a:schemeClr val="tx1"/>
                                     </a:solidFill>
@@ -3699,7 +3344,7 @@
                                 <m:sSub>
                                   <m:sSubPr>
                                     <m:ctrlPr>
-                                      <a:rPr lang="en-US" sz="1200" b="0" i="1" smtClean="0">
+                                      <a:rPr lang="en-US" sz="1400" b="0" i="1" smtClean="0">
                                         <a:solidFill>
                                           <a:schemeClr val="tx1"/>
                                         </a:solidFill>
@@ -3710,7 +3355,7 @@
                                   </m:sSubPr>
                                   <m:e>
                                     <m:r>
-                                      <a:rPr lang="en-US" sz="1200" b="0" i="1" smtClean="0">
+                                      <a:rPr lang="en-US" sz="1400" b="0" i="1" smtClean="0">
                                         <a:solidFill>
                                           <a:schemeClr val="tx1"/>
                                         </a:solidFill>
@@ -3722,7 +3367,7 @@
                                   </m:e>
                                   <m:sub>
                                     <m:r>
-                                      <a:rPr lang="en-US" sz="1200" b="0" i="1" smtClean="0">
+                                      <a:rPr lang="en-US" sz="1400" b="0" i="1" smtClean="0">
                                         <a:solidFill>
                                           <a:schemeClr val="tx1"/>
                                         </a:solidFill>
@@ -3736,7 +3381,7 @@
                               </m:oMath>
                             </m:oMathPara>
                           </a14:m>
-                          <a:endParaRPr lang="en-US" sz="1200" b="0" dirty="0">
+                          <a:endParaRPr lang="en-US" sz="1400" b="0" dirty="0">
                             <a:solidFill>
                               <a:schemeClr val="tx1"/>
                             </a:solidFill>
@@ -3746,25 +3391,21 @@
                         </a:p>
                       </a:txBody>
                       <a:tcPr anchor="ctr">
-                        <a:lnL w="12700" cap="flat" cmpd="sng" algn="ctr">
-                          <a:solidFill>
-                            <a:schemeClr val="tx1"/>
-                          </a:solidFill>
+                        <a:lnL w="28575" cap="flat" cmpd="sng" algn="ctr">
+                          <a:noFill/>
                           <a:prstDash val="solid"/>
                           <a:round/>
                           <a:headEnd type="none" w="med" len="med"/>
                           <a:tailEnd type="none" w="med" len="med"/>
                         </a:lnL>
-                        <a:lnR w="12700" cap="flat" cmpd="sng" algn="ctr">
-                          <a:solidFill>
-                            <a:schemeClr val="tx1"/>
-                          </a:solidFill>
+                        <a:lnR w="28575" cap="flat" cmpd="sng" algn="ctr">
+                          <a:noFill/>
                           <a:prstDash val="solid"/>
                           <a:round/>
                           <a:headEnd type="none" w="med" len="med"/>
                           <a:tailEnd type="none" w="med" len="med"/>
                         </a:lnR>
-                        <a:lnT w="12700" cap="flat" cmpd="sng" algn="ctr">
+                        <a:lnT w="28575" cap="flat" cmpd="sng" algn="ctr">
                           <a:solidFill>
                             <a:schemeClr val="tx1"/>
                           </a:solidFill>
@@ -3773,7 +3414,7 @@
                           <a:headEnd type="none" w="med" len="med"/>
                           <a:tailEnd type="none" w="med" len="med"/>
                         </a:lnT>
-                        <a:lnB w="12700" cap="flat" cmpd="sng" algn="ctr">
+                        <a:lnB w="28575" cap="flat" cmpd="sng" algn="ctr">
                           <a:solidFill>
                             <a:schemeClr val="tx1"/>
                           </a:solidFill>
@@ -3813,7 +3454,7 @@
                                 <m:sSub>
                                   <m:sSubPr>
                                     <m:ctrlPr>
-                                      <a:rPr lang="en-US" sz="1200" b="0" i="1" smtClean="0">
+                                      <a:rPr lang="en-US" sz="1400" b="0" i="1" smtClean="0">
                                         <a:solidFill>
                                           <a:schemeClr val="tx1"/>
                                         </a:solidFill>
@@ -3824,7 +3465,7 @@
                                   </m:sSubPr>
                                   <m:e>
                                     <m:r>
-                                      <a:rPr lang="en-US" sz="1200" b="0" i="1" smtClean="0">
+                                      <a:rPr lang="en-US" sz="1400" b="0" i="1" smtClean="0">
                                         <a:solidFill>
                                           <a:schemeClr val="tx1"/>
                                         </a:solidFill>
@@ -3836,7 +3477,7 @@
                                   </m:e>
                                   <m:sub>
                                     <m:r>
-                                      <a:rPr lang="en-US" sz="1200" b="0" i="1" smtClean="0">
+                                      <a:rPr lang="en-US" sz="1400" b="0" i="1" smtClean="0">
                                         <a:solidFill>
                                           <a:schemeClr val="tx1"/>
                                         </a:solidFill>
@@ -3848,7 +3489,7 @@
                                   </m:sub>
                                 </m:sSub>
                                 <m:r>
-                                  <a:rPr lang="en-US" sz="1200" b="0" i="1" smtClean="0">
+                                  <a:rPr lang="en-US" sz="1400" b="0" i="1" smtClean="0">
                                     <a:solidFill>
                                       <a:schemeClr val="tx1"/>
                                     </a:solidFill>
@@ -3860,7 +3501,7 @@
                                 <m:sSub>
                                   <m:sSubPr>
                                     <m:ctrlPr>
-                                      <a:rPr lang="en-US" sz="1200" b="0" i="1" smtClean="0">
+                                      <a:rPr lang="en-US" sz="1400" b="0" i="1" smtClean="0">
                                         <a:solidFill>
                                           <a:schemeClr val="tx1"/>
                                         </a:solidFill>
@@ -3871,7 +3512,7 @@
                                   </m:sSubPr>
                                   <m:e>
                                     <m:r>
-                                      <a:rPr lang="en-US" sz="1200" b="0" i="1" smtClean="0">
+                                      <a:rPr lang="en-US" sz="1400" b="0" i="1" smtClean="0">
                                         <a:solidFill>
                                           <a:schemeClr val="tx1"/>
                                         </a:solidFill>
@@ -3883,7 +3524,7 @@
                                   </m:e>
                                   <m:sub>
                                     <m:r>
-                                      <a:rPr lang="en-US" sz="1200" b="0" i="1" smtClean="0">
+                                      <a:rPr lang="en-US" sz="1400" b="0" i="1" smtClean="0">
                                         <a:solidFill>
                                           <a:schemeClr val="tx1"/>
                                         </a:solidFill>
@@ -3895,7 +3536,7 @@
                                   </m:sub>
                                 </m:sSub>
                                 <m:r>
-                                  <a:rPr lang="en-US" sz="1200" b="0" i="1" smtClean="0">
+                                  <a:rPr lang="en-US" sz="1400" b="0" i="1" smtClean="0">
                                     <a:solidFill>
                                       <a:schemeClr val="tx1"/>
                                     </a:solidFill>
@@ -3907,7 +3548,7 @@
                                 <m:sSub>
                                   <m:sSubPr>
                                     <m:ctrlPr>
-                                      <a:rPr lang="en-US" sz="1200" b="0" i="1" smtClean="0">
+                                      <a:rPr lang="en-US" sz="1400" b="0" i="1" smtClean="0">
                                         <a:solidFill>
                                           <a:schemeClr val="tx1"/>
                                         </a:solidFill>
@@ -3918,7 +3559,7 @@
                                   </m:sSubPr>
                                   <m:e>
                                     <m:r>
-                                      <a:rPr lang="en-US" sz="1200" b="0" i="1" smtClean="0">
+                                      <a:rPr lang="en-US" sz="1400" b="0" i="1" smtClean="0">
                                         <a:solidFill>
                                           <a:schemeClr val="tx1"/>
                                         </a:solidFill>
@@ -3930,7 +3571,7 @@
                                   </m:e>
                                   <m:sub>
                                     <m:r>
-                                      <a:rPr lang="en-US" sz="1200" b="0" i="1" smtClean="0">
+                                      <a:rPr lang="en-US" sz="1400" b="0" i="1" smtClean="0">
                                         <a:solidFill>
                                           <a:schemeClr val="tx1"/>
                                         </a:solidFill>
@@ -3944,7 +3585,7 @@
                               </m:oMath>
                             </m:oMathPara>
                           </a14:m>
-                          <a:endParaRPr lang="en-US" sz="1200" b="0" dirty="0">
+                          <a:endParaRPr lang="en-US" sz="1400" b="0" dirty="0">
                             <a:solidFill>
                               <a:schemeClr val="tx1"/>
                             </a:solidFill>
@@ -3954,16 +3595,14 @@
                         </a:p>
                       </a:txBody>
                       <a:tcPr anchor="ctr">
-                        <a:lnL w="12700" cap="flat" cmpd="sng" algn="ctr">
-                          <a:solidFill>
-                            <a:schemeClr val="tx1"/>
-                          </a:solidFill>
+                        <a:lnL w="28575" cap="flat" cmpd="sng" algn="ctr">
+                          <a:noFill/>
                           <a:prstDash val="solid"/>
                           <a:round/>
                           <a:headEnd type="none" w="med" len="med"/>
                           <a:tailEnd type="none" w="med" len="med"/>
                         </a:lnL>
-                        <a:lnR w="12700" cap="flat" cmpd="sng" algn="ctr">
+                        <a:lnR w="28575" cap="flat" cmpd="sng" algn="ctr">
                           <a:solidFill>
                             <a:schemeClr val="tx1"/>
                           </a:solidFill>
@@ -3972,7 +3611,7 @@
                           <a:headEnd type="none" w="med" len="med"/>
                           <a:tailEnd type="none" w="med" len="med"/>
                         </a:lnR>
-                        <a:lnT w="12700" cap="flat" cmpd="sng" algn="ctr">
+                        <a:lnT w="28575" cap="flat" cmpd="sng" algn="ctr">
                           <a:solidFill>
                             <a:schemeClr val="tx1"/>
                           </a:solidFill>
@@ -3981,7 +3620,7 @@
                           <a:headEnd type="none" w="med" len="med"/>
                           <a:tailEnd type="none" w="med" len="med"/>
                         </a:lnT>
-                        <a:lnB w="12700" cap="flat" cmpd="sng" algn="ctr">
+                        <a:lnB w="28575" cap="flat" cmpd="sng" algn="ctr">
                           <a:solidFill>
                             <a:schemeClr val="tx1"/>
                           </a:solidFill>
@@ -4033,13 +3672,13 @@
               <p:nvPr>
                 <p:extLst>
                   <p:ext uri="{D42A27DB-BD31-4B8C-83A1-F6EECF244321}">
-                    <p14:modId xmlns:p14="http://schemas.microsoft.com/office/powerpoint/2010/main" val="3421815079"/>
+                    <p14:modId xmlns:p14="http://schemas.microsoft.com/office/powerpoint/2010/main" val="447893488"/>
                   </p:ext>
                 </p:extLst>
               </p:nvPr>
             </p:nvGraphicFramePr>
             <p:xfrm>
-              <a:off x="1169898" y="1083937"/>
+              <a:off x="990518" y="1118442"/>
               <a:ext cx="5713503" cy="409888"/>
             </p:xfrm>
             <a:graphic>
@@ -4081,7 +3720,7 @@
                         </a:p>
                       </a:txBody>
                       <a:tcPr anchor="ctr">
-                        <a:lnL w="12700" cap="flat" cmpd="sng" algn="ctr">
+                        <a:lnL w="28575" cap="flat" cmpd="sng" algn="ctr">
                           <a:solidFill>
                             <a:schemeClr val="tx1"/>
                           </a:solidFill>
@@ -4090,16 +3729,14 @@
                           <a:headEnd type="none" w="med" len="med"/>
                           <a:tailEnd type="none" w="med" len="med"/>
                         </a:lnL>
-                        <a:lnR w="12700" cap="flat" cmpd="sng" algn="ctr">
-                          <a:solidFill>
-                            <a:schemeClr val="tx1"/>
-                          </a:solidFill>
+                        <a:lnR w="28575" cap="flat" cmpd="sng" algn="ctr">
+                          <a:noFill/>
                           <a:prstDash val="solid"/>
                           <a:round/>
                           <a:headEnd type="none" w="med" len="med"/>
                           <a:tailEnd type="none" w="med" len="med"/>
                         </a:lnR>
-                        <a:lnT w="12700" cap="flat" cmpd="sng" algn="ctr">
+                        <a:lnT w="28575" cap="flat" cmpd="sng" algn="ctr">
                           <a:solidFill>
                             <a:schemeClr val="tx1"/>
                           </a:solidFill>
@@ -4108,7 +3745,7 @@
                           <a:headEnd type="none" w="med" len="med"/>
                           <a:tailEnd type="none" w="med" len="med"/>
                         </a:lnT>
-                        <a:lnB w="12700" cap="flat" cmpd="sng" algn="ctr">
+                        <a:lnB w="28575" cap="flat" cmpd="sng" algn="ctr">
                           <a:solidFill>
                             <a:schemeClr val="tx1"/>
                           </a:solidFill>
@@ -4128,7 +3765,7 @@
                         <a:blipFill>
                           <a:blip r:embed="rId2"/>
                           <a:stretch>
-                            <a:fillRect l="-559" t="-1449" r="-425698" b="-2899"/>
+                            <a:fillRect l="-1117" t="-2941" r="-426816" b="-7353"/>
                           </a:stretch>
                         </a:blipFill>
                       </a:tcPr>
@@ -4142,25 +3779,21 @@
                         </a:p>
                       </a:txBody>
                       <a:tcPr anchor="ctr">
-                        <a:lnL w="12700" cap="flat" cmpd="sng" algn="ctr">
-                          <a:solidFill>
-                            <a:schemeClr val="tx1"/>
-                          </a:solidFill>
+                        <a:lnL w="28575" cap="flat" cmpd="sng" algn="ctr">
+                          <a:noFill/>
                           <a:prstDash val="solid"/>
                           <a:round/>
                           <a:headEnd type="none" w="med" len="med"/>
                           <a:tailEnd type="none" w="med" len="med"/>
                         </a:lnL>
-                        <a:lnR w="12700" cap="flat" cmpd="sng" algn="ctr">
-                          <a:solidFill>
-                            <a:schemeClr val="tx1"/>
-                          </a:solidFill>
+                        <a:lnR w="28575" cap="flat" cmpd="sng" algn="ctr">
+                          <a:noFill/>
                           <a:prstDash val="solid"/>
                           <a:round/>
                           <a:headEnd type="none" w="med" len="med"/>
                           <a:tailEnd type="none" w="med" len="med"/>
                         </a:lnR>
-                        <a:lnT w="12700" cap="flat" cmpd="sng" algn="ctr">
+                        <a:lnT w="28575" cap="flat" cmpd="sng" algn="ctr">
                           <a:solidFill>
                             <a:schemeClr val="tx1"/>
                           </a:solidFill>
@@ -4169,7 +3802,7 @@
                           <a:headEnd type="none" w="med" len="med"/>
                           <a:tailEnd type="none" w="med" len="med"/>
                         </a:lnT>
-                        <a:lnB w="12700" cap="flat" cmpd="sng" algn="ctr">
+                        <a:lnB w="28575" cap="flat" cmpd="sng" algn="ctr">
                           <a:solidFill>
                             <a:schemeClr val="tx1"/>
                           </a:solidFill>
@@ -4189,7 +3822,7 @@
                         <a:blipFill>
                           <a:blip r:embed="rId2"/>
                           <a:stretch>
-                            <a:fillRect l="-90452" t="-1449" r="-282915" b="-2899"/>
+                            <a:fillRect l="-91414" t="-2941" r="-285859" b="-7353"/>
                           </a:stretch>
                         </a:blipFill>
                       </a:tcPr>
@@ -4203,16 +3836,14 @@
                         </a:p>
                       </a:txBody>
                       <a:tcPr anchor="ctr">
-                        <a:lnL w="12700" cap="flat" cmpd="sng" algn="ctr">
-                          <a:solidFill>
-                            <a:schemeClr val="tx1"/>
-                          </a:solidFill>
+                        <a:lnL w="28575" cap="flat" cmpd="sng" algn="ctr">
+                          <a:noFill/>
                           <a:prstDash val="solid"/>
                           <a:round/>
                           <a:headEnd type="none" w="med" len="med"/>
                           <a:tailEnd type="none" w="med" len="med"/>
                         </a:lnL>
-                        <a:lnR w="12700" cap="flat" cmpd="sng" algn="ctr">
+                        <a:lnR w="28575" cap="flat" cmpd="sng" algn="ctr">
                           <a:solidFill>
                             <a:schemeClr val="tx1"/>
                           </a:solidFill>
@@ -4221,7 +3852,7 @@
                           <a:headEnd type="none" w="med" len="med"/>
                           <a:tailEnd type="none" w="med" len="med"/>
                         </a:lnR>
-                        <a:lnT w="12700" cap="flat" cmpd="sng" algn="ctr">
+                        <a:lnT w="28575" cap="flat" cmpd="sng" algn="ctr">
                           <a:solidFill>
                             <a:schemeClr val="tx1"/>
                           </a:solidFill>
@@ -4230,7 +3861,7 @@
                           <a:headEnd type="none" w="med" len="med"/>
                           <a:tailEnd type="none" w="med" len="med"/>
                         </a:lnT>
-                        <a:lnB w="12700" cap="flat" cmpd="sng" algn="ctr">
+                        <a:lnB w="28575" cap="flat" cmpd="sng" algn="ctr">
                           <a:solidFill>
                             <a:schemeClr val="tx1"/>
                           </a:solidFill>
@@ -4250,7 +3881,7 @@
                         <a:blipFill>
                           <a:blip r:embed="rId2"/>
                           <a:stretch>
-                            <a:fillRect l="-67558" t="-1449" r="-357" b="-2899"/>
+                            <a:fillRect l="-67558" t="-2941" r="-891" b="-7353"/>
                           </a:stretch>
                         </a:blipFill>
                       </a:tcPr>
@@ -4285,7 +3916,7 @@
         </p:nvCxnSpPr>
         <p:spPr>
           <a:xfrm rot="16200000" flipH="1">
-            <a:off x="6701865" y="1083938"/>
+            <a:off x="6522483" y="1118445"/>
             <a:ext cx="181536" cy="181535"/>
           </a:xfrm>
           <a:prstGeom prst="curvedConnector4">
@@ -4294,7 +3925,7 @@
               <a:gd name="adj2" fmla="val 225926"/>
             </a:avLst>
           </a:prstGeom>
-          <a:ln w="19050">
+          <a:ln w="28575">
             <a:solidFill>
               <a:schemeClr val="tx1"/>
             </a:solidFill>
@@ -4330,7 +3961,7 @@
         </p:nvSpPr>
         <p:spPr>
           <a:xfrm>
-            <a:off x="6520330" y="1083937"/>
+            <a:off x="6340950" y="1118444"/>
             <a:ext cx="363071" cy="363071"/>
           </a:xfrm>
           <a:prstGeom prst="ellipse">
@@ -4362,7 +3993,10 @@
           <a:lstStyle/>
           <a:p>
             <a:pPr algn="ctr"/>
-            <a:endParaRPr lang="en-US"/>
+            <a:endParaRPr lang="en-US" sz="1400">
+              <a:latin typeface="Calibri" panose="020F0502020204030204" pitchFamily="34" charset="0"/>
+              <a:cs typeface="Calibri" panose="020F0502020204030204" pitchFamily="34" charset="0"/>
+            </a:endParaRPr>
           </a:p>
         </p:txBody>
       </p:sp>
@@ -4383,13 +4017,13 @@
               <p:nvPr>
                 <p:extLst>
                   <p:ext uri="{D42A27DB-BD31-4B8C-83A1-F6EECF244321}">
-                    <p14:modId xmlns:p14="http://schemas.microsoft.com/office/powerpoint/2010/main" val="216325143"/>
+                    <p14:modId xmlns:p14="http://schemas.microsoft.com/office/powerpoint/2010/main" val="3067290821"/>
                   </p:ext>
                 </p:extLst>
               </p:nvPr>
             </p:nvGraphicFramePr>
             <p:xfrm>
-              <a:off x="1169897" y="2231419"/>
+              <a:off x="990517" y="2265924"/>
               <a:ext cx="9102163" cy="409888"/>
             </p:xfrm>
             <a:graphic>
@@ -4444,7 +4078,7 @@
                                 <m:sSub>
                                   <m:sSubPr>
                                     <m:ctrlPr>
-                                      <a:rPr lang="en-US" sz="1200" b="0" i="1" smtClean="0">
+                                      <a:rPr lang="en-US" sz="1400" b="0" i="1" smtClean="0">
                                         <a:solidFill>
                                           <a:schemeClr val="tx1"/>
                                         </a:solidFill>
@@ -4455,7 +4089,7 @@
                                   </m:sSubPr>
                                   <m:e>
                                     <m:r>
-                                      <a:rPr lang="en-US" sz="1200" b="0" i="1" smtClean="0">
+                                      <a:rPr lang="en-US" sz="1400" b="0" i="1" smtClean="0">
                                         <a:solidFill>
                                           <a:schemeClr val="tx1"/>
                                         </a:solidFill>
@@ -4467,7 +4101,7 @@
                                   </m:e>
                                   <m:sub>
                                     <m:r>
-                                      <a:rPr lang="en-US" sz="1200" b="0" i="1" smtClean="0">
+                                      <a:rPr lang="en-US" sz="1400" b="0" i="1" smtClean="0">
                                         <a:solidFill>
                                           <a:schemeClr val="tx1"/>
                                         </a:solidFill>
@@ -4479,7 +4113,7 @@
                                   </m:sub>
                                 </m:sSub>
                                 <m:r>
-                                  <a:rPr lang="en-US" sz="1200" b="0" i="1" smtClean="0">
+                                  <a:rPr lang="en-US" sz="1400" b="0" i="1" smtClean="0">
                                     <a:solidFill>
                                       <a:schemeClr val="tx1"/>
                                     </a:solidFill>
@@ -4491,7 +4125,7 @@
                                 <m:sSub>
                                   <m:sSubPr>
                                     <m:ctrlPr>
-                                      <a:rPr lang="en-US" sz="1200" b="0" i="1" smtClean="0">
+                                      <a:rPr lang="en-US" sz="1400" b="0" i="1" smtClean="0">
                                         <a:solidFill>
                                           <a:schemeClr val="tx1"/>
                                         </a:solidFill>
@@ -4502,7 +4136,7 @@
                                   </m:sSubPr>
                                   <m:e>
                                     <m:r>
-                                      <a:rPr lang="en-US" sz="1200" b="0" i="1" smtClean="0">
+                                      <a:rPr lang="en-US" sz="1400" b="0" i="1" smtClean="0">
                                         <a:solidFill>
                                           <a:schemeClr val="tx1"/>
                                         </a:solidFill>
@@ -4514,7 +4148,7 @@
                                   </m:e>
                                   <m:sub>
                                     <m:r>
-                                      <a:rPr lang="en-US" sz="1200" b="0" i="1" smtClean="0">
+                                      <a:rPr lang="en-US" sz="1400" b="0" i="1" smtClean="0">
                                         <a:solidFill>
                                           <a:schemeClr val="tx1"/>
                                         </a:solidFill>
@@ -4526,7 +4160,7 @@
                                   </m:sub>
                                 </m:sSub>
                                 <m:r>
-                                  <a:rPr lang="en-US" sz="1200" b="0" i="1" smtClean="0">
+                                  <a:rPr lang="en-US" sz="1400" b="0" i="1" smtClean="0">
                                     <a:solidFill>
                                       <a:schemeClr val="tx1"/>
                                     </a:solidFill>
@@ -4538,7 +4172,7 @@
                                 <m:sSub>
                                   <m:sSubPr>
                                     <m:ctrlPr>
-                                      <a:rPr lang="en-US" sz="1200" b="0" i="1" smtClean="0">
+                                      <a:rPr lang="en-US" sz="1400" b="0" i="1" smtClean="0">
                                         <a:solidFill>
                                           <a:schemeClr val="tx1"/>
                                         </a:solidFill>
@@ -4549,7 +4183,7 @@
                                   </m:sSubPr>
                                   <m:e>
                                     <m:r>
-                                      <a:rPr lang="en-US" sz="1200" b="0" i="1" smtClean="0">
+                                      <a:rPr lang="en-US" sz="1400" b="0" i="1" smtClean="0">
                                         <a:solidFill>
                                           <a:schemeClr val="tx1"/>
                                         </a:solidFill>
@@ -4561,7 +4195,7 @@
                                   </m:e>
                                   <m:sub>
                                     <m:r>
-                                      <a:rPr lang="en-US" sz="1200" b="0" i="1" smtClean="0">
+                                      <a:rPr lang="en-US" sz="1400" b="0" i="1" smtClean="0">
                                         <a:solidFill>
                                           <a:schemeClr val="tx1"/>
                                         </a:solidFill>
@@ -4575,7 +4209,7 @@
                               </m:oMath>
                             </m:oMathPara>
                           </a14:m>
-                          <a:endParaRPr lang="en-US" sz="1200" b="0" dirty="0">
+                          <a:endParaRPr lang="en-US" sz="1400" b="0" dirty="0">
                             <a:solidFill>
                               <a:schemeClr val="tx1"/>
                             </a:solidFill>
@@ -4585,7 +4219,7 @@
                         </a:p>
                       </a:txBody>
                       <a:tcPr anchor="ctr">
-                        <a:lnL w="12700" cap="flat" cmpd="sng" algn="ctr">
+                        <a:lnL w="28575" cap="flat" cmpd="sng" algn="ctr">
                           <a:solidFill>
                             <a:schemeClr val="tx1"/>
                           </a:solidFill>
@@ -4594,16 +4228,14 @@
                           <a:headEnd type="none" w="med" len="med"/>
                           <a:tailEnd type="none" w="med" len="med"/>
                         </a:lnL>
-                        <a:lnR w="12700" cap="flat" cmpd="sng" algn="ctr">
-                          <a:solidFill>
-                            <a:schemeClr val="tx1"/>
-                          </a:solidFill>
+                        <a:lnR w="28575" cap="flat" cmpd="sng" algn="ctr">
+                          <a:noFill/>
                           <a:prstDash val="solid"/>
                           <a:round/>
                           <a:headEnd type="none" w="med" len="med"/>
                           <a:tailEnd type="none" w="med" len="med"/>
                         </a:lnR>
-                        <a:lnT w="12700" cap="flat" cmpd="sng" algn="ctr">
+                        <a:lnT w="28575" cap="flat" cmpd="sng" algn="ctr">
                           <a:solidFill>
                             <a:schemeClr val="tx1"/>
                           </a:solidFill>
@@ -4612,7 +4244,7 @@
                           <a:headEnd type="none" w="med" len="med"/>
                           <a:tailEnd type="none" w="med" len="med"/>
                         </a:lnT>
-                        <a:lnB w="12700" cap="flat" cmpd="sng" algn="ctr">
+                        <a:lnB w="28575" cap="flat" cmpd="sng" algn="ctr">
                           <a:solidFill>
                             <a:schemeClr val="tx1"/>
                           </a:solidFill>
@@ -4652,7 +4284,7 @@
                                 <m:sSub>
                                   <m:sSubPr>
                                     <m:ctrlPr>
-                                      <a:rPr lang="en-US" sz="1200" b="0" i="1" smtClean="0">
+                                      <a:rPr lang="en-US" sz="1400" b="0" i="1" smtClean="0">
                                         <a:solidFill>
                                           <a:schemeClr val="tx1"/>
                                         </a:solidFill>
@@ -4663,7 +4295,7 @@
                                   </m:sSubPr>
                                   <m:e>
                                     <m:r>
-                                      <a:rPr lang="en-US" sz="1200" b="0" i="1" smtClean="0">
+                                      <a:rPr lang="en-US" sz="1400" b="0" i="1" smtClean="0">
                                         <a:solidFill>
                                           <a:schemeClr val="tx1"/>
                                         </a:solidFill>
@@ -4675,7 +4307,7 @@
                                   </m:e>
                                   <m:sub>
                                     <m:r>
-                                      <a:rPr lang="en-US" sz="1200" b="0" i="1" smtClean="0">
+                                      <a:rPr lang="en-US" sz="1400" b="0" i="1" smtClean="0">
                                         <a:solidFill>
                                           <a:schemeClr val="tx1"/>
                                         </a:solidFill>
@@ -4687,7 +4319,7 @@
                                   </m:sub>
                                 </m:sSub>
                                 <m:r>
-                                  <a:rPr lang="en-US" sz="1200" b="0" i="1" smtClean="0">
+                                  <a:rPr lang="en-US" sz="1400" b="0" i="1" smtClean="0">
                                     <a:solidFill>
                                       <a:schemeClr val="tx1"/>
                                     </a:solidFill>
@@ -4699,7 +4331,7 @@
                                 <m:sSub>
                                   <m:sSubPr>
                                     <m:ctrlPr>
-                                      <a:rPr lang="en-US" sz="1200" b="0" i="1" smtClean="0">
+                                      <a:rPr lang="en-US" sz="1400" b="0" i="1" smtClean="0">
                                         <a:solidFill>
                                           <a:schemeClr val="tx1"/>
                                         </a:solidFill>
@@ -4710,7 +4342,7 @@
                                   </m:sSubPr>
                                   <m:e>
                                     <m:r>
-                                      <a:rPr lang="en-US" sz="1200" b="0" i="1" smtClean="0">
+                                      <a:rPr lang="en-US" sz="1400" b="0" i="1" smtClean="0">
                                         <a:solidFill>
                                           <a:schemeClr val="tx1"/>
                                         </a:solidFill>
@@ -4722,7 +4354,7 @@
                                   </m:e>
                                   <m:sub>
                                     <m:r>
-                                      <a:rPr lang="en-US" sz="1200" b="0" i="1" smtClean="0">
+                                      <a:rPr lang="en-US" sz="1400" b="0" i="1" smtClean="0">
                                         <a:solidFill>
                                           <a:schemeClr val="tx1"/>
                                         </a:solidFill>
@@ -4734,7 +4366,7 @@
                                   </m:sub>
                                 </m:sSub>
                                 <m:r>
-                                  <a:rPr lang="en-US" sz="1200" b="0" i="1" smtClean="0">
+                                  <a:rPr lang="en-US" sz="1400" b="0" i="1" smtClean="0">
                                     <a:solidFill>
                                       <a:schemeClr val="tx1"/>
                                     </a:solidFill>
@@ -4746,7 +4378,7 @@
                                 <m:sSub>
                                   <m:sSubPr>
                                     <m:ctrlPr>
-                                      <a:rPr lang="en-US" sz="1200" b="0" i="1" smtClean="0">
+                                      <a:rPr lang="en-US" sz="1400" b="0" i="1" smtClean="0">
                                         <a:solidFill>
                                           <a:schemeClr val="tx1"/>
                                         </a:solidFill>
@@ -4757,7 +4389,7 @@
                                   </m:sSubPr>
                                   <m:e>
                                     <m:r>
-                                      <a:rPr lang="en-US" sz="1200" b="0" i="1" smtClean="0">
+                                      <a:rPr lang="en-US" sz="1400" b="0" i="1" smtClean="0">
                                         <a:solidFill>
                                           <a:schemeClr val="tx1"/>
                                         </a:solidFill>
@@ -4769,7 +4401,7 @@
                                   </m:e>
                                   <m:sub>
                                     <m:r>
-                                      <a:rPr lang="en-US" sz="1200" b="0" i="1" smtClean="0">
+                                      <a:rPr lang="en-US" sz="1400" b="0" i="1" smtClean="0">
                                         <a:solidFill>
                                           <a:schemeClr val="tx1"/>
                                         </a:solidFill>
@@ -4783,7 +4415,7 @@
                               </m:oMath>
                             </m:oMathPara>
                           </a14:m>
-                          <a:endParaRPr lang="en-US" sz="1200" b="0" dirty="0">
+                          <a:endParaRPr lang="en-US" sz="1400" b="0" dirty="0">
                             <a:solidFill>
                               <a:schemeClr val="tx1"/>
                             </a:solidFill>
@@ -4793,25 +4425,21 @@
                         </a:p>
                       </a:txBody>
                       <a:tcPr anchor="ctr">
-                        <a:lnL w="12700" cap="flat" cmpd="sng" algn="ctr">
-                          <a:solidFill>
-                            <a:schemeClr val="tx1"/>
-                          </a:solidFill>
+                        <a:lnL w="28575" cap="flat" cmpd="sng" algn="ctr">
+                          <a:noFill/>
                           <a:prstDash val="solid"/>
                           <a:round/>
                           <a:headEnd type="none" w="med" len="med"/>
                           <a:tailEnd type="none" w="med" len="med"/>
                         </a:lnL>
-                        <a:lnR w="12700" cap="flat" cmpd="sng" algn="ctr">
-                          <a:solidFill>
-                            <a:schemeClr val="tx1"/>
-                          </a:solidFill>
+                        <a:lnR w="28575" cap="flat" cmpd="sng" algn="ctr">
+                          <a:noFill/>
                           <a:prstDash val="solid"/>
                           <a:round/>
                           <a:headEnd type="none" w="med" len="med"/>
                           <a:tailEnd type="none" w="med" len="med"/>
                         </a:lnR>
-                        <a:lnT w="12700" cap="flat" cmpd="sng" algn="ctr">
+                        <a:lnT w="28575" cap="flat" cmpd="sng" algn="ctr">
                           <a:solidFill>
                             <a:schemeClr val="tx1"/>
                           </a:solidFill>
@@ -4820,7 +4448,7 @@
                           <a:headEnd type="none" w="med" len="med"/>
                           <a:tailEnd type="none" w="med" len="med"/>
                         </a:lnT>
-                        <a:lnB w="12700" cap="flat" cmpd="sng" algn="ctr">
+                        <a:lnB w="28575" cap="flat" cmpd="sng" algn="ctr">
                           <a:solidFill>
                             <a:schemeClr val="tx1"/>
                           </a:solidFill>
@@ -4860,7 +4488,7 @@
                                 <m:sSub>
                                   <m:sSubPr>
                                     <m:ctrlPr>
-                                      <a:rPr lang="en-US" sz="1200" b="0" i="1" smtClean="0">
+                                      <a:rPr lang="en-US" sz="1400" b="0" i="1" smtClean="0">
                                         <a:solidFill>
                                           <a:schemeClr val="tx1"/>
                                         </a:solidFill>
@@ -4871,7 +4499,7 @@
                                   </m:sSubPr>
                                   <m:e>
                                     <m:r>
-                                      <a:rPr lang="en-US" sz="1200" b="0" i="1" smtClean="0">
+                                      <a:rPr lang="en-US" sz="1400" b="0" i="1" smtClean="0">
                                         <a:solidFill>
                                           <a:schemeClr val="tx1"/>
                                         </a:solidFill>
@@ -4883,7 +4511,7 @@
                                   </m:e>
                                   <m:sub>
                                     <m:r>
-                                      <a:rPr lang="en-US" sz="1200" b="0" i="1" smtClean="0">
+                                      <a:rPr lang="en-US" sz="1400" b="0" i="1" smtClean="0">
                                         <a:solidFill>
                                           <a:schemeClr val="tx1"/>
                                         </a:solidFill>
@@ -4895,7 +4523,7 @@
                                   </m:sub>
                                 </m:sSub>
                                 <m:r>
-                                  <a:rPr lang="en-US" sz="1200" b="0" i="1" smtClean="0">
+                                  <a:rPr lang="en-US" sz="1400" b="0" i="1" smtClean="0">
                                     <a:solidFill>
                                       <a:schemeClr val="tx1"/>
                                     </a:solidFill>
@@ -4907,7 +4535,7 @@
                                 <m:sSub>
                                   <m:sSubPr>
                                     <m:ctrlPr>
-                                      <a:rPr lang="en-US" sz="1200" b="0" i="1" smtClean="0">
+                                      <a:rPr lang="en-US" sz="1400" b="0" i="1" smtClean="0">
                                         <a:solidFill>
                                           <a:schemeClr val="tx1"/>
                                         </a:solidFill>
@@ -4918,7 +4546,7 @@
                                   </m:sSubPr>
                                   <m:e>
                                     <m:r>
-                                      <a:rPr lang="en-US" sz="1200" b="0" i="1" smtClean="0">
+                                      <a:rPr lang="en-US" sz="1400" b="0" i="1" smtClean="0">
                                         <a:solidFill>
                                           <a:schemeClr val="tx1"/>
                                         </a:solidFill>
@@ -4930,7 +4558,7 @@
                                   </m:e>
                                   <m:sub>
                                     <m:r>
-                                      <a:rPr lang="en-US" sz="1200" b="0" i="1" smtClean="0">
+                                      <a:rPr lang="en-US" sz="1400" b="0" i="1" smtClean="0">
                                         <a:solidFill>
                                           <a:schemeClr val="tx1"/>
                                         </a:solidFill>
@@ -4942,7 +4570,7 @@
                                   </m:sub>
                                 </m:sSub>
                                 <m:r>
-                                  <a:rPr lang="en-US" sz="1200" b="0" i="1" smtClean="0">
+                                  <a:rPr lang="en-US" sz="1400" b="0" i="1" smtClean="0">
                                     <a:solidFill>
                                       <a:schemeClr val="tx1"/>
                                     </a:solidFill>
@@ -4954,7 +4582,7 @@
                                 <m:sSub>
                                   <m:sSubPr>
                                     <m:ctrlPr>
-                                      <a:rPr lang="en-US" sz="1200" b="0" i="1" smtClean="0">
+                                      <a:rPr lang="en-US" sz="1400" b="0" i="1" smtClean="0">
                                         <a:solidFill>
                                           <a:schemeClr val="tx1"/>
                                         </a:solidFill>
@@ -4965,7 +4593,7 @@
                                   </m:sSubPr>
                                   <m:e>
                                     <m:r>
-                                      <a:rPr lang="en-US" sz="1200" b="0" i="1" smtClean="0">
+                                      <a:rPr lang="en-US" sz="1400" b="0" i="1" smtClean="0">
                                         <a:solidFill>
                                           <a:schemeClr val="tx1"/>
                                         </a:solidFill>
@@ -4977,7 +4605,7 @@
                                   </m:e>
                                   <m:sub>
                                     <m:r>
-                                      <a:rPr lang="en-US" sz="1200" b="0" i="1" smtClean="0">
+                                      <a:rPr lang="en-US" sz="1400" b="0" i="1" smtClean="0">
                                         <a:solidFill>
                                           <a:schemeClr val="tx1"/>
                                         </a:solidFill>
@@ -4991,7 +4619,7 @@
                               </m:oMath>
                             </m:oMathPara>
                           </a14:m>
-                          <a:endParaRPr lang="en-US" sz="1200" b="0" dirty="0">
+                          <a:endParaRPr lang="en-US" sz="1400" b="0" dirty="0">
                             <a:solidFill>
                               <a:schemeClr val="tx1"/>
                             </a:solidFill>
@@ -5001,25 +4629,21 @@
                         </a:p>
                       </a:txBody>
                       <a:tcPr anchor="ctr">
-                        <a:lnL w="12700" cap="flat" cmpd="sng" algn="ctr">
-                          <a:solidFill>
-                            <a:schemeClr val="tx1"/>
-                          </a:solidFill>
+                        <a:lnL w="28575" cap="flat" cmpd="sng" algn="ctr">
+                          <a:noFill/>
                           <a:prstDash val="solid"/>
                           <a:round/>
                           <a:headEnd type="none" w="med" len="med"/>
                           <a:tailEnd type="none" w="med" len="med"/>
                         </a:lnL>
-                        <a:lnR w="12700" cap="flat" cmpd="sng" algn="ctr">
-                          <a:solidFill>
-                            <a:schemeClr val="tx1"/>
-                          </a:solidFill>
+                        <a:lnR w="28575" cap="flat" cmpd="sng" algn="ctr">
+                          <a:noFill/>
                           <a:prstDash val="solid"/>
                           <a:round/>
                           <a:headEnd type="none" w="med" len="med"/>
                           <a:tailEnd type="none" w="med" len="med"/>
                         </a:lnR>
-                        <a:lnT w="12700" cap="flat" cmpd="sng" algn="ctr">
+                        <a:lnT w="28575" cap="flat" cmpd="sng" algn="ctr">
                           <a:solidFill>
                             <a:schemeClr val="tx1"/>
                           </a:solidFill>
@@ -5028,7 +4652,7 @@
                           <a:headEnd type="none" w="med" len="med"/>
                           <a:tailEnd type="none" w="med" len="med"/>
                         </a:lnT>
-                        <a:lnB w="12700" cap="flat" cmpd="sng" algn="ctr">
+                        <a:lnB w="28575" cap="flat" cmpd="sng" algn="ctr">
                           <a:solidFill>
                             <a:schemeClr val="tx1"/>
                           </a:solidFill>
@@ -5060,7 +4684,7 @@
                         <a:p>
                           <a:pPr algn="ctr"/>
                           <a:r>
-                            <a:rPr lang="en-US" sz="1200" b="0" dirty="0">
+                            <a:rPr lang="en-US" sz="1400" b="1" dirty="0">
                               <a:solidFill>
                                 <a:schemeClr val="tx1"/>
                               </a:solidFill>
@@ -5072,16 +4696,14 @@
                         </a:p>
                       </a:txBody>
                       <a:tcPr anchor="ctr">
-                        <a:lnL w="12700" cap="flat" cmpd="sng" algn="ctr">
-                          <a:solidFill>
-                            <a:schemeClr val="tx1"/>
-                          </a:solidFill>
+                        <a:lnL w="28575" cap="flat" cmpd="sng" algn="ctr">
+                          <a:noFill/>
                           <a:prstDash val="solid"/>
                           <a:round/>
                           <a:headEnd type="none" w="med" len="med"/>
                           <a:tailEnd type="none" w="med" len="med"/>
                         </a:lnL>
-                        <a:lnR w="12700" cap="flat" cmpd="sng" algn="ctr">
+                        <a:lnR w="28575" cap="flat" cmpd="sng" algn="ctr">
                           <a:solidFill>
                             <a:schemeClr val="tx1"/>
                           </a:solidFill>
@@ -5090,7 +4712,7 @@
                           <a:headEnd type="none" w="med" len="med"/>
                           <a:tailEnd type="none" w="med" len="med"/>
                         </a:lnR>
-                        <a:lnT w="12700" cap="flat" cmpd="sng" algn="ctr">
+                        <a:lnT w="28575" cap="flat" cmpd="sng" algn="ctr">
                           <a:solidFill>
                             <a:schemeClr val="tx1"/>
                           </a:solidFill>
@@ -5099,7 +4721,7 @@
                           <a:headEnd type="none" w="med" len="med"/>
                           <a:tailEnd type="none" w="med" len="med"/>
                         </a:lnT>
-                        <a:lnB w="12700" cap="flat" cmpd="sng" algn="ctr">
+                        <a:lnB w="28575" cap="flat" cmpd="sng" algn="ctr">
                           <a:solidFill>
                             <a:schemeClr val="tx1"/>
                           </a:solidFill>
@@ -5151,13 +4773,13 @@
               <p:nvPr>
                 <p:extLst>
                   <p:ext uri="{D42A27DB-BD31-4B8C-83A1-F6EECF244321}">
-                    <p14:modId xmlns:p14="http://schemas.microsoft.com/office/powerpoint/2010/main" val="216325143"/>
+                    <p14:modId xmlns:p14="http://schemas.microsoft.com/office/powerpoint/2010/main" val="3067290821"/>
                   </p:ext>
                 </p:extLst>
               </p:nvPr>
             </p:nvGraphicFramePr>
             <p:xfrm>
-              <a:off x="1169897" y="2231419"/>
+              <a:off x="990517" y="2265924"/>
               <a:ext cx="9102163" cy="409888"/>
             </p:xfrm>
             <a:graphic>
@@ -5206,7 +4828,7 @@
                         </a:p>
                       </a:txBody>
                       <a:tcPr anchor="ctr">
-                        <a:lnL w="12700" cap="flat" cmpd="sng" algn="ctr">
+                        <a:lnL w="28575" cap="flat" cmpd="sng" algn="ctr">
                           <a:solidFill>
                             <a:schemeClr val="tx1"/>
                           </a:solidFill>
@@ -5215,16 +4837,14 @@
                           <a:headEnd type="none" w="med" len="med"/>
                           <a:tailEnd type="none" w="med" len="med"/>
                         </a:lnL>
-                        <a:lnR w="12700" cap="flat" cmpd="sng" algn="ctr">
-                          <a:solidFill>
-                            <a:schemeClr val="tx1"/>
-                          </a:solidFill>
+                        <a:lnR w="28575" cap="flat" cmpd="sng" algn="ctr">
+                          <a:noFill/>
                           <a:prstDash val="solid"/>
                           <a:round/>
                           <a:headEnd type="none" w="med" len="med"/>
                           <a:tailEnd type="none" w="med" len="med"/>
                         </a:lnR>
-                        <a:lnT w="12700" cap="flat" cmpd="sng" algn="ctr">
+                        <a:lnT w="28575" cap="flat" cmpd="sng" algn="ctr">
                           <a:solidFill>
                             <a:schemeClr val="tx1"/>
                           </a:solidFill>
@@ -5233,7 +4853,7 @@
                           <a:headEnd type="none" w="med" len="med"/>
                           <a:tailEnd type="none" w="med" len="med"/>
                         </a:lnT>
-                        <a:lnB w="12700" cap="flat" cmpd="sng" algn="ctr">
+                        <a:lnB w="28575" cap="flat" cmpd="sng" algn="ctr">
                           <a:solidFill>
                             <a:schemeClr val="tx1"/>
                           </a:solidFill>
@@ -5253,7 +4873,7 @@
                         <a:blipFill>
                           <a:blip r:embed="rId3"/>
                           <a:stretch>
-                            <a:fillRect l="-562" t="-1471" r="-741011" b="-2941"/>
+                            <a:fillRect l="-1124" t="-2941" r="-742135" b="-7353"/>
                           </a:stretch>
                         </a:blipFill>
                       </a:tcPr>
@@ -5267,25 +4887,21 @@
                         </a:p>
                       </a:txBody>
                       <a:tcPr anchor="ctr">
-                        <a:lnL w="12700" cap="flat" cmpd="sng" algn="ctr">
-                          <a:solidFill>
-                            <a:schemeClr val="tx1"/>
-                          </a:solidFill>
+                        <a:lnL w="28575" cap="flat" cmpd="sng" algn="ctr">
+                          <a:noFill/>
                           <a:prstDash val="solid"/>
                           <a:round/>
                           <a:headEnd type="none" w="med" len="med"/>
                           <a:tailEnd type="none" w="med" len="med"/>
                         </a:lnL>
-                        <a:lnR w="12700" cap="flat" cmpd="sng" algn="ctr">
-                          <a:solidFill>
-                            <a:schemeClr val="tx1"/>
-                          </a:solidFill>
+                        <a:lnR w="28575" cap="flat" cmpd="sng" algn="ctr">
+                          <a:noFill/>
                           <a:prstDash val="solid"/>
                           <a:round/>
                           <a:headEnd type="none" w="med" len="med"/>
                           <a:tailEnd type="none" w="med" len="med"/>
                         </a:lnR>
-                        <a:lnT w="12700" cap="flat" cmpd="sng" algn="ctr">
+                        <a:lnT w="28575" cap="flat" cmpd="sng" algn="ctr">
                           <a:solidFill>
                             <a:schemeClr val="tx1"/>
                           </a:solidFill>
@@ -5294,7 +4910,7 @@
                           <a:headEnd type="none" w="med" len="med"/>
                           <a:tailEnd type="none" w="med" len="med"/>
                         </a:lnT>
-                        <a:lnB w="12700" cap="flat" cmpd="sng" algn="ctr">
+                        <a:lnB w="28575" cap="flat" cmpd="sng" algn="ctr">
                           <a:solidFill>
                             <a:schemeClr val="tx1"/>
                           </a:solidFill>
@@ -5314,7 +4930,7 @@
                         <a:blipFill>
                           <a:blip r:embed="rId3"/>
                           <a:stretch>
-                            <a:fillRect l="-90404" t="-1471" r="-566162" b="-2941"/>
+                            <a:fillRect l="-90909" t="-2941" r="-567172" b="-7353"/>
                           </a:stretch>
                         </a:blipFill>
                       </a:tcPr>
@@ -5328,25 +4944,21 @@
                         </a:p>
                       </a:txBody>
                       <a:tcPr anchor="ctr">
-                        <a:lnL w="12700" cap="flat" cmpd="sng" algn="ctr">
-                          <a:solidFill>
-                            <a:schemeClr val="tx1"/>
-                          </a:solidFill>
+                        <a:lnL w="28575" cap="flat" cmpd="sng" algn="ctr">
+                          <a:noFill/>
                           <a:prstDash val="solid"/>
                           <a:round/>
                           <a:headEnd type="none" w="med" len="med"/>
                           <a:tailEnd type="none" w="med" len="med"/>
                         </a:lnL>
-                        <a:lnR w="12700" cap="flat" cmpd="sng" algn="ctr">
-                          <a:solidFill>
-                            <a:schemeClr val="tx1"/>
-                          </a:solidFill>
+                        <a:lnR w="28575" cap="flat" cmpd="sng" algn="ctr">
+                          <a:noFill/>
                           <a:prstDash val="solid"/>
                           <a:round/>
                           <a:headEnd type="none" w="med" len="med"/>
                           <a:tailEnd type="none" w="med" len="med"/>
                         </a:lnR>
-                        <a:lnT w="12700" cap="flat" cmpd="sng" algn="ctr">
+                        <a:lnT w="28575" cap="flat" cmpd="sng" algn="ctr">
                           <a:solidFill>
                             <a:schemeClr val="tx1"/>
                           </a:solidFill>
@@ -5355,7 +4967,7 @@
                           <a:headEnd type="none" w="med" len="med"/>
                           <a:tailEnd type="none" w="med" len="med"/>
                         </a:lnT>
-                        <a:lnB w="12700" cap="flat" cmpd="sng" algn="ctr">
+                        <a:lnB w="28575" cap="flat" cmpd="sng" algn="ctr">
                           <a:solidFill>
                             <a:schemeClr val="tx1"/>
                           </a:solidFill>
@@ -5375,7 +4987,7 @@
                         <a:blipFill>
                           <a:blip r:embed="rId3"/>
                           <a:stretch>
-                            <a:fillRect l="-67321" t="-1471" r="-100179" b="-2941"/>
+                            <a:fillRect l="-67621" t="-2941" r="-100894" b="-7353"/>
                           </a:stretch>
                         </a:blipFill>
                       </a:tcPr>
@@ -5387,7 +4999,7 @@
                         <a:p>
                           <a:pPr algn="ctr"/>
                           <a:r>
-                            <a:rPr lang="en-US" sz="1200" b="0" dirty="0">
+                            <a:rPr lang="en-US" sz="1400" b="1" dirty="0">
                               <a:solidFill>
                                 <a:schemeClr val="tx1"/>
                               </a:solidFill>
@@ -5399,16 +5011,14 @@
                         </a:p>
                       </a:txBody>
                       <a:tcPr anchor="ctr">
-                        <a:lnL w="12700" cap="flat" cmpd="sng" algn="ctr">
-                          <a:solidFill>
-                            <a:schemeClr val="tx1"/>
-                          </a:solidFill>
+                        <a:lnL w="28575" cap="flat" cmpd="sng" algn="ctr">
+                          <a:noFill/>
                           <a:prstDash val="solid"/>
                           <a:round/>
                           <a:headEnd type="none" w="med" len="med"/>
                           <a:tailEnd type="none" w="med" len="med"/>
                         </a:lnL>
-                        <a:lnR w="12700" cap="flat" cmpd="sng" algn="ctr">
+                        <a:lnR w="28575" cap="flat" cmpd="sng" algn="ctr">
                           <a:solidFill>
                             <a:schemeClr val="tx1"/>
                           </a:solidFill>
@@ -5417,7 +5027,7 @@
                           <a:headEnd type="none" w="med" len="med"/>
                           <a:tailEnd type="none" w="med" len="med"/>
                         </a:lnR>
-                        <a:lnT w="12700" cap="flat" cmpd="sng" algn="ctr">
+                        <a:lnT w="28575" cap="flat" cmpd="sng" algn="ctr">
                           <a:solidFill>
                             <a:schemeClr val="tx1"/>
                           </a:solidFill>
@@ -5426,7 +5036,7 @@
                           <a:headEnd type="none" w="med" len="med"/>
                           <a:tailEnd type="none" w="med" len="med"/>
                         </a:lnT>
-                        <a:lnB w="12700" cap="flat" cmpd="sng" algn="ctr">
+                        <a:lnB w="28575" cap="flat" cmpd="sng" algn="ctr">
                           <a:solidFill>
                             <a:schemeClr val="tx1"/>
                           </a:solidFill>
@@ -5481,7 +5091,7 @@
         </p:nvCxnSpPr>
         <p:spPr>
           <a:xfrm rot="16200000" flipH="1">
-            <a:off x="6701865" y="2231420"/>
+            <a:off x="6522483" y="2265927"/>
             <a:ext cx="181536" cy="181535"/>
           </a:xfrm>
           <a:prstGeom prst="curvedConnector4">
@@ -5490,7 +5100,7 @@
               <a:gd name="adj2" fmla="val 225926"/>
             </a:avLst>
           </a:prstGeom>
-          <a:ln w="19050">
+          <a:ln w="28575">
             <a:solidFill>
               <a:schemeClr val="tx1"/>
             </a:solidFill>
@@ -5526,7 +5136,7 @@
         </p:nvSpPr>
         <p:spPr>
           <a:xfrm>
-            <a:off x="6520330" y="2231419"/>
+            <a:off x="6340950" y="2265926"/>
             <a:ext cx="363071" cy="363071"/>
           </a:xfrm>
           <a:prstGeom prst="ellipse">
@@ -5558,7 +5168,10 @@
           <a:lstStyle/>
           <a:p>
             <a:pPr algn="ctr"/>
-            <a:endParaRPr lang="en-US"/>
+            <a:endParaRPr lang="en-US" sz="1400">
+              <a:latin typeface="Calibri" panose="020F0502020204030204" pitchFamily="34" charset="0"/>
+              <a:cs typeface="Calibri" panose="020F0502020204030204" pitchFamily="34" charset="0"/>
+            </a:endParaRPr>
           </a:p>
         </p:txBody>
       </p:sp>
@@ -5576,7 +5189,7 @@
         </p:nvSpPr>
         <p:spPr>
           <a:xfrm>
-            <a:off x="8396193" y="2232788"/>
+            <a:off x="8216813" y="2267295"/>
             <a:ext cx="363071" cy="408517"/>
           </a:xfrm>
           <a:prstGeom prst="ellipse">
@@ -5608,7 +5221,10 @@
           <a:lstStyle/>
           <a:p>
             <a:pPr algn="ctr"/>
-            <a:endParaRPr lang="en-US"/>
+            <a:endParaRPr lang="en-US" sz="1400">
+              <a:latin typeface="Calibri" panose="020F0502020204030204" pitchFamily="34" charset="0"/>
+              <a:cs typeface="Calibri" panose="020F0502020204030204" pitchFamily="34" charset="0"/>
+            </a:endParaRPr>
           </a:p>
         </p:txBody>
       </p:sp>
@@ -5630,7 +5246,7 @@
         </p:nvCxnSpPr>
         <p:spPr>
           <a:xfrm rot="16200000" flipH="1">
-            <a:off x="5932708" y="-412234"/>
+            <a:off x="5753328" y="-377729"/>
             <a:ext cx="738963" cy="4551080"/>
           </a:xfrm>
           <a:prstGeom prst="curvedConnector3">
@@ -5638,7 +5254,7 @@
               <a:gd name="adj1" fmla="val 50000"/>
             </a:avLst>
           </a:prstGeom>
-          <a:ln w="19050">
+          <a:ln w="28575">
             <a:solidFill>
               <a:schemeClr val="tx1"/>
             </a:solidFill>
@@ -5675,13 +5291,13 @@
           <p:nvPr>
             <p:extLst>
               <p:ext uri="{D42A27DB-BD31-4B8C-83A1-F6EECF244321}">
-                <p14:modId xmlns:p14="http://schemas.microsoft.com/office/powerpoint/2010/main" val="3558680304"/>
+                <p14:modId xmlns:p14="http://schemas.microsoft.com/office/powerpoint/2010/main" val="385476664"/>
               </p:ext>
             </p:extLst>
           </p:nvPr>
         </p:nvGraphicFramePr>
         <p:xfrm>
-          <a:off x="6883401" y="3600031"/>
+          <a:off x="6704019" y="3529029"/>
           <a:ext cx="3388658" cy="1483360"/>
         </p:xfrm>
         <a:graphic>
@@ -5707,7 +5323,7 @@
                     <a:p>
                       <a:pPr algn="ctr"/>
                       <a:r>
-                        <a:rPr lang="en-US" sz="1200" b="0" dirty="0">
+                        <a:rPr lang="en-US" sz="1400" b="1" dirty="0">
                           <a:solidFill>
                             <a:schemeClr val="tx1"/>
                           </a:solidFill>
@@ -5719,7 +5335,7 @@
                     </a:p>
                   </a:txBody>
                   <a:tcPr anchor="ctr">
-                    <a:lnL w="12700" cap="flat" cmpd="sng" algn="ctr">
+                    <a:lnL w="28575" cap="flat" cmpd="sng" algn="ctr">
                       <a:solidFill>
                         <a:schemeClr val="tx1"/>
                       </a:solidFill>
@@ -5728,7 +5344,7 @@
                       <a:headEnd type="none" w="med" len="med"/>
                       <a:tailEnd type="none" w="med" len="med"/>
                     </a:lnL>
-                    <a:lnR w="12700" cap="flat" cmpd="sng" algn="ctr">
+                    <a:lnR w="28575" cap="flat" cmpd="sng" algn="ctr">
                       <a:solidFill>
                         <a:schemeClr val="tx1"/>
                       </a:solidFill>
@@ -5737,7 +5353,7 @@
                       <a:headEnd type="none" w="med" len="med"/>
                       <a:tailEnd type="none" w="med" len="med"/>
                     </a:lnR>
-                    <a:lnT w="12700" cap="flat" cmpd="sng" algn="ctr">
+                    <a:lnT w="28575" cap="flat" cmpd="sng" algn="ctr">
                       <a:solidFill>
                         <a:schemeClr val="tx1"/>
                       </a:solidFill>
@@ -5746,7 +5362,7 @@
                       <a:headEnd type="none" w="med" len="med"/>
                       <a:tailEnd type="none" w="med" len="med"/>
                     </a:lnT>
-                    <a:lnB w="12700" cap="flat" cmpd="sng" algn="ctr">
+                    <a:lnB w="28575" cap="flat" cmpd="sng" algn="ctr">
                       <a:solidFill>
                         <a:schemeClr val="tx1"/>
                       </a:solidFill>
@@ -5777,7 +5393,7 @@
                     <a:p>
                       <a:pPr algn="ctr"/>
                       <a:r>
-                        <a:rPr lang="en-US" sz="1200" b="0" dirty="0">
+                        <a:rPr lang="en-US" sz="1400" b="1" dirty="0">
                           <a:solidFill>
                             <a:schemeClr val="tx1"/>
                           </a:solidFill>
@@ -5789,7 +5405,7 @@
                     </a:p>
                   </a:txBody>
                   <a:tcPr anchor="ctr">
-                    <a:lnL w="12700" cap="flat" cmpd="sng" algn="ctr">
+                    <a:lnL w="28575" cap="flat" cmpd="sng" algn="ctr">
                       <a:solidFill>
                         <a:schemeClr val="tx1"/>
                       </a:solidFill>
@@ -5798,7 +5414,7 @@
                       <a:headEnd type="none" w="med" len="med"/>
                       <a:tailEnd type="none" w="med" len="med"/>
                     </a:lnL>
-                    <a:lnR w="12700" cap="flat" cmpd="sng" algn="ctr">
+                    <a:lnR w="28575" cap="flat" cmpd="sng" algn="ctr">
                       <a:solidFill>
                         <a:schemeClr val="tx1"/>
                       </a:solidFill>
@@ -5807,7 +5423,7 @@
                       <a:headEnd type="none" w="med" len="med"/>
                       <a:tailEnd type="none" w="med" len="med"/>
                     </a:lnR>
-                    <a:lnT w="12700" cap="flat" cmpd="sng" algn="ctr">
+                    <a:lnT w="28575" cap="flat" cmpd="sng" algn="ctr">
                       <a:solidFill>
                         <a:schemeClr val="tx1"/>
                       </a:solidFill>
@@ -5816,7 +5432,7 @@
                       <a:headEnd type="none" w="med" len="med"/>
                       <a:tailEnd type="none" w="med" len="med"/>
                     </a:lnT>
-                    <a:lnB w="12700" cap="flat" cmpd="sng" algn="ctr">
+                    <a:lnB w="28575" cap="flat" cmpd="sng" algn="ctr">
                       <a:solidFill>
                         <a:schemeClr val="tx1"/>
                       </a:solidFill>
@@ -5847,7 +5463,7 @@
                     <a:p>
                       <a:pPr algn="ctr"/>
                       <a:r>
-                        <a:rPr lang="en-US" sz="1200" b="0" dirty="0">
+                        <a:rPr lang="en-US" sz="1400" b="1" dirty="0">
                           <a:solidFill>
                             <a:schemeClr val="tx1"/>
                           </a:solidFill>
@@ -5859,7 +5475,7 @@
                     </a:p>
                   </a:txBody>
                   <a:tcPr anchor="ctr">
-                    <a:lnL w="12700" cap="flat" cmpd="sng" algn="ctr">
+                    <a:lnL w="28575" cap="flat" cmpd="sng" algn="ctr">
                       <a:solidFill>
                         <a:schemeClr val="tx1"/>
                       </a:solidFill>
@@ -5868,7 +5484,7 @@
                       <a:headEnd type="none" w="med" len="med"/>
                       <a:tailEnd type="none" w="med" len="med"/>
                     </a:lnL>
-                    <a:lnR w="12700" cap="flat" cmpd="sng" algn="ctr">
+                    <a:lnR w="28575" cap="flat" cmpd="sng" algn="ctr">
                       <a:solidFill>
                         <a:schemeClr val="tx1"/>
                       </a:solidFill>
@@ -5877,7 +5493,7 @@
                       <a:headEnd type="none" w="med" len="med"/>
                       <a:tailEnd type="none" w="med" len="med"/>
                     </a:lnR>
-                    <a:lnT w="12700" cap="flat" cmpd="sng" algn="ctr">
+                    <a:lnT w="28575" cap="flat" cmpd="sng" algn="ctr">
                       <a:solidFill>
                         <a:schemeClr val="tx1"/>
                       </a:solidFill>
@@ -5886,7 +5502,7 @@
                       <a:headEnd type="none" w="med" len="med"/>
                       <a:tailEnd type="none" w="med" len="med"/>
                     </a:lnT>
-                    <a:lnB w="12700" cap="flat" cmpd="sng" algn="ctr">
+                    <a:lnB w="28575" cap="flat" cmpd="sng" algn="ctr">
                       <a:solidFill>
                         <a:schemeClr val="tx1"/>
                       </a:solidFill>
@@ -5933,7 +5549,7 @@
                         <a:defRPr/>
                       </a:pPr>
                       <a:r>
-                        <a:rPr lang="en-US" sz="1200" b="0" dirty="0">
+                        <a:rPr lang="en-US" sz="1400" b="1" dirty="0">
                           <a:solidFill>
                             <a:schemeClr val="tx1"/>
                           </a:solidFill>
@@ -5945,7 +5561,7 @@
                     </a:p>
                   </a:txBody>
                   <a:tcPr anchor="ctr">
-                    <a:lnL w="12700" cap="flat" cmpd="sng" algn="ctr">
+                    <a:lnL w="28575" cap="flat" cmpd="sng" algn="ctr">
                       <a:solidFill>
                         <a:schemeClr val="tx1"/>
                       </a:solidFill>
@@ -5954,7 +5570,7 @@
                       <a:headEnd type="none" w="med" len="med"/>
                       <a:tailEnd type="none" w="med" len="med"/>
                     </a:lnL>
-                    <a:lnR w="12700" cap="flat" cmpd="sng" algn="ctr">
+                    <a:lnR w="28575" cap="flat" cmpd="sng" algn="ctr">
                       <a:solidFill>
                         <a:schemeClr val="tx1"/>
                       </a:solidFill>
@@ -5963,7 +5579,7 @@
                       <a:headEnd type="none" w="med" len="med"/>
                       <a:tailEnd type="none" w="med" len="med"/>
                     </a:lnR>
-                    <a:lnT w="12700" cap="flat" cmpd="sng" algn="ctr">
+                    <a:lnT w="28575" cap="flat" cmpd="sng" algn="ctr">
                       <a:solidFill>
                         <a:schemeClr val="tx1"/>
                       </a:solidFill>
@@ -5972,7 +5588,7 @@
                       <a:headEnd type="none" w="med" len="med"/>
                       <a:tailEnd type="none" w="med" len="med"/>
                     </a:lnT>
-                    <a:lnB w="12700" cap="flat" cmpd="sng" algn="ctr">
+                    <a:lnB w="28575" cap="flat" cmpd="sng" algn="ctr">
                       <a:solidFill>
                         <a:schemeClr val="tx1"/>
                       </a:solidFill>
@@ -6017,15 +5633,15 @@
         </p:nvCxnSpPr>
         <p:spPr>
           <a:xfrm rot="16200000" flipH="1">
-            <a:off x="6669992" y="1692293"/>
-            <a:ext cx="958724" cy="2856752"/>
+            <a:off x="6543365" y="1674045"/>
+            <a:ext cx="853217" cy="2856751"/>
           </a:xfrm>
           <a:prstGeom prst="curvedConnector3">
             <a:avLst>
               <a:gd name="adj1" fmla="val 50000"/>
             </a:avLst>
           </a:prstGeom>
-          <a:ln w="19050">
+          <a:ln w="28575">
             <a:solidFill>
               <a:schemeClr val="tx1"/>
             </a:solidFill>
@@ -6063,13 +5679,13 @@
         </p:nvCxnSpPr>
         <p:spPr>
           <a:xfrm>
-            <a:off x="8779935" y="1075681"/>
+            <a:off x="7475141" y="1239141"/>
             <a:ext cx="1136525" cy="1083"/>
           </a:xfrm>
           <a:prstGeom prst="straightConnector1">
             <a:avLst/>
           </a:prstGeom>
-          <a:ln w="19050">
+          <a:ln w="28575">
             <a:solidFill>
               <a:schemeClr val="tx1"/>
             </a:solidFill>
@@ -6105,8 +5721,8 @@
         </p:nvSpPr>
         <p:spPr>
           <a:xfrm>
-            <a:off x="8779935" y="794367"/>
-            <a:ext cx="1136525" cy="276999"/>
+            <a:off x="7475141" y="927049"/>
+            <a:ext cx="1136525" cy="307777"/>
           </a:xfrm>
           <a:prstGeom prst="rect">
             <a:avLst/>
@@ -6121,9 +5737,9 @@
           <a:p>
             <a:pPr algn="ctr"/>
             <a:r>
-              <a:rPr lang="en-US" sz="1200" dirty="0">
-                <a:latin typeface="Times New Roman" panose="02020603050405020304" pitchFamily="18" charset="0"/>
-                <a:cs typeface="Times New Roman" panose="02020603050405020304" pitchFamily="18" charset="0"/>
+              <a:rPr lang="en-US" sz="1400" i="1" dirty="0">
+                <a:latin typeface="Calibri" panose="020F0502020204030204" pitchFamily="34" charset="0"/>
+                <a:cs typeface="Calibri" panose="020F0502020204030204" pitchFamily="34" charset="0"/>
               </a:rPr>
               <a:t>FCL</a:t>
             </a:r>
@@ -6145,13 +5761,13 @@
           <p:nvPr>
             <p:extLst>
               <p:ext uri="{D42A27DB-BD31-4B8C-83A1-F6EECF244321}">
-                <p14:modId xmlns:p14="http://schemas.microsoft.com/office/powerpoint/2010/main" val="1388928794"/>
+                <p14:modId xmlns:p14="http://schemas.microsoft.com/office/powerpoint/2010/main" val="3076680437"/>
               </p:ext>
             </p:extLst>
           </p:nvPr>
         </p:nvGraphicFramePr>
         <p:xfrm>
-          <a:off x="1169897" y="3582101"/>
+          <a:off x="990515" y="3511099"/>
           <a:ext cx="4936074" cy="370840"/>
         </p:xfrm>
         <a:graphic>
@@ -6247,7 +5863,7 @@
                     <a:p>
                       <a:pPr algn="ctr"/>
                       <a:r>
-                        <a:rPr lang="en-US" sz="1200" b="0" dirty="0">
+                        <a:rPr lang="en-US" sz="1400" b="1" dirty="0">
                           <a:solidFill>
                             <a:schemeClr val="tx1"/>
                           </a:solidFill>
@@ -6259,7 +5875,7 @@
                     </a:p>
                   </a:txBody>
                   <a:tcPr anchor="ctr">
-                    <a:lnL w="12700" cap="flat" cmpd="sng" algn="ctr">
+                    <a:lnL w="28575" cap="flat" cmpd="sng" algn="ctr">
                       <a:solidFill>
                         <a:schemeClr val="tx1"/>
                       </a:solidFill>
@@ -6268,7 +5884,7 @@
                       <a:headEnd type="none" w="med" len="med"/>
                       <a:tailEnd type="none" w="med" len="med"/>
                     </a:lnL>
-                    <a:lnR w="12700" cap="flat" cmpd="sng" algn="ctr">
+                    <a:lnR w="28575" cap="flat" cmpd="sng" algn="ctr">
                       <a:solidFill>
                         <a:schemeClr val="tx1"/>
                       </a:solidFill>
@@ -6277,7 +5893,7 @@
                       <a:headEnd type="none" w="med" len="med"/>
                       <a:tailEnd type="none" w="med" len="med"/>
                     </a:lnR>
-                    <a:lnT w="12700" cap="flat" cmpd="sng" algn="ctr">
+                    <a:lnT w="28575" cap="flat" cmpd="sng" algn="ctr">
                       <a:solidFill>
                         <a:schemeClr val="tx1"/>
                       </a:solidFill>
@@ -6286,7 +5902,7 @@
                       <a:headEnd type="none" w="med" len="med"/>
                       <a:tailEnd type="none" w="med" len="med"/>
                     </a:lnT>
-                    <a:lnB w="12700" cap="flat" cmpd="sng" algn="ctr">
+                    <a:lnB w="28575" cap="flat" cmpd="sng" algn="ctr">
                       <a:solidFill>
                         <a:schemeClr val="tx1"/>
                       </a:solidFill>
@@ -6310,7 +5926,7 @@
                     <a:p>
                       <a:pPr algn="ctr"/>
                       <a:r>
-                        <a:rPr lang="en-US" sz="1200" b="0" dirty="0">
+                        <a:rPr lang="en-US" sz="1400" b="1" dirty="0">
                           <a:solidFill>
                             <a:schemeClr val="tx1"/>
                           </a:solidFill>
@@ -6322,7 +5938,7 @@
                     </a:p>
                   </a:txBody>
                   <a:tcPr anchor="ctr">
-                    <a:lnL w="12700" cap="flat" cmpd="sng" algn="ctr">
+                    <a:lnL w="28575" cap="flat" cmpd="sng" algn="ctr">
                       <a:solidFill>
                         <a:schemeClr val="tx1"/>
                       </a:solidFill>
@@ -6331,7 +5947,7 @@
                       <a:headEnd type="none" w="med" len="med"/>
                       <a:tailEnd type="none" w="med" len="med"/>
                     </a:lnL>
-                    <a:lnR w="12700" cap="flat" cmpd="sng" algn="ctr">
+                    <a:lnR w="28575" cap="flat" cmpd="sng" algn="ctr">
                       <a:solidFill>
                         <a:schemeClr val="tx1"/>
                       </a:solidFill>
@@ -6340,7 +5956,7 @@
                       <a:headEnd type="none" w="med" len="med"/>
                       <a:tailEnd type="none" w="med" len="med"/>
                     </a:lnR>
-                    <a:lnT w="12700" cap="flat" cmpd="sng" algn="ctr">
+                    <a:lnT w="28575" cap="flat" cmpd="sng" algn="ctr">
                       <a:solidFill>
                         <a:schemeClr val="tx1"/>
                       </a:solidFill>
@@ -6349,7 +5965,7 @@
                       <a:headEnd type="none" w="med" len="med"/>
                       <a:tailEnd type="none" w="med" len="med"/>
                     </a:lnT>
-                    <a:lnB w="12700" cap="flat" cmpd="sng" algn="ctr">
+                    <a:lnB w="28575" cap="flat" cmpd="sng" algn="ctr">
                       <a:solidFill>
                         <a:schemeClr val="tx1"/>
                       </a:solidFill>
@@ -6373,7 +5989,7 @@
                     <a:p>
                       <a:pPr algn="ctr"/>
                       <a:r>
-                        <a:rPr lang="en-US" sz="1200" b="0" dirty="0">
+                        <a:rPr lang="en-US" sz="1400" b="1" dirty="0">
                           <a:solidFill>
                             <a:schemeClr val="tx1"/>
                           </a:solidFill>
@@ -6385,7 +6001,7 @@
                     </a:p>
                   </a:txBody>
                   <a:tcPr anchor="ctr">
-                    <a:lnL w="12700" cap="flat" cmpd="sng" algn="ctr">
+                    <a:lnL w="28575" cap="flat" cmpd="sng" algn="ctr">
                       <a:solidFill>
                         <a:schemeClr val="tx1"/>
                       </a:solidFill>
@@ -6394,7 +6010,7 @@
                       <a:headEnd type="none" w="med" len="med"/>
                       <a:tailEnd type="none" w="med" len="med"/>
                     </a:lnL>
-                    <a:lnR w="12700" cap="flat" cmpd="sng" algn="ctr">
+                    <a:lnR w="28575" cap="flat" cmpd="sng" algn="ctr">
                       <a:solidFill>
                         <a:schemeClr val="tx1"/>
                       </a:solidFill>
@@ -6403,7 +6019,7 @@
                       <a:headEnd type="none" w="med" len="med"/>
                       <a:tailEnd type="none" w="med" len="med"/>
                     </a:lnR>
-                    <a:lnT w="12700" cap="flat" cmpd="sng" algn="ctr">
+                    <a:lnT w="28575" cap="flat" cmpd="sng" algn="ctr">
                       <a:solidFill>
                         <a:schemeClr val="tx1"/>
                       </a:solidFill>
@@ -6412,7 +6028,7 @@
                       <a:headEnd type="none" w="med" len="med"/>
                       <a:tailEnd type="none" w="med" len="med"/>
                     </a:lnT>
-                    <a:lnB w="12700" cap="flat" cmpd="sng" algn="ctr">
+                    <a:lnB w="28575" cap="flat" cmpd="sng" algn="ctr">
                       <a:solidFill>
                         <a:schemeClr val="tx1"/>
                       </a:solidFill>
@@ -6436,7 +6052,7 @@
                     <a:p>
                       <a:pPr algn="ctr"/>
                       <a:r>
-                        <a:rPr lang="en-US" sz="1200" b="0" dirty="0">
+                        <a:rPr lang="en-US" sz="1400" b="1" dirty="0">
                           <a:solidFill>
                             <a:schemeClr val="tx1"/>
                           </a:solidFill>
@@ -6448,7 +6064,7 @@
                     </a:p>
                   </a:txBody>
                   <a:tcPr anchor="ctr">
-                    <a:lnL w="12700" cap="flat" cmpd="sng" algn="ctr">
+                    <a:lnL w="28575" cap="flat" cmpd="sng" algn="ctr">
                       <a:solidFill>
                         <a:schemeClr val="tx1"/>
                       </a:solidFill>
@@ -6457,7 +6073,7 @@
                       <a:headEnd type="none" w="med" len="med"/>
                       <a:tailEnd type="none" w="med" len="med"/>
                     </a:lnL>
-                    <a:lnR w="12700" cap="flat" cmpd="sng" algn="ctr">
+                    <a:lnR w="28575" cap="flat" cmpd="sng" algn="ctr">
                       <a:solidFill>
                         <a:schemeClr val="tx1"/>
                       </a:solidFill>
@@ -6466,7 +6082,7 @@
                       <a:headEnd type="none" w="med" len="med"/>
                       <a:tailEnd type="none" w="med" len="med"/>
                     </a:lnR>
-                    <a:lnT w="12700" cap="flat" cmpd="sng" algn="ctr">
+                    <a:lnT w="28575" cap="flat" cmpd="sng" algn="ctr">
                       <a:solidFill>
                         <a:schemeClr val="tx1"/>
                       </a:solidFill>
@@ -6475,7 +6091,7 @@
                       <a:headEnd type="none" w="med" len="med"/>
                       <a:tailEnd type="none" w="med" len="med"/>
                     </a:lnT>
-                    <a:lnB w="12700" cap="flat" cmpd="sng" algn="ctr">
+                    <a:lnB w="28575" cap="flat" cmpd="sng" algn="ctr">
                       <a:solidFill>
                         <a:schemeClr val="tx1"/>
                       </a:solidFill>
@@ -6499,7 +6115,7 @@
                     <a:p>
                       <a:pPr algn="ctr"/>
                       <a:r>
-                        <a:rPr lang="en-US" sz="1200" b="0" dirty="0">
+                        <a:rPr lang="en-US" sz="1400" b="1" dirty="0">
                           <a:solidFill>
                             <a:schemeClr val="tx1"/>
                           </a:solidFill>
@@ -6511,7 +6127,7 @@
                     </a:p>
                   </a:txBody>
                   <a:tcPr anchor="ctr">
-                    <a:lnL w="12700" cap="flat" cmpd="sng" algn="ctr">
+                    <a:lnL w="28575" cap="flat" cmpd="sng" algn="ctr">
                       <a:solidFill>
                         <a:schemeClr val="tx1"/>
                       </a:solidFill>
@@ -6520,7 +6136,7 @@
                       <a:headEnd type="none" w="med" len="med"/>
                       <a:tailEnd type="none" w="med" len="med"/>
                     </a:lnL>
-                    <a:lnR w="12700" cap="flat" cmpd="sng" algn="ctr">
+                    <a:lnR w="28575" cap="flat" cmpd="sng" algn="ctr">
                       <a:solidFill>
                         <a:schemeClr val="tx1"/>
                       </a:solidFill>
@@ -6529,7 +6145,7 @@
                       <a:headEnd type="none" w="med" len="med"/>
                       <a:tailEnd type="none" w="med" len="med"/>
                     </a:lnR>
-                    <a:lnT w="12700" cap="flat" cmpd="sng" algn="ctr">
+                    <a:lnT w="28575" cap="flat" cmpd="sng" algn="ctr">
                       <a:solidFill>
                         <a:schemeClr val="tx1"/>
                       </a:solidFill>
@@ -6538,7 +6154,7 @@
                       <a:headEnd type="none" w="med" len="med"/>
                       <a:tailEnd type="none" w="med" len="med"/>
                     </a:lnT>
-                    <a:lnB w="12700" cap="flat" cmpd="sng" algn="ctr">
+                    <a:lnB w="28575" cap="flat" cmpd="sng" algn="ctr">
                       <a:solidFill>
                         <a:schemeClr val="tx1"/>
                       </a:solidFill>
@@ -6562,7 +6178,7 @@
                     <a:p>
                       <a:pPr algn="ctr"/>
                       <a:r>
-                        <a:rPr lang="en-US" sz="1200" b="0" dirty="0">
+                        <a:rPr lang="en-US" sz="1400" b="1" dirty="0">
                           <a:solidFill>
                             <a:schemeClr val="tx1"/>
                           </a:solidFill>
@@ -6574,7 +6190,7 @@
                     </a:p>
                   </a:txBody>
                   <a:tcPr anchor="ctr">
-                    <a:lnL w="12700" cap="flat" cmpd="sng" algn="ctr">
+                    <a:lnL w="28575" cap="flat" cmpd="sng" algn="ctr">
                       <a:solidFill>
                         <a:schemeClr val="tx1"/>
                       </a:solidFill>
@@ -6583,7 +6199,7 @@
                       <a:headEnd type="none" w="med" len="med"/>
                       <a:tailEnd type="none" w="med" len="med"/>
                     </a:lnL>
-                    <a:lnR w="12700" cap="flat" cmpd="sng" algn="ctr">
+                    <a:lnR w="28575" cap="flat" cmpd="sng" algn="ctr">
                       <a:solidFill>
                         <a:schemeClr val="tx1"/>
                       </a:solidFill>
@@ -6592,7 +6208,7 @@
                       <a:headEnd type="none" w="med" len="med"/>
                       <a:tailEnd type="none" w="med" len="med"/>
                     </a:lnR>
-                    <a:lnT w="12700" cap="flat" cmpd="sng" algn="ctr">
+                    <a:lnT w="28575" cap="flat" cmpd="sng" algn="ctr">
                       <a:solidFill>
                         <a:schemeClr val="tx1"/>
                       </a:solidFill>
@@ -6601,7 +6217,7 @@
                       <a:headEnd type="none" w="med" len="med"/>
                       <a:tailEnd type="none" w="med" len="med"/>
                     </a:lnT>
-                    <a:lnB w="12700" cap="flat" cmpd="sng" algn="ctr">
+                    <a:lnB w="28575" cap="flat" cmpd="sng" algn="ctr">
                       <a:solidFill>
                         <a:schemeClr val="tx1"/>
                       </a:solidFill>
@@ -6625,7 +6241,7 @@
                     <a:p>
                       <a:pPr algn="ctr"/>
                       <a:r>
-                        <a:rPr lang="en-US" sz="1200" b="0" dirty="0">
+                        <a:rPr lang="en-US" sz="1400" b="1" dirty="0">
                           <a:solidFill>
                             <a:schemeClr val="tx1"/>
                           </a:solidFill>
@@ -6637,7 +6253,7 @@
                     </a:p>
                   </a:txBody>
                   <a:tcPr anchor="ctr">
-                    <a:lnL w="12700" cap="flat" cmpd="sng" algn="ctr">
+                    <a:lnL w="28575" cap="flat" cmpd="sng" algn="ctr">
                       <a:solidFill>
                         <a:schemeClr val="tx1"/>
                       </a:solidFill>
@@ -6646,7 +6262,7 @@
                       <a:headEnd type="none" w="med" len="med"/>
                       <a:tailEnd type="none" w="med" len="med"/>
                     </a:lnL>
-                    <a:lnR w="12700" cap="flat" cmpd="sng" algn="ctr">
+                    <a:lnR w="28575" cap="flat" cmpd="sng" algn="ctr">
                       <a:solidFill>
                         <a:schemeClr val="tx1"/>
                       </a:solidFill>
@@ -6655,7 +6271,7 @@
                       <a:headEnd type="none" w="med" len="med"/>
                       <a:tailEnd type="none" w="med" len="med"/>
                     </a:lnR>
-                    <a:lnT w="12700" cap="flat" cmpd="sng" algn="ctr">
+                    <a:lnT w="28575" cap="flat" cmpd="sng" algn="ctr">
                       <a:solidFill>
                         <a:schemeClr val="tx1"/>
                       </a:solidFill>
@@ -6664,7 +6280,7 @@
                       <a:headEnd type="none" w="med" len="med"/>
                       <a:tailEnd type="none" w="med" len="med"/>
                     </a:lnT>
-                    <a:lnB w="12700" cap="flat" cmpd="sng" algn="ctr">
+                    <a:lnB w="28575" cap="flat" cmpd="sng" algn="ctr">
                       <a:solidFill>
                         <a:schemeClr val="tx1"/>
                       </a:solidFill>
@@ -6688,7 +6304,7 @@
                     <a:p>
                       <a:pPr algn="ctr"/>
                       <a:r>
-                        <a:rPr lang="en-US" sz="1200" b="0" dirty="0">
+                        <a:rPr lang="en-US" sz="1400" b="1" dirty="0">
                           <a:solidFill>
                             <a:schemeClr val="tx1"/>
                           </a:solidFill>
@@ -6700,7 +6316,7 @@
                     </a:p>
                   </a:txBody>
                   <a:tcPr anchor="ctr">
-                    <a:lnL w="12700" cap="flat" cmpd="sng" algn="ctr">
+                    <a:lnL w="28575" cap="flat" cmpd="sng" algn="ctr">
                       <a:solidFill>
                         <a:schemeClr val="tx1"/>
                       </a:solidFill>
@@ -6709,7 +6325,7 @@
                       <a:headEnd type="none" w="med" len="med"/>
                       <a:tailEnd type="none" w="med" len="med"/>
                     </a:lnL>
-                    <a:lnR w="12700" cap="flat" cmpd="sng" algn="ctr">
+                    <a:lnR w="28575" cap="flat" cmpd="sng" algn="ctr">
                       <a:solidFill>
                         <a:schemeClr val="tx1"/>
                       </a:solidFill>
@@ -6718,7 +6334,7 @@
                       <a:headEnd type="none" w="med" len="med"/>
                       <a:tailEnd type="none" w="med" len="med"/>
                     </a:lnR>
-                    <a:lnT w="12700" cap="flat" cmpd="sng" algn="ctr">
+                    <a:lnT w="28575" cap="flat" cmpd="sng" algn="ctr">
                       <a:solidFill>
                         <a:schemeClr val="tx1"/>
                       </a:solidFill>
@@ -6727,7 +6343,7 @@
                       <a:headEnd type="none" w="med" len="med"/>
                       <a:tailEnd type="none" w="med" len="med"/>
                     </a:lnT>
-                    <a:lnB w="12700" cap="flat" cmpd="sng" algn="ctr">
+                    <a:lnB w="28575" cap="flat" cmpd="sng" algn="ctr">
                       <a:solidFill>
                         <a:schemeClr val="tx1"/>
                       </a:solidFill>
@@ -6751,7 +6367,7 @@
                     <a:p>
                       <a:pPr algn="ctr"/>
                       <a:r>
-                        <a:rPr lang="en-US" sz="1200" b="0" dirty="0">
+                        <a:rPr lang="en-US" sz="1400" b="1" dirty="0">
                           <a:solidFill>
                             <a:schemeClr val="tx1"/>
                           </a:solidFill>
@@ -6763,7 +6379,7 @@
                     </a:p>
                   </a:txBody>
                   <a:tcPr anchor="ctr">
-                    <a:lnL w="12700" cap="flat" cmpd="sng" algn="ctr">
+                    <a:lnL w="28575" cap="flat" cmpd="sng" algn="ctr">
                       <a:solidFill>
                         <a:schemeClr val="tx1"/>
                       </a:solidFill>
@@ -6772,7 +6388,7 @@
                       <a:headEnd type="none" w="med" len="med"/>
                       <a:tailEnd type="none" w="med" len="med"/>
                     </a:lnL>
-                    <a:lnR w="12700" cap="flat" cmpd="sng" algn="ctr">
+                    <a:lnR w="28575" cap="flat" cmpd="sng" algn="ctr">
                       <a:solidFill>
                         <a:schemeClr val="tx1"/>
                       </a:solidFill>
@@ -6781,7 +6397,7 @@
                       <a:headEnd type="none" w="med" len="med"/>
                       <a:tailEnd type="none" w="med" len="med"/>
                     </a:lnR>
-                    <a:lnT w="12700" cap="flat" cmpd="sng" algn="ctr">
+                    <a:lnT w="28575" cap="flat" cmpd="sng" algn="ctr">
                       <a:solidFill>
                         <a:schemeClr val="tx1"/>
                       </a:solidFill>
@@ -6790,7 +6406,7 @@
                       <a:headEnd type="none" w="med" len="med"/>
                       <a:tailEnd type="none" w="med" len="med"/>
                     </a:lnT>
-                    <a:lnB w="12700" cap="flat" cmpd="sng" algn="ctr">
+                    <a:lnB w="28575" cap="flat" cmpd="sng" algn="ctr">
                       <a:solidFill>
                         <a:schemeClr val="tx1"/>
                       </a:solidFill>
@@ -6814,7 +6430,7 @@
                     <a:p>
                       <a:pPr algn="ctr"/>
                       <a:r>
-                        <a:rPr lang="en-US" sz="1200" b="0" dirty="0">
+                        <a:rPr lang="en-US" sz="1400" b="1" dirty="0">
                           <a:solidFill>
                             <a:schemeClr val="tx1"/>
                           </a:solidFill>
@@ -6826,7 +6442,7 @@
                     </a:p>
                   </a:txBody>
                   <a:tcPr anchor="ctr">
-                    <a:lnL w="12700" cap="flat" cmpd="sng" algn="ctr">
+                    <a:lnL w="28575" cap="flat" cmpd="sng" algn="ctr">
                       <a:solidFill>
                         <a:schemeClr val="tx1"/>
                       </a:solidFill>
@@ -6835,7 +6451,7 @@
                       <a:headEnd type="none" w="med" len="med"/>
                       <a:tailEnd type="none" w="med" len="med"/>
                     </a:lnL>
-                    <a:lnR w="12700" cap="flat" cmpd="sng" algn="ctr">
+                    <a:lnR w="28575" cap="flat" cmpd="sng" algn="ctr">
                       <a:solidFill>
                         <a:schemeClr val="tx1"/>
                       </a:solidFill>
@@ -6844,7 +6460,7 @@
                       <a:headEnd type="none" w="med" len="med"/>
                       <a:tailEnd type="none" w="med" len="med"/>
                     </a:lnR>
-                    <a:lnT w="12700" cap="flat" cmpd="sng" algn="ctr">
+                    <a:lnT w="28575" cap="flat" cmpd="sng" algn="ctr">
                       <a:solidFill>
                         <a:schemeClr val="tx1"/>
                       </a:solidFill>
@@ -6853,7 +6469,7 @@
                       <a:headEnd type="none" w="med" len="med"/>
                       <a:tailEnd type="none" w="med" len="med"/>
                     </a:lnT>
-                    <a:lnB w="12700" cap="flat" cmpd="sng" algn="ctr">
+                    <a:lnB w="28575" cap="flat" cmpd="sng" algn="ctr">
                       <a:solidFill>
                         <a:schemeClr val="tx1"/>
                       </a:solidFill>
@@ -6877,7 +6493,7 @@
                     <a:p>
                       <a:pPr algn="ctr"/>
                       <a:r>
-                        <a:rPr lang="en-US" sz="1200" b="0" dirty="0">
+                        <a:rPr lang="en-US" sz="1400" b="1" dirty="0">
                           <a:solidFill>
                             <a:schemeClr val="tx1"/>
                           </a:solidFill>
@@ -6889,7 +6505,7 @@
                     </a:p>
                   </a:txBody>
                   <a:tcPr anchor="ctr">
-                    <a:lnL w="12700" cap="flat" cmpd="sng" algn="ctr">
+                    <a:lnL w="28575" cap="flat" cmpd="sng" algn="ctr">
                       <a:solidFill>
                         <a:schemeClr val="tx1"/>
                       </a:solidFill>
@@ -6898,7 +6514,7 @@
                       <a:headEnd type="none" w="med" len="med"/>
                       <a:tailEnd type="none" w="med" len="med"/>
                     </a:lnL>
-                    <a:lnR w="12700" cap="flat" cmpd="sng" algn="ctr">
+                    <a:lnR w="28575" cap="flat" cmpd="sng" algn="ctr">
                       <a:solidFill>
                         <a:schemeClr val="tx1"/>
                       </a:solidFill>
@@ -6907,7 +6523,7 @@
                       <a:headEnd type="none" w="med" len="med"/>
                       <a:tailEnd type="none" w="med" len="med"/>
                     </a:lnR>
-                    <a:lnT w="12700" cap="flat" cmpd="sng" algn="ctr">
+                    <a:lnT w="28575" cap="flat" cmpd="sng" algn="ctr">
                       <a:solidFill>
                         <a:schemeClr val="tx1"/>
                       </a:solidFill>
@@ -6916,7 +6532,7 @@
                       <a:headEnd type="none" w="med" len="med"/>
                       <a:tailEnd type="none" w="med" len="med"/>
                     </a:lnT>
-                    <a:lnB w="12700" cap="flat" cmpd="sng" algn="ctr">
+                    <a:lnB w="28575" cap="flat" cmpd="sng" algn="ctr">
                       <a:solidFill>
                         <a:schemeClr val="tx1"/>
                       </a:solidFill>
@@ -6961,13 +6577,13 @@
         </p:nvCxnSpPr>
         <p:spPr>
           <a:xfrm>
-            <a:off x="8577729" y="2641305"/>
-            <a:ext cx="1" cy="958726"/>
+            <a:off x="8398348" y="2675811"/>
+            <a:ext cx="0" cy="853218"/>
           </a:xfrm>
           <a:prstGeom prst="line">
             <a:avLst/>
           </a:prstGeom>
-          <a:ln>
+          <a:ln w="28575">
             <a:solidFill>
               <a:schemeClr val="tx1"/>
             </a:solidFill>
@@ -7007,13 +6623,13 @@
         </p:nvCxnSpPr>
         <p:spPr>
           <a:xfrm>
-            <a:off x="8779935" y="1352680"/>
+            <a:off x="7475141" y="1645093"/>
             <a:ext cx="1136525" cy="1083"/>
           </a:xfrm>
           <a:prstGeom prst="straightConnector1">
             <a:avLst/>
           </a:prstGeom>
-          <a:ln w="19050">
+          <a:ln w="28575">
             <a:solidFill>
               <a:schemeClr val="tx1"/>
             </a:solidFill>
@@ -7051,8 +6667,8 @@
         </p:nvSpPr>
         <p:spPr>
           <a:xfrm>
-            <a:off x="8779935" y="1071366"/>
-            <a:ext cx="1136525" cy="276999"/>
+            <a:off x="7321481" y="1333001"/>
+            <a:ext cx="1443844" cy="307777"/>
           </a:xfrm>
           <a:prstGeom prst="rect">
             <a:avLst/>
@@ -7067,9 +6683,9 @@
           <a:p>
             <a:pPr algn="ctr"/>
             <a:r>
-              <a:rPr lang="en-US" sz="1200" dirty="0">
-                <a:latin typeface="Times New Roman" panose="02020603050405020304" pitchFamily="18" charset="0"/>
-                <a:cs typeface="Times New Roman" panose="02020603050405020304" pitchFamily="18" charset="0"/>
+              <a:rPr lang="en-US" sz="1400" i="1" dirty="0">
+                <a:latin typeface="Calibri" panose="020F0502020204030204" pitchFamily="34" charset="0"/>
+                <a:cs typeface="Calibri" panose="020F0502020204030204" pitchFamily="34" charset="0"/>
               </a:rPr>
               <a:t>Concatenation</a:t>
             </a:r>
@@ -7092,13 +6708,13 @@
         </p:nvCxnSpPr>
         <p:spPr>
           <a:xfrm>
-            <a:off x="8779935" y="1632493"/>
+            <a:off x="8858461" y="1233249"/>
             <a:ext cx="1136525" cy="1083"/>
           </a:xfrm>
           <a:prstGeom prst="straightConnector1">
             <a:avLst/>
           </a:prstGeom>
-          <a:ln w="19050">
+          <a:ln w="28575">
             <a:solidFill>
               <a:schemeClr val="tx1"/>
             </a:solidFill>
@@ -7135,8 +6751,8 @@
         </p:nvSpPr>
         <p:spPr>
           <a:xfrm>
-            <a:off x="8779935" y="1351179"/>
-            <a:ext cx="1136525" cy="276999"/>
+            <a:off x="8858461" y="921157"/>
+            <a:ext cx="1136525" cy="307777"/>
           </a:xfrm>
           <a:prstGeom prst="rect">
             <a:avLst/>
@@ -7151,9 +6767,9 @@
           <a:p>
             <a:pPr algn="ctr"/>
             <a:r>
-              <a:rPr lang="en-US" sz="1200" dirty="0">
-                <a:latin typeface="Times New Roman" panose="02020603050405020304" pitchFamily="18" charset="0"/>
-                <a:cs typeface="Times New Roman" panose="02020603050405020304" pitchFamily="18" charset="0"/>
+              <a:rPr lang="en-US" sz="1400" i="1" dirty="0">
+                <a:latin typeface="Calibri" panose="020F0502020204030204" pitchFamily="34" charset="0"/>
+                <a:cs typeface="Calibri" panose="020F0502020204030204" pitchFamily="34" charset="0"/>
               </a:rPr>
               <a:t>Input</a:t>
             </a:r>
@@ -7178,7 +6794,7 @@
         </p:nvCxnSpPr>
         <p:spPr>
           <a:xfrm rot="10800000">
-            <a:off x="6105971" y="3767521"/>
+            <a:off x="5926589" y="3696519"/>
             <a:ext cx="777430" cy="574190"/>
           </a:xfrm>
           <a:prstGeom prst="curvedConnector3">
@@ -7186,7 +6802,7 @@
               <a:gd name="adj1" fmla="val 50000"/>
             </a:avLst>
           </a:prstGeom>
-          <a:ln w="19050">
+          <a:ln w="28575">
             <a:solidFill>
               <a:schemeClr val="tx1"/>
             </a:solidFill>
@@ -7223,13 +6839,13 @@
         </p:nvSpPr>
         <p:spPr>
           <a:xfrm rot="5400000">
-            <a:off x="3533243" y="968710"/>
+            <a:off x="3353861" y="897708"/>
             <a:ext cx="190454" cy="4936074"/>
           </a:xfrm>
           <a:prstGeom prst="leftBrace">
             <a:avLst/>
           </a:prstGeom>
-          <a:ln>
+          <a:ln w="28575">
             <a:solidFill>
               <a:schemeClr val="tx1"/>
             </a:solidFill>
@@ -7254,7 +6870,10 @@
           <a:lstStyle/>
           <a:p>
             <a:pPr algn="ctr"/>
-            <a:endParaRPr lang="en-US"/>
+            <a:endParaRPr lang="en-US" sz="1400">
+              <a:latin typeface="Calibri" panose="020F0502020204030204" pitchFamily="34" charset="0"/>
+              <a:cs typeface="Calibri" panose="020F0502020204030204" pitchFamily="34" charset="0"/>
+            </a:endParaRPr>
           </a:p>
         </p:txBody>
       </p:sp>
@@ -7272,13 +6891,13 @@
         </p:nvSpPr>
         <p:spPr>
           <a:xfrm rot="10800000">
-            <a:off x="10358073" y="3600031"/>
+            <a:off x="10178693" y="3529031"/>
             <a:ext cx="191043" cy="1483361"/>
           </a:xfrm>
           <a:prstGeom prst="leftBrace">
             <a:avLst/>
           </a:prstGeom>
-          <a:ln>
+          <a:ln w="28575">
             <a:solidFill>
               <a:schemeClr val="tx1"/>
             </a:solidFill>
@@ -7303,7 +6922,10 @@
           <a:lstStyle/>
           <a:p>
             <a:pPr algn="ctr"/>
-            <a:endParaRPr lang="en-US"/>
+            <a:endParaRPr lang="en-US" sz="1400">
+              <a:latin typeface="Calibri" panose="020F0502020204030204" pitchFamily="34" charset="0"/>
+              <a:cs typeface="Calibri" panose="020F0502020204030204" pitchFamily="34" charset="0"/>
+            </a:endParaRPr>
           </a:p>
         </p:txBody>
       </p:sp>
@@ -7321,8 +6943,8 @@
         </p:nvSpPr>
         <p:spPr>
           <a:xfrm>
-            <a:off x="10549117" y="4203211"/>
-            <a:ext cx="821618" cy="276999"/>
+            <a:off x="10369735" y="4101433"/>
+            <a:ext cx="1173244" cy="307777"/>
           </a:xfrm>
           <a:prstGeom prst="rect">
             <a:avLst/>
@@ -7336,9 +6958,9 @@
           <a:lstStyle/>
           <a:p>
             <a:r>
-              <a:rPr lang="en-US" sz="1200" dirty="0">
-                <a:latin typeface="Times New Roman" panose="02020603050405020304" pitchFamily="18" charset="0"/>
-                <a:cs typeface="Times New Roman" panose="02020603050405020304" pitchFamily="18" charset="0"/>
+              <a:rPr lang="en-US" sz="1400" i="1" dirty="0">
+                <a:latin typeface="Calibri" panose="020F0502020204030204" pitchFamily="34" charset="0"/>
+                <a:cs typeface="Calibri" panose="020F0502020204030204" pitchFamily="34" charset="0"/>
               </a:rPr>
               <a:t>#Cells - 1</a:t>
             </a:r>
@@ -7359,8 +6981,8 @@
         </p:nvSpPr>
         <p:spPr>
           <a:xfrm>
-            <a:off x="3060207" y="3064521"/>
-            <a:ext cx="1136525" cy="276999"/>
+            <a:off x="2880827" y="2962743"/>
+            <a:ext cx="1136525" cy="307777"/>
           </a:xfrm>
           <a:prstGeom prst="rect">
             <a:avLst/>
@@ -7375,9 +6997,9 @@
           <a:p>
             <a:pPr algn="ctr"/>
             <a:r>
-              <a:rPr lang="en-US" sz="1200" dirty="0">
-                <a:latin typeface="Times New Roman" panose="02020603050405020304" pitchFamily="18" charset="0"/>
-                <a:cs typeface="Times New Roman" panose="02020603050405020304" pitchFamily="18" charset="0"/>
+              <a:rPr lang="en-US" sz="1400" i="1" dirty="0">
+                <a:latin typeface="Calibri" panose="020F0502020204030204" pitchFamily="34" charset="0"/>
+                <a:cs typeface="Calibri" panose="020F0502020204030204" pitchFamily="34" charset="0"/>
               </a:rPr>
               <a:t>#Cells</a:t>
             </a:r>
@@ -7398,7 +7020,7 @@
         </p:nvSpPr>
         <p:spPr>
           <a:xfrm>
-            <a:off x="1183344" y="3582102"/>
+            <a:off x="1003962" y="3511100"/>
             <a:ext cx="425324" cy="370840"/>
           </a:xfrm>
           <a:prstGeom prst="ellipse">
@@ -7430,7 +7052,10 @@
           <a:lstStyle/>
           <a:p>
             <a:pPr algn="ctr"/>
-            <a:endParaRPr lang="en-US"/>
+            <a:endParaRPr lang="en-US" sz="1400">
+              <a:latin typeface="Calibri" panose="020F0502020204030204" pitchFamily="34" charset="0"/>
+              <a:cs typeface="Calibri" panose="020F0502020204030204" pitchFamily="34" charset="0"/>
+            </a:endParaRPr>
           </a:p>
         </p:txBody>
       </p:sp>
@@ -7448,7 +7073,7 @@
         </p:nvSpPr>
         <p:spPr>
           <a:xfrm>
-            <a:off x="2975926" y="3582101"/>
+            <a:off x="2796544" y="3511099"/>
             <a:ext cx="425324" cy="370840"/>
           </a:xfrm>
           <a:prstGeom prst="ellipse">
@@ -7480,7 +7105,10 @@
           <a:lstStyle/>
           <a:p>
             <a:pPr algn="ctr"/>
-            <a:endParaRPr lang="en-US"/>
+            <a:endParaRPr lang="en-US" sz="1400">
+              <a:latin typeface="Calibri" panose="020F0502020204030204" pitchFamily="34" charset="0"/>
+              <a:cs typeface="Calibri" panose="020F0502020204030204" pitchFamily="34" charset="0"/>
+            </a:endParaRPr>
           </a:p>
         </p:txBody>
       </p:sp>
@@ -7498,7 +7126,7 @@
         </p:nvSpPr>
         <p:spPr>
           <a:xfrm>
-            <a:off x="2074333" y="3582101"/>
+            <a:off x="1894951" y="3511099"/>
             <a:ext cx="425324" cy="370840"/>
           </a:xfrm>
           <a:prstGeom prst="ellipse">
@@ -7530,7 +7158,10 @@
           <a:lstStyle/>
           <a:p>
             <a:pPr algn="ctr"/>
-            <a:endParaRPr lang="en-US"/>
+            <a:endParaRPr lang="en-US" sz="1400">
+              <a:latin typeface="Calibri" panose="020F0502020204030204" pitchFamily="34" charset="0"/>
+              <a:cs typeface="Calibri" panose="020F0502020204030204" pitchFamily="34" charset="0"/>
+            </a:endParaRPr>
           </a:p>
         </p:txBody>
       </p:sp>
@@ -7548,7 +7179,7 @@
         </p:nvSpPr>
         <p:spPr>
           <a:xfrm>
-            <a:off x="2526551" y="3582101"/>
+            <a:off x="2347169" y="3511099"/>
             <a:ext cx="425324" cy="370840"/>
           </a:xfrm>
           <a:prstGeom prst="ellipse">
@@ -7580,7 +7211,10 @@
           <a:lstStyle/>
           <a:p>
             <a:pPr algn="ctr"/>
-            <a:endParaRPr lang="en-US"/>
+            <a:endParaRPr lang="en-US" sz="1400">
+              <a:latin typeface="Calibri" panose="020F0502020204030204" pitchFamily="34" charset="0"/>
+              <a:cs typeface="Calibri" panose="020F0502020204030204" pitchFamily="34" charset="0"/>
+            </a:endParaRPr>
           </a:p>
         </p:txBody>
       </p:sp>
@@ -7598,7 +7232,7 @@
         </p:nvSpPr>
         <p:spPr>
           <a:xfrm>
-            <a:off x="1622115" y="3591066"/>
+            <a:off x="1442733" y="3520064"/>
             <a:ext cx="425324" cy="370840"/>
           </a:xfrm>
           <a:prstGeom prst="ellipse">
@@ -7630,7 +7264,10 @@
           <a:lstStyle/>
           <a:p>
             <a:pPr algn="ctr"/>
-            <a:endParaRPr lang="en-US"/>
+            <a:endParaRPr lang="en-US" sz="1400">
+              <a:latin typeface="Calibri" panose="020F0502020204030204" pitchFamily="34" charset="0"/>
+              <a:cs typeface="Calibri" panose="020F0502020204030204" pitchFamily="34" charset="0"/>
+            </a:endParaRPr>
           </a:p>
         </p:txBody>
       </p:sp>
@@ -7648,7 +7285,7 @@
         </p:nvSpPr>
         <p:spPr>
           <a:xfrm>
-            <a:off x="3425272" y="3573136"/>
+            <a:off x="3245890" y="3502134"/>
             <a:ext cx="425324" cy="370840"/>
           </a:xfrm>
           <a:prstGeom prst="ellipse">
@@ -7680,7 +7317,10 @@
           <a:lstStyle/>
           <a:p>
             <a:pPr algn="ctr"/>
-            <a:endParaRPr lang="en-US"/>
+            <a:endParaRPr lang="en-US" sz="1400">
+              <a:latin typeface="Calibri" panose="020F0502020204030204" pitchFamily="34" charset="0"/>
+              <a:cs typeface="Calibri" panose="020F0502020204030204" pitchFamily="34" charset="0"/>
+            </a:endParaRPr>
           </a:p>
         </p:txBody>
       </p:sp>
@@ -7698,7 +7338,7 @@
         </p:nvSpPr>
         <p:spPr>
           <a:xfrm>
-            <a:off x="3874618" y="3582101"/>
+            <a:off x="3695236" y="3511099"/>
             <a:ext cx="425324" cy="370840"/>
           </a:xfrm>
           <a:prstGeom prst="ellipse">
@@ -7730,7 +7370,10 @@
           <a:lstStyle/>
           <a:p>
             <a:pPr algn="ctr"/>
-            <a:endParaRPr lang="en-US"/>
+            <a:endParaRPr lang="en-US" sz="1400">
+              <a:latin typeface="Calibri" panose="020F0502020204030204" pitchFamily="34" charset="0"/>
+              <a:cs typeface="Calibri" panose="020F0502020204030204" pitchFamily="34" charset="0"/>
+            </a:endParaRPr>
           </a:p>
         </p:txBody>
       </p:sp>
@@ -7748,7 +7391,7 @@
         </p:nvSpPr>
         <p:spPr>
           <a:xfrm>
-            <a:off x="4322904" y="3582101"/>
+            <a:off x="4143522" y="3511099"/>
             <a:ext cx="425324" cy="370840"/>
           </a:xfrm>
           <a:prstGeom prst="ellipse">
@@ -7780,7 +7423,10 @@
           <a:lstStyle/>
           <a:p>
             <a:pPr algn="ctr"/>
-            <a:endParaRPr lang="en-US"/>
+            <a:endParaRPr lang="en-US" sz="1400">
+              <a:latin typeface="Calibri" panose="020F0502020204030204" pitchFamily="34" charset="0"/>
+              <a:cs typeface="Calibri" panose="020F0502020204030204" pitchFamily="34" charset="0"/>
+            </a:endParaRPr>
           </a:p>
         </p:txBody>
       </p:sp>
@@ -7798,7 +7444,7 @@
         </p:nvSpPr>
         <p:spPr>
           <a:xfrm>
-            <a:off x="4762763" y="3582101"/>
+            <a:off x="4583381" y="3511099"/>
             <a:ext cx="425324" cy="370840"/>
           </a:xfrm>
           <a:prstGeom prst="ellipse">
@@ -7830,7 +7476,10 @@
           <a:lstStyle/>
           <a:p>
             <a:pPr algn="ctr"/>
-            <a:endParaRPr lang="en-US"/>
+            <a:endParaRPr lang="en-US" sz="1400">
+              <a:latin typeface="Calibri" panose="020F0502020204030204" pitchFamily="34" charset="0"/>
+              <a:cs typeface="Calibri" panose="020F0502020204030204" pitchFamily="34" charset="0"/>
+            </a:endParaRPr>
           </a:p>
         </p:txBody>
       </p:sp>
@@ -7848,7 +7497,7 @@
         </p:nvSpPr>
         <p:spPr>
           <a:xfrm>
-            <a:off x="5220435" y="3582101"/>
+            <a:off x="5041053" y="3511099"/>
             <a:ext cx="425324" cy="370840"/>
           </a:xfrm>
           <a:prstGeom prst="ellipse">
@@ -7880,7 +7529,10 @@
           <a:lstStyle/>
           <a:p>
             <a:pPr algn="ctr"/>
-            <a:endParaRPr lang="en-US"/>
+            <a:endParaRPr lang="en-US" sz="1400">
+              <a:latin typeface="Calibri" panose="020F0502020204030204" pitchFamily="34" charset="0"/>
+              <a:cs typeface="Calibri" panose="020F0502020204030204" pitchFamily="34" charset="0"/>
+            </a:endParaRPr>
           </a:p>
         </p:txBody>
       </p:sp>
@@ -7898,7 +7550,7 @@
         </p:nvSpPr>
         <p:spPr>
           <a:xfrm>
-            <a:off x="5669810" y="3582101"/>
+            <a:off x="5490428" y="3511099"/>
             <a:ext cx="425324" cy="370840"/>
           </a:xfrm>
           <a:prstGeom prst="ellipse">
@@ -7930,7 +7582,10 @@
           <a:lstStyle/>
           <a:p>
             <a:pPr algn="ctr"/>
-            <a:endParaRPr lang="en-US"/>
+            <a:endParaRPr lang="en-US" sz="1400">
+              <a:latin typeface="Calibri" panose="020F0502020204030204" pitchFamily="34" charset="0"/>
+              <a:cs typeface="Calibri" panose="020F0502020204030204" pitchFamily="34" charset="0"/>
+            </a:endParaRPr>
           </a:p>
         </p:txBody>
       </p:sp>
@@ -7949,13 +7604,13 @@
           <p:nvPr>
             <p:extLst>
               <p:ext uri="{D42A27DB-BD31-4B8C-83A1-F6EECF244321}">
-                <p14:modId xmlns:p14="http://schemas.microsoft.com/office/powerpoint/2010/main" val="291540893"/>
+                <p14:modId xmlns:p14="http://schemas.microsoft.com/office/powerpoint/2010/main" val="4013354786"/>
               </p:ext>
             </p:extLst>
           </p:nvPr>
         </p:nvGraphicFramePr>
         <p:xfrm>
-          <a:off x="1169897" y="5106253"/>
+          <a:off x="990515" y="5035251"/>
           <a:ext cx="4936074" cy="370840"/>
         </p:xfrm>
         <a:graphic>
@@ -8060,7 +7715,7 @@
                     </a:p>
                   </a:txBody>
                   <a:tcPr anchor="ctr">
-                    <a:lnL w="12700" cap="flat" cmpd="sng" algn="ctr">
+                    <a:lnL w="28575" cap="flat" cmpd="sng" algn="ctr">
                       <a:solidFill>
                         <a:schemeClr val="tx1"/>
                       </a:solidFill>
@@ -8069,7 +7724,7 @@
                       <a:headEnd type="none" w="med" len="med"/>
                       <a:tailEnd type="none" w="med" len="med"/>
                     </a:lnL>
-                    <a:lnR w="12700" cap="flat" cmpd="sng" algn="ctr">
+                    <a:lnR w="28575" cap="flat" cmpd="sng" algn="ctr">
                       <a:solidFill>
                         <a:schemeClr val="tx1"/>
                       </a:solidFill>
@@ -8078,7 +7733,7 @@
                       <a:headEnd type="none" w="med" len="med"/>
                       <a:tailEnd type="none" w="med" len="med"/>
                     </a:lnR>
-                    <a:lnT w="12700" cap="flat" cmpd="sng" algn="ctr">
+                    <a:lnT w="28575" cap="flat" cmpd="sng" algn="ctr">
                       <a:solidFill>
                         <a:schemeClr val="tx1"/>
                       </a:solidFill>
@@ -8087,7 +7742,7 @@
                       <a:headEnd type="none" w="med" len="med"/>
                       <a:tailEnd type="none" w="med" len="med"/>
                     </a:lnT>
-                    <a:lnB w="12700" cap="flat" cmpd="sng" algn="ctr">
+                    <a:lnB w="28575" cap="flat" cmpd="sng" algn="ctr">
                       <a:solidFill>
                         <a:schemeClr val="tx1"/>
                       </a:solidFill>
@@ -8120,7 +7775,7 @@
                     </a:p>
                   </a:txBody>
                   <a:tcPr anchor="ctr">
-                    <a:lnL w="12700" cap="flat" cmpd="sng" algn="ctr">
+                    <a:lnL w="28575" cap="flat" cmpd="sng" algn="ctr">
                       <a:solidFill>
                         <a:schemeClr val="tx1"/>
                       </a:solidFill>
@@ -8129,7 +7784,7 @@
                       <a:headEnd type="none" w="med" len="med"/>
                       <a:tailEnd type="none" w="med" len="med"/>
                     </a:lnL>
-                    <a:lnR w="12700" cap="flat" cmpd="sng" algn="ctr">
+                    <a:lnR w="28575" cap="flat" cmpd="sng" algn="ctr">
                       <a:solidFill>
                         <a:schemeClr val="tx1"/>
                       </a:solidFill>
@@ -8138,7 +7793,7 @@
                       <a:headEnd type="none" w="med" len="med"/>
                       <a:tailEnd type="none" w="med" len="med"/>
                     </a:lnR>
-                    <a:lnT w="12700" cap="flat" cmpd="sng" algn="ctr">
+                    <a:lnT w="28575" cap="flat" cmpd="sng" algn="ctr">
                       <a:solidFill>
                         <a:schemeClr val="tx1"/>
                       </a:solidFill>
@@ -8147,7 +7802,7 @@
                       <a:headEnd type="none" w="med" len="med"/>
                       <a:tailEnd type="none" w="med" len="med"/>
                     </a:lnT>
-                    <a:lnB w="12700" cap="flat" cmpd="sng" algn="ctr">
+                    <a:lnB w="28575" cap="flat" cmpd="sng" algn="ctr">
                       <a:solidFill>
                         <a:schemeClr val="tx1"/>
                       </a:solidFill>
@@ -8180,7 +7835,7 @@
                     </a:p>
                   </a:txBody>
                   <a:tcPr anchor="ctr">
-                    <a:lnL w="12700" cap="flat" cmpd="sng" algn="ctr">
+                    <a:lnL w="28575" cap="flat" cmpd="sng" algn="ctr">
                       <a:solidFill>
                         <a:schemeClr val="tx1"/>
                       </a:solidFill>
@@ -8189,7 +7844,7 @@
                       <a:headEnd type="none" w="med" len="med"/>
                       <a:tailEnd type="none" w="med" len="med"/>
                     </a:lnL>
-                    <a:lnR w="12700" cap="flat" cmpd="sng" algn="ctr">
+                    <a:lnR w="28575" cap="flat" cmpd="sng" algn="ctr">
                       <a:solidFill>
                         <a:schemeClr val="tx1"/>
                       </a:solidFill>
@@ -8198,7 +7853,7 @@
                       <a:headEnd type="none" w="med" len="med"/>
                       <a:tailEnd type="none" w="med" len="med"/>
                     </a:lnR>
-                    <a:lnT w="12700" cap="flat" cmpd="sng" algn="ctr">
+                    <a:lnT w="28575" cap="flat" cmpd="sng" algn="ctr">
                       <a:solidFill>
                         <a:schemeClr val="tx1"/>
                       </a:solidFill>
@@ -8207,7 +7862,7 @@
                       <a:headEnd type="none" w="med" len="med"/>
                       <a:tailEnd type="none" w="med" len="med"/>
                     </a:lnT>
-                    <a:lnB w="12700" cap="flat" cmpd="sng" algn="ctr">
+                    <a:lnB w="28575" cap="flat" cmpd="sng" algn="ctr">
                       <a:solidFill>
                         <a:schemeClr val="tx1"/>
                       </a:solidFill>
@@ -8240,7 +7895,7 @@
                     </a:p>
                   </a:txBody>
                   <a:tcPr anchor="ctr">
-                    <a:lnL w="12700" cap="flat" cmpd="sng" algn="ctr">
+                    <a:lnL w="28575" cap="flat" cmpd="sng" algn="ctr">
                       <a:solidFill>
                         <a:schemeClr val="tx1"/>
                       </a:solidFill>
@@ -8249,7 +7904,7 @@
                       <a:headEnd type="none" w="med" len="med"/>
                       <a:tailEnd type="none" w="med" len="med"/>
                     </a:lnL>
-                    <a:lnR w="12700" cap="flat" cmpd="sng" algn="ctr">
+                    <a:lnR w="28575" cap="flat" cmpd="sng" algn="ctr">
                       <a:solidFill>
                         <a:schemeClr val="tx1"/>
                       </a:solidFill>
@@ -8258,7 +7913,7 @@
                       <a:headEnd type="none" w="med" len="med"/>
                       <a:tailEnd type="none" w="med" len="med"/>
                     </a:lnR>
-                    <a:lnT w="12700" cap="flat" cmpd="sng" algn="ctr">
+                    <a:lnT w="28575" cap="flat" cmpd="sng" algn="ctr">
                       <a:solidFill>
                         <a:schemeClr val="tx1"/>
                       </a:solidFill>
@@ -8267,7 +7922,7 @@
                       <a:headEnd type="none" w="med" len="med"/>
                       <a:tailEnd type="none" w="med" len="med"/>
                     </a:lnT>
-                    <a:lnB w="12700" cap="flat" cmpd="sng" algn="ctr">
+                    <a:lnB w="28575" cap="flat" cmpd="sng" algn="ctr">
                       <a:solidFill>
                         <a:schemeClr val="tx1"/>
                       </a:solidFill>
@@ -8300,7 +7955,7 @@
                     </a:p>
                   </a:txBody>
                   <a:tcPr anchor="ctr">
-                    <a:lnL w="12700" cap="flat" cmpd="sng" algn="ctr">
+                    <a:lnL w="28575" cap="flat" cmpd="sng" algn="ctr">
                       <a:solidFill>
                         <a:schemeClr val="tx1"/>
                       </a:solidFill>
@@ -8309,7 +7964,7 @@
                       <a:headEnd type="none" w="med" len="med"/>
                       <a:tailEnd type="none" w="med" len="med"/>
                     </a:lnL>
-                    <a:lnR w="12700" cap="flat" cmpd="sng" algn="ctr">
+                    <a:lnR w="28575" cap="flat" cmpd="sng" algn="ctr">
                       <a:solidFill>
                         <a:schemeClr val="tx1"/>
                       </a:solidFill>
@@ -8318,7 +7973,7 @@
                       <a:headEnd type="none" w="med" len="med"/>
                       <a:tailEnd type="none" w="med" len="med"/>
                     </a:lnR>
-                    <a:lnT w="12700" cap="flat" cmpd="sng" algn="ctr">
+                    <a:lnT w="28575" cap="flat" cmpd="sng" algn="ctr">
                       <a:solidFill>
                         <a:schemeClr val="tx1"/>
                       </a:solidFill>
@@ -8327,7 +7982,7 @@
                       <a:headEnd type="none" w="med" len="med"/>
                       <a:tailEnd type="none" w="med" len="med"/>
                     </a:lnT>
-                    <a:lnB w="12700" cap="flat" cmpd="sng" algn="ctr">
+                    <a:lnB w="28575" cap="flat" cmpd="sng" algn="ctr">
                       <a:solidFill>
                         <a:schemeClr val="tx1"/>
                       </a:solidFill>
@@ -8360,7 +8015,7 @@
                     </a:p>
                   </a:txBody>
                   <a:tcPr anchor="ctr">
-                    <a:lnL w="12700" cap="flat" cmpd="sng" algn="ctr">
+                    <a:lnL w="28575" cap="flat" cmpd="sng" algn="ctr">
                       <a:solidFill>
                         <a:schemeClr val="tx1"/>
                       </a:solidFill>
@@ -8369,7 +8024,7 @@
                       <a:headEnd type="none" w="med" len="med"/>
                       <a:tailEnd type="none" w="med" len="med"/>
                     </a:lnL>
-                    <a:lnR w="12700" cap="flat" cmpd="sng" algn="ctr">
+                    <a:lnR w="28575" cap="flat" cmpd="sng" algn="ctr">
                       <a:solidFill>
                         <a:schemeClr val="tx1"/>
                       </a:solidFill>
@@ -8378,7 +8033,7 @@
                       <a:headEnd type="none" w="med" len="med"/>
                       <a:tailEnd type="none" w="med" len="med"/>
                     </a:lnR>
-                    <a:lnT w="12700" cap="flat" cmpd="sng" algn="ctr">
+                    <a:lnT w="28575" cap="flat" cmpd="sng" algn="ctr">
                       <a:solidFill>
                         <a:schemeClr val="tx1"/>
                       </a:solidFill>
@@ -8387,7 +8042,7 @@
                       <a:headEnd type="none" w="med" len="med"/>
                       <a:tailEnd type="none" w="med" len="med"/>
                     </a:lnT>
-                    <a:lnB w="12700" cap="flat" cmpd="sng" algn="ctr">
+                    <a:lnB w="28575" cap="flat" cmpd="sng" algn="ctr">
                       <a:solidFill>
                         <a:schemeClr val="tx1"/>
                       </a:solidFill>
@@ -8420,7 +8075,7 @@
                     </a:p>
                   </a:txBody>
                   <a:tcPr anchor="ctr">
-                    <a:lnL w="12700" cap="flat" cmpd="sng" algn="ctr">
+                    <a:lnL w="28575" cap="flat" cmpd="sng" algn="ctr">
                       <a:solidFill>
                         <a:schemeClr val="tx1"/>
                       </a:solidFill>
@@ -8429,7 +8084,7 @@
                       <a:headEnd type="none" w="med" len="med"/>
                       <a:tailEnd type="none" w="med" len="med"/>
                     </a:lnL>
-                    <a:lnR w="12700" cap="flat" cmpd="sng" algn="ctr">
+                    <a:lnR w="28575" cap="flat" cmpd="sng" algn="ctr">
                       <a:solidFill>
                         <a:schemeClr val="tx1"/>
                       </a:solidFill>
@@ -8438,7 +8093,7 @@
                       <a:headEnd type="none" w="med" len="med"/>
                       <a:tailEnd type="none" w="med" len="med"/>
                     </a:lnR>
-                    <a:lnT w="12700" cap="flat" cmpd="sng" algn="ctr">
+                    <a:lnT w="28575" cap="flat" cmpd="sng" algn="ctr">
                       <a:solidFill>
                         <a:schemeClr val="tx1"/>
                       </a:solidFill>
@@ -8447,7 +8102,7 @@
                       <a:headEnd type="none" w="med" len="med"/>
                       <a:tailEnd type="none" w="med" len="med"/>
                     </a:lnT>
-                    <a:lnB w="12700" cap="flat" cmpd="sng" algn="ctr">
+                    <a:lnB w="28575" cap="flat" cmpd="sng" algn="ctr">
                       <a:solidFill>
                         <a:schemeClr val="tx1"/>
                       </a:solidFill>
@@ -8480,7 +8135,7 @@
                     </a:p>
                   </a:txBody>
                   <a:tcPr anchor="ctr">
-                    <a:lnL w="12700" cap="flat" cmpd="sng" algn="ctr">
+                    <a:lnL w="28575" cap="flat" cmpd="sng" algn="ctr">
                       <a:solidFill>
                         <a:schemeClr val="tx1"/>
                       </a:solidFill>
@@ -8489,7 +8144,7 @@
                       <a:headEnd type="none" w="med" len="med"/>
                       <a:tailEnd type="none" w="med" len="med"/>
                     </a:lnL>
-                    <a:lnR w="12700" cap="flat" cmpd="sng" algn="ctr">
+                    <a:lnR w="28575" cap="flat" cmpd="sng" algn="ctr">
                       <a:solidFill>
                         <a:schemeClr val="tx1"/>
                       </a:solidFill>
@@ -8498,7 +8153,7 @@
                       <a:headEnd type="none" w="med" len="med"/>
                       <a:tailEnd type="none" w="med" len="med"/>
                     </a:lnR>
-                    <a:lnT w="12700" cap="flat" cmpd="sng" algn="ctr">
+                    <a:lnT w="28575" cap="flat" cmpd="sng" algn="ctr">
                       <a:solidFill>
                         <a:schemeClr val="tx1"/>
                       </a:solidFill>
@@ -8507,7 +8162,7 @@
                       <a:headEnd type="none" w="med" len="med"/>
                       <a:tailEnd type="none" w="med" len="med"/>
                     </a:lnT>
-                    <a:lnB w="12700" cap="flat" cmpd="sng" algn="ctr">
+                    <a:lnB w="28575" cap="flat" cmpd="sng" algn="ctr">
                       <a:solidFill>
                         <a:schemeClr val="tx1"/>
                       </a:solidFill>
@@ -8540,7 +8195,7 @@
                     </a:p>
                   </a:txBody>
                   <a:tcPr anchor="ctr">
-                    <a:lnL w="12700" cap="flat" cmpd="sng" algn="ctr">
+                    <a:lnL w="28575" cap="flat" cmpd="sng" algn="ctr">
                       <a:solidFill>
                         <a:schemeClr val="tx1"/>
                       </a:solidFill>
@@ -8549,7 +8204,7 @@
                       <a:headEnd type="none" w="med" len="med"/>
                       <a:tailEnd type="none" w="med" len="med"/>
                     </a:lnL>
-                    <a:lnR w="12700" cap="flat" cmpd="sng" algn="ctr">
+                    <a:lnR w="28575" cap="flat" cmpd="sng" algn="ctr">
                       <a:solidFill>
                         <a:schemeClr val="tx1"/>
                       </a:solidFill>
@@ -8558,7 +8213,7 @@
                       <a:headEnd type="none" w="med" len="med"/>
                       <a:tailEnd type="none" w="med" len="med"/>
                     </a:lnR>
-                    <a:lnT w="12700" cap="flat" cmpd="sng" algn="ctr">
+                    <a:lnT w="28575" cap="flat" cmpd="sng" algn="ctr">
                       <a:solidFill>
                         <a:schemeClr val="tx1"/>
                       </a:solidFill>
@@ -8567,7 +8222,7 @@
                       <a:headEnd type="none" w="med" len="med"/>
                       <a:tailEnd type="none" w="med" len="med"/>
                     </a:lnT>
-                    <a:lnB w="12700" cap="flat" cmpd="sng" algn="ctr">
+                    <a:lnB w="28575" cap="flat" cmpd="sng" algn="ctr">
                       <a:solidFill>
                         <a:schemeClr val="tx1"/>
                       </a:solidFill>
@@ -8600,7 +8255,7 @@
                     </a:p>
                   </a:txBody>
                   <a:tcPr anchor="ctr">
-                    <a:lnL w="12700" cap="flat" cmpd="sng" algn="ctr">
+                    <a:lnL w="28575" cap="flat" cmpd="sng" algn="ctr">
                       <a:solidFill>
                         <a:schemeClr val="tx1"/>
                       </a:solidFill>
@@ -8609,7 +8264,7 @@
                       <a:headEnd type="none" w="med" len="med"/>
                       <a:tailEnd type="none" w="med" len="med"/>
                     </a:lnL>
-                    <a:lnR w="12700" cap="flat" cmpd="sng" algn="ctr">
+                    <a:lnR w="28575" cap="flat" cmpd="sng" algn="ctr">
                       <a:solidFill>
                         <a:schemeClr val="tx1"/>
                       </a:solidFill>
@@ -8618,7 +8273,7 @@
                       <a:headEnd type="none" w="med" len="med"/>
                       <a:tailEnd type="none" w="med" len="med"/>
                     </a:lnR>
-                    <a:lnT w="12700" cap="flat" cmpd="sng" algn="ctr">
+                    <a:lnT w="28575" cap="flat" cmpd="sng" algn="ctr">
                       <a:solidFill>
                         <a:schemeClr val="tx1"/>
                       </a:solidFill>
@@ -8627,7 +8282,7 @@
                       <a:headEnd type="none" w="med" len="med"/>
                       <a:tailEnd type="none" w="med" len="med"/>
                     </a:lnT>
-                    <a:lnB w="12700" cap="flat" cmpd="sng" algn="ctr">
+                    <a:lnB w="28575" cap="flat" cmpd="sng" algn="ctr">
                       <a:solidFill>
                         <a:schemeClr val="tx1"/>
                       </a:solidFill>
@@ -8660,7 +8315,7 @@
                     </a:p>
                   </a:txBody>
                   <a:tcPr anchor="ctr">
-                    <a:lnL w="12700" cap="flat" cmpd="sng" algn="ctr">
+                    <a:lnL w="28575" cap="flat" cmpd="sng" algn="ctr">
                       <a:solidFill>
                         <a:schemeClr val="tx1"/>
                       </a:solidFill>
@@ -8669,7 +8324,7 @@
                       <a:headEnd type="none" w="med" len="med"/>
                       <a:tailEnd type="none" w="med" len="med"/>
                     </a:lnL>
-                    <a:lnR w="12700" cap="flat" cmpd="sng" algn="ctr">
+                    <a:lnR w="28575" cap="flat" cmpd="sng" algn="ctr">
                       <a:solidFill>
                         <a:schemeClr val="tx1"/>
                       </a:solidFill>
@@ -8678,7 +8333,7 @@
                       <a:headEnd type="none" w="med" len="med"/>
                       <a:tailEnd type="none" w="med" len="med"/>
                     </a:lnR>
-                    <a:lnT w="12700" cap="flat" cmpd="sng" algn="ctr">
+                    <a:lnT w="28575" cap="flat" cmpd="sng" algn="ctr">
                       <a:solidFill>
                         <a:schemeClr val="tx1"/>
                       </a:solidFill>
@@ -8687,7 +8342,7 @@
                       <a:headEnd type="none" w="med" len="med"/>
                       <a:tailEnd type="none" w="med" len="med"/>
                     </a:lnT>
-                    <a:lnB w="12700" cap="flat" cmpd="sng" algn="ctr">
+                    <a:lnB w="28575" cap="flat" cmpd="sng" algn="ctr">
                       <a:solidFill>
                         <a:schemeClr val="tx1"/>
                       </a:solidFill>
@@ -8728,7 +8383,7 @@
         </p:nvSpPr>
         <p:spPr>
           <a:xfrm>
-            <a:off x="1183344" y="5106254"/>
+            <a:off x="1003962" y="5035252"/>
             <a:ext cx="425324" cy="370840"/>
           </a:xfrm>
           <a:prstGeom prst="ellipse">
@@ -8760,7 +8415,10 @@
           <a:lstStyle/>
           <a:p>
             <a:pPr algn="ctr"/>
-            <a:endParaRPr lang="en-US"/>
+            <a:endParaRPr lang="en-US" sz="1400">
+              <a:latin typeface="Calibri" panose="020F0502020204030204" pitchFamily="34" charset="0"/>
+              <a:cs typeface="Calibri" panose="020F0502020204030204" pitchFamily="34" charset="0"/>
+            </a:endParaRPr>
           </a:p>
         </p:txBody>
       </p:sp>
@@ -8778,7 +8436,7 @@
         </p:nvSpPr>
         <p:spPr>
           <a:xfrm>
-            <a:off x="2975926" y="5106253"/>
+            <a:off x="2796544" y="5035251"/>
             <a:ext cx="425324" cy="370840"/>
           </a:xfrm>
           <a:prstGeom prst="ellipse">
@@ -8810,7 +8468,10 @@
           <a:lstStyle/>
           <a:p>
             <a:pPr algn="ctr"/>
-            <a:endParaRPr lang="en-US"/>
+            <a:endParaRPr lang="en-US" sz="1400">
+              <a:latin typeface="Calibri" panose="020F0502020204030204" pitchFamily="34" charset="0"/>
+              <a:cs typeface="Calibri" panose="020F0502020204030204" pitchFamily="34" charset="0"/>
+            </a:endParaRPr>
           </a:p>
         </p:txBody>
       </p:sp>
@@ -8828,7 +8489,7 @@
         </p:nvSpPr>
         <p:spPr>
           <a:xfrm>
-            <a:off x="2074333" y="5106253"/>
+            <a:off x="1894951" y="5035251"/>
             <a:ext cx="425324" cy="370840"/>
           </a:xfrm>
           <a:prstGeom prst="ellipse">
@@ -8860,7 +8521,10 @@
           <a:lstStyle/>
           <a:p>
             <a:pPr algn="ctr"/>
-            <a:endParaRPr lang="en-US"/>
+            <a:endParaRPr lang="en-US" sz="1400">
+              <a:latin typeface="Calibri" panose="020F0502020204030204" pitchFamily="34" charset="0"/>
+              <a:cs typeface="Calibri" panose="020F0502020204030204" pitchFamily="34" charset="0"/>
+            </a:endParaRPr>
           </a:p>
         </p:txBody>
       </p:sp>
@@ -8878,7 +8542,7 @@
         </p:nvSpPr>
         <p:spPr>
           <a:xfrm>
-            <a:off x="2526551" y="5106253"/>
+            <a:off x="2347169" y="5035251"/>
             <a:ext cx="425324" cy="370840"/>
           </a:xfrm>
           <a:prstGeom prst="ellipse">
@@ -8910,7 +8574,10 @@
           <a:lstStyle/>
           <a:p>
             <a:pPr algn="ctr"/>
-            <a:endParaRPr lang="en-US"/>
+            <a:endParaRPr lang="en-US" sz="1400">
+              <a:latin typeface="Calibri" panose="020F0502020204030204" pitchFamily="34" charset="0"/>
+              <a:cs typeface="Calibri" panose="020F0502020204030204" pitchFamily="34" charset="0"/>
+            </a:endParaRPr>
           </a:p>
         </p:txBody>
       </p:sp>
@@ -8928,7 +8595,7 @@
         </p:nvSpPr>
         <p:spPr>
           <a:xfrm>
-            <a:off x="1622115" y="5115218"/>
+            <a:off x="1442733" y="5044216"/>
             <a:ext cx="425324" cy="370840"/>
           </a:xfrm>
           <a:prstGeom prst="ellipse">
@@ -8960,7 +8627,10 @@
           <a:lstStyle/>
           <a:p>
             <a:pPr algn="ctr"/>
-            <a:endParaRPr lang="en-US"/>
+            <a:endParaRPr lang="en-US" sz="1400">
+              <a:latin typeface="Calibri" panose="020F0502020204030204" pitchFamily="34" charset="0"/>
+              <a:cs typeface="Calibri" panose="020F0502020204030204" pitchFamily="34" charset="0"/>
+            </a:endParaRPr>
           </a:p>
         </p:txBody>
       </p:sp>
@@ -8978,7 +8648,7 @@
         </p:nvSpPr>
         <p:spPr>
           <a:xfrm>
-            <a:off x="3425272" y="5097288"/>
+            <a:off x="3245890" y="5026286"/>
             <a:ext cx="425324" cy="370840"/>
           </a:xfrm>
           <a:prstGeom prst="ellipse">
@@ -9010,7 +8680,10 @@
           <a:lstStyle/>
           <a:p>
             <a:pPr algn="ctr"/>
-            <a:endParaRPr lang="en-US"/>
+            <a:endParaRPr lang="en-US" sz="1400">
+              <a:latin typeface="Calibri" panose="020F0502020204030204" pitchFamily="34" charset="0"/>
+              <a:cs typeface="Calibri" panose="020F0502020204030204" pitchFamily="34" charset="0"/>
+            </a:endParaRPr>
           </a:p>
         </p:txBody>
       </p:sp>
@@ -9028,7 +8701,7 @@
         </p:nvSpPr>
         <p:spPr>
           <a:xfrm>
-            <a:off x="3874618" y="5106253"/>
+            <a:off x="3695236" y="5035251"/>
             <a:ext cx="425324" cy="370840"/>
           </a:xfrm>
           <a:prstGeom prst="ellipse">
@@ -9060,7 +8733,10 @@
           <a:lstStyle/>
           <a:p>
             <a:pPr algn="ctr"/>
-            <a:endParaRPr lang="en-US"/>
+            <a:endParaRPr lang="en-US" sz="1400">
+              <a:latin typeface="Calibri" panose="020F0502020204030204" pitchFamily="34" charset="0"/>
+              <a:cs typeface="Calibri" panose="020F0502020204030204" pitchFamily="34" charset="0"/>
+            </a:endParaRPr>
           </a:p>
         </p:txBody>
       </p:sp>
@@ -9078,7 +8754,7 @@
         </p:nvSpPr>
         <p:spPr>
           <a:xfrm>
-            <a:off x="4322904" y="5106253"/>
+            <a:off x="4143522" y="5035251"/>
             <a:ext cx="425324" cy="370840"/>
           </a:xfrm>
           <a:prstGeom prst="ellipse">
@@ -9110,7 +8786,10 @@
           <a:lstStyle/>
           <a:p>
             <a:pPr algn="ctr"/>
-            <a:endParaRPr lang="en-US"/>
+            <a:endParaRPr lang="en-US" sz="1400">
+              <a:latin typeface="Calibri" panose="020F0502020204030204" pitchFamily="34" charset="0"/>
+              <a:cs typeface="Calibri" panose="020F0502020204030204" pitchFamily="34" charset="0"/>
+            </a:endParaRPr>
           </a:p>
         </p:txBody>
       </p:sp>
@@ -9128,7 +8807,7 @@
         </p:nvSpPr>
         <p:spPr>
           <a:xfrm>
-            <a:off x="4762763" y="5106253"/>
+            <a:off x="4583381" y="5035251"/>
             <a:ext cx="425324" cy="370840"/>
           </a:xfrm>
           <a:prstGeom prst="ellipse">
@@ -9160,7 +8839,10 @@
           <a:lstStyle/>
           <a:p>
             <a:pPr algn="ctr"/>
-            <a:endParaRPr lang="en-US"/>
+            <a:endParaRPr lang="en-US" sz="1400">
+              <a:latin typeface="Calibri" panose="020F0502020204030204" pitchFamily="34" charset="0"/>
+              <a:cs typeface="Calibri" panose="020F0502020204030204" pitchFamily="34" charset="0"/>
+            </a:endParaRPr>
           </a:p>
         </p:txBody>
       </p:sp>
@@ -9178,7 +8860,7 @@
         </p:nvSpPr>
         <p:spPr>
           <a:xfrm>
-            <a:off x="5220435" y="5106253"/>
+            <a:off x="5041053" y="5035251"/>
             <a:ext cx="425324" cy="370840"/>
           </a:xfrm>
           <a:prstGeom prst="ellipse">
@@ -9210,7 +8892,10 @@
           <a:lstStyle/>
           <a:p>
             <a:pPr algn="ctr"/>
-            <a:endParaRPr lang="en-US"/>
+            <a:endParaRPr lang="en-US" sz="1400">
+              <a:latin typeface="Calibri" panose="020F0502020204030204" pitchFamily="34" charset="0"/>
+              <a:cs typeface="Calibri" panose="020F0502020204030204" pitchFamily="34" charset="0"/>
+            </a:endParaRPr>
           </a:p>
         </p:txBody>
       </p:sp>
@@ -9228,7 +8913,7 @@
         </p:nvSpPr>
         <p:spPr>
           <a:xfrm>
-            <a:off x="5669810" y="5106253"/>
+            <a:off x="5490428" y="5035251"/>
             <a:ext cx="425324" cy="370840"/>
           </a:xfrm>
           <a:prstGeom prst="ellipse">
@@ -9260,7 +8945,10 @@
           <a:lstStyle/>
           <a:p>
             <a:pPr algn="ctr"/>
-            <a:endParaRPr lang="en-US"/>
+            <a:endParaRPr lang="en-US" sz="1400">
+              <a:latin typeface="Calibri" panose="020F0502020204030204" pitchFamily="34" charset="0"/>
+              <a:cs typeface="Calibri" panose="020F0502020204030204" pitchFamily="34" charset="0"/>
+            </a:endParaRPr>
           </a:p>
         </p:txBody>
       </p:sp>
@@ -9278,7 +8966,7 @@
         </p:nvSpPr>
         <p:spPr>
           <a:xfrm>
-            <a:off x="3070571" y="4464410"/>
+            <a:off x="2891189" y="4393410"/>
             <a:ext cx="112418" cy="116675"/>
           </a:xfrm>
           <a:prstGeom prst="ellipse">
@@ -9312,7 +9000,10 @@
           <a:lstStyle/>
           <a:p>
             <a:pPr algn="ctr"/>
-            <a:endParaRPr lang="en-US"/>
+            <a:endParaRPr lang="en-US" sz="1400">
+              <a:latin typeface="Calibri" panose="020F0502020204030204" pitchFamily="34" charset="0"/>
+              <a:cs typeface="Calibri" panose="020F0502020204030204" pitchFamily="34" charset="0"/>
+            </a:endParaRPr>
           </a:p>
         </p:txBody>
       </p:sp>
@@ -9334,13 +9025,13 @@
         </p:nvCxnSpPr>
         <p:spPr>
           <a:xfrm rot="5400000">
-            <a:off x="4248892" y="2830829"/>
+            <a:off x="4069512" y="2759827"/>
             <a:ext cx="511469" cy="2755692"/>
           </a:xfrm>
           <a:prstGeom prst="curvedConnector3">
             <a:avLst/>
           </a:prstGeom>
-          <a:ln>
+          <a:ln w="28575">
             <a:solidFill>
               <a:schemeClr val="tx1"/>
             </a:solidFill>
@@ -9381,7 +9072,7 @@
         </p:nvCxnSpPr>
         <p:spPr>
           <a:xfrm rot="5400000">
-            <a:off x="4024205" y="3055517"/>
+            <a:off x="3844825" y="2984517"/>
             <a:ext cx="511469" cy="2306317"/>
           </a:xfrm>
           <a:prstGeom prst="curvedConnector3">
@@ -9389,7 +9080,7 @@
               <a:gd name="adj1" fmla="val 50000"/>
             </a:avLst>
           </a:prstGeom>
-          <a:ln>
+          <a:ln w="28575">
             <a:solidFill>
               <a:schemeClr val="tx1"/>
             </a:solidFill>
@@ -9430,7 +9121,7 @@
         </p:nvCxnSpPr>
         <p:spPr>
           <a:xfrm rot="5400000">
-            <a:off x="3795369" y="3284353"/>
+            <a:off x="3615989" y="3213353"/>
             <a:ext cx="511469" cy="1848645"/>
           </a:xfrm>
           <a:prstGeom prst="curvedConnector3">
@@ -9438,7 +9129,7 @@
               <a:gd name="adj1" fmla="val 50000"/>
             </a:avLst>
           </a:prstGeom>
-          <a:ln>
+          <a:ln w="28575">
             <a:solidFill>
               <a:schemeClr val="tx1"/>
             </a:solidFill>
@@ -9479,7 +9170,7 @@
         </p:nvCxnSpPr>
         <p:spPr>
           <a:xfrm rot="5400000">
-            <a:off x="3575439" y="3504282"/>
+            <a:off x="3396059" y="3433280"/>
             <a:ext cx="511469" cy="1408786"/>
           </a:xfrm>
           <a:prstGeom prst="curvedConnector3">
@@ -9487,7 +9178,7 @@
               <a:gd name="adj1" fmla="val 50000"/>
             </a:avLst>
           </a:prstGeom>
-          <a:ln>
+          <a:ln w="28575">
             <a:solidFill>
               <a:schemeClr val="tx1"/>
             </a:solidFill>
@@ -9528,7 +9219,7 @@
         </p:nvCxnSpPr>
         <p:spPr>
           <a:xfrm rot="5400000">
-            <a:off x="3351296" y="3728425"/>
+            <a:off x="3171916" y="3657423"/>
             <a:ext cx="511469" cy="960500"/>
           </a:xfrm>
           <a:prstGeom prst="curvedConnector3">
@@ -9536,7 +9227,7 @@
               <a:gd name="adj1" fmla="val 50000"/>
             </a:avLst>
           </a:prstGeom>
-          <a:ln>
+          <a:ln w="28575">
             <a:solidFill>
               <a:schemeClr val="tx1"/>
             </a:solidFill>
@@ -9577,15 +9268,15 @@
         </p:nvCxnSpPr>
         <p:spPr>
           <a:xfrm rot="5400000">
-            <a:off x="3126623" y="3953098"/>
-            <a:ext cx="511469" cy="511154"/>
+            <a:off x="2947240" y="3882097"/>
+            <a:ext cx="511470" cy="511154"/>
           </a:xfrm>
           <a:prstGeom prst="curvedConnector3">
             <a:avLst>
               <a:gd name="adj1" fmla="val 50000"/>
             </a:avLst>
           </a:prstGeom>
-          <a:ln>
+          <a:ln w="28575">
             <a:solidFill>
               <a:schemeClr val="tx1"/>
             </a:solidFill>
@@ -9626,7 +9317,7 @@
         </p:nvCxnSpPr>
         <p:spPr>
           <a:xfrm rot="5400000">
-            <a:off x="2901950" y="4177771"/>
+            <a:off x="2722570" y="4106769"/>
             <a:ext cx="511469" cy="61808"/>
           </a:xfrm>
           <a:prstGeom prst="curvedConnector3">
@@ -9634,7 +9325,7 @@
               <a:gd name="adj1" fmla="val 50000"/>
             </a:avLst>
           </a:prstGeom>
-          <a:ln>
+          <a:ln w="28575">
             <a:solidFill>
               <a:schemeClr val="tx1"/>
             </a:solidFill>
@@ -9675,7 +9366,7 @@
         </p:nvCxnSpPr>
         <p:spPr>
           <a:xfrm rot="16200000" flipH="1">
-            <a:off x="2677262" y="4014891"/>
+            <a:off x="2497882" y="3943891"/>
             <a:ext cx="511469" cy="387567"/>
           </a:xfrm>
           <a:prstGeom prst="curvedConnector3">
@@ -9683,7 +9374,7 @@
               <a:gd name="adj1" fmla="val 50000"/>
             </a:avLst>
           </a:prstGeom>
-          <a:ln>
+          <a:ln w="28575">
             <a:solidFill>
               <a:schemeClr val="tx1"/>
             </a:solidFill>
@@ -9724,7 +9415,7 @@
         </p:nvCxnSpPr>
         <p:spPr>
           <a:xfrm rot="16200000" flipH="1">
-            <a:off x="2451153" y="3788782"/>
+            <a:off x="2271773" y="3717782"/>
             <a:ext cx="511469" cy="839785"/>
           </a:xfrm>
           <a:prstGeom prst="curvedConnector3">
@@ -9732,7 +9423,7 @@
               <a:gd name="adj1" fmla="val 50000"/>
             </a:avLst>
           </a:prstGeom>
-          <a:ln>
+          <a:ln w="28575">
             <a:solidFill>
               <a:schemeClr val="tx1"/>
             </a:solidFill>
@@ -9773,7 +9464,7 @@
         </p:nvCxnSpPr>
         <p:spPr>
           <a:xfrm rot="16200000" flipH="1">
-            <a:off x="2229526" y="3567156"/>
+            <a:off x="2050144" y="3496156"/>
             <a:ext cx="502504" cy="1292003"/>
           </a:xfrm>
           <a:prstGeom prst="curvedConnector3">
@@ -9781,7 +9472,7 @@
               <a:gd name="adj1" fmla="val 50000"/>
             </a:avLst>
           </a:prstGeom>
-          <a:ln>
+          <a:ln w="28575">
             <a:solidFill>
               <a:schemeClr val="tx1"/>
             </a:solidFill>
@@ -9822,7 +9513,7 @@
         </p:nvCxnSpPr>
         <p:spPr>
           <a:xfrm rot="16200000" flipH="1">
-            <a:off x="2005659" y="3343289"/>
+            <a:off x="1826277" y="3272287"/>
             <a:ext cx="511468" cy="1730774"/>
           </a:xfrm>
           <a:prstGeom prst="curvedConnector3">
@@ -9830,7 +9521,7 @@
               <a:gd name="adj1" fmla="val 50000"/>
             </a:avLst>
           </a:prstGeom>
-          <a:ln>
+          <a:ln w="28575">
             <a:solidFill>
               <a:schemeClr val="tx1"/>
             </a:solidFill>
@@ -9871,7 +9562,7 @@
         </p:nvCxnSpPr>
         <p:spPr>
           <a:xfrm rot="5400000">
-            <a:off x="1998809" y="3978282"/>
+            <a:off x="1819429" y="3907280"/>
             <a:ext cx="525169" cy="1730774"/>
           </a:xfrm>
           <a:prstGeom prst="curvedConnector3">
@@ -9879,7 +9570,7 @@
               <a:gd name="adj1" fmla="val 50000"/>
             </a:avLst>
           </a:prstGeom>
-          <a:ln>
+          <a:ln w="28575">
             <a:solidFill>
               <a:schemeClr val="tx1"/>
             </a:solidFill>
@@ -9920,7 +9611,7 @@
         </p:nvCxnSpPr>
         <p:spPr>
           <a:xfrm rot="5400000">
-            <a:off x="2213713" y="4202150"/>
+            <a:off x="2034333" y="4131150"/>
             <a:ext cx="534133" cy="1292003"/>
           </a:xfrm>
           <a:prstGeom prst="curvedConnector3">
@@ -9928,7 +9619,7 @@
               <a:gd name="adj1" fmla="val 50000"/>
             </a:avLst>
           </a:prstGeom>
-          <a:ln>
+          <a:ln w="28575">
             <a:solidFill>
               <a:schemeClr val="tx1"/>
             </a:solidFill>
@@ -9969,7 +9660,7 @@
         </p:nvCxnSpPr>
         <p:spPr>
           <a:xfrm rot="5400000">
-            <a:off x="2444304" y="4423777"/>
+            <a:off x="2264922" y="4352777"/>
             <a:ext cx="525168" cy="839785"/>
           </a:xfrm>
           <a:prstGeom prst="curvedConnector3">
@@ -9977,7 +9668,7 @@
               <a:gd name="adj1" fmla="val 50000"/>
             </a:avLst>
           </a:prstGeom>
-          <a:ln>
+          <a:ln w="28575">
             <a:solidFill>
               <a:schemeClr val="tx1"/>
             </a:solidFill>
@@ -10018,7 +9709,7 @@
         </p:nvCxnSpPr>
         <p:spPr>
           <a:xfrm rot="5400000">
-            <a:off x="2670413" y="4649886"/>
+            <a:off x="2491031" y="4578886"/>
             <a:ext cx="525168" cy="387567"/>
           </a:xfrm>
           <a:prstGeom prst="curvedConnector3">
@@ -10026,7 +9717,7 @@
               <a:gd name="adj1" fmla="val 50000"/>
             </a:avLst>
           </a:prstGeom>
-          <a:ln>
+          <a:ln w="28575">
             <a:solidFill>
               <a:schemeClr val="tx1"/>
             </a:solidFill>
@@ -10067,7 +9758,7 @@
         </p:nvCxnSpPr>
         <p:spPr>
           <a:xfrm rot="16200000" flipH="1">
-            <a:off x="2895100" y="4812765"/>
+            <a:off x="2715718" y="4741763"/>
             <a:ext cx="525168" cy="61808"/>
           </a:xfrm>
           <a:prstGeom prst="curvedConnector3">
@@ -10075,7 +9766,7 @@
               <a:gd name="adj1" fmla="val 50000"/>
             </a:avLst>
           </a:prstGeom>
-          <a:ln>
+          <a:ln w="28575">
             <a:solidFill>
               <a:schemeClr val="tx1"/>
             </a:solidFill>
@@ -10116,7 +9807,7 @@
         </p:nvCxnSpPr>
         <p:spPr>
           <a:xfrm rot="16200000" flipH="1">
-            <a:off x="3119773" y="4588092"/>
+            <a:off x="2940391" y="4517090"/>
             <a:ext cx="525168" cy="511154"/>
           </a:xfrm>
           <a:prstGeom prst="curvedConnector3">
@@ -10124,7 +9815,7 @@
               <a:gd name="adj1" fmla="val 50000"/>
             </a:avLst>
           </a:prstGeom>
-          <a:ln>
+          <a:ln w="28575">
             <a:solidFill>
               <a:schemeClr val="tx1"/>
             </a:solidFill>
@@ -10165,7 +9856,7 @@
         </p:nvCxnSpPr>
         <p:spPr>
           <a:xfrm rot="16200000" flipH="1">
-            <a:off x="3344446" y="4363419"/>
+            <a:off x="3165064" y="4292417"/>
             <a:ext cx="525168" cy="960500"/>
           </a:xfrm>
           <a:prstGeom prst="curvedConnector3">
@@ -10173,7 +9864,7 @@
               <a:gd name="adj1" fmla="val 50000"/>
             </a:avLst>
           </a:prstGeom>
-          <a:ln>
+          <a:ln w="28575">
             <a:solidFill>
               <a:schemeClr val="tx1"/>
             </a:solidFill>
@@ -10214,7 +9905,7 @@
         </p:nvCxnSpPr>
         <p:spPr>
           <a:xfrm rot="16200000" flipH="1">
-            <a:off x="3568589" y="4139276"/>
+            <a:off x="3389207" y="4068274"/>
             <a:ext cx="525168" cy="1408786"/>
           </a:xfrm>
           <a:prstGeom prst="curvedConnector3">
@@ -10222,7 +9913,7 @@
               <a:gd name="adj1" fmla="val 50000"/>
             </a:avLst>
           </a:prstGeom>
-          <a:ln>
+          <a:ln w="28575">
             <a:solidFill>
               <a:schemeClr val="tx1"/>
             </a:solidFill>
@@ -10263,7 +9954,7 @@
         </p:nvCxnSpPr>
         <p:spPr>
           <a:xfrm rot="16200000" flipH="1">
-            <a:off x="3788518" y="3919346"/>
+            <a:off x="3609136" y="3848346"/>
             <a:ext cx="525168" cy="1848645"/>
           </a:xfrm>
           <a:prstGeom prst="curvedConnector3">
@@ -10271,7 +9962,7 @@
               <a:gd name="adj1" fmla="val 50000"/>
             </a:avLst>
           </a:prstGeom>
-          <a:ln>
+          <a:ln w="28575">
             <a:solidFill>
               <a:schemeClr val="tx1"/>
             </a:solidFill>
@@ -10312,7 +10003,7 @@
         </p:nvCxnSpPr>
         <p:spPr>
           <a:xfrm rot="16200000" flipH="1">
-            <a:off x="4017354" y="3690510"/>
+            <a:off x="3837972" y="3619510"/>
             <a:ext cx="525168" cy="2306317"/>
           </a:xfrm>
           <a:prstGeom prst="curvedConnector3">
@@ -10320,7 +10011,7 @@
               <a:gd name="adj1" fmla="val 50000"/>
             </a:avLst>
           </a:prstGeom>
-          <a:ln>
+          <a:ln w="28575">
             <a:solidFill>
               <a:schemeClr val="tx1"/>
             </a:solidFill>
@@ -10361,7 +10052,7 @@
         </p:nvCxnSpPr>
         <p:spPr>
           <a:xfrm rot="16200000" flipH="1">
-            <a:off x="4242042" y="3465823"/>
+            <a:off x="4062660" y="3394821"/>
             <a:ext cx="525168" cy="2755692"/>
           </a:xfrm>
           <a:prstGeom prst="curvedConnector3">
@@ -10369,7 +10060,7 @@
               <a:gd name="adj1" fmla="val 50000"/>
             </a:avLst>
           </a:prstGeom>
-          <a:ln>
+          <a:ln w="28575">
             <a:solidFill>
               <a:schemeClr val="tx1"/>
             </a:solidFill>
@@ -10406,8 +10097,8 @@
         </p:nvSpPr>
         <p:spPr>
           <a:xfrm>
-            <a:off x="3322674" y="4367436"/>
-            <a:ext cx="1634012" cy="276999"/>
+            <a:off x="3133001" y="4277071"/>
+            <a:ext cx="1977168" cy="307777"/>
           </a:xfrm>
           <a:prstGeom prst="rect">
             <a:avLst/>
@@ -10422,9 +10113,9 @@
           <a:p>
             <a:pPr algn="ctr"/>
             <a:r>
-              <a:rPr lang="en-US" sz="1200" dirty="0">
-                <a:latin typeface="Times New Roman" panose="02020603050405020304" pitchFamily="18" charset="0"/>
-                <a:cs typeface="Times New Roman" panose="02020603050405020304" pitchFamily="18" charset="0"/>
+              <a:rPr lang="en-US" sz="1400" dirty="0">
+                <a:latin typeface="Calibri" panose="020F0502020204030204" pitchFamily="34" charset="0"/>
+                <a:cs typeface="Calibri" panose="020F0502020204030204" pitchFamily="34" charset="0"/>
               </a:rPr>
               <a:t>Residual Self-Attention</a:t>
             </a:r>
@@ -10449,7 +10140,7 @@
         </p:nvCxnSpPr>
         <p:spPr>
           <a:xfrm rot="10800000" flipV="1">
-            <a:off x="1169897" y="3767521"/>
+            <a:off x="990515" y="3696519"/>
             <a:ext cx="12700" cy="1524152"/>
           </a:xfrm>
           <a:prstGeom prst="curvedConnector3">
@@ -10457,7 +10148,7 @@
               <a:gd name="adj1" fmla="val 1800000"/>
             </a:avLst>
           </a:prstGeom>
-          <a:ln>
+          <a:ln w="28575">
             <a:solidFill>
               <a:schemeClr val="tx1"/>
             </a:solidFill>
@@ -10498,13 +10189,13 @@
         </p:nvCxnSpPr>
         <p:spPr>
           <a:xfrm rot="16200000" flipH="1">
-            <a:off x="6193136" y="5166429"/>
+            <a:off x="6013754" y="5095427"/>
             <a:ext cx="379602" cy="1000930"/>
           </a:xfrm>
           <a:prstGeom prst="curvedConnector2">
             <a:avLst/>
           </a:prstGeom>
-          <a:ln>
+          <a:ln w="28575">
             <a:solidFill>
               <a:schemeClr val="tx1"/>
             </a:solidFill>
@@ -10546,13 +10237,13 @@
         </p:nvCxnSpPr>
         <p:spPr>
           <a:xfrm rot="16200000" flipH="1">
-            <a:off x="5968448" y="4941741"/>
+            <a:off x="5789066" y="4870741"/>
             <a:ext cx="379602" cy="1450305"/>
           </a:xfrm>
           <a:prstGeom prst="curvedConnector2">
             <a:avLst/>
           </a:prstGeom>
-          <a:ln>
+          <a:ln w="28575">
             <a:solidFill>
               <a:schemeClr val="tx1"/>
             </a:solidFill>
@@ -10594,13 +10285,13 @@
         </p:nvCxnSpPr>
         <p:spPr>
           <a:xfrm rot="16200000" flipH="1">
-            <a:off x="5739612" y="4712905"/>
+            <a:off x="5560230" y="4641905"/>
             <a:ext cx="379602" cy="1907977"/>
           </a:xfrm>
           <a:prstGeom prst="curvedConnector2">
             <a:avLst/>
           </a:prstGeom>
-          <a:ln>
+          <a:ln w="28575">
             <a:solidFill>
               <a:schemeClr val="tx1"/>
             </a:solidFill>
@@ -10642,13 +10333,13 @@
         </p:nvCxnSpPr>
         <p:spPr>
           <a:xfrm rot="16200000" flipH="1">
-            <a:off x="5519683" y="4492976"/>
+            <a:off x="5340301" y="4421974"/>
             <a:ext cx="379602" cy="2347836"/>
           </a:xfrm>
           <a:prstGeom prst="curvedConnector2">
             <a:avLst/>
           </a:prstGeom>
-          <a:ln>
+          <a:ln w="28575">
             <a:solidFill>
               <a:schemeClr val="tx1"/>
             </a:solidFill>
@@ -10690,13 +10381,13 @@
         </p:nvCxnSpPr>
         <p:spPr>
           <a:xfrm rot="16200000" flipH="1">
-            <a:off x="5295540" y="4268833"/>
+            <a:off x="5116158" y="4197831"/>
             <a:ext cx="379602" cy="2796122"/>
           </a:xfrm>
           <a:prstGeom prst="curvedConnector2">
             <a:avLst/>
           </a:prstGeom>
-          <a:ln>
+          <a:ln w="28575">
             <a:solidFill>
               <a:schemeClr val="tx1"/>
             </a:solidFill>
@@ -10738,7 +10429,7 @@
         </p:nvCxnSpPr>
         <p:spPr>
           <a:xfrm rot="16200000" flipH="1">
-            <a:off x="5066385" y="4039677"/>
+            <a:off x="4887005" y="3968675"/>
             <a:ext cx="388567" cy="3245468"/>
           </a:xfrm>
           <a:prstGeom prst="curvedConnector2">
@@ -10786,13 +10477,13 @@
         </p:nvCxnSpPr>
         <p:spPr>
           <a:xfrm rot="16200000" flipH="1">
-            <a:off x="4846194" y="3819487"/>
+            <a:off x="4666812" y="3748485"/>
             <a:ext cx="379602" cy="3694814"/>
           </a:xfrm>
           <a:prstGeom prst="curvedConnector2">
             <a:avLst/>
           </a:prstGeom>
-          <a:ln>
+          <a:ln w="28575">
             <a:solidFill>
               <a:schemeClr val="tx1"/>
             </a:solidFill>
@@ -10834,13 +10525,13 @@
         </p:nvCxnSpPr>
         <p:spPr>
           <a:xfrm rot="16200000" flipH="1">
-            <a:off x="4621506" y="3594799"/>
+            <a:off x="4442124" y="3523799"/>
             <a:ext cx="379602" cy="4144189"/>
           </a:xfrm>
           <a:prstGeom prst="curvedConnector2">
             <a:avLst/>
           </a:prstGeom>
-          <a:ln>
+          <a:ln w="28575">
             <a:solidFill>
               <a:schemeClr val="tx1"/>
             </a:solidFill>
@@ -10882,13 +10573,13 @@
         </p:nvCxnSpPr>
         <p:spPr>
           <a:xfrm rot="16200000" flipH="1">
-            <a:off x="4395397" y="3368690"/>
+            <a:off x="4216015" y="3297690"/>
             <a:ext cx="379602" cy="4596407"/>
           </a:xfrm>
           <a:prstGeom prst="curvedConnector2">
             <a:avLst/>
           </a:prstGeom>
-          <a:ln>
+          <a:ln w="28575">
             <a:solidFill>
               <a:schemeClr val="tx1"/>
             </a:solidFill>
@@ -10930,13 +10621,13 @@
         </p:nvCxnSpPr>
         <p:spPr>
           <a:xfrm rot="16200000" flipH="1">
-            <a:off x="4173771" y="3147063"/>
+            <a:off x="3994391" y="3076063"/>
             <a:ext cx="370637" cy="5048625"/>
           </a:xfrm>
           <a:prstGeom prst="curvedConnector2">
             <a:avLst/>
           </a:prstGeom>
-          <a:ln>
+          <a:ln w="28575">
             <a:solidFill>
               <a:schemeClr val="tx1"/>
             </a:solidFill>
@@ -10978,13 +10669,13 @@
         </p:nvCxnSpPr>
         <p:spPr>
           <a:xfrm rot="16200000" flipH="1">
-            <a:off x="3949904" y="2923196"/>
+            <a:off x="3770524" y="2852194"/>
             <a:ext cx="379601" cy="5487396"/>
           </a:xfrm>
           <a:prstGeom prst="curvedConnector2">
             <a:avLst/>
           </a:prstGeom>
-          <a:ln>
+          <a:ln w="28575">
             <a:solidFill>
               <a:schemeClr val="tx1"/>
             </a:solidFill>
@@ -11023,13 +10714,13 @@
           <p:nvPr>
             <p:extLst>
               <p:ext uri="{D42A27DB-BD31-4B8C-83A1-F6EECF244321}">
-                <p14:modId xmlns:p14="http://schemas.microsoft.com/office/powerpoint/2010/main" val="2929809417"/>
+                <p14:modId xmlns:p14="http://schemas.microsoft.com/office/powerpoint/2010/main" val="1412730638"/>
               </p:ext>
             </p:extLst>
           </p:nvPr>
         </p:nvGraphicFramePr>
         <p:xfrm>
-          <a:off x="6883402" y="5671275"/>
+          <a:off x="6704022" y="5600273"/>
           <a:ext cx="1303115" cy="370840"/>
         </p:xfrm>
         <a:graphic>
@@ -11055,7 +10746,7 @@
                     <a:p>
                       <a:pPr algn="ctr"/>
                       <a:r>
-                        <a:rPr lang="en-US" sz="1200" b="0" dirty="0">
+                        <a:rPr lang="en-US" sz="1400" b="1" dirty="0">
                           <a:solidFill>
                             <a:schemeClr val="tx1"/>
                           </a:solidFill>
@@ -11067,7 +10758,7 @@
                     </a:p>
                   </a:txBody>
                   <a:tcPr anchor="ctr">
-                    <a:lnL w="12700" cap="flat" cmpd="sng" algn="ctr">
+                    <a:lnL w="28575" cap="flat" cmpd="sng" algn="ctr">
                       <a:solidFill>
                         <a:schemeClr val="tx1"/>
                       </a:solidFill>
@@ -11076,7 +10767,7 @@
                       <a:headEnd type="none" w="med" len="med"/>
                       <a:tailEnd type="none" w="med" len="med"/>
                     </a:lnL>
-                    <a:lnR w="12700" cap="flat" cmpd="sng" algn="ctr">
+                    <a:lnR w="28575" cap="flat" cmpd="sng" algn="ctr">
                       <a:solidFill>
                         <a:schemeClr val="tx1"/>
                       </a:solidFill>
@@ -11085,7 +10776,7 @@
                       <a:headEnd type="none" w="med" len="med"/>
                       <a:tailEnd type="none" w="med" len="med"/>
                     </a:lnR>
-                    <a:lnT w="12700" cap="flat" cmpd="sng" algn="ctr">
+                    <a:lnT w="28575" cap="flat" cmpd="sng" algn="ctr">
                       <a:solidFill>
                         <a:schemeClr val="tx1"/>
                       </a:solidFill>
@@ -11094,7 +10785,7 @@
                       <a:headEnd type="none" w="med" len="med"/>
                       <a:tailEnd type="none" w="med" len="med"/>
                     </a:lnT>
-                    <a:lnB w="12700" cap="flat" cmpd="sng" algn="ctr">
+                    <a:lnB w="28575" cap="flat" cmpd="sng" algn="ctr">
                       <a:solidFill>
                         <a:schemeClr val="tx1"/>
                       </a:solidFill>
@@ -11136,7 +10827,7 @@
         </p:nvCxnSpPr>
         <p:spPr>
           <a:xfrm rot="16200000" flipH="1">
-            <a:off x="5924433" y="5097289"/>
+            <a:off x="5745051" y="5026289"/>
             <a:ext cx="181536" cy="181535"/>
           </a:xfrm>
           <a:prstGeom prst="curvedConnector4">
@@ -11145,7 +10836,7 @@
               <a:gd name="adj2" fmla="val 225926"/>
             </a:avLst>
           </a:prstGeom>
-          <a:ln w="19050">
+          <a:ln w="28575">
             <a:solidFill>
               <a:schemeClr val="tx1"/>
             </a:solidFill>
@@ -11181,7 +10872,7 @@
         </p:nvSpPr>
         <p:spPr>
           <a:xfrm>
-            <a:off x="5742898" y="5097288"/>
+            <a:off x="5563518" y="5026288"/>
             <a:ext cx="363071" cy="363071"/>
           </a:xfrm>
           <a:prstGeom prst="ellipse">
@@ -11213,7 +10904,10 @@
           <a:lstStyle/>
           <a:p>
             <a:pPr algn="ctr"/>
-            <a:endParaRPr lang="en-US"/>
+            <a:endParaRPr lang="en-US" sz="1400">
+              <a:latin typeface="Calibri" panose="020F0502020204030204" pitchFamily="34" charset="0"/>
+              <a:cs typeface="Calibri" panose="020F0502020204030204" pitchFamily="34" charset="0"/>
+            </a:endParaRPr>
           </a:p>
         </p:txBody>
       </p:sp>
@@ -11234,14 +10928,14 @@
               <p:nvPr>
                 <p:extLst>
                   <p:ext uri="{D42A27DB-BD31-4B8C-83A1-F6EECF244321}">
-                    <p14:modId xmlns:p14="http://schemas.microsoft.com/office/powerpoint/2010/main" val="1903493954"/>
+                    <p14:modId xmlns:p14="http://schemas.microsoft.com/office/powerpoint/2010/main" val="717097748"/>
                   </p:ext>
                 </p:extLst>
               </p:nvPr>
             </p:nvGraphicFramePr>
             <p:xfrm>
-              <a:off x="8968944" y="5672670"/>
-              <a:ext cx="1303115" cy="369445"/>
+              <a:off x="8789564" y="5601670"/>
+              <a:ext cx="1476313" cy="369445"/>
             </p:xfrm>
             <a:graphic>
               <a:graphicData uri="http://schemas.openxmlformats.org/drawingml/2006/table">
@@ -11250,7 +10944,7 @@
                     <a:tableStyleId>{5C22544A-7EE6-4342-B048-85BDC9FD1C3A}</a:tableStyleId>
                   </a:tblPr>
                   <a:tblGrid>
-                    <a:gridCol w="1303115">
+                    <a:gridCol w="1476313">
                       <a:extLst>
                         <a:ext uri="{9D8B030D-6E8A-4147-A177-3AD203B41FA5}">
                           <a16:colId xmlns:a16="http://schemas.microsoft.com/office/drawing/2014/main" val="4279338487"/>
@@ -11274,7 +10968,7 @@
                                 <m:sSub>
                                   <m:sSubPr>
                                     <m:ctrlPr>
-                                      <a:rPr lang="en-US" sz="1200" b="0" i="1" smtClean="0">
+                                      <a:rPr lang="en-US" sz="1400" b="0" i="1" smtClean="0">
                                         <a:solidFill>
                                           <a:schemeClr val="tx1"/>
                                         </a:solidFill>
@@ -11288,7 +10982,7 @@
                                       <m:rPr>
                                         <m:sty m:val="p"/>
                                       </m:rPr>
-                                      <a:rPr lang="en-US" sz="1200" b="0" i="0" smtClean="0">
+                                      <a:rPr lang="en-US" sz="1400" b="0" i="0" smtClean="0">
                                         <a:solidFill>
                                           <a:schemeClr val="tx1"/>
                                         </a:solidFill>
@@ -11298,7 +10992,7 @@
                                       <m:t>Δ</m:t>
                                     </m:r>
                                     <m:r>
-                                      <a:rPr lang="en-US" sz="1200" b="0" i="1" smtClean="0">
+                                      <a:rPr lang="en-US" sz="1400" b="0" i="1" smtClean="0">
                                         <a:solidFill>
                                           <a:schemeClr val="tx1"/>
                                         </a:solidFill>
@@ -11310,7 +11004,7 @@
                                   </m:e>
                                   <m:sub>
                                     <m:r>
-                                      <a:rPr lang="en-US" sz="1200" b="0" i="1" smtClean="0">
+                                      <a:rPr lang="en-US" sz="1400" b="0" i="1" smtClean="0">
                                         <a:solidFill>
                                           <a:schemeClr val="tx1"/>
                                         </a:solidFill>
@@ -11322,7 +11016,7 @@
                                   </m:sub>
                                 </m:sSub>
                                 <m:r>
-                                  <a:rPr lang="en-US" sz="1200" b="0" i="1" smtClean="0">
+                                  <a:rPr lang="en-US" sz="1400" b="0" i="1" smtClean="0">
                                     <a:solidFill>
                                       <a:schemeClr val="tx1"/>
                                     </a:solidFill>
@@ -11334,7 +11028,7 @@
                                 <m:sSub>
                                   <m:sSubPr>
                                     <m:ctrlPr>
-                                      <a:rPr lang="en-US" sz="1200" b="0" i="1" smtClean="0">
+                                      <a:rPr lang="en-US" sz="1400" b="0" i="1" smtClean="0">
                                         <a:solidFill>
                                           <a:schemeClr val="tx1"/>
                                         </a:solidFill>
@@ -11348,7 +11042,7 @@
                                       <m:rPr>
                                         <m:sty m:val="p"/>
                                       </m:rPr>
-                                      <a:rPr lang="en-US" sz="1200" b="0" i="0" smtClean="0">
+                                      <a:rPr lang="en-US" sz="1400" b="0" i="0" smtClean="0">
                                         <a:solidFill>
                                           <a:schemeClr val="tx1"/>
                                         </a:solidFill>
@@ -11358,7 +11052,7 @@
                                       <m:t>Δ</m:t>
                                     </m:r>
                                     <m:r>
-                                      <a:rPr lang="en-US" sz="1200" b="0" i="1" smtClean="0">
+                                      <a:rPr lang="en-US" sz="1400" b="0" i="1" smtClean="0">
                                         <a:solidFill>
                                           <a:schemeClr val="tx1"/>
                                         </a:solidFill>
@@ -11370,7 +11064,7 @@
                                   </m:e>
                                   <m:sub>
                                     <m:r>
-                                      <a:rPr lang="en-US" sz="1200" b="0" i="1" smtClean="0">
+                                      <a:rPr lang="en-US" sz="1400" b="0" i="1" smtClean="0">
                                         <a:solidFill>
                                           <a:schemeClr val="tx1"/>
                                         </a:solidFill>
@@ -11382,7 +11076,7 @@
                                   </m:sub>
                                 </m:sSub>
                                 <m:r>
-                                  <a:rPr lang="en-US" sz="1200" b="0" i="1" smtClean="0">
+                                  <a:rPr lang="en-US" sz="1400" b="0" i="1" smtClean="0">
                                     <a:solidFill>
                                       <a:schemeClr val="tx1"/>
                                     </a:solidFill>
@@ -11394,7 +11088,7 @@
                                 <m:sSub>
                                   <m:sSubPr>
                                     <m:ctrlPr>
-                                      <a:rPr lang="en-US" sz="1200" b="0" i="1" smtClean="0">
+                                      <a:rPr lang="en-US" sz="1400" b="0" i="1" smtClean="0">
                                         <a:solidFill>
                                           <a:schemeClr val="tx1"/>
                                         </a:solidFill>
@@ -11408,7 +11102,7 @@
                                       <m:rPr>
                                         <m:sty m:val="p"/>
                                       </m:rPr>
-                                      <a:rPr lang="en-US" sz="1200" b="0" i="0" smtClean="0">
+                                      <a:rPr lang="en-US" sz="1400" b="0" i="0" smtClean="0">
                                         <a:solidFill>
                                           <a:schemeClr val="tx1"/>
                                         </a:solidFill>
@@ -11418,7 +11112,7 @@
                                       <m:t>Δ</m:t>
                                     </m:r>
                                     <m:r>
-                                      <a:rPr lang="en-US" sz="1200" b="0" i="1" smtClean="0">
+                                      <a:rPr lang="en-US" sz="1400" b="0" i="1" smtClean="0">
                                         <a:solidFill>
                                           <a:schemeClr val="tx1"/>
                                         </a:solidFill>
@@ -11430,7 +11124,7 @@
                                   </m:e>
                                   <m:sub>
                                     <m:r>
-                                      <a:rPr lang="en-US" sz="1200" b="0" i="1" smtClean="0">
+                                      <a:rPr lang="en-US" sz="1400" b="0" i="1" smtClean="0">
                                         <a:solidFill>
                                           <a:schemeClr val="tx1"/>
                                         </a:solidFill>
@@ -11444,7 +11138,7 @@
                               </m:oMath>
                             </m:oMathPara>
                           </a14:m>
-                          <a:endParaRPr lang="en-US" sz="1200" b="0" dirty="0">
+                          <a:endParaRPr lang="en-US" sz="1400" b="0" dirty="0">
                             <a:solidFill>
                               <a:schemeClr val="tx1"/>
                             </a:solidFill>
@@ -11454,7 +11148,7 @@
                         </a:p>
                       </a:txBody>
                       <a:tcPr anchor="ctr">
-                        <a:lnL w="12700" cap="flat" cmpd="sng" algn="ctr">
+                        <a:lnL w="28575" cap="flat" cmpd="sng" algn="ctr">
                           <a:solidFill>
                             <a:schemeClr val="tx1"/>
                           </a:solidFill>
@@ -11463,7 +11157,7 @@
                           <a:headEnd type="none" w="med" len="med"/>
                           <a:tailEnd type="none" w="med" len="med"/>
                         </a:lnL>
-                        <a:lnR w="12700" cap="flat" cmpd="sng" algn="ctr">
+                        <a:lnR w="28575" cap="flat" cmpd="sng" algn="ctr">
                           <a:solidFill>
                             <a:schemeClr val="tx1"/>
                           </a:solidFill>
@@ -11472,7 +11166,7 @@
                           <a:headEnd type="none" w="med" len="med"/>
                           <a:tailEnd type="none" w="med" len="med"/>
                         </a:lnR>
-                        <a:lnT w="12700" cap="flat" cmpd="sng" algn="ctr">
+                        <a:lnT w="28575" cap="flat" cmpd="sng" algn="ctr">
                           <a:solidFill>
                             <a:schemeClr val="tx1"/>
                           </a:solidFill>
@@ -11481,7 +11175,7 @@
                           <a:headEnd type="none" w="med" len="med"/>
                           <a:tailEnd type="none" w="med" len="med"/>
                         </a:lnT>
-                        <a:lnB w="12700" cap="flat" cmpd="sng" algn="ctr">
+                        <a:lnB w="28575" cap="flat" cmpd="sng" algn="ctr">
                           <a:solidFill>
                             <a:schemeClr val="tx1"/>
                           </a:solidFill>
@@ -11525,14 +11219,14 @@
               <p:nvPr>
                 <p:extLst>
                   <p:ext uri="{D42A27DB-BD31-4B8C-83A1-F6EECF244321}">
-                    <p14:modId xmlns:p14="http://schemas.microsoft.com/office/powerpoint/2010/main" val="1903493954"/>
+                    <p14:modId xmlns:p14="http://schemas.microsoft.com/office/powerpoint/2010/main" val="717097748"/>
                   </p:ext>
                 </p:extLst>
               </p:nvPr>
             </p:nvGraphicFramePr>
             <p:xfrm>
-              <a:off x="8968944" y="5672670"/>
-              <a:ext cx="1303115" cy="369445"/>
+              <a:off x="8789564" y="5601670"/>
+              <a:ext cx="1476313" cy="369445"/>
             </p:xfrm>
             <a:graphic>
               <a:graphicData uri="http://schemas.openxmlformats.org/drawingml/2006/table">
@@ -11541,7 +11235,7 @@
                     <a:tableStyleId>{5C22544A-7EE6-4342-B048-85BDC9FD1C3A}</a:tableStyleId>
                   </a:tblPr>
                   <a:tblGrid>
-                    <a:gridCol w="1303115">
+                    <a:gridCol w="1476313">
                       <a:extLst>
                         <a:ext uri="{9D8B030D-6E8A-4147-A177-3AD203B41FA5}">
                           <a16:colId xmlns:a16="http://schemas.microsoft.com/office/drawing/2014/main" val="4279338487"/>
@@ -11559,7 +11253,7 @@
                         </a:p>
                       </a:txBody>
                       <a:tcPr anchor="ctr">
-                        <a:lnL w="12700" cap="flat" cmpd="sng" algn="ctr">
+                        <a:lnL w="28575" cap="flat" cmpd="sng" algn="ctr">
                           <a:solidFill>
                             <a:schemeClr val="tx1"/>
                           </a:solidFill>
@@ -11568,7 +11262,7 @@
                           <a:headEnd type="none" w="med" len="med"/>
                           <a:tailEnd type="none" w="med" len="med"/>
                         </a:lnL>
-                        <a:lnR w="12700" cap="flat" cmpd="sng" algn="ctr">
+                        <a:lnR w="28575" cap="flat" cmpd="sng" algn="ctr">
                           <a:solidFill>
                             <a:schemeClr val="tx1"/>
                           </a:solidFill>
@@ -11577,7 +11271,7 @@
                           <a:headEnd type="none" w="med" len="med"/>
                           <a:tailEnd type="none" w="med" len="med"/>
                         </a:lnR>
-                        <a:lnT w="12700" cap="flat" cmpd="sng" algn="ctr">
+                        <a:lnT w="28575" cap="flat" cmpd="sng" algn="ctr">
                           <a:solidFill>
                             <a:schemeClr val="tx1"/>
                           </a:solidFill>
@@ -11586,7 +11280,7 @@
                           <a:headEnd type="none" w="med" len="med"/>
                           <a:tailEnd type="none" w="med" len="med"/>
                         </a:lnT>
-                        <a:lnB w="12700" cap="flat" cmpd="sng" algn="ctr">
+                        <a:lnB w="28575" cap="flat" cmpd="sng" algn="ctr">
                           <a:solidFill>
                             <a:schemeClr val="tx1"/>
                           </a:solidFill>
@@ -11598,7 +11292,7 @@
                         <a:blipFill>
                           <a:blip r:embed="rId4"/>
                           <a:stretch>
-                            <a:fillRect l="-465" t="-1613" r="-930" b="-3226"/>
+                            <a:fillRect l="-820" t="-3226" r="-1639" b="-8065"/>
                           </a:stretch>
                         </a:blipFill>
                       </a:tcPr>
@@ -11631,13 +11325,13 @@
         </p:nvCxnSpPr>
         <p:spPr>
           <a:xfrm>
-            <a:off x="8759264" y="1905501"/>
+            <a:off x="8837790" y="1635210"/>
             <a:ext cx="1136525" cy="1083"/>
           </a:xfrm>
           <a:prstGeom prst="straightConnector1">
             <a:avLst/>
           </a:prstGeom>
-          <a:ln w="19050">
+          <a:ln w="28575">
             <a:solidFill>
               <a:schemeClr val="tx1"/>
             </a:solidFill>
@@ -11674,8 +11368,8 @@
         </p:nvSpPr>
         <p:spPr>
           <a:xfrm>
-            <a:off x="8759264" y="1624187"/>
-            <a:ext cx="1136525" cy="276999"/>
+            <a:off x="8837790" y="1323118"/>
+            <a:ext cx="1136525" cy="307777"/>
           </a:xfrm>
           <a:prstGeom prst="rect">
             <a:avLst/>
@@ -11690,9 +11384,9 @@
           <a:p>
             <a:pPr algn="ctr"/>
             <a:r>
-              <a:rPr lang="en-US" sz="1200" dirty="0">
-                <a:latin typeface="Times New Roman" panose="02020603050405020304" pitchFamily="18" charset="0"/>
-                <a:cs typeface="Times New Roman" panose="02020603050405020304" pitchFamily="18" charset="0"/>
+              <a:rPr lang="en-US" sz="1400" i="1" dirty="0">
+                <a:latin typeface="Calibri" panose="020F0502020204030204" pitchFamily="34" charset="0"/>
+                <a:cs typeface="Calibri" panose="020F0502020204030204" pitchFamily="34" charset="0"/>
               </a:rPr>
               <a:t>Mean</a:t>
             </a:r>
@@ -11717,13 +11411,13 @@
         </p:nvCxnSpPr>
         <p:spPr>
           <a:xfrm>
-            <a:off x="8186517" y="5856695"/>
-            <a:ext cx="782427" cy="697"/>
+            <a:off x="8007137" y="5785693"/>
+            <a:ext cx="782427" cy="698"/>
           </a:xfrm>
           <a:prstGeom prst="straightConnector1">
             <a:avLst/>
           </a:prstGeom>
-          <a:ln w="19050">
+          <a:ln w="28575">
             <a:solidFill>
               <a:schemeClr val="tx1"/>
             </a:solidFill>
@@ -11745,6 +11439,82 @@
           </a:fontRef>
         </p:style>
       </p:cxnSp>
+      <p:sp>
+        <p:nvSpPr>
+          <p:cNvPr id="2" name="TextBox 1">
+            <a:extLst>
+              <a:ext uri="{FF2B5EF4-FFF2-40B4-BE49-F238E27FC236}">
+                <a16:creationId xmlns:a16="http://schemas.microsoft.com/office/drawing/2014/main" id="{72C99A4B-CCA5-637C-C120-E2554A15DE40}"/>
+              </a:ext>
+            </a:extLst>
+          </p:cNvPr>
+          <p:cNvSpPr txBox="1"/>
+          <p:nvPr/>
+        </p:nvSpPr>
+        <p:spPr>
+          <a:xfrm>
+            <a:off x="990514" y="1958147"/>
+            <a:ext cx="2468038" cy="307777"/>
+          </a:xfrm>
+          <a:prstGeom prst="rect">
+            <a:avLst/>
+          </a:prstGeom>
+          <a:noFill/>
+        </p:spPr>
+        <p:txBody>
+          <a:bodyPr wrap="square" rtlCol="0" anchor="b">
+            <a:spAutoFit/>
+          </a:bodyPr>
+          <a:lstStyle/>
+          <a:p>
+            <a:r>
+              <a:rPr lang="en-US" sz="1400" b="1" dirty="0">
+                <a:latin typeface="Calibri" panose="020F0502020204030204" pitchFamily="34" charset="0"/>
+                <a:cs typeface="Calibri" panose="020F0502020204030204" pitchFamily="34" charset="0"/>
+              </a:rPr>
+              <a:t>Neighbor Embedding</a:t>
+            </a:r>
+          </a:p>
+        </p:txBody>
+      </p:sp>
+      <p:sp>
+        <p:nvSpPr>
+          <p:cNvPr id="3" name="TextBox 2">
+            <a:extLst>
+              <a:ext uri="{FF2B5EF4-FFF2-40B4-BE49-F238E27FC236}">
+                <a16:creationId xmlns:a16="http://schemas.microsoft.com/office/drawing/2014/main" id="{FCD470AE-CBA7-B4F1-ECA3-8CB570D437EE}"/>
+              </a:ext>
+            </a:extLst>
+          </p:cNvPr>
+          <p:cNvSpPr txBox="1"/>
+          <p:nvPr/>
+        </p:nvSpPr>
+        <p:spPr>
+          <a:xfrm>
+            <a:off x="981051" y="797706"/>
+            <a:ext cx="1634012" cy="307777"/>
+          </a:xfrm>
+          <a:prstGeom prst="rect">
+            <a:avLst/>
+          </a:prstGeom>
+          <a:noFill/>
+        </p:spPr>
+        <p:txBody>
+          <a:bodyPr wrap="square" rtlCol="0" anchor="b">
+            <a:spAutoFit/>
+          </a:bodyPr>
+          <a:lstStyle/>
+          <a:p>
+            <a:r>
+              <a:rPr lang="en-US" sz="1400" b="1" dirty="0">
+                <a:latin typeface="Calibri" panose="020F0502020204030204" pitchFamily="34" charset="0"/>
+                <a:cs typeface="Calibri" panose="020F0502020204030204" pitchFamily="34" charset="0"/>
+              </a:rPr>
+              <a:t>Cell Embedding</a:t>
+            </a:r>
+          </a:p>
+        </p:txBody>
+      </p:sp>
     </p:spTree>
     <p:extLst>
       <p:ext uri="{BB962C8B-B14F-4D97-AF65-F5344CB8AC3E}">
@@ -11761,7 +11531,7 @@
 <file path=ppt/theme/theme1.xml><?xml version="1.0" encoding="utf-8"?>
 <a:theme xmlns:a="http://schemas.openxmlformats.org/drawingml/2006/main" name="Office Theme">
   <a:themeElements>
-    <a:clrScheme name="Office">
+    <a:clrScheme name="Office Theme">
       <a:dk1>
         <a:sysClr val="windowText" lastClr="000000"/>
       </a:dk1>
@@ -11799,7 +11569,7 @@
         <a:srgbClr val="96607D"/>
       </a:folHlink>
     </a:clrScheme>
-    <a:fontScheme name="Office">
+    <a:fontScheme name="Office Theme">
       <a:majorFont>
         <a:latin typeface="Aptos Display" panose="02110004020202020204"/>
         <a:ea typeface=""/>
@@ -11905,7 +11675,7 @@
         <a:font script="Tfng" typeface="Ebrima"/>
       </a:minorFont>
     </a:fontScheme>
-    <a:fmtScheme name="Office">
+    <a:fmtScheme name="Office Theme">
       <a:fillStyleLst>
         <a:solidFill>
           <a:schemeClr val="phClr"/>
